--- a/2022-10-04/documents/CH_04 인터페이스 기초.pptx
+++ b/2022-10-04/documents/CH_04 인터페이스 기초.pptx
@@ -5,10 +5,10 @@
     <p:sldMasterId id="2147483970" r:id="rId1"/>
   </p:sldMasterIdLst>
   <p:notesMasterIdLst>
-    <p:notesMasterId r:id="rId18"/>
+    <p:notesMasterId r:id="rId28"/>
   </p:notesMasterIdLst>
   <p:handoutMasterIdLst>
-    <p:handoutMasterId r:id="rId19"/>
+    <p:handoutMasterId r:id="rId29"/>
   </p:handoutMasterIdLst>
   <p:sldIdLst>
     <p:sldId id="391" r:id="rId2"/>
@@ -27,6 +27,16 @@
     <p:sldId id="405" r:id="rId15"/>
     <p:sldId id="407" r:id="rId16"/>
     <p:sldId id="406" r:id="rId17"/>
+    <p:sldId id="408" r:id="rId18"/>
+    <p:sldId id="409" r:id="rId19"/>
+    <p:sldId id="410" r:id="rId20"/>
+    <p:sldId id="411" r:id="rId21"/>
+    <p:sldId id="412" r:id="rId22"/>
+    <p:sldId id="413" r:id="rId23"/>
+    <p:sldId id="414" r:id="rId24"/>
+    <p:sldId id="415" r:id="rId25"/>
+    <p:sldId id="416" r:id="rId26"/>
+    <p:sldId id="417" r:id="rId27"/>
   </p:sldIdLst>
   <p:sldSz cx="9144000" cy="5715000" type="screen16x10"/>
   <p:notesSz cx="7104063" cy="10234613"/>
@@ -240,7 +250,7 @@
           <a:p>
             <a:fld id="{44C269C3-C25E-41E8-815A-55A10694EC72}" type="datetimeFigureOut">
               <a:rPr lang="ko-KR" altLang="en-US" smtClean="0"/>
-              <a:t>2022-09-28</a:t>
+              <a:t>2022-10-03</a:t>
             </a:fld>
             <a:endParaRPr lang="ko-KR" altLang="en-US"/>
           </a:p>
@@ -405,7 +415,7 @@
           <a:p>
             <a:fld id="{ADE0290A-1521-4E2C-B981-7952210E2E19}" type="datetimeFigureOut">
               <a:rPr lang="ko-KR" altLang="en-US" smtClean="0"/>
-              <a:t>2022-09-28</a:t>
+              <a:t>2022-10-03</a:t>
             </a:fld>
             <a:endParaRPr lang="ko-KR" altLang="en-US"/>
           </a:p>
@@ -1062,7 +1072,7 @@
             <a:fld id="{23A271A1-F6D6-438B-A432-4747EE7ECD40}" type="datetimeFigureOut">
               <a:rPr lang="en-US" smtClean="0"/>
               <a:pPr algn="ctr" eaLnBrk="1" latinLnBrk="0" hangingPunct="1"/>
-              <a:t>9/28/2022</a:t>
+              <a:t>10/3/2022</a:t>
             </a:fld>
             <a:endParaRPr lang="en-US" sz="1667" dirty="0">
               <a:solidFill>
@@ -1267,7 +1277,7 @@
             <a:fld id="{23A271A1-F6D6-438B-A432-4747EE7ECD40}" type="datetimeFigureOut">
               <a:rPr lang="en-US" smtClean="0"/>
               <a:pPr/>
-              <a:t>9/28/2022</a:t>
+              <a:t>10/3/2022</a:t>
             </a:fld>
             <a:endParaRPr lang="en-US" dirty="0"/>
           </a:p>
@@ -1469,7 +1479,7 @@
             <a:fld id="{23A271A1-F6D6-438B-A432-4747EE7ECD40}" type="datetimeFigureOut">
               <a:rPr lang="en-US" smtClean="0"/>
               <a:pPr/>
-              <a:t>9/28/2022</a:t>
+              <a:t>10/3/2022</a:t>
             </a:fld>
             <a:endParaRPr lang="en-US" dirty="0"/>
           </a:p>
@@ -1729,7 +1739,7 @@
             <a:fld id="{23A271A1-F6D6-438B-A432-4747EE7ECD40}" type="datetimeFigureOut">
               <a:rPr lang="en-US" smtClean="0"/>
               <a:pPr/>
-              <a:t>9/28/2022</a:t>
+              <a:t>10/3/2022</a:t>
             </a:fld>
             <a:endParaRPr lang="en-US" dirty="0"/>
           </a:p>
@@ -1918,7 +1928,7 @@
             <a:fld id="{23A271A1-F6D6-438B-A432-4747EE7ECD40}" type="datetimeFigureOut">
               <a:rPr lang="en-US" smtClean="0"/>
               <a:pPr/>
-              <a:t>9/28/2022</a:t>
+              <a:t>10/3/2022</a:t>
             </a:fld>
             <a:endParaRPr lang="en-US" dirty="0"/>
           </a:p>
@@ -2052,7 +2062,7 @@
             <a:fld id="{23A271A1-F6D6-438B-A432-4747EE7ECD40}" type="datetimeFigureOut">
               <a:rPr lang="en-US" smtClean="0"/>
               <a:pPr/>
-              <a:t>9/28/2022</a:t>
+              <a:t>10/3/2022</a:t>
             </a:fld>
             <a:endParaRPr lang="en-US" dirty="0"/>
           </a:p>
@@ -2243,7 +2253,7 @@
             <a:fld id="{23A271A1-F6D6-438B-A432-4747EE7ECD40}" type="datetimeFigureOut">
               <a:rPr lang="en-US" smtClean="0"/>
               <a:pPr/>
-              <a:t>9/28/2022</a:t>
+              <a:t>10/3/2022</a:t>
             </a:fld>
             <a:endParaRPr lang="en-US" dirty="0"/>
           </a:p>
@@ -2431,7 +2441,7 @@
             <a:fld id="{23A271A1-F6D6-438B-A432-4747EE7ECD40}" type="datetimeFigureOut">
               <a:rPr lang="en-US" smtClean="0"/>
               <a:pPr/>
-              <a:t>9/28/2022</a:t>
+              <a:t>10/3/2022</a:t>
             </a:fld>
             <a:endParaRPr lang="en-US" dirty="0"/>
           </a:p>
@@ -2628,7 +2638,7 @@
             <a:fld id="{23A271A1-F6D6-438B-A432-4747EE7ECD40}" type="datetimeFigureOut">
               <a:rPr lang="en-US" smtClean="0"/>
               <a:pPr/>
-              <a:t>9/28/2022</a:t>
+              <a:t>10/3/2022</a:t>
             </a:fld>
             <a:endParaRPr lang="en-US" dirty="0"/>
           </a:p>
@@ -2946,7 +2956,7 @@
             <a:fld id="{23A271A1-F6D6-438B-A432-4747EE7ECD40}" type="datetimeFigureOut">
               <a:rPr lang="en-US" smtClean="0"/>
               <a:pPr eaLnBrk="1" latinLnBrk="0" hangingPunct="1"/>
-              <a:t>9/28/2022</a:t>
+              <a:t>10/3/2022</a:t>
             </a:fld>
             <a:endParaRPr lang="en-US"/>
           </a:p>
@@ -3231,7 +3241,7 @@
             <a:fld id="{23A271A1-F6D6-438B-A432-4747EE7ECD40}" type="datetimeFigureOut">
               <a:rPr lang="en-US" smtClean="0"/>
               <a:pPr/>
-              <a:t>9/28/2022</a:t>
+              <a:t>10/3/2022</a:t>
             </a:fld>
             <a:endParaRPr lang="en-US" dirty="0"/>
           </a:p>
@@ -3355,7 +3365,7 @@
             <a:fld id="{23A271A1-F6D6-438B-A432-4747EE7ECD40}" type="datetimeFigureOut">
               <a:rPr lang="en-US" smtClean="0"/>
               <a:pPr eaLnBrk="1" latinLnBrk="0" hangingPunct="1"/>
-              <a:t>9/28/2022</a:t>
+              <a:t>10/3/2022</a:t>
             </a:fld>
             <a:endParaRPr lang="en-US"/>
           </a:p>
@@ -3742,7 +3752,7 @@
             <a:fld id="{23A271A1-F6D6-438B-A432-4747EE7ECD40}" type="datetimeFigureOut">
               <a:rPr lang="en-US" smtClean="0"/>
               <a:pPr eaLnBrk="1" latinLnBrk="0" hangingPunct="1"/>
-              <a:t>9/28/2022</a:t>
+              <a:t>10/3/2022</a:t>
             </a:fld>
             <a:endParaRPr lang="en-US"/>
           </a:p>
@@ -4092,7 +4102,7 @@
             <a:fld id="{23A271A1-F6D6-438B-A432-4747EE7ECD40}" type="datetimeFigureOut">
               <a:rPr lang="en-US" smtClean="0"/>
               <a:pPr eaLnBrk="1" latinLnBrk="0" hangingPunct="1"/>
-              <a:t>9/28/2022</a:t>
+              <a:t>10/3/2022</a:t>
             </a:fld>
             <a:endParaRPr lang="en-US"/>
           </a:p>
@@ -4402,7 +4412,7 @@
             <a:fld id="{23A271A1-F6D6-438B-A432-4747EE7ECD40}" type="datetimeFigureOut">
               <a:rPr lang="en-US" smtClean="0"/>
               <a:pPr/>
-              <a:t>9/28/2022</a:t>
+              <a:t>10/3/2022</a:t>
             </a:fld>
             <a:endParaRPr lang="en-US" dirty="0"/>
           </a:p>
@@ -4850,7 +4860,7 @@
             <a:fld id="{23A271A1-F6D6-438B-A432-4747EE7ECD40}" type="datetimeFigureOut">
               <a:rPr lang="en-US" smtClean="0"/>
               <a:pPr/>
-              <a:t>9/28/2022</a:t>
+              <a:t>10/3/2022</a:t>
             </a:fld>
             <a:endParaRPr lang="en-US" dirty="0"/>
           </a:p>
@@ -4996,7 +5006,7 @@
             <a:fld id="{23A271A1-F6D6-438B-A432-4747EE7ECD40}" type="datetimeFigureOut">
               <a:rPr lang="en-US" smtClean="0"/>
               <a:pPr/>
-              <a:t>9/28/2022</a:t>
+              <a:t>10/3/2022</a:t>
             </a:fld>
             <a:endParaRPr lang="en-US" dirty="0"/>
           </a:p>
@@ -5162,7 +5172,7 @@
             <a:fld id="{23A271A1-F6D6-438B-A432-4747EE7ECD40}" type="datetimeFigureOut">
               <a:rPr lang="en-US" smtClean="0"/>
               <a:pPr eaLnBrk="1" latinLnBrk="0" hangingPunct="1"/>
-              <a:t>9/28/2022</a:t>
+              <a:t>10/3/2022</a:t>
             </a:fld>
             <a:endParaRPr lang="en-US"/>
           </a:p>
@@ -5501,7 +5511,7 @@
             <a:fld id="{23A271A1-F6D6-438B-A432-4747EE7ECD40}" type="datetimeFigureOut">
               <a:rPr lang="en-US" smtClean="0"/>
               <a:pPr/>
-              <a:t>9/28/2022</a:t>
+              <a:t>10/3/2022</a:t>
             </a:fld>
             <a:endParaRPr lang="en-US" dirty="0"/>
           </a:p>
@@ -5780,7 +5790,7 @@
             <a:fld id="{23A271A1-F6D6-438B-A432-4747EE7ECD40}" type="datetimeFigureOut">
               <a:rPr lang="en-US" smtClean="0"/>
               <a:pPr/>
-              <a:t>9/28/2022</a:t>
+              <a:t>10/3/2022</a:t>
             </a:fld>
             <a:endParaRPr lang="en-US" dirty="0"/>
           </a:p>
@@ -6189,7 +6199,7 @@
             <a:fld id="{23A271A1-F6D6-438B-A432-4747EE7ECD40}" type="datetimeFigureOut">
               <a:rPr lang="en-US" smtClean="0"/>
               <a:pPr/>
-              <a:t>9/28/2022</a:t>
+              <a:t>10/3/2022</a:t>
             </a:fld>
             <a:endParaRPr lang="en-US" dirty="0"/>
           </a:p>
@@ -11653,6 +11663,1114 @@
 </p:sld>
 </file>
 
+<file path=ppt/slides/slide17.xml><?xml version="1.0" encoding="utf-8"?>
+<p:sld xmlns:a="http://schemas.openxmlformats.org/drawingml/2006/main" xmlns:r="http://schemas.openxmlformats.org/officeDocument/2006/relationships" xmlns:p="http://schemas.openxmlformats.org/presentationml/2006/main">
+  <p:cSld>
+    <p:spTree>
+      <p:nvGrpSpPr>
+        <p:cNvPr id="1" name=""/>
+        <p:cNvGrpSpPr/>
+        <p:nvPr/>
+      </p:nvGrpSpPr>
+      <p:grpSpPr>
+        <a:xfrm>
+          <a:off x="0" y="0"/>
+          <a:ext cx="0" cy="0"/>
+          <a:chOff x="0" y="0"/>
+          <a:chExt cx="0" cy="0"/>
+        </a:xfrm>
+      </p:grpSpPr>
+      <p:sp>
+        <p:nvSpPr>
+          <p:cNvPr id="2" name="제목 1"/>
+          <p:cNvSpPr>
+            <a:spLocks noGrp="1"/>
+          </p:cNvSpPr>
+          <p:nvPr>
+            <p:ph type="title"/>
+          </p:nvPr>
+        </p:nvSpPr>
+        <p:spPr/>
+        <p:txBody>
+          <a:bodyPr/>
+          <a:lstStyle/>
+          <a:p>
+            <a:r>
+              <a:rPr lang="en-US" altLang="ko-KR" dirty="0"/>
+              <a:t>4. </a:t>
+            </a:r>
+            <a:r>
+              <a:rPr lang="ko-KR" altLang="en-US" dirty="0"/>
+              <a:t>인터페이스 기초</a:t>
+            </a:r>
+          </a:p>
+        </p:txBody>
+      </p:sp>
+      <p:sp>
+        <p:nvSpPr>
+          <p:cNvPr id="3" name="내용 개체 틀 2"/>
+          <p:cNvSpPr>
+            <a:spLocks noGrp="1"/>
+          </p:cNvSpPr>
+          <p:nvPr>
+            <p:ph idx="1"/>
+          </p:nvPr>
+        </p:nvSpPr>
+        <p:spPr/>
+        <p:txBody>
+          <a:bodyPr>
+            <a:normAutofit/>
+          </a:bodyPr>
+          <a:lstStyle/>
+          <a:p>
+            <a:r>
+              <a:rPr lang="en-US" altLang="ko-KR" dirty="0"/>
+              <a:t>4.3 </a:t>
+            </a:r>
+            <a:r>
+              <a:rPr lang="ko-KR" altLang="en-US" dirty="0"/>
+              <a:t>그리기 함수</a:t>
+            </a:r>
+            <a:endParaRPr lang="en-US" altLang="ko-KR" dirty="0"/>
+          </a:p>
+          <a:p>
+            <a:pPr lvl="1"/>
+            <a:r>
+              <a:rPr lang="en-US" altLang="ko-KR" dirty="0"/>
+              <a:t>4.3.2 </a:t>
+            </a:r>
+            <a:r>
+              <a:rPr lang="ko-KR" altLang="en-US" dirty="0"/>
+              <a:t>글자 쓰기</a:t>
+            </a:r>
+            <a:endParaRPr lang="en-US" altLang="ko-KR" dirty="0"/>
+          </a:p>
+          <a:p>
+            <a:pPr lvl="1"/>
+            <a:endParaRPr lang="en-US" altLang="ko-KR" dirty="0"/>
+          </a:p>
+          <a:p>
+            <a:pPr lvl="1"/>
+            <a:endParaRPr lang="en-US" altLang="ko-KR" dirty="0"/>
+          </a:p>
+          <a:p>
+            <a:pPr lvl="1"/>
+            <a:endParaRPr lang="en-US" altLang="ko-KR" dirty="0"/>
+          </a:p>
+          <a:p>
+            <a:pPr lvl="1"/>
+            <a:endParaRPr lang="en-US" altLang="ko-KR" dirty="0"/>
+          </a:p>
+          <a:p>
+            <a:pPr lvl="1"/>
+            <a:endParaRPr lang="en-US" altLang="ko-KR" dirty="0"/>
+          </a:p>
+          <a:p>
+            <a:pPr lvl="1"/>
+            <a:endParaRPr lang="en-US" altLang="ko-KR" dirty="0"/>
+          </a:p>
+          <a:p>
+            <a:pPr lvl="2"/>
+            <a:r>
+              <a:rPr lang="ko-KR" altLang="en-US" dirty="0"/>
+              <a:t>항상 고정이라고 생각 해 두면 편함</a:t>
+            </a:r>
+            <a:r>
+              <a:rPr lang="en-US" altLang="ko-KR" dirty="0"/>
+              <a:t>.</a:t>
+            </a:r>
+          </a:p>
+        </p:txBody>
+      </p:sp>
+      <p:sp>
+        <p:nvSpPr>
+          <p:cNvPr id="4" name="직사각형 3">
+            <a:extLst>
+              <a:ext uri="{FF2B5EF4-FFF2-40B4-BE49-F238E27FC236}">
+                <a16:creationId xmlns:a16="http://schemas.microsoft.com/office/drawing/2014/main" id="{64FCAE03-D95D-374F-6DE9-F428C178B308}"/>
+              </a:ext>
+            </a:extLst>
+          </p:cNvPr>
+          <p:cNvSpPr/>
+          <p:nvPr/>
+        </p:nvSpPr>
+        <p:spPr>
+          <a:xfrm>
+            <a:off x="827584" y="2065412"/>
+            <a:ext cx="3168352" cy="2062103"/>
+          </a:xfrm>
+          <a:prstGeom prst="rect">
+            <a:avLst/>
+          </a:prstGeom>
+        </p:spPr>
+        <p:txBody>
+          <a:bodyPr wrap="square">
+            <a:spAutoFit/>
+          </a:bodyPr>
+          <a:lstStyle/>
+          <a:p>
+            <a:r>
+              <a:rPr lang="en-US" altLang="ko-KR" sz="1600" b="0" dirty="0">
+                <a:solidFill>
+                  <a:srgbClr val="CC9B00"/>
+                </a:solidFill>
+                <a:effectLst/>
+                <a:latin typeface="ubuntu mono derivative powerline" panose="020B0509030602030204" pitchFamily="49" charset="0"/>
+              </a:rPr>
+              <a:t>import</a:t>
+            </a:r>
+            <a:r>
+              <a:rPr lang="en-US" altLang="ko-KR" sz="1600" b="0" dirty="0">
+                <a:effectLst/>
+                <a:latin typeface="ubuntu mono derivative powerline" panose="020B0509030602030204" pitchFamily="49" charset="0"/>
+              </a:rPr>
+              <a:t> </a:t>
+            </a:r>
+            <a:r>
+              <a:rPr lang="en-US" altLang="ko-KR" sz="1600" b="0" dirty="0" err="1">
+                <a:solidFill>
+                  <a:srgbClr val="7030A0"/>
+                </a:solidFill>
+                <a:effectLst/>
+                <a:latin typeface="ubuntu mono derivative powerline" panose="020B0509030602030204" pitchFamily="49" charset="0"/>
+              </a:rPr>
+              <a:t>numpy</a:t>
+            </a:r>
+            <a:r>
+              <a:rPr lang="en-US" altLang="ko-KR" sz="1600" b="0" dirty="0">
+                <a:effectLst/>
+                <a:latin typeface="ubuntu mono derivative powerline" panose="020B0509030602030204" pitchFamily="49" charset="0"/>
+              </a:rPr>
+              <a:t> </a:t>
+            </a:r>
+            <a:r>
+              <a:rPr lang="en-US" altLang="ko-KR" sz="1600" b="0" dirty="0">
+                <a:solidFill>
+                  <a:srgbClr val="CC9B00"/>
+                </a:solidFill>
+                <a:effectLst/>
+                <a:latin typeface="ubuntu mono derivative powerline" panose="020B0509030602030204" pitchFamily="49" charset="0"/>
+              </a:rPr>
+              <a:t>as</a:t>
+            </a:r>
+            <a:r>
+              <a:rPr lang="en-US" altLang="ko-KR" sz="1600" b="0" dirty="0">
+                <a:effectLst/>
+                <a:latin typeface="ubuntu mono derivative powerline" panose="020B0509030602030204" pitchFamily="49" charset="0"/>
+              </a:rPr>
+              <a:t> </a:t>
+            </a:r>
+            <a:r>
+              <a:rPr lang="en-US" altLang="ko-KR" sz="1600" b="0" dirty="0">
+                <a:solidFill>
+                  <a:srgbClr val="7030A0"/>
+                </a:solidFill>
+                <a:effectLst/>
+                <a:latin typeface="ubuntu mono derivative powerline" panose="020B0509030602030204" pitchFamily="49" charset="0"/>
+              </a:rPr>
+              <a:t>np</a:t>
+            </a:r>
+          </a:p>
+          <a:p>
+            <a:r>
+              <a:rPr lang="en-US" altLang="ko-KR" sz="1600" b="0" dirty="0">
+                <a:solidFill>
+                  <a:srgbClr val="CC9B00"/>
+                </a:solidFill>
+                <a:effectLst/>
+                <a:latin typeface="ubuntu mono derivative powerline" panose="020B0509030602030204" pitchFamily="49" charset="0"/>
+              </a:rPr>
+              <a:t>import</a:t>
+            </a:r>
+            <a:r>
+              <a:rPr lang="en-US" altLang="ko-KR" sz="1600" b="0" dirty="0">
+                <a:effectLst/>
+                <a:latin typeface="ubuntu mono derivative powerline" panose="020B0509030602030204" pitchFamily="49" charset="0"/>
+              </a:rPr>
+              <a:t> </a:t>
+            </a:r>
+            <a:r>
+              <a:rPr lang="en-US" altLang="ko-KR" sz="1600" b="0" dirty="0">
+                <a:solidFill>
+                  <a:srgbClr val="7030A0"/>
+                </a:solidFill>
+                <a:effectLst/>
+                <a:latin typeface="ubuntu mono derivative powerline" panose="020B0509030602030204" pitchFamily="49" charset="0"/>
+              </a:rPr>
+              <a:t>cv2</a:t>
+            </a:r>
+          </a:p>
+          <a:p>
+            <a:endParaRPr lang="en-US" altLang="ko-KR" sz="1600" dirty="0">
+              <a:latin typeface="ubuntu mono derivative powerline" panose="020B0509030602030204" pitchFamily="49" charset="0"/>
+            </a:endParaRPr>
+          </a:p>
+          <a:p>
+            <a:r>
+              <a:rPr lang="en-US" altLang="ko-KR" sz="1600" dirty="0">
+                <a:latin typeface="ubuntu mono derivative powerline" panose="020B0509030602030204" pitchFamily="49" charset="0"/>
+              </a:rPr>
+              <a:t>...</a:t>
+            </a:r>
+            <a:endParaRPr lang="en-US" altLang="ko-KR" sz="1600" b="0" dirty="0">
+              <a:effectLst/>
+              <a:latin typeface="ubuntu mono derivative powerline" panose="020B0509030602030204" pitchFamily="49" charset="0"/>
+            </a:endParaRPr>
+          </a:p>
+          <a:p>
+            <a:br>
+              <a:rPr lang="en-US" altLang="ko-KR" sz="1600" b="0" dirty="0">
+                <a:effectLst/>
+                <a:latin typeface="ubuntu mono derivative powerline" panose="020B0509030602030204" pitchFamily="49" charset="0"/>
+              </a:rPr>
+            </a:br>
+            <a:r>
+              <a:rPr lang="en-US" altLang="ko-KR" sz="1600" b="0" dirty="0">
+                <a:solidFill>
+                  <a:srgbClr val="7030A0"/>
+                </a:solidFill>
+                <a:effectLst/>
+                <a:latin typeface="ubuntu mono derivative powerline" panose="020B0509030602030204" pitchFamily="49" charset="0"/>
+              </a:rPr>
+              <a:t>cv2</a:t>
+            </a:r>
+            <a:r>
+              <a:rPr lang="en-US" altLang="ko-KR" sz="1600" b="0" dirty="0">
+                <a:effectLst/>
+                <a:latin typeface="ubuntu mono derivative powerline" panose="020B0509030602030204" pitchFamily="49" charset="0"/>
+              </a:rPr>
+              <a:t>.</a:t>
+            </a:r>
+            <a:r>
+              <a:rPr lang="en-US" altLang="ko-KR" sz="1600" b="0" dirty="0">
+                <a:solidFill>
+                  <a:srgbClr val="0000FF"/>
+                </a:solidFill>
+                <a:effectLst/>
+                <a:latin typeface="ubuntu mono derivative powerline" panose="020B0509030602030204" pitchFamily="49" charset="0"/>
+              </a:rPr>
+              <a:t>imshow</a:t>
+            </a:r>
+            <a:r>
+              <a:rPr lang="en-US" altLang="ko-KR" sz="1600" b="0" dirty="0">
+                <a:effectLst/>
+                <a:latin typeface="ubuntu mono derivative powerline" panose="020B0509030602030204" pitchFamily="49" charset="0"/>
+              </a:rPr>
+              <a:t>('</a:t>
+            </a:r>
+            <a:r>
+              <a:rPr lang="en-US" altLang="ko-KR" sz="1600" b="0" dirty="0" err="1">
+                <a:effectLst/>
+                <a:latin typeface="ubuntu mono derivative powerline" panose="020B0509030602030204" pitchFamily="49" charset="0"/>
+              </a:rPr>
+              <a:t>putText</a:t>
+            </a:r>
+            <a:r>
+              <a:rPr lang="en-US" altLang="ko-KR" sz="1600" b="0" dirty="0">
+                <a:effectLst/>
+                <a:latin typeface="ubuntu mono derivative powerline" panose="020B0509030602030204" pitchFamily="49" charset="0"/>
+              </a:rPr>
+              <a:t>', image)</a:t>
+            </a:r>
+          </a:p>
+          <a:p>
+            <a:r>
+              <a:rPr lang="en-US" altLang="ko-KR" sz="1600" b="0" dirty="0">
+                <a:solidFill>
+                  <a:srgbClr val="7030A0"/>
+                </a:solidFill>
+                <a:effectLst/>
+                <a:latin typeface="ubuntu mono derivative powerline" panose="020B0509030602030204" pitchFamily="49" charset="0"/>
+              </a:rPr>
+              <a:t>cv2</a:t>
+            </a:r>
+            <a:r>
+              <a:rPr lang="en-US" altLang="ko-KR" sz="1600" b="0" dirty="0">
+                <a:effectLst/>
+                <a:latin typeface="ubuntu mono derivative powerline" panose="020B0509030602030204" pitchFamily="49" charset="0"/>
+              </a:rPr>
+              <a:t>.</a:t>
+            </a:r>
+            <a:r>
+              <a:rPr lang="en-US" altLang="ko-KR" sz="1600" b="0" dirty="0">
+                <a:solidFill>
+                  <a:srgbClr val="0000FF"/>
+                </a:solidFill>
+                <a:effectLst/>
+                <a:latin typeface="ubuntu mono derivative powerline" panose="020B0509030602030204" pitchFamily="49" charset="0"/>
+              </a:rPr>
+              <a:t>waitKey</a:t>
+            </a:r>
+            <a:r>
+              <a:rPr lang="en-US" altLang="ko-KR" sz="1600" b="0" dirty="0">
+                <a:effectLst/>
+                <a:latin typeface="ubuntu mono derivative powerline" panose="020B0509030602030204" pitchFamily="49" charset="0"/>
+              </a:rPr>
+              <a:t>(0)</a:t>
+            </a:r>
+          </a:p>
+          <a:p>
+            <a:r>
+              <a:rPr lang="en-US" altLang="ko-KR" sz="1600" b="0" dirty="0">
+                <a:solidFill>
+                  <a:srgbClr val="7030A0"/>
+                </a:solidFill>
+                <a:effectLst/>
+                <a:latin typeface="ubuntu mono derivative powerline" panose="020B0509030602030204" pitchFamily="49" charset="0"/>
+              </a:rPr>
+              <a:t>cv2</a:t>
+            </a:r>
+            <a:r>
+              <a:rPr lang="en-US" altLang="ko-KR" sz="1600" b="0" dirty="0">
+                <a:effectLst/>
+                <a:latin typeface="ubuntu mono derivative powerline" panose="020B0509030602030204" pitchFamily="49" charset="0"/>
+              </a:rPr>
+              <a:t>.</a:t>
+            </a:r>
+            <a:r>
+              <a:rPr lang="en-US" altLang="ko-KR" sz="1600" b="0" dirty="0">
+                <a:solidFill>
+                  <a:srgbClr val="0000FF"/>
+                </a:solidFill>
+                <a:effectLst/>
+                <a:latin typeface="ubuntu mono derivative powerline" panose="020B0509030602030204" pitchFamily="49" charset="0"/>
+              </a:rPr>
+              <a:t>destroyAllWindows</a:t>
+            </a:r>
+            <a:r>
+              <a:rPr lang="en-US" altLang="ko-KR" sz="1600" b="0" dirty="0">
+                <a:effectLst/>
+                <a:latin typeface="ubuntu mono derivative powerline" panose="020B0509030602030204" pitchFamily="49" charset="0"/>
+              </a:rPr>
+              <a:t>()</a:t>
+            </a:r>
+          </a:p>
+        </p:txBody>
+      </p:sp>
+    </p:spTree>
+    <p:extLst>
+      <p:ext uri="{BB962C8B-B14F-4D97-AF65-F5344CB8AC3E}">
+        <p14:creationId xmlns:p14="http://schemas.microsoft.com/office/powerpoint/2010/main" val="285761942"/>
+      </p:ext>
+    </p:extLst>
+  </p:cSld>
+  <p:clrMapOvr>
+    <a:masterClrMapping/>
+  </p:clrMapOvr>
+</p:sld>
+</file>
+
+<file path=ppt/slides/slide18.xml><?xml version="1.0" encoding="utf-8"?>
+<p:sld xmlns:a="http://schemas.openxmlformats.org/drawingml/2006/main" xmlns:r="http://schemas.openxmlformats.org/officeDocument/2006/relationships" xmlns:p="http://schemas.openxmlformats.org/presentationml/2006/main">
+  <p:cSld>
+    <p:spTree>
+      <p:nvGrpSpPr>
+        <p:cNvPr id="1" name=""/>
+        <p:cNvGrpSpPr/>
+        <p:nvPr/>
+      </p:nvGrpSpPr>
+      <p:grpSpPr>
+        <a:xfrm>
+          <a:off x="0" y="0"/>
+          <a:ext cx="0" cy="0"/>
+          <a:chOff x="0" y="0"/>
+          <a:chExt cx="0" cy="0"/>
+        </a:xfrm>
+      </p:grpSpPr>
+      <p:sp>
+        <p:nvSpPr>
+          <p:cNvPr id="2" name="제목 1"/>
+          <p:cNvSpPr>
+            <a:spLocks noGrp="1"/>
+          </p:cNvSpPr>
+          <p:nvPr>
+            <p:ph type="title"/>
+          </p:nvPr>
+        </p:nvSpPr>
+        <p:spPr/>
+        <p:txBody>
+          <a:bodyPr/>
+          <a:lstStyle/>
+          <a:p>
+            <a:r>
+              <a:rPr lang="en-US" altLang="ko-KR" dirty="0"/>
+              <a:t>4. </a:t>
+            </a:r>
+            <a:r>
+              <a:rPr lang="ko-KR" altLang="en-US" dirty="0"/>
+              <a:t>인터페이스 기초</a:t>
+            </a:r>
+          </a:p>
+        </p:txBody>
+      </p:sp>
+      <p:sp>
+        <p:nvSpPr>
+          <p:cNvPr id="3" name="내용 개체 틀 2"/>
+          <p:cNvSpPr>
+            <a:spLocks noGrp="1"/>
+          </p:cNvSpPr>
+          <p:nvPr>
+            <p:ph idx="1"/>
+          </p:nvPr>
+        </p:nvSpPr>
+        <p:spPr/>
+        <p:txBody>
+          <a:bodyPr>
+            <a:normAutofit/>
+          </a:bodyPr>
+          <a:lstStyle/>
+          <a:p>
+            <a:r>
+              <a:rPr lang="en-US" altLang="ko-KR" dirty="0"/>
+              <a:t>4.3 </a:t>
+            </a:r>
+            <a:r>
+              <a:rPr lang="ko-KR" altLang="en-US" dirty="0"/>
+              <a:t>그리기 함수</a:t>
+            </a:r>
+            <a:endParaRPr lang="en-US" altLang="ko-KR" dirty="0"/>
+          </a:p>
+          <a:p>
+            <a:pPr lvl="1"/>
+            <a:r>
+              <a:rPr lang="en-US" altLang="ko-KR" dirty="0"/>
+              <a:t>4.3.2 </a:t>
+            </a:r>
+            <a:r>
+              <a:rPr lang="ko-KR" altLang="en-US" dirty="0"/>
+              <a:t>글자 쓰기</a:t>
+            </a:r>
+            <a:endParaRPr lang="en-US" altLang="ko-KR" dirty="0"/>
+          </a:p>
+        </p:txBody>
+      </p:sp>
+      <p:sp>
+        <p:nvSpPr>
+          <p:cNvPr id="4" name="직사각형 3">
+            <a:extLst>
+              <a:ext uri="{FF2B5EF4-FFF2-40B4-BE49-F238E27FC236}">
+                <a16:creationId xmlns:a16="http://schemas.microsoft.com/office/drawing/2014/main" id="{64FCAE03-D95D-374F-6DE9-F428C178B308}"/>
+              </a:ext>
+            </a:extLst>
+          </p:cNvPr>
+          <p:cNvSpPr/>
+          <p:nvPr/>
+        </p:nvSpPr>
+        <p:spPr>
+          <a:xfrm>
+            <a:off x="827584" y="2065412"/>
+            <a:ext cx="7992888" cy="3046988"/>
+          </a:xfrm>
+          <a:prstGeom prst="rect">
+            <a:avLst/>
+          </a:prstGeom>
+        </p:spPr>
+        <p:txBody>
+          <a:bodyPr wrap="square">
+            <a:spAutoFit/>
+          </a:bodyPr>
+          <a:lstStyle/>
+          <a:p>
+            <a:r>
+              <a:rPr lang="en-US" altLang="ko-KR" sz="1600" b="0" dirty="0">
+                <a:effectLst/>
+                <a:latin typeface="ubuntu mono derivative powerline" panose="020B0509030602030204" pitchFamily="49" charset="0"/>
+              </a:rPr>
+              <a:t>olive, violet, brown = (128, 128, 0), (221, 160, 221), (42, 42, 165)</a:t>
+            </a:r>
+          </a:p>
+          <a:p>
+            <a:r>
+              <a:rPr lang="en-US" altLang="ko-KR" sz="1600" b="0" dirty="0">
+                <a:effectLst/>
+                <a:latin typeface="ubuntu mono derivative powerline" panose="020B0509030602030204" pitchFamily="49" charset="0"/>
+              </a:rPr>
+              <a:t>pt1, pt2 = (50, 230), (50, 310)</a:t>
+            </a:r>
+          </a:p>
+          <a:p>
+            <a:br>
+              <a:rPr lang="en-US" altLang="ko-KR" sz="1600" b="0" dirty="0">
+                <a:effectLst/>
+                <a:latin typeface="ubuntu mono derivative powerline" panose="020B0509030602030204" pitchFamily="49" charset="0"/>
+              </a:rPr>
+            </a:br>
+            <a:r>
+              <a:rPr lang="en-US" altLang="ko-KR" sz="1600" b="0" dirty="0">
+                <a:effectLst/>
+                <a:latin typeface="ubuntu mono derivative powerline" panose="020B0509030602030204" pitchFamily="49" charset="0"/>
+              </a:rPr>
+              <a:t>image = </a:t>
+            </a:r>
+            <a:r>
+              <a:rPr lang="en-US" altLang="ko-KR" sz="1600" b="0" dirty="0" err="1">
+                <a:effectLst/>
+                <a:latin typeface="ubuntu mono derivative powerline" panose="020B0509030602030204" pitchFamily="49" charset="0"/>
+              </a:rPr>
+              <a:t>np.</a:t>
+            </a:r>
+            <a:r>
+              <a:rPr lang="en-US" altLang="ko-KR" sz="1600" b="0" dirty="0" err="1">
+                <a:solidFill>
+                  <a:srgbClr val="0000FF"/>
+                </a:solidFill>
+                <a:effectLst/>
+                <a:latin typeface="ubuntu mono derivative powerline" panose="020B0509030602030204" pitchFamily="49" charset="0"/>
+              </a:rPr>
+              <a:t>zeros</a:t>
+            </a:r>
+            <a:r>
+              <a:rPr lang="en-US" altLang="ko-KR" sz="1600" b="0" dirty="0">
+                <a:effectLst/>
+                <a:latin typeface="ubuntu mono derivative powerline" panose="020B0509030602030204" pitchFamily="49" charset="0"/>
+              </a:rPr>
+              <a:t>((350, 350, 3), np.uint8)</a:t>
+            </a:r>
+          </a:p>
+          <a:p>
+            <a:r>
+              <a:rPr lang="en-US" altLang="ko-KR" sz="1600" b="0" dirty="0" err="1">
+                <a:effectLst/>
+                <a:latin typeface="ubuntu mono derivative powerline" panose="020B0509030602030204" pitchFamily="49" charset="0"/>
+              </a:rPr>
+              <a:t>image.</a:t>
+            </a:r>
+            <a:r>
+              <a:rPr lang="en-US" altLang="ko-KR" sz="1600" b="0" dirty="0" err="1">
+                <a:solidFill>
+                  <a:srgbClr val="0000FF"/>
+                </a:solidFill>
+                <a:effectLst/>
+                <a:latin typeface="ubuntu mono derivative powerline" panose="020B0509030602030204" pitchFamily="49" charset="0"/>
+              </a:rPr>
+              <a:t>fill</a:t>
+            </a:r>
+            <a:r>
+              <a:rPr lang="en-US" altLang="ko-KR" sz="1600" b="0" dirty="0">
+                <a:effectLst/>
+                <a:latin typeface="ubuntu mono derivative powerline" panose="020B0509030602030204" pitchFamily="49" charset="0"/>
+              </a:rPr>
+              <a:t>(255)</a:t>
+            </a:r>
+          </a:p>
+          <a:p>
+            <a:br>
+              <a:rPr lang="en-US" altLang="ko-KR" sz="1600" b="0" dirty="0">
+                <a:effectLst/>
+                <a:latin typeface="ubuntu mono derivative powerline" panose="020B0509030602030204" pitchFamily="49" charset="0"/>
+              </a:rPr>
+            </a:br>
+            <a:r>
+              <a:rPr lang="en-US" altLang="ko-KR" sz="1600" b="0" dirty="0">
+                <a:effectLst/>
+                <a:latin typeface="ubuntu mono derivative powerline" panose="020B0509030602030204" pitchFamily="49" charset="0"/>
+              </a:rPr>
+              <a:t>cv2.</a:t>
+            </a:r>
+            <a:r>
+              <a:rPr lang="en-US" altLang="ko-KR" sz="1600" b="0" dirty="0">
+                <a:solidFill>
+                  <a:srgbClr val="0000FF"/>
+                </a:solidFill>
+                <a:effectLst/>
+                <a:latin typeface="ubuntu mono derivative powerline" panose="020B0509030602030204" pitchFamily="49" charset="0"/>
+              </a:rPr>
+              <a:t>putText</a:t>
+            </a:r>
+            <a:r>
+              <a:rPr lang="en-US" altLang="ko-KR" sz="1600" b="0" dirty="0">
+                <a:effectLst/>
+                <a:latin typeface="ubuntu mono derivative powerline" panose="020B0509030602030204" pitchFamily="49" charset="0"/>
+              </a:rPr>
+              <a:t>(image, 'SIMPLEX', (50, 50), cv2.FONT_HERSHEY_SIMPLEX, 2, brown)</a:t>
+            </a:r>
+          </a:p>
+          <a:p>
+            <a:r>
+              <a:rPr lang="en-US" altLang="ko-KR" sz="1600" b="0" dirty="0">
+                <a:effectLst/>
+                <a:latin typeface="ubuntu mono derivative powerline" panose="020B0509030602030204" pitchFamily="49" charset="0"/>
+              </a:rPr>
+              <a:t>cv2.</a:t>
+            </a:r>
+            <a:r>
+              <a:rPr lang="en-US" altLang="ko-KR" sz="1600" b="0" dirty="0">
+                <a:solidFill>
+                  <a:srgbClr val="0000FF"/>
+                </a:solidFill>
+                <a:effectLst/>
+                <a:latin typeface="ubuntu mono derivative powerline" panose="020B0509030602030204" pitchFamily="49" charset="0"/>
+              </a:rPr>
+              <a:t>putText</a:t>
+            </a:r>
+            <a:r>
+              <a:rPr lang="en-US" altLang="ko-KR" sz="1600" b="0" dirty="0">
+                <a:effectLst/>
+                <a:latin typeface="ubuntu mono derivative powerline" panose="020B0509030602030204" pitchFamily="49" charset="0"/>
+              </a:rPr>
+              <a:t>(image, 'DUPLEX', (50, 130), cv2.FONT_HERSHEY_DUPLEX, 3, olive)</a:t>
+            </a:r>
+          </a:p>
+          <a:p>
+            <a:r>
+              <a:rPr lang="en-US" altLang="ko-KR" sz="1600" b="0" dirty="0">
+                <a:effectLst/>
+                <a:latin typeface="ubuntu mono derivative powerline" panose="020B0509030602030204" pitchFamily="49" charset="0"/>
+              </a:rPr>
+              <a:t>cv2.</a:t>
+            </a:r>
+            <a:r>
+              <a:rPr lang="en-US" altLang="ko-KR" sz="1600" b="0" dirty="0">
+                <a:solidFill>
+                  <a:srgbClr val="0000FF"/>
+                </a:solidFill>
+                <a:effectLst/>
+                <a:latin typeface="ubuntu mono derivative powerline" panose="020B0509030602030204" pitchFamily="49" charset="0"/>
+              </a:rPr>
+              <a:t>putText</a:t>
+            </a:r>
+            <a:r>
+              <a:rPr lang="en-US" altLang="ko-KR" sz="1600" b="0" dirty="0">
+                <a:effectLst/>
+                <a:latin typeface="ubuntu mono derivative powerline" panose="020B0509030602030204" pitchFamily="49" charset="0"/>
+              </a:rPr>
+              <a:t>(image, 'TRIPLEX', pt1, cv2.FONT_HERSHEY_TRIPLEX, 2, violet)</a:t>
+            </a:r>
+          </a:p>
+          <a:p>
+            <a:endParaRPr lang="en-US" altLang="ko-KR" sz="1600" b="0" dirty="0">
+              <a:effectLst/>
+              <a:latin typeface="ubuntu mono derivative powerline" panose="020B0509030602030204" pitchFamily="49" charset="0"/>
+            </a:endParaRPr>
+          </a:p>
+          <a:p>
+            <a:r>
+              <a:rPr lang="en-US" altLang="ko-KR" sz="1600" b="0" dirty="0" err="1">
+                <a:effectLst/>
+                <a:latin typeface="ubuntu mono derivative powerline" panose="020B0509030602030204" pitchFamily="49" charset="0"/>
+              </a:rPr>
+              <a:t>fontFace</a:t>
+            </a:r>
+            <a:r>
+              <a:rPr lang="en-US" altLang="ko-KR" sz="1600" b="0" dirty="0">
+                <a:effectLst/>
+                <a:latin typeface="ubuntu mono derivative powerline" panose="020B0509030602030204" pitchFamily="49" charset="0"/>
+              </a:rPr>
+              <a:t> = cv2.FONT_HERSHEY_PLAIN | cv2.FONT_ITALIC</a:t>
+            </a:r>
+          </a:p>
+          <a:p>
+            <a:r>
+              <a:rPr lang="en-US" altLang="ko-KR" sz="1600" b="0" dirty="0">
+                <a:effectLst/>
+                <a:latin typeface="ubuntu mono derivative powerline" panose="020B0509030602030204" pitchFamily="49" charset="0"/>
+              </a:rPr>
+              <a:t>cv2.</a:t>
+            </a:r>
+            <a:r>
+              <a:rPr lang="en-US" altLang="ko-KR" sz="1600" b="0" dirty="0">
+                <a:solidFill>
+                  <a:srgbClr val="0000FF"/>
+                </a:solidFill>
+                <a:effectLst/>
+                <a:latin typeface="ubuntu mono derivative powerline" panose="020B0509030602030204" pitchFamily="49" charset="0"/>
+              </a:rPr>
+              <a:t>putText</a:t>
+            </a:r>
+            <a:r>
+              <a:rPr lang="en-US" altLang="ko-KR" sz="1600" b="0" dirty="0">
+                <a:effectLst/>
+                <a:latin typeface="ubuntu mono derivative powerline" panose="020B0509030602030204" pitchFamily="49" charset="0"/>
+              </a:rPr>
+              <a:t>(image, 'ITALIC', pt2, </a:t>
+            </a:r>
+            <a:r>
+              <a:rPr lang="en-US" altLang="ko-KR" sz="1600" b="0" dirty="0" err="1">
+                <a:effectLst/>
+                <a:latin typeface="ubuntu mono derivative powerline" panose="020B0509030602030204" pitchFamily="49" charset="0"/>
+              </a:rPr>
+              <a:t>fontFace</a:t>
+            </a:r>
+            <a:r>
+              <a:rPr lang="en-US" altLang="ko-KR" sz="1600" b="0" dirty="0">
+                <a:effectLst/>
+                <a:latin typeface="ubuntu mono derivative powerline" panose="020B0509030602030204" pitchFamily="49" charset="0"/>
+              </a:rPr>
+              <a:t>, 4, violet)</a:t>
+            </a:r>
+          </a:p>
+        </p:txBody>
+      </p:sp>
+      <p:pic>
+        <p:nvPicPr>
+          <p:cNvPr id="6" name="그림 5">
+            <a:extLst>
+              <a:ext uri="{FF2B5EF4-FFF2-40B4-BE49-F238E27FC236}">
+                <a16:creationId xmlns:a16="http://schemas.microsoft.com/office/drawing/2014/main" id="{89A56335-03AF-583F-7EF5-F328271CAB0D}"/>
+              </a:ext>
+            </a:extLst>
+          </p:cNvPr>
+          <p:cNvPicPr>
+            <a:picLocks noChangeAspect="1"/>
+          </p:cNvPicPr>
+          <p:nvPr/>
+        </p:nvPicPr>
+        <p:blipFill>
+          <a:blip r:embed="rId2"/>
+          <a:stretch>
+            <a:fillRect/>
+          </a:stretch>
+        </p:blipFill>
+        <p:spPr>
+          <a:xfrm>
+            <a:off x="7113016" y="71887"/>
+            <a:ext cx="1781444" cy="1933271"/>
+          </a:xfrm>
+          <a:prstGeom prst="rect">
+            <a:avLst/>
+          </a:prstGeom>
+        </p:spPr>
+      </p:pic>
+    </p:spTree>
+    <p:extLst>
+      <p:ext uri="{BB962C8B-B14F-4D97-AF65-F5344CB8AC3E}">
+        <p14:creationId xmlns:p14="http://schemas.microsoft.com/office/powerpoint/2010/main" val="586641838"/>
+      </p:ext>
+    </p:extLst>
+  </p:cSld>
+  <p:clrMapOvr>
+    <a:masterClrMapping/>
+  </p:clrMapOvr>
+</p:sld>
+</file>
+
+<file path=ppt/slides/slide19.xml><?xml version="1.0" encoding="utf-8"?>
+<p:sld xmlns:a="http://schemas.openxmlformats.org/drawingml/2006/main" xmlns:r="http://schemas.openxmlformats.org/officeDocument/2006/relationships" xmlns:p="http://schemas.openxmlformats.org/presentationml/2006/main">
+  <p:cSld>
+    <p:spTree>
+      <p:nvGrpSpPr>
+        <p:cNvPr id="1" name=""/>
+        <p:cNvGrpSpPr/>
+        <p:nvPr/>
+      </p:nvGrpSpPr>
+      <p:grpSpPr>
+        <a:xfrm>
+          <a:off x="0" y="0"/>
+          <a:ext cx="0" cy="0"/>
+          <a:chOff x="0" y="0"/>
+          <a:chExt cx="0" cy="0"/>
+        </a:xfrm>
+      </p:grpSpPr>
+      <p:sp>
+        <p:nvSpPr>
+          <p:cNvPr id="2" name="제목 1"/>
+          <p:cNvSpPr>
+            <a:spLocks noGrp="1"/>
+          </p:cNvSpPr>
+          <p:nvPr>
+            <p:ph type="title"/>
+          </p:nvPr>
+        </p:nvSpPr>
+        <p:spPr/>
+        <p:txBody>
+          <a:bodyPr/>
+          <a:lstStyle/>
+          <a:p>
+            <a:r>
+              <a:rPr lang="en-US" altLang="ko-KR" dirty="0"/>
+              <a:t>4. </a:t>
+            </a:r>
+            <a:r>
+              <a:rPr lang="ko-KR" altLang="en-US" dirty="0"/>
+              <a:t>인터페이스 기초</a:t>
+            </a:r>
+          </a:p>
+        </p:txBody>
+      </p:sp>
+      <p:sp>
+        <p:nvSpPr>
+          <p:cNvPr id="3" name="내용 개체 틀 2"/>
+          <p:cNvSpPr>
+            <a:spLocks noGrp="1"/>
+          </p:cNvSpPr>
+          <p:nvPr>
+            <p:ph idx="1"/>
+          </p:nvPr>
+        </p:nvSpPr>
+        <p:spPr/>
+        <p:txBody>
+          <a:bodyPr>
+            <a:normAutofit/>
+          </a:bodyPr>
+          <a:lstStyle/>
+          <a:p>
+            <a:r>
+              <a:rPr lang="en-US" altLang="ko-KR" dirty="0"/>
+              <a:t>4.3 </a:t>
+            </a:r>
+            <a:r>
+              <a:rPr lang="ko-KR" altLang="en-US" dirty="0"/>
+              <a:t>그리기 함수</a:t>
+            </a:r>
+            <a:endParaRPr lang="en-US" altLang="ko-KR" dirty="0"/>
+          </a:p>
+          <a:p>
+            <a:pPr lvl="1"/>
+            <a:r>
+              <a:rPr lang="en-US" altLang="ko-KR" dirty="0"/>
+              <a:t>4.3.3 </a:t>
+            </a:r>
+            <a:r>
+              <a:rPr lang="ko-KR" altLang="en-US" dirty="0"/>
+              <a:t>원 그리기</a:t>
+            </a:r>
+            <a:endParaRPr lang="en-US" altLang="ko-KR" dirty="0"/>
+          </a:p>
+        </p:txBody>
+      </p:sp>
+      <p:sp>
+        <p:nvSpPr>
+          <p:cNvPr id="4" name="직사각형 3">
+            <a:extLst>
+              <a:ext uri="{FF2B5EF4-FFF2-40B4-BE49-F238E27FC236}">
+                <a16:creationId xmlns:a16="http://schemas.microsoft.com/office/drawing/2014/main" id="{64FCAE03-D95D-374F-6DE9-F428C178B308}"/>
+              </a:ext>
+            </a:extLst>
+          </p:cNvPr>
+          <p:cNvSpPr/>
+          <p:nvPr/>
+        </p:nvSpPr>
+        <p:spPr>
+          <a:xfrm>
+            <a:off x="827584" y="2065412"/>
+            <a:ext cx="7992888" cy="3046988"/>
+          </a:xfrm>
+          <a:prstGeom prst="rect">
+            <a:avLst/>
+          </a:prstGeom>
+        </p:spPr>
+        <p:txBody>
+          <a:bodyPr wrap="square">
+            <a:spAutoFit/>
+          </a:bodyPr>
+          <a:lstStyle/>
+          <a:p>
+            <a:r>
+              <a:rPr lang="en-US" altLang="ko-KR" sz="1600" b="0" dirty="0">
+                <a:effectLst/>
+                <a:latin typeface="ubuntu mono derivative powerline" panose="020B0509030602030204" pitchFamily="49" charset="0"/>
+              </a:rPr>
+              <a:t>orange, blue, cyan = (0, 165, 255), (255, 0, 0), (255, 255, 0)</a:t>
+            </a:r>
+          </a:p>
+          <a:p>
+            <a:r>
+              <a:rPr lang="en-US" altLang="ko-KR" sz="1600" b="0" dirty="0">
+                <a:effectLst/>
+                <a:latin typeface="ubuntu mono derivative powerline" panose="020B0509030602030204" pitchFamily="49" charset="0"/>
+              </a:rPr>
+              <a:t>white, black = (255, 255, 255), (0, 0, 0)</a:t>
+            </a:r>
+          </a:p>
+          <a:p>
+            <a:br>
+              <a:rPr lang="en-US" altLang="ko-KR" sz="1600" b="0" dirty="0">
+                <a:effectLst/>
+                <a:latin typeface="ubuntu mono derivative powerline" panose="020B0509030602030204" pitchFamily="49" charset="0"/>
+              </a:rPr>
+            </a:br>
+            <a:r>
+              <a:rPr lang="en-US" altLang="ko-KR" sz="1600" b="0" dirty="0">
+                <a:effectLst/>
+                <a:latin typeface="ubuntu mono derivative powerline" panose="020B0509030602030204" pitchFamily="49" charset="0"/>
+              </a:rPr>
+              <a:t>image = </a:t>
+            </a:r>
+            <a:r>
+              <a:rPr lang="en-US" altLang="ko-KR" sz="1600" b="0" dirty="0" err="1">
+                <a:effectLst/>
+                <a:latin typeface="ubuntu mono derivative powerline" panose="020B0509030602030204" pitchFamily="49" charset="0"/>
+              </a:rPr>
+              <a:t>np.</a:t>
+            </a:r>
+            <a:r>
+              <a:rPr lang="en-US" altLang="ko-KR" sz="1600" b="0" dirty="0" err="1">
+                <a:solidFill>
+                  <a:srgbClr val="0000FF"/>
+                </a:solidFill>
+                <a:effectLst/>
+                <a:latin typeface="ubuntu mono derivative powerline" panose="020B0509030602030204" pitchFamily="49" charset="0"/>
+              </a:rPr>
+              <a:t>full</a:t>
+            </a:r>
+            <a:r>
+              <a:rPr lang="en-US" altLang="ko-KR" sz="1600" b="0" dirty="0">
+                <a:effectLst/>
+                <a:latin typeface="ubuntu mono derivative powerline" panose="020B0509030602030204" pitchFamily="49" charset="0"/>
+              </a:rPr>
+              <a:t>((300, 500, 3), white, np.uint8)</a:t>
+            </a:r>
+          </a:p>
+          <a:p>
+            <a:br>
+              <a:rPr lang="en-US" altLang="ko-KR" sz="1600" b="0" dirty="0">
+                <a:effectLst/>
+                <a:latin typeface="ubuntu mono derivative powerline" panose="020B0509030602030204" pitchFamily="49" charset="0"/>
+              </a:rPr>
+            </a:br>
+            <a:r>
+              <a:rPr lang="en-US" altLang="ko-KR" sz="1600" b="0" dirty="0">
+                <a:effectLst/>
+                <a:latin typeface="ubuntu mono derivative powerline" panose="020B0509030602030204" pitchFamily="49" charset="0"/>
+              </a:rPr>
+              <a:t>center = (</a:t>
+            </a:r>
+            <a:r>
+              <a:rPr lang="en-US" altLang="ko-KR" sz="1600" b="0" dirty="0" err="1">
+                <a:effectLst/>
+                <a:latin typeface="ubuntu mono derivative powerline" panose="020B0509030602030204" pitchFamily="49" charset="0"/>
+              </a:rPr>
+              <a:t>image.shape</a:t>
+            </a:r>
+            <a:r>
+              <a:rPr lang="en-US" altLang="ko-KR" sz="1600" b="0" dirty="0">
+                <a:effectLst/>
+                <a:latin typeface="ubuntu mono derivative powerline" panose="020B0509030602030204" pitchFamily="49" charset="0"/>
+              </a:rPr>
+              <a:t>[1]//2, </a:t>
+            </a:r>
+            <a:r>
+              <a:rPr lang="en-US" altLang="ko-KR" sz="1600" b="0" dirty="0" err="1">
+                <a:effectLst/>
+                <a:latin typeface="ubuntu mono derivative powerline" panose="020B0509030602030204" pitchFamily="49" charset="0"/>
+              </a:rPr>
+              <a:t>image.shape</a:t>
+            </a:r>
+            <a:r>
+              <a:rPr lang="en-US" altLang="ko-KR" sz="1600" b="0" dirty="0">
+                <a:effectLst/>
+                <a:latin typeface="ubuntu mono derivative powerline" panose="020B0509030602030204" pitchFamily="49" charset="0"/>
+              </a:rPr>
+              <a:t>[0]//2)</a:t>
+            </a:r>
+          </a:p>
+          <a:p>
+            <a:r>
+              <a:rPr lang="en-US" altLang="ko-KR" sz="1600" b="0" dirty="0">
+                <a:effectLst/>
+                <a:latin typeface="ubuntu mono derivative powerline" panose="020B0509030602030204" pitchFamily="49" charset="0"/>
+              </a:rPr>
+              <a:t>pt1, pt2 = (300, 50), (100, 220)</a:t>
+            </a:r>
+          </a:p>
+          <a:p>
+            <a:r>
+              <a:rPr lang="en-US" altLang="ko-KR" sz="1600" b="0" dirty="0">
+                <a:effectLst/>
+                <a:latin typeface="ubuntu mono derivative powerline" panose="020B0509030602030204" pitchFamily="49" charset="0"/>
+              </a:rPr>
+              <a:t>shade = (pt2[0] + 2, pt2[1] + 2)</a:t>
+            </a:r>
+          </a:p>
+          <a:p>
+            <a:br>
+              <a:rPr lang="en-US" altLang="ko-KR" sz="1600" b="0" dirty="0">
+                <a:effectLst/>
+                <a:latin typeface="ubuntu mono derivative powerline" panose="020B0509030602030204" pitchFamily="49" charset="0"/>
+              </a:rPr>
+            </a:br>
+            <a:r>
+              <a:rPr lang="en-US" altLang="ko-KR" sz="1600" b="0" dirty="0">
+                <a:effectLst/>
+                <a:latin typeface="ubuntu mono derivative powerline" panose="020B0509030602030204" pitchFamily="49" charset="0"/>
+              </a:rPr>
+              <a:t>cv2.</a:t>
+            </a:r>
+            <a:r>
+              <a:rPr lang="en-US" altLang="ko-KR" sz="1600" b="0" dirty="0">
+                <a:solidFill>
+                  <a:srgbClr val="0000FF"/>
+                </a:solidFill>
+                <a:effectLst/>
+                <a:latin typeface="ubuntu mono derivative powerline" panose="020B0509030602030204" pitchFamily="49" charset="0"/>
+              </a:rPr>
+              <a:t>circle</a:t>
+            </a:r>
+            <a:r>
+              <a:rPr lang="en-US" altLang="ko-KR" sz="1600" b="0" dirty="0">
+                <a:effectLst/>
+                <a:latin typeface="ubuntu mono derivative powerline" panose="020B0509030602030204" pitchFamily="49" charset="0"/>
+              </a:rPr>
+              <a:t>(image, center, 100, blue)</a:t>
+            </a:r>
+          </a:p>
+          <a:p>
+            <a:r>
+              <a:rPr lang="en-US" altLang="ko-KR" sz="1600" b="0" dirty="0">
+                <a:effectLst/>
+                <a:latin typeface="ubuntu mono derivative powerline" panose="020B0509030602030204" pitchFamily="49" charset="0"/>
+              </a:rPr>
+              <a:t>cv2.</a:t>
+            </a:r>
+            <a:r>
+              <a:rPr lang="en-US" altLang="ko-KR" sz="1600" b="0" dirty="0">
+                <a:solidFill>
+                  <a:srgbClr val="0000FF"/>
+                </a:solidFill>
+                <a:effectLst/>
+                <a:latin typeface="ubuntu mono derivative powerline" panose="020B0509030602030204" pitchFamily="49" charset="0"/>
+              </a:rPr>
+              <a:t>circle</a:t>
+            </a:r>
+            <a:r>
+              <a:rPr lang="en-US" altLang="ko-KR" sz="1600" b="0" dirty="0">
+                <a:effectLst/>
+                <a:latin typeface="ubuntu mono derivative powerline" panose="020B0509030602030204" pitchFamily="49" charset="0"/>
+              </a:rPr>
+              <a:t>(image, pt1, 50, orange, 2)</a:t>
+            </a:r>
+          </a:p>
+          <a:p>
+            <a:r>
+              <a:rPr lang="en-US" altLang="ko-KR" sz="1600" b="0" dirty="0">
+                <a:effectLst/>
+                <a:latin typeface="ubuntu mono derivative powerline" panose="020B0509030602030204" pitchFamily="49" charset="0"/>
+              </a:rPr>
+              <a:t>cv2.</a:t>
+            </a:r>
+            <a:r>
+              <a:rPr lang="en-US" altLang="ko-KR" sz="1600" b="0" dirty="0">
+                <a:solidFill>
+                  <a:srgbClr val="0000FF"/>
+                </a:solidFill>
+                <a:effectLst/>
+                <a:latin typeface="ubuntu mono derivative powerline" panose="020B0509030602030204" pitchFamily="49" charset="0"/>
+              </a:rPr>
+              <a:t>circle</a:t>
+            </a:r>
+            <a:r>
+              <a:rPr lang="en-US" altLang="ko-KR" sz="1600" b="0" dirty="0">
+                <a:effectLst/>
+                <a:latin typeface="ubuntu mono derivative powerline" panose="020B0509030602030204" pitchFamily="49" charset="0"/>
+              </a:rPr>
+              <a:t>(image, pt2, 70, cyan, -1)</a:t>
+            </a:r>
+          </a:p>
+        </p:txBody>
+      </p:sp>
+    </p:spTree>
+    <p:extLst>
+      <p:ext uri="{BB962C8B-B14F-4D97-AF65-F5344CB8AC3E}">
+        <p14:creationId xmlns:p14="http://schemas.microsoft.com/office/powerpoint/2010/main" val="2966002411"/>
+      </p:ext>
+    </p:extLst>
+  </p:cSld>
+  <p:clrMapOvr>
+    <a:masterClrMapping/>
+  </p:clrMapOvr>
+</p:sld>
+</file>
+
 <file path=ppt/slides/slide2.xml><?xml version="1.0" encoding="utf-8"?>
 <p:sld xmlns:a="http://schemas.openxmlformats.org/drawingml/2006/main" xmlns:r="http://schemas.openxmlformats.org/officeDocument/2006/relationships" xmlns:p="http://schemas.openxmlformats.org/presentationml/2006/main">
   <p:cSld>
@@ -12873,6 +13991,2991 @@
   <p:clrMapOvr>
     <a:masterClrMapping/>
   </p:clrMapOvr>
+</p:sld>
+</file>
+
+<file path=ppt/slides/slide20.xml><?xml version="1.0" encoding="utf-8"?>
+<p:sld xmlns:a="http://schemas.openxmlformats.org/drawingml/2006/main" xmlns:r="http://schemas.openxmlformats.org/officeDocument/2006/relationships" xmlns:p="http://schemas.openxmlformats.org/presentationml/2006/main">
+  <p:cSld>
+    <p:spTree>
+      <p:nvGrpSpPr>
+        <p:cNvPr id="1" name=""/>
+        <p:cNvGrpSpPr/>
+        <p:nvPr/>
+      </p:nvGrpSpPr>
+      <p:grpSpPr>
+        <a:xfrm>
+          <a:off x="0" y="0"/>
+          <a:ext cx="0" cy="0"/>
+          <a:chOff x="0" y="0"/>
+          <a:chExt cx="0" cy="0"/>
+        </a:xfrm>
+      </p:grpSpPr>
+      <p:sp>
+        <p:nvSpPr>
+          <p:cNvPr id="2" name="제목 1"/>
+          <p:cNvSpPr>
+            <a:spLocks noGrp="1"/>
+          </p:cNvSpPr>
+          <p:nvPr>
+            <p:ph type="title"/>
+          </p:nvPr>
+        </p:nvSpPr>
+        <p:spPr/>
+        <p:txBody>
+          <a:bodyPr/>
+          <a:lstStyle/>
+          <a:p>
+            <a:r>
+              <a:rPr lang="en-US" altLang="ko-KR" dirty="0"/>
+              <a:t>4. </a:t>
+            </a:r>
+            <a:r>
+              <a:rPr lang="ko-KR" altLang="en-US" dirty="0"/>
+              <a:t>인터페이스 기초</a:t>
+            </a:r>
+          </a:p>
+        </p:txBody>
+      </p:sp>
+      <p:sp>
+        <p:nvSpPr>
+          <p:cNvPr id="3" name="내용 개체 틀 2"/>
+          <p:cNvSpPr>
+            <a:spLocks noGrp="1"/>
+          </p:cNvSpPr>
+          <p:nvPr>
+            <p:ph idx="1"/>
+          </p:nvPr>
+        </p:nvSpPr>
+        <p:spPr/>
+        <p:txBody>
+          <a:bodyPr>
+            <a:normAutofit/>
+          </a:bodyPr>
+          <a:lstStyle/>
+          <a:p>
+            <a:r>
+              <a:rPr lang="en-US" altLang="ko-KR" dirty="0"/>
+              <a:t>4.3 </a:t>
+            </a:r>
+            <a:r>
+              <a:rPr lang="ko-KR" altLang="en-US" dirty="0"/>
+              <a:t>그리기 함수</a:t>
+            </a:r>
+            <a:endParaRPr lang="en-US" altLang="ko-KR" dirty="0"/>
+          </a:p>
+          <a:p>
+            <a:pPr lvl="1"/>
+            <a:r>
+              <a:rPr lang="en-US" altLang="ko-KR" dirty="0"/>
+              <a:t>4.3.3 </a:t>
+            </a:r>
+            <a:r>
+              <a:rPr lang="ko-KR" altLang="en-US" dirty="0"/>
+              <a:t>원 그리기</a:t>
+            </a:r>
+            <a:endParaRPr lang="en-US" altLang="ko-KR" dirty="0"/>
+          </a:p>
+        </p:txBody>
+      </p:sp>
+      <p:sp>
+        <p:nvSpPr>
+          <p:cNvPr id="4" name="직사각형 3">
+            <a:extLst>
+              <a:ext uri="{FF2B5EF4-FFF2-40B4-BE49-F238E27FC236}">
+                <a16:creationId xmlns:a16="http://schemas.microsoft.com/office/drawing/2014/main" id="{64FCAE03-D95D-374F-6DE9-F428C178B308}"/>
+              </a:ext>
+            </a:extLst>
+          </p:cNvPr>
+          <p:cNvSpPr/>
+          <p:nvPr/>
+        </p:nvSpPr>
+        <p:spPr>
+          <a:xfrm>
+            <a:off x="827584" y="2065412"/>
+            <a:ext cx="7992888" cy="1815882"/>
+          </a:xfrm>
+          <a:prstGeom prst="rect">
+            <a:avLst/>
+          </a:prstGeom>
+        </p:spPr>
+        <p:txBody>
+          <a:bodyPr wrap="square">
+            <a:spAutoFit/>
+          </a:bodyPr>
+          <a:lstStyle/>
+          <a:p>
+            <a:r>
+              <a:rPr lang="en-US" altLang="ko-KR" sz="1600" b="0" dirty="0">
+                <a:effectLst/>
+                <a:latin typeface="ubuntu mono derivative powerline" panose="020B0509030602030204" pitchFamily="49" charset="0"/>
+              </a:rPr>
+              <a:t>font = </a:t>
+            </a:r>
+            <a:r>
+              <a:rPr lang="en-US" altLang="ko-KR" sz="1600" b="0" dirty="0">
+                <a:solidFill>
+                  <a:srgbClr val="7030A0"/>
+                </a:solidFill>
+                <a:effectLst/>
+                <a:latin typeface="ubuntu mono derivative powerline" panose="020B0509030602030204" pitchFamily="49" charset="0"/>
+              </a:rPr>
+              <a:t>cv2</a:t>
+            </a:r>
+            <a:r>
+              <a:rPr lang="en-US" altLang="ko-KR" sz="1600" b="0" dirty="0">
+                <a:effectLst/>
+                <a:latin typeface="ubuntu mono derivative powerline" panose="020B0509030602030204" pitchFamily="49" charset="0"/>
+              </a:rPr>
+              <a:t>.FONT_HERSHEY_COMPLEX</a:t>
+            </a:r>
+          </a:p>
+          <a:p>
+            <a:br>
+              <a:rPr lang="en-US" altLang="ko-KR" sz="1600" b="0" dirty="0">
+                <a:effectLst/>
+                <a:latin typeface="ubuntu mono derivative powerline" panose="020B0509030602030204" pitchFamily="49" charset="0"/>
+              </a:rPr>
+            </a:br>
+            <a:r>
+              <a:rPr lang="en-US" altLang="ko-KR" sz="1600" b="0" dirty="0">
+                <a:effectLst/>
+                <a:latin typeface="ubuntu mono derivative powerline" panose="020B0509030602030204" pitchFamily="49" charset="0"/>
+              </a:rPr>
+              <a:t>cv2.</a:t>
+            </a:r>
+            <a:r>
+              <a:rPr lang="en-US" altLang="ko-KR" sz="1600" b="0" dirty="0">
+                <a:solidFill>
+                  <a:srgbClr val="0000FF"/>
+                </a:solidFill>
+                <a:effectLst/>
+                <a:latin typeface="ubuntu mono derivative powerline" panose="020B0509030602030204" pitchFamily="49" charset="0"/>
+              </a:rPr>
+              <a:t>putText</a:t>
+            </a:r>
+            <a:r>
+              <a:rPr lang="en-US" altLang="ko-KR" sz="1600" b="0" dirty="0">
+                <a:effectLst/>
+                <a:latin typeface="ubuntu mono derivative powerline" panose="020B0509030602030204" pitchFamily="49" charset="0"/>
+              </a:rPr>
+              <a:t>(image, '</a:t>
+            </a:r>
+            <a:r>
+              <a:rPr lang="en-US" altLang="ko-KR" sz="1600" b="0" dirty="0" err="1">
+                <a:effectLst/>
+                <a:latin typeface="ubuntu mono derivative powerline" panose="020B0509030602030204" pitchFamily="49" charset="0"/>
+              </a:rPr>
+              <a:t>center_blue</a:t>
+            </a:r>
+            <a:r>
+              <a:rPr lang="en-US" altLang="ko-KR" sz="1600" b="0" dirty="0">
+                <a:effectLst/>
+                <a:latin typeface="ubuntu mono derivative powerline" panose="020B0509030602030204" pitchFamily="49" charset="0"/>
+              </a:rPr>
+              <a:t>', center, font, 1.0, blue)</a:t>
+            </a:r>
+          </a:p>
+          <a:p>
+            <a:r>
+              <a:rPr lang="en-US" altLang="ko-KR" sz="1600" b="0" dirty="0">
+                <a:effectLst/>
+                <a:latin typeface="ubuntu mono derivative powerline" panose="020B0509030602030204" pitchFamily="49" charset="0"/>
+              </a:rPr>
+              <a:t>cv2.</a:t>
+            </a:r>
+            <a:r>
+              <a:rPr lang="en-US" altLang="ko-KR" sz="1600" b="0" dirty="0">
+                <a:solidFill>
+                  <a:srgbClr val="0000FF"/>
+                </a:solidFill>
+                <a:effectLst/>
+                <a:latin typeface="ubuntu mono derivative powerline" panose="020B0509030602030204" pitchFamily="49" charset="0"/>
+              </a:rPr>
+              <a:t>putText</a:t>
+            </a:r>
+            <a:r>
+              <a:rPr lang="en-US" altLang="ko-KR" sz="1600" b="0" dirty="0">
+                <a:effectLst/>
+                <a:latin typeface="ubuntu mono derivative powerline" panose="020B0509030602030204" pitchFamily="49" charset="0"/>
+              </a:rPr>
+              <a:t>(image, 'pt1_orange', pt1, font, 0.8, orange)</a:t>
+            </a:r>
+          </a:p>
+          <a:p>
+            <a:r>
+              <a:rPr lang="en-US" altLang="ko-KR" sz="1600" b="0" dirty="0">
+                <a:effectLst/>
+                <a:latin typeface="ubuntu mono derivative powerline" panose="020B0509030602030204" pitchFamily="49" charset="0"/>
+              </a:rPr>
+              <a:t>cv2.</a:t>
+            </a:r>
+            <a:r>
+              <a:rPr lang="en-US" altLang="ko-KR" sz="1600" b="0" dirty="0">
+                <a:solidFill>
+                  <a:srgbClr val="0000FF"/>
+                </a:solidFill>
+                <a:effectLst/>
+                <a:latin typeface="ubuntu mono derivative powerline" panose="020B0509030602030204" pitchFamily="49" charset="0"/>
+              </a:rPr>
+              <a:t>putText</a:t>
+            </a:r>
+            <a:r>
+              <a:rPr lang="en-US" altLang="ko-KR" sz="1600" b="0" dirty="0">
+                <a:effectLst/>
+                <a:latin typeface="ubuntu mono derivative powerline" panose="020B0509030602030204" pitchFamily="49" charset="0"/>
+              </a:rPr>
+              <a:t>(image, 'pt2_cyan', shade, font, 1.2, black, 2)</a:t>
+            </a:r>
+          </a:p>
+          <a:p>
+            <a:r>
+              <a:rPr lang="en-US" altLang="ko-KR" sz="1600" b="0" dirty="0">
+                <a:solidFill>
+                  <a:srgbClr val="00B050"/>
+                </a:solidFill>
+                <a:effectLst/>
+                <a:latin typeface="ubuntu mono derivative powerline" panose="020B0509030602030204" pitchFamily="49" charset="0"/>
+              </a:rPr>
+              <a:t># </a:t>
+            </a:r>
+            <a:r>
+              <a:rPr lang="ko-KR" altLang="en-US" sz="1600" b="0" dirty="0">
+                <a:solidFill>
+                  <a:srgbClr val="00B050"/>
+                </a:solidFill>
+                <a:effectLst/>
+                <a:latin typeface="ubuntu mono derivative powerline" panose="020B0509030602030204" pitchFamily="49" charset="0"/>
+              </a:rPr>
+              <a:t>폰트 두께를 더 </a:t>
+            </a:r>
+            <a:r>
+              <a:rPr lang="ko-KR" altLang="en-US" sz="1600" b="0" dirty="0" err="1">
+                <a:solidFill>
+                  <a:srgbClr val="00B050"/>
+                </a:solidFill>
+                <a:effectLst/>
+                <a:latin typeface="ubuntu mono derivative powerline" panose="020B0509030602030204" pitchFamily="49" charset="0"/>
+              </a:rPr>
+              <a:t>두껍게하고</a:t>
+            </a:r>
+            <a:r>
+              <a:rPr lang="en-US" altLang="ko-KR" sz="1600" b="0" dirty="0">
+                <a:solidFill>
+                  <a:srgbClr val="00B050"/>
+                </a:solidFill>
+                <a:effectLst/>
+                <a:latin typeface="ubuntu mono derivative powerline" panose="020B0509030602030204" pitchFamily="49" charset="0"/>
+              </a:rPr>
+              <a:t>, </a:t>
+            </a:r>
+            <a:r>
+              <a:rPr lang="ko-KR" altLang="en-US" sz="1600" b="0" dirty="0">
+                <a:solidFill>
+                  <a:srgbClr val="00B050"/>
+                </a:solidFill>
+                <a:effectLst/>
+                <a:latin typeface="ubuntu mono derivative powerline" panose="020B0509030602030204" pitchFamily="49" charset="0"/>
+              </a:rPr>
+              <a:t>위치를 약간 옮김으로 그림자 효과 생성</a:t>
+            </a:r>
+            <a:endParaRPr lang="en-US" altLang="ko-KR" sz="1600" b="0" dirty="0">
+              <a:solidFill>
+                <a:srgbClr val="00B050"/>
+              </a:solidFill>
+              <a:effectLst/>
+              <a:latin typeface="ubuntu mono derivative powerline" panose="020B0509030602030204" pitchFamily="49" charset="0"/>
+            </a:endParaRPr>
+          </a:p>
+          <a:p>
+            <a:r>
+              <a:rPr lang="en-US" altLang="ko-KR" sz="1600" b="0" dirty="0">
+                <a:effectLst/>
+                <a:latin typeface="ubuntu mono derivative powerline" panose="020B0509030602030204" pitchFamily="49" charset="0"/>
+              </a:rPr>
+              <a:t>cv2.</a:t>
+            </a:r>
+            <a:r>
+              <a:rPr lang="en-US" altLang="ko-KR" sz="1600" b="0" dirty="0">
+                <a:solidFill>
+                  <a:srgbClr val="0000FF"/>
+                </a:solidFill>
+                <a:effectLst/>
+                <a:latin typeface="ubuntu mono derivative powerline" panose="020B0509030602030204" pitchFamily="49" charset="0"/>
+              </a:rPr>
+              <a:t>putText</a:t>
+            </a:r>
+            <a:r>
+              <a:rPr lang="en-US" altLang="ko-KR" sz="1600" b="0" dirty="0">
+                <a:effectLst/>
+                <a:latin typeface="ubuntu mono derivative powerline" panose="020B0509030602030204" pitchFamily="49" charset="0"/>
+              </a:rPr>
+              <a:t>(image, 'pt2_cyan', pt2, font, 1.2, cyan, 1)</a:t>
+            </a:r>
+          </a:p>
+        </p:txBody>
+      </p:sp>
+      <p:pic>
+        <p:nvPicPr>
+          <p:cNvPr id="6" name="그림 5">
+            <a:extLst>
+              <a:ext uri="{FF2B5EF4-FFF2-40B4-BE49-F238E27FC236}">
+                <a16:creationId xmlns:a16="http://schemas.microsoft.com/office/drawing/2014/main" id="{EE38DA8F-FA09-E9BD-8EC1-0390939382C3}"/>
+              </a:ext>
+            </a:extLst>
+          </p:cNvPr>
+          <p:cNvPicPr>
+            <a:picLocks noChangeAspect="1"/>
+          </p:cNvPicPr>
+          <p:nvPr/>
+        </p:nvPicPr>
+        <p:blipFill>
+          <a:blip r:embed="rId2"/>
+          <a:stretch>
+            <a:fillRect/>
+          </a:stretch>
+        </p:blipFill>
+        <p:spPr>
+          <a:xfrm>
+            <a:off x="6456280" y="3876252"/>
+            <a:ext cx="2600904" cy="1720120"/>
+          </a:xfrm>
+          <a:prstGeom prst="rect">
+            <a:avLst/>
+          </a:prstGeom>
+        </p:spPr>
+      </p:pic>
+    </p:spTree>
+    <p:extLst>
+      <p:ext uri="{BB962C8B-B14F-4D97-AF65-F5344CB8AC3E}">
+        <p14:creationId xmlns:p14="http://schemas.microsoft.com/office/powerpoint/2010/main" val="304354321"/>
+      </p:ext>
+    </p:extLst>
+  </p:cSld>
+  <p:clrMapOvr>
+    <a:masterClrMapping/>
+  </p:clrMapOvr>
+</p:sld>
+</file>
+
+<file path=ppt/slides/slide21.xml><?xml version="1.0" encoding="utf-8"?>
+<p:sld xmlns:a="http://schemas.openxmlformats.org/drawingml/2006/main" xmlns:r="http://schemas.openxmlformats.org/officeDocument/2006/relationships" xmlns:p="http://schemas.openxmlformats.org/presentationml/2006/main">
+  <p:cSld>
+    <p:spTree>
+      <p:nvGrpSpPr>
+        <p:cNvPr id="1" name=""/>
+        <p:cNvGrpSpPr/>
+        <p:nvPr/>
+      </p:nvGrpSpPr>
+      <p:grpSpPr>
+        <a:xfrm>
+          <a:off x="0" y="0"/>
+          <a:ext cx="0" cy="0"/>
+          <a:chOff x="0" y="0"/>
+          <a:chExt cx="0" cy="0"/>
+        </a:xfrm>
+      </p:grpSpPr>
+      <p:sp>
+        <p:nvSpPr>
+          <p:cNvPr id="2" name="제목 1"/>
+          <p:cNvSpPr>
+            <a:spLocks noGrp="1"/>
+          </p:cNvSpPr>
+          <p:nvPr>
+            <p:ph type="title"/>
+          </p:nvPr>
+        </p:nvSpPr>
+        <p:spPr/>
+        <p:txBody>
+          <a:bodyPr/>
+          <a:lstStyle/>
+          <a:p>
+            <a:r>
+              <a:rPr lang="en-US" altLang="ko-KR" dirty="0"/>
+              <a:t>4. </a:t>
+            </a:r>
+            <a:r>
+              <a:rPr lang="ko-KR" altLang="en-US" dirty="0"/>
+              <a:t>인터페이스 기초</a:t>
+            </a:r>
+          </a:p>
+        </p:txBody>
+      </p:sp>
+      <p:sp>
+        <p:nvSpPr>
+          <p:cNvPr id="3" name="내용 개체 틀 2"/>
+          <p:cNvSpPr>
+            <a:spLocks noGrp="1"/>
+          </p:cNvSpPr>
+          <p:nvPr>
+            <p:ph idx="1"/>
+          </p:nvPr>
+        </p:nvSpPr>
+        <p:spPr/>
+        <p:txBody>
+          <a:bodyPr>
+            <a:normAutofit/>
+          </a:bodyPr>
+          <a:lstStyle/>
+          <a:p>
+            <a:r>
+              <a:rPr lang="en-US" altLang="ko-KR" dirty="0"/>
+              <a:t>4.3 </a:t>
+            </a:r>
+            <a:r>
+              <a:rPr lang="ko-KR" altLang="en-US" dirty="0"/>
+              <a:t>그리기 함수</a:t>
+            </a:r>
+            <a:endParaRPr lang="en-US" altLang="ko-KR" dirty="0"/>
+          </a:p>
+          <a:p>
+            <a:pPr lvl="1"/>
+            <a:r>
+              <a:rPr lang="en-US" altLang="ko-KR" dirty="0"/>
+              <a:t>4.3.4 </a:t>
+            </a:r>
+            <a:r>
+              <a:rPr lang="ko-KR" altLang="en-US" dirty="0"/>
+              <a:t>얼굴 그리기</a:t>
+            </a:r>
+            <a:endParaRPr lang="en-US" altLang="ko-KR" dirty="0"/>
+          </a:p>
+        </p:txBody>
+      </p:sp>
+      <p:sp>
+        <p:nvSpPr>
+          <p:cNvPr id="4" name="직사각형 3">
+            <a:extLst>
+              <a:ext uri="{FF2B5EF4-FFF2-40B4-BE49-F238E27FC236}">
+                <a16:creationId xmlns:a16="http://schemas.microsoft.com/office/drawing/2014/main" id="{64FCAE03-D95D-374F-6DE9-F428C178B308}"/>
+              </a:ext>
+            </a:extLst>
+          </p:cNvPr>
+          <p:cNvSpPr/>
+          <p:nvPr/>
+        </p:nvSpPr>
+        <p:spPr>
+          <a:xfrm>
+            <a:off x="827584" y="2065412"/>
+            <a:ext cx="7992888" cy="3046988"/>
+          </a:xfrm>
+          <a:prstGeom prst="rect">
+            <a:avLst/>
+          </a:prstGeom>
+        </p:spPr>
+        <p:txBody>
+          <a:bodyPr wrap="square">
+            <a:spAutoFit/>
+          </a:bodyPr>
+          <a:lstStyle/>
+          <a:p>
+            <a:r>
+              <a:rPr lang="en-US" altLang="ko-KR" sz="1600" b="0" dirty="0">
+                <a:effectLst/>
+                <a:latin typeface="ubuntu mono derivative powerline" panose="020B0509030602030204" pitchFamily="49" charset="0"/>
+              </a:rPr>
+              <a:t>image = </a:t>
+            </a:r>
+            <a:r>
+              <a:rPr lang="en-US" altLang="ko-KR" sz="1600" b="0" dirty="0" err="1">
+                <a:effectLst/>
+                <a:latin typeface="ubuntu mono derivative powerline" panose="020B0509030602030204" pitchFamily="49" charset="0"/>
+              </a:rPr>
+              <a:t>np.</a:t>
+            </a:r>
+            <a:r>
+              <a:rPr lang="en-US" altLang="ko-KR" sz="1600" b="0" dirty="0" err="1">
+                <a:solidFill>
+                  <a:srgbClr val="0000FF"/>
+                </a:solidFill>
+                <a:effectLst/>
+                <a:latin typeface="ubuntu mono derivative powerline" panose="020B0509030602030204" pitchFamily="49" charset="0"/>
+              </a:rPr>
+              <a:t>zeros</a:t>
+            </a:r>
+            <a:r>
+              <a:rPr lang="en-US" altLang="ko-KR" sz="1600" b="0" dirty="0">
+                <a:effectLst/>
+                <a:latin typeface="ubuntu mono derivative powerline" panose="020B0509030602030204" pitchFamily="49" charset="0"/>
+              </a:rPr>
+              <a:t>((400, 400), np.uint8)</a:t>
+            </a:r>
+          </a:p>
+          <a:p>
+            <a:r>
+              <a:rPr lang="en-US" altLang="ko-KR" sz="1600" b="0" dirty="0" err="1">
+                <a:effectLst/>
+                <a:latin typeface="ubuntu mono derivative powerline" panose="020B0509030602030204" pitchFamily="49" charset="0"/>
+              </a:rPr>
+              <a:t>image.</a:t>
+            </a:r>
+            <a:r>
+              <a:rPr lang="en-US" altLang="ko-KR" sz="1600" b="0" dirty="0" err="1">
+                <a:solidFill>
+                  <a:srgbClr val="0000FF"/>
+                </a:solidFill>
+                <a:effectLst/>
+                <a:latin typeface="ubuntu mono derivative powerline" panose="020B0509030602030204" pitchFamily="49" charset="0"/>
+              </a:rPr>
+              <a:t>fill</a:t>
+            </a:r>
+            <a:r>
+              <a:rPr lang="en-US" altLang="ko-KR" sz="1600" b="0" dirty="0">
+                <a:effectLst/>
+                <a:latin typeface="ubuntu mono derivative powerline" panose="020B0509030602030204" pitchFamily="49" charset="0"/>
+              </a:rPr>
+              <a:t>(255)</a:t>
+            </a:r>
+          </a:p>
+          <a:p>
+            <a:br>
+              <a:rPr lang="en-US" altLang="ko-KR" sz="1600" b="0" dirty="0">
+                <a:effectLst/>
+                <a:latin typeface="ubuntu mono derivative powerline" panose="020B0509030602030204" pitchFamily="49" charset="0"/>
+              </a:rPr>
+            </a:br>
+            <a:r>
+              <a:rPr lang="en-US" altLang="ko-KR" sz="1600" b="0" dirty="0">
+                <a:effectLst/>
+                <a:latin typeface="ubuntu mono derivative powerline" panose="020B0509030602030204" pitchFamily="49" charset="0"/>
+              </a:rPr>
+              <a:t>eye = </a:t>
+            </a:r>
+            <a:r>
+              <a:rPr lang="en-US" altLang="ko-KR" sz="1600" b="0" dirty="0" err="1">
+                <a:effectLst/>
+                <a:latin typeface="ubuntu mono derivative powerline" panose="020B0509030602030204" pitchFamily="49" charset="0"/>
+              </a:rPr>
+              <a:t>np.</a:t>
+            </a:r>
+            <a:r>
+              <a:rPr lang="en-US" altLang="ko-KR" sz="1600" b="0" dirty="0" err="1">
+                <a:solidFill>
+                  <a:srgbClr val="0000FF"/>
+                </a:solidFill>
+                <a:effectLst/>
+                <a:latin typeface="ubuntu mono derivative powerline" panose="020B0509030602030204" pitchFamily="49" charset="0"/>
+              </a:rPr>
+              <a:t>full</a:t>
+            </a:r>
+            <a:r>
+              <a:rPr lang="en-US" altLang="ko-KR" sz="1600" b="0" dirty="0">
+                <a:effectLst/>
+                <a:latin typeface="ubuntu mono derivative powerline" panose="020B0509030602030204" pitchFamily="49" charset="0"/>
+              </a:rPr>
+              <a:t>((50, 100), 192, np.uint8)</a:t>
+            </a:r>
+          </a:p>
+          <a:p>
+            <a:r>
+              <a:rPr lang="en-US" altLang="ko-KR" sz="1600" b="0" dirty="0">
+                <a:effectLst/>
+                <a:latin typeface="ubuntu mono derivative powerline" panose="020B0509030602030204" pitchFamily="49" charset="0"/>
+              </a:rPr>
+              <a:t>image[100:150, 50:150] = eye</a:t>
+            </a:r>
+          </a:p>
+          <a:p>
+            <a:r>
+              <a:rPr lang="en-US" altLang="ko-KR" sz="1600" b="0" dirty="0">
+                <a:effectLst/>
+                <a:latin typeface="ubuntu mono derivative powerline" panose="020B0509030602030204" pitchFamily="49" charset="0"/>
+              </a:rPr>
+              <a:t>image[100:150, 200:300] = eye</a:t>
+            </a:r>
+          </a:p>
+          <a:p>
+            <a:br>
+              <a:rPr lang="en-US" altLang="ko-KR" sz="1600" b="0" dirty="0">
+                <a:effectLst/>
+                <a:latin typeface="ubuntu mono derivative powerline" panose="020B0509030602030204" pitchFamily="49" charset="0"/>
+              </a:rPr>
+            </a:br>
+            <a:r>
+              <a:rPr lang="en-US" altLang="ko-KR" sz="1600" b="0" dirty="0" err="1">
+                <a:effectLst/>
+                <a:latin typeface="ubuntu mono derivative powerline" panose="020B0509030602030204" pitchFamily="49" charset="0"/>
+              </a:rPr>
+              <a:t>nouse</a:t>
+            </a:r>
+            <a:r>
+              <a:rPr lang="en-US" altLang="ko-KR" sz="1600" b="0" dirty="0">
+                <a:effectLst/>
+                <a:latin typeface="ubuntu mono derivative powerline" panose="020B0509030602030204" pitchFamily="49" charset="0"/>
+              </a:rPr>
+              <a:t> = </a:t>
+            </a:r>
+            <a:r>
+              <a:rPr lang="en-US" altLang="ko-KR" sz="1600" b="0" dirty="0" err="1">
+                <a:effectLst/>
+                <a:latin typeface="ubuntu mono derivative powerline" panose="020B0509030602030204" pitchFamily="49" charset="0"/>
+              </a:rPr>
+              <a:t>np.</a:t>
+            </a:r>
+            <a:r>
+              <a:rPr lang="en-US" altLang="ko-KR" sz="1600" b="0" dirty="0" err="1">
+                <a:solidFill>
+                  <a:srgbClr val="0000FF"/>
+                </a:solidFill>
+                <a:effectLst/>
+                <a:latin typeface="ubuntu mono derivative powerline" panose="020B0509030602030204" pitchFamily="49" charset="0"/>
+              </a:rPr>
+              <a:t>full</a:t>
+            </a:r>
+            <a:r>
+              <a:rPr lang="en-US" altLang="ko-KR" sz="1600" b="0" dirty="0">
+                <a:effectLst/>
+                <a:latin typeface="ubuntu mono derivative powerline" panose="020B0509030602030204" pitchFamily="49" charset="0"/>
+              </a:rPr>
+              <a:t>((70, 30), 192, np.uint8)</a:t>
+            </a:r>
+          </a:p>
+          <a:p>
+            <a:r>
+              <a:rPr lang="en-US" altLang="ko-KR" sz="1600" b="0" dirty="0">
+                <a:effectLst/>
+                <a:latin typeface="ubuntu mono derivative powerline" panose="020B0509030602030204" pitchFamily="49" charset="0"/>
+              </a:rPr>
+              <a:t>image[200:270, 150:180] = </a:t>
+            </a:r>
+            <a:r>
+              <a:rPr lang="en-US" altLang="ko-KR" sz="1600" b="0" dirty="0" err="1">
+                <a:effectLst/>
+                <a:latin typeface="ubuntu mono derivative powerline" panose="020B0509030602030204" pitchFamily="49" charset="0"/>
+              </a:rPr>
+              <a:t>nouse</a:t>
+            </a:r>
+            <a:endParaRPr lang="en-US" altLang="ko-KR" sz="1600" b="0" dirty="0">
+              <a:effectLst/>
+              <a:latin typeface="ubuntu mono derivative powerline" panose="020B0509030602030204" pitchFamily="49" charset="0"/>
+            </a:endParaRPr>
+          </a:p>
+          <a:p>
+            <a:br>
+              <a:rPr lang="en-US" altLang="ko-KR" sz="1600" b="0" dirty="0">
+                <a:effectLst/>
+                <a:latin typeface="ubuntu mono derivative powerline" panose="020B0509030602030204" pitchFamily="49" charset="0"/>
+              </a:rPr>
+            </a:br>
+            <a:r>
+              <a:rPr lang="en-US" altLang="ko-KR" sz="1600" b="0" dirty="0">
+                <a:effectLst/>
+                <a:latin typeface="ubuntu mono derivative powerline" panose="020B0509030602030204" pitchFamily="49" charset="0"/>
+              </a:rPr>
+              <a:t>mouse = </a:t>
+            </a:r>
+            <a:r>
+              <a:rPr lang="en-US" altLang="ko-KR" sz="1600" b="0" dirty="0" err="1">
+                <a:effectLst/>
+                <a:latin typeface="ubuntu mono derivative powerline" panose="020B0509030602030204" pitchFamily="49" charset="0"/>
+              </a:rPr>
+              <a:t>np.</a:t>
+            </a:r>
+            <a:r>
+              <a:rPr lang="en-US" altLang="ko-KR" sz="1600" b="0" dirty="0" err="1">
+                <a:solidFill>
+                  <a:srgbClr val="0000FF"/>
+                </a:solidFill>
+                <a:effectLst/>
+                <a:latin typeface="ubuntu mono derivative powerline" panose="020B0509030602030204" pitchFamily="49" charset="0"/>
+              </a:rPr>
+              <a:t>full</a:t>
+            </a:r>
+            <a:r>
+              <a:rPr lang="en-US" altLang="ko-KR" sz="1600" b="0" dirty="0">
+                <a:effectLst/>
+                <a:latin typeface="ubuntu mono derivative powerline" panose="020B0509030602030204" pitchFamily="49" charset="0"/>
+              </a:rPr>
+              <a:t>((20, 70), 192, np.uint8)</a:t>
+            </a:r>
+          </a:p>
+          <a:p>
+            <a:r>
+              <a:rPr lang="en-US" altLang="ko-KR" sz="1600" b="0" dirty="0">
+                <a:effectLst/>
+                <a:latin typeface="ubuntu mono derivative powerline" panose="020B0509030602030204" pitchFamily="49" charset="0"/>
+              </a:rPr>
+              <a:t>image[300:320, 130:200] = mouse</a:t>
+            </a:r>
+          </a:p>
+        </p:txBody>
+      </p:sp>
+      <p:pic>
+        <p:nvPicPr>
+          <p:cNvPr id="7" name="그림 6">
+            <a:extLst>
+              <a:ext uri="{FF2B5EF4-FFF2-40B4-BE49-F238E27FC236}">
+                <a16:creationId xmlns:a16="http://schemas.microsoft.com/office/drawing/2014/main" id="{22B74DF7-D41F-2A02-CB40-3FED18DEDB3F}"/>
+              </a:ext>
+            </a:extLst>
+          </p:cNvPr>
+          <p:cNvPicPr>
+            <a:picLocks noChangeAspect="1"/>
+          </p:cNvPicPr>
+          <p:nvPr/>
+        </p:nvPicPr>
+        <p:blipFill>
+          <a:blip r:embed="rId2"/>
+          <a:stretch>
+            <a:fillRect/>
+          </a:stretch>
+        </p:blipFill>
+        <p:spPr>
+          <a:xfrm>
+            <a:off x="5652120" y="1843812"/>
+            <a:ext cx="2950704" cy="3170906"/>
+          </a:xfrm>
+          <a:prstGeom prst="rect">
+            <a:avLst/>
+          </a:prstGeom>
+        </p:spPr>
+      </p:pic>
+    </p:spTree>
+    <p:extLst>
+      <p:ext uri="{BB962C8B-B14F-4D97-AF65-F5344CB8AC3E}">
+        <p14:creationId xmlns:p14="http://schemas.microsoft.com/office/powerpoint/2010/main" val="4081775115"/>
+      </p:ext>
+    </p:extLst>
+  </p:cSld>
+  <p:clrMapOvr>
+    <a:masterClrMapping/>
+  </p:clrMapOvr>
+</p:sld>
+</file>
+
+<file path=ppt/slides/slide22.xml><?xml version="1.0" encoding="utf-8"?>
+<p:sld xmlns:a="http://schemas.openxmlformats.org/drawingml/2006/main" xmlns:r="http://schemas.openxmlformats.org/officeDocument/2006/relationships" xmlns:p="http://schemas.openxmlformats.org/presentationml/2006/main">
+  <p:cSld>
+    <p:spTree>
+      <p:nvGrpSpPr>
+        <p:cNvPr id="1" name=""/>
+        <p:cNvGrpSpPr/>
+        <p:nvPr/>
+      </p:nvGrpSpPr>
+      <p:grpSpPr>
+        <a:xfrm>
+          <a:off x="0" y="0"/>
+          <a:ext cx="0" cy="0"/>
+          <a:chOff x="0" y="0"/>
+          <a:chExt cx="0" cy="0"/>
+        </a:xfrm>
+      </p:grpSpPr>
+      <p:sp>
+        <p:nvSpPr>
+          <p:cNvPr id="2" name="제목 1"/>
+          <p:cNvSpPr>
+            <a:spLocks noGrp="1"/>
+          </p:cNvSpPr>
+          <p:nvPr>
+            <p:ph type="title"/>
+          </p:nvPr>
+        </p:nvSpPr>
+        <p:spPr/>
+        <p:txBody>
+          <a:bodyPr/>
+          <a:lstStyle/>
+          <a:p>
+            <a:r>
+              <a:rPr lang="en-US" altLang="ko-KR" dirty="0"/>
+              <a:t>4. </a:t>
+            </a:r>
+            <a:r>
+              <a:rPr lang="ko-KR" altLang="en-US" dirty="0"/>
+              <a:t>인터페이스 기초</a:t>
+            </a:r>
+          </a:p>
+        </p:txBody>
+      </p:sp>
+      <p:sp>
+        <p:nvSpPr>
+          <p:cNvPr id="3" name="내용 개체 틀 2"/>
+          <p:cNvSpPr>
+            <a:spLocks noGrp="1"/>
+          </p:cNvSpPr>
+          <p:nvPr>
+            <p:ph idx="1"/>
+          </p:nvPr>
+        </p:nvSpPr>
+        <p:spPr/>
+        <p:txBody>
+          <a:bodyPr>
+            <a:normAutofit/>
+          </a:bodyPr>
+          <a:lstStyle/>
+          <a:p>
+            <a:r>
+              <a:rPr lang="en-US" altLang="ko-KR" dirty="0"/>
+              <a:t>4.3 </a:t>
+            </a:r>
+            <a:r>
+              <a:rPr lang="ko-KR" altLang="en-US" dirty="0"/>
+              <a:t>그리기 함수</a:t>
+            </a:r>
+            <a:endParaRPr lang="en-US" altLang="ko-KR" dirty="0"/>
+          </a:p>
+          <a:p>
+            <a:pPr lvl="1"/>
+            <a:r>
+              <a:rPr lang="en-US" altLang="ko-KR" dirty="0"/>
+              <a:t>4.3.5 </a:t>
+            </a:r>
+            <a:r>
+              <a:rPr lang="ko-KR" altLang="en-US" dirty="0"/>
+              <a:t>마우스로 얼굴 그리기</a:t>
+            </a:r>
+            <a:endParaRPr lang="en-US" altLang="ko-KR" dirty="0"/>
+          </a:p>
+        </p:txBody>
+      </p:sp>
+      <p:sp>
+        <p:nvSpPr>
+          <p:cNvPr id="4" name="직사각형 3">
+            <a:extLst>
+              <a:ext uri="{FF2B5EF4-FFF2-40B4-BE49-F238E27FC236}">
+                <a16:creationId xmlns:a16="http://schemas.microsoft.com/office/drawing/2014/main" id="{64FCAE03-D95D-374F-6DE9-F428C178B308}"/>
+              </a:ext>
+            </a:extLst>
+          </p:cNvPr>
+          <p:cNvSpPr/>
+          <p:nvPr/>
+        </p:nvSpPr>
+        <p:spPr>
+          <a:xfrm>
+            <a:off x="827584" y="2065412"/>
+            <a:ext cx="7992888" cy="3539430"/>
+          </a:xfrm>
+          <a:prstGeom prst="rect">
+            <a:avLst/>
+          </a:prstGeom>
+        </p:spPr>
+        <p:txBody>
+          <a:bodyPr wrap="square">
+            <a:spAutoFit/>
+          </a:bodyPr>
+          <a:lstStyle/>
+          <a:p>
+            <a:r>
+              <a:rPr lang="en-US" altLang="ko-KR" sz="1600" b="0" dirty="0">
+                <a:solidFill>
+                  <a:srgbClr val="CC9B00"/>
+                </a:solidFill>
+                <a:effectLst/>
+                <a:latin typeface="ubuntu mono derivative powerline" panose="020B0509030602030204" pitchFamily="49" charset="0"/>
+              </a:rPr>
+              <a:t>import</a:t>
+            </a:r>
+            <a:r>
+              <a:rPr lang="en-US" altLang="ko-KR" sz="1600" b="0" dirty="0">
+                <a:effectLst/>
+                <a:latin typeface="ubuntu mono derivative powerline" panose="020B0509030602030204" pitchFamily="49" charset="0"/>
+              </a:rPr>
+              <a:t> </a:t>
+            </a:r>
+            <a:r>
+              <a:rPr lang="en-US" altLang="ko-KR" sz="1600" b="0" dirty="0" err="1">
+                <a:solidFill>
+                  <a:srgbClr val="7030A0"/>
+                </a:solidFill>
+                <a:effectLst/>
+                <a:latin typeface="ubuntu mono derivative powerline" panose="020B0509030602030204" pitchFamily="49" charset="0"/>
+              </a:rPr>
+              <a:t>numpy</a:t>
+            </a:r>
+            <a:r>
+              <a:rPr lang="en-US" altLang="ko-KR" sz="1600" b="0" dirty="0">
+                <a:effectLst/>
+                <a:latin typeface="ubuntu mono derivative powerline" panose="020B0509030602030204" pitchFamily="49" charset="0"/>
+              </a:rPr>
+              <a:t> </a:t>
+            </a:r>
+            <a:r>
+              <a:rPr lang="en-US" altLang="ko-KR" sz="1600" b="0" dirty="0">
+                <a:solidFill>
+                  <a:srgbClr val="CC9B00"/>
+                </a:solidFill>
+                <a:effectLst/>
+                <a:latin typeface="ubuntu mono derivative powerline" panose="020B0509030602030204" pitchFamily="49" charset="0"/>
+              </a:rPr>
+              <a:t>as</a:t>
+            </a:r>
+            <a:r>
+              <a:rPr lang="en-US" altLang="ko-KR" sz="1600" b="0" dirty="0">
+                <a:effectLst/>
+                <a:latin typeface="ubuntu mono derivative powerline" panose="020B0509030602030204" pitchFamily="49" charset="0"/>
+              </a:rPr>
+              <a:t> </a:t>
+            </a:r>
+            <a:r>
+              <a:rPr lang="en-US" altLang="ko-KR" sz="1600" b="0" dirty="0">
+                <a:solidFill>
+                  <a:srgbClr val="7030A0"/>
+                </a:solidFill>
+                <a:effectLst/>
+                <a:latin typeface="ubuntu mono derivative powerline" panose="020B0509030602030204" pitchFamily="49" charset="0"/>
+              </a:rPr>
+              <a:t>np</a:t>
+            </a:r>
+          </a:p>
+          <a:p>
+            <a:r>
+              <a:rPr lang="en-US" altLang="ko-KR" sz="1600" b="0" dirty="0">
+                <a:solidFill>
+                  <a:srgbClr val="CC9B00"/>
+                </a:solidFill>
+                <a:effectLst/>
+                <a:latin typeface="ubuntu mono derivative powerline" panose="020B0509030602030204" pitchFamily="49" charset="0"/>
+              </a:rPr>
+              <a:t>import</a:t>
+            </a:r>
+            <a:r>
+              <a:rPr lang="en-US" altLang="ko-KR" sz="1600" b="0" dirty="0">
+                <a:effectLst/>
+                <a:latin typeface="ubuntu mono derivative powerline" panose="020B0509030602030204" pitchFamily="49" charset="0"/>
+              </a:rPr>
+              <a:t> </a:t>
+            </a:r>
+            <a:r>
+              <a:rPr lang="en-US" altLang="ko-KR" sz="1600" b="0" dirty="0">
+                <a:solidFill>
+                  <a:srgbClr val="7030A0"/>
+                </a:solidFill>
+                <a:effectLst/>
+                <a:latin typeface="ubuntu mono derivative powerline" panose="020B0509030602030204" pitchFamily="49" charset="0"/>
+              </a:rPr>
+              <a:t>cv2</a:t>
+            </a:r>
+            <a:endParaRPr lang="en-US" altLang="ko-KR" sz="1600" dirty="0">
+              <a:solidFill>
+                <a:srgbClr val="7030A0"/>
+              </a:solidFill>
+              <a:latin typeface="ubuntu mono derivative powerline" panose="020B0509030602030204" pitchFamily="49" charset="0"/>
+            </a:endParaRPr>
+          </a:p>
+          <a:p>
+            <a:endParaRPr lang="en-US" altLang="ko-KR" sz="1600" b="0" dirty="0">
+              <a:effectLst/>
+              <a:latin typeface="ubuntu mono derivative powerline" panose="020B0509030602030204" pitchFamily="49" charset="0"/>
+            </a:endParaRPr>
+          </a:p>
+          <a:p>
+            <a:r>
+              <a:rPr lang="en-US" altLang="ko-KR" sz="1600" dirty="0">
+                <a:latin typeface="ubuntu mono derivative powerline" panose="020B0509030602030204" pitchFamily="49" charset="0"/>
+              </a:rPr>
+              <a:t>d</a:t>
+            </a:r>
+            <a:r>
+              <a:rPr lang="en-US" altLang="ko-KR" sz="1600" b="0" dirty="0">
+                <a:effectLst/>
+                <a:latin typeface="ubuntu mono derivative powerline" panose="020B0509030602030204" pitchFamily="49" charset="0"/>
+              </a:rPr>
+              <a:t>ef</a:t>
+            </a:r>
+            <a:r>
+              <a:rPr lang="ko-KR" altLang="en-US" sz="1600" b="0" dirty="0">
+                <a:effectLst/>
+                <a:latin typeface="ubuntu mono derivative powerline" panose="020B0509030602030204" pitchFamily="49" charset="0"/>
+              </a:rPr>
+              <a:t> </a:t>
+            </a:r>
+            <a:r>
+              <a:rPr lang="en-US" altLang="ko-KR" sz="1600" b="0" dirty="0" err="1">
+                <a:effectLst/>
+                <a:latin typeface="ubuntu mono derivative powerline" panose="020B0509030602030204" pitchFamily="49" charset="0"/>
+              </a:rPr>
+              <a:t>on</a:t>
+            </a:r>
+            <a:r>
+              <a:rPr lang="en-US" altLang="ko-KR" sz="1600" dirty="0" err="1">
+                <a:latin typeface="ubuntu mono derivative powerline" panose="020B0509030602030204" pitchFamily="49" charset="0"/>
+              </a:rPr>
+              <a:t>Mouse</a:t>
+            </a:r>
+            <a:r>
+              <a:rPr lang="en-US" altLang="ko-KR" sz="1600" dirty="0">
+                <a:latin typeface="ubuntu mono derivative powerline" panose="020B0509030602030204" pitchFamily="49" charset="0"/>
+              </a:rPr>
+              <a:t>():</a:t>
+            </a:r>
+            <a:endParaRPr lang="en-US" altLang="ko-KR" sz="1600" b="0" dirty="0">
+              <a:effectLst/>
+              <a:latin typeface="ubuntu mono derivative powerline" panose="020B0509030602030204" pitchFamily="49" charset="0"/>
+            </a:endParaRPr>
+          </a:p>
+          <a:p>
+            <a:r>
+              <a:rPr lang="en-US" altLang="ko-KR" sz="1600" dirty="0">
+                <a:solidFill>
+                  <a:srgbClr val="0000FF"/>
+                </a:solidFill>
+                <a:latin typeface="ubuntu mono derivative powerline" panose="020B0509030602030204" pitchFamily="49" charset="0"/>
+              </a:rPr>
+              <a:t>...</a:t>
+            </a:r>
+            <a:endParaRPr lang="en-US" altLang="ko-KR" sz="1600" b="0" dirty="0">
+              <a:solidFill>
+                <a:srgbClr val="0000FF"/>
+              </a:solidFill>
+              <a:effectLst/>
+              <a:latin typeface="ubuntu mono derivative powerline" panose="020B0509030602030204" pitchFamily="49" charset="0"/>
+            </a:endParaRPr>
+          </a:p>
+          <a:p>
+            <a:endParaRPr lang="en-US" altLang="ko-KR" sz="1600" dirty="0">
+              <a:latin typeface="ubuntu mono derivative powerline" panose="020B0509030602030204" pitchFamily="49" charset="0"/>
+            </a:endParaRPr>
+          </a:p>
+          <a:p>
+            <a:r>
+              <a:rPr lang="en-US" altLang="ko-KR" sz="1600" b="0" dirty="0">
+                <a:effectLst/>
+                <a:latin typeface="ubuntu mono derivative powerline" panose="020B0509030602030204" pitchFamily="49" charset="0"/>
+              </a:rPr>
+              <a:t>image = </a:t>
+            </a:r>
+            <a:r>
+              <a:rPr lang="en-US" altLang="ko-KR" sz="1600" b="0" dirty="0" err="1">
+                <a:effectLst/>
+                <a:latin typeface="ubuntu mono derivative powerline" panose="020B0509030602030204" pitchFamily="49" charset="0"/>
+              </a:rPr>
+              <a:t>np.</a:t>
+            </a:r>
+            <a:r>
+              <a:rPr lang="en-US" altLang="ko-KR" sz="1600" b="0" dirty="0" err="1">
+                <a:solidFill>
+                  <a:srgbClr val="0000FF"/>
+                </a:solidFill>
+                <a:effectLst/>
+                <a:latin typeface="ubuntu mono derivative powerline" panose="020B0509030602030204" pitchFamily="49" charset="0"/>
+              </a:rPr>
+              <a:t>full</a:t>
+            </a:r>
+            <a:r>
+              <a:rPr lang="en-US" altLang="ko-KR" sz="1600" b="0" dirty="0">
+                <a:effectLst/>
+                <a:latin typeface="ubuntu mono derivative powerline" panose="020B0509030602030204" pitchFamily="49" charset="0"/>
+              </a:rPr>
+              <a:t>((300, 300, 3), (255, 255, 255), np.uint8)</a:t>
+            </a:r>
+          </a:p>
+          <a:p>
+            <a:r>
+              <a:rPr lang="en-US" altLang="ko-KR" sz="1600" b="0" dirty="0" err="1">
+                <a:effectLst/>
+                <a:latin typeface="ubuntu mono derivative powerline" panose="020B0509030602030204" pitchFamily="49" charset="0"/>
+              </a:rPr>
+              <a:t>pt</a:t>
+            </a:r>
+            <a:r>
+              <a:rPr lang="en-US" altLang="ko-KR" sz="1600" b="0" dirty="0">
+                <a:effectLst/>
+                <a:latin typeface="ubuntu mono derivative powerline" panose="020B0509030602030204" pitchFamily="49" charset="0"/>
+              </a:rPr>
+              <a:t> = (-1, -1)</a:t>
+            </a:r>
+          </a:p>
+          <a:p>
+            <a:r>
+              <a:rPr lang="en-US" altLang="ko-KR" sz="1600" b="0" dirty="0">
+                <a:effectLst/>
+                <a:latin typeface="ubuntu mono derivative powerline" panose="020B0509030602030204" pitchFamily="49" charset="0"/>
+              </a:rPr>
+              <a:t>title = "Draw Event"</a:t>
+            </a:r>
+          </a:p>
+          <a:p>
+            <a:br>
+              <a:rPr lang="en-US" altLang="ko-KR" sz="1600" b="0" dirty="0">
+                <a:effectLst/>
+                <a:latin typeface="ubuntu mono derivative powerline" panose="020B0509030602030204" pitchFamily="49" charset="0"/>
+              </a:rPr>
+            </a:br>
+            <a:r>
+              <a:rPr lang="en-US" altLang="ko-KR" sz="1600" b="0" dirty="0">
+                <a:effectLst/>
+                <a:latin typeface="ubuntu mono derivative powerline" panose="020B0509030602030204" pitchFamily="49" charset="0"/>
+              </a:rPr>
+              <a:t>cv2.</a:t>
+            </a:r>
+            <a:r>
+              <a:rPr lang="en-US" altLang="ko-KR" sz="1600" b="0" dirty="0">
+                <a:solidFill>
+                  <a:srgbClr val="0000FF"/>
+                </a:solidFill>
+                <a:effectLst/>
+                <a:latin typeface="ubuntu mono derivative powerline" panose="020B0509030602030204" pitchFamily="49" charset="0"/>
+              </a:rPr>
+              <a:t>imshow</a:t>
+            </a:r>
+            <a:r>
+              <a:rPr lang="en-US" altLang="ko-KR" sz="1600" b="0" dirty="0">
+                <a:effectLst/>
+                <a:latin typeface="ubuntu mono derivative powerline" panose="020B0509030602030204" pitchFamily="49" charset="0"/>
+              </a:rPr>
+              <a:t>(title, image)</a:t>
+            </a:r>
+          </a:p>
+          <a:p>
+            <a:r>
+              <a:rPr lang="en-US" altLang="ko-KR" sz="1600" b="0" dirty="0">
+                <a:effectLst/>
+                <a:latin typeface="ubuntu mono derivative powerline" panose="020B0509030602030204" pitchFamily="49" charset="0"/>
+              </a:rPr>
+              <a:t>cv2.</a:t>
+            </a:r>
+            <a:r>
+              <a:rPr lang="en-US" altLang="ko-KR" sz="1600" b="0" dirty="0">
+                <a:solidFill>
+                  <a:srgbClr val="0000FF"/>
+                </a:solidFill>
+                <a:effectLst/>
+                <a:latin typeface="ubuntu mono derivative powerline" panose="020B0509030602030204" pitchFamily="49" charset="0"/>
+              </a:rPr>
+              <a:t>setMouseCallback</a:t>
+            </a:r>
+            <a:r>
+              <a:rPr lang="en-US" altLang="ko-KR" sz="1600" b="0" dirty="0">
+                <a:effectLst/>
+                <a:latin typeface="ubuntu mono derivative powerline" panose="020B0509030602030204" pitchFamily="49" charset="0"/>
+              </a:rPr>
+              <a:t>(title, </a:t>
+            </a:r>
+            <a:r>
+              <a:rPr lang="en-US" altLang="ko-KR" sz="1600" b="0" dirty="0" err="1">
+                <a:effectLst/>
+                <a:latin typeface="ubuntu mono derivative powerline" panose="020B0509030602030204" pitchFamily="49" charset="0"/>
+              </a:rPr>
+              <a:t>onMouse</a:t>
+            </a:r>
+            <a:r>
+              <a:rPr lang="en-US" altLang="ko-KR" sz="1600" b="0" dirty="0">
+                <a:effectLst/>
+                <a:latin typeface="ubuntu mono derivative powerline" panose="020B0509030602030204" pitchFamily="49" charset="0"/>
+              </a:rPr>
+              <a:t>)</a:t>
+            </a:r>
+          </a:p>
+          <a:p>
+            <a:r>
+              <a:rPr lang="en-US" altLang="ko-KR" sz="1600" b="0" dirty="0">
+                <a:effectLst/>
+                <a:latin typeface="ubuntu mono derivative powerline" panose="020B0509030602030204" pitchFamily="49" charset="0"/>
+              </a:rPr>
+              <a:t>cv2.</a:t>
+            </a:r>
+            <a:r>
+              <a:rPr lang="en-US" altLang="ko-KR" sz="1600" b="0" dirty="0">
+                <a:solidFill>
+                  <a:srgbClr val="0000FF"/>
+                </a:solidFill>
+                <a:effectLst/>
+                <a:latin typeface="ubuntu mono derivative powerline" panose="020B0509030602030204" pitchFamily="49" charset="0"/>
+              </a:rPr>
+              <a:t>waitKey</a:t>
+            </a:r>
+            <a:r>
+              <a:rPr lang="en-US" altLang="ko-KR" sz="1600" b="0" dirty="0">
+                <a:effectLst/>
+                <a:latin typeface="ubuntu mono derivative powerline" panose="020B0509030602030204" pitchFamily="49" charset="0"/>
+              </a:rPr>
+              <a:t>(0)</a:t>
+            </a:r>
+          </a:p>
+          <a:p>
+            <a:r>
+              <a:rPr lang="en-US" altLang="ko-KR" sz="1600" b="0" dirty="0">
+                <a:effectLst/>
+                <a:latin typeface="ubuntu mono derivative powerline" panose="020B0509030602030204" pitchFamily="49" charset="0"/>
+              </a:rPr>
+              <a:t>cv2.</a:t>
+            </a:r>
+            <a:r>
+              <a:rPr lang="en-US" altLang="ko-KR" sz="1600" b="0" dirty="0">
+                <a:solidFill>
+                  <a:srgbClr val="0000FF"/>
+                </a:solidFill>
+                <a:effectLst/>
+                <a:latin typeface="ubuntu mono derivative powerline" panose="020B0509030602030204" pitchFamily="49" charset="0"/>
+              </a:rPr>
+              <a:t>destroyAllWindows</a:t>
+            </a:r>
+            <a:r>
+              <a:rPr lang="en-US" altLang="ko-KR" sz="1600" b="0" dirty="0">
+                <a:effectLst/>
+                <a:latin typeface="ubuntu mono derivative powerline" panose="020B0509030602030204" pitchFamily="49" charset="0"/>
+              </a:rPr>
+              <a:t>()</a:t>
+            </a:r>
+          </a:p>
+        </p:txBody>
+      </p:sp>
+    </p:spTree>
+    <p:extLst>
+      <p:ext uri="{BB962C8B-B14F-4D97-AF65-F5344CB8AC3E}">
+        <p14:creationId xmlns:p14="http://schemas.microsoft.com/office/powerpoint/2010/main" val="2120765838"/>
+      </p:ext>
+    </p:extLst>
+  </p:cSld>
+  <p:clrMapOvr>
+    <a:masterClrMapping/>
+  </p:clrMapOvr>
+</p:sld>
+</file>
+
+<file path=ppt/slides/slide23.xml><?xml version="1.0" encoding="utf-8"?>
+<p:sld xmlns:a="http://schemas.openxmlformats.org/drawingml/2006/main" xmlns:r="http://schemas.openxmlformats.org/officeDocument/2006/relationships" xmlns:p="http://schemas.openxmlformats.org/presentationml/2006/main">
+  <p:cSld>
+    <p:spTree>
+      <p:nvGrpSpPr>
+        <p:cNvPr id="1" name=""/>
+        <p:cNvGrpSpPr/>
+        <p:nvPr/>
+      </p:nvGrpSpPr>
+      <p:grpSpPr>
+        <a:xfrm>
+          <a:off x="0" y="0"/>
+          <a:ext cx="0" cy="0"/>
+          <a:chOff x="0" y="0"/>
+          <a:chExt cx="0" cy="0"/>
+        </a:xfrm>
+      </p:grpSpPr>
+      <p:sp>
+        <p:nvSpPr>
+          <p:cNvPr id="2" name="제목 1"/>
+          <p:cNvSpPr>
+            <a:spLocks noGrp="1"/>
+          </p:cNvSpPr>
+          <p:nvPr>
+            <p:ph type="title"/>
+          </p:nvPr>
+        </p:nvSpPr>
+        <p:spPr/>
+        <p:txBody>
+          <a:bodyPr/>
+          <a:lstStyle/>
+          <a:p>
+            <a:r>
+              <a:rPr lang="en-US" altLang="ko-KR" dirty="0"/>
+              <a:t>4. </a:t>
+            </a:r>
+            <a:r>
+              <a:rPr lang="ko-KR" altLang="en-US" dirty="0"/>
+              <a:t>인터페이스 기초</a:t>
+            </a:r>
+          </a:p>
+        </p:txBody>
+      </p:sp>
+      <p:sp>
+        <p:nvSpPr>
+          <p:cNvPr id="3" name="내용 개체 틀 2"/>
+          <p:cNvSpPr>
+            <a:spLocks noGrp="1"/>
+          </p:cNvSpPr>
+          <p:nvPr>
+            <p:ph idx="1"/>
+          </p:nvPr>
+        </p:nvSpPr>
+        <p:spPr/>
+        <p:txBody>
+          <a:bodyPr>
+            <a:normAutofit/>
+          </a:bodyPr>
+          <a:lstStyle/>
+          <a:p>
+            <a:r>
+              <a:rPr lang="en-US" altLang="ko-KR" dirty="0"/>
+              <a:t>4.3 </a:t>
+            </a:r>
+            <a:r>
+              <a:rPr lang="ko-KR" altLang="en-US" dirty="0"/>
+              <a:t>그리기 함수</a:t>
+            </a:r>
+            <a:endParaRPr lang="en-US" altLang="ko-KR" dirty="0"/>
+          </a:p>
+          <a:p>
+            <a:pPr lvl="1"/>
+            <a:r>
+              <a:rPr lang="en-US" altLang="ko-KR" dirty="0"/>
+              <a:t>4.3.5 </a:t>
+            </a:r>
+            <a:r>
+              <a:rPr lang="ko-KR" altLang="en-US" dirty="0"/>
+              <a:t>마우스로 얼굴 그리기</a:t>
+            </a:r>
+            <a:r>
+              <a:rPr lang="en-US" altLang="ko-KR" dirty="0"/>
+              <a:t>(</a:t>
+            </a:r>
+            <a:r>
+              <a:rPr lang="ko-KR" altLang="en-US" dirty="0"/>
+              <a:t>왼쪽 클릭</a:t>
+            </a:r>
+            <a:r>
+              <a:rPr lang="en-US" altLang="ko-KR" dirty="0"/>
+              <a:t>)</a:t>
+            </a:r>
+          </a:p>
+        </p:txBody>
+      </p:sp>
+      <p:sp>
+        <p:nvSpPr>
+          <p:cNvPr id="4" name="직사각형 3">
+            <a:extLst>
+              <a:ext uri="{FF2B5EF4-FFF2-40B4-BE49-F238E27FC236}">
+                <a16:creationId xmlns:a16="http://schemas.microsoft.com/office/drawing/2014/main" id="{64FCAE03-D95D-374F-6DE9-F428C178B308}"/>
+              </a:ext>
+            </a:extLst>
+          </p:cNvPr>
+          <p:cNvSpPr/>
+          <p:nvPr/>
+        </p:nvSpPr>
+        <p:spPr>
+          <a:xfrm>
+            <a:off x="827584" y="2065412"/>
+            <a:ext cx="7992888" cy="2554545"/>
+          </a:xfrm>
+          <a:prstGeom prst="rect">
+            <a:avLst/>
+          </a:prstGeom>
+        </p:spPr>
+        <p:txBody>
+          <a:bodyPr wrap="square">
+            <a:spAutoFit/>
+          </a:bodyPr>
+          <a:lstStyle/>
+          <a:p>
+            <a:r>
+              <a:rPr lang="en-US" altLang="ko-KR" sz="1600" b="0" dirty="0">
+                <a:effectLst/>
+                <a:latin typeface="ubuntu mono derivative powerline" panose="020B0509030602030204" pitchFamily="49" charset="0"/>
+              </a:rPr>
+              <a:t>def </a:t>
+            </a:r>
+            <a:r>
+              <a:rPr lang="en-US" altLang="ko-KR" sz="1600" b="0" dirty="0" err="1">
+                <a:effectLst/>
+                <a:latin typeface="ubuntu mono derivative powerline" panose="020B0509030602030204" pitchFamily="49" charset="0"/>
+              </a:rPr>
+              <a:t>onMouse</a:t>
+            </a:r>
+            <a:r>
+              <a:rPr lang="en-US" altLang="ko-KR" sz="1600" b="0" dirty="0">
+                <a:effectLst/>
+                <a:latin typeface="ubuntu mono derivative powerline" panose="020B0509030602030204" pitchFamily="49" charset="0"/>
+              </a:rPr>
+              <a:t>(event, x, y, flags, param):</a:t>
+            </a:r>
+          </a:p>
+          <a:p>
+            <a:r>
+              <a:rPr lang="en-US" altLang="ko-KR" sz="1600" b="0" dirty="0">
+                <a:effectLst/>
+                <a:latin typeface="ubuntu mono derivative powerline" panose="020B0509030602030204" pitchFamily="49" charset="0"/>
+              </a:rPr>
+              <a:t>    global title, </a:t>
+            </a:r>
+            <a:r>
+              <a:rPr lang="en-US" altLang="ko-KR" sz="1600" b="0" dirty="0" err="1">
+                <a:effectLst/>
+                <a:latin typeface="ubuntu mono derivative powerline" panose="020B0509030602030204" pitchFamily="49" charset="0"/>
+              </a:rPr>
+              <a:t>pt</a:t>
+            </a:r>
+            <a:endParaRPr lang="en-US" altLang="ko-KR" sz="1600" b="0" dirty="0">
+              <a:effectLst/>
+              <a:latin typeface="ubuntu mono derivative powerline" panose="020B0509030602030204" pitchFamily="49" charset="0"/>
+            </a:endParaRPr>
+          </a:p>
+          <a:p>
+            <a:br>
+              <a:rPr lang="en-US" altLang="ko-KR" sz="1600" b="0" dirty="0">
+                <a:effectLst/>
+                <a:latin typeface="ubuntu mono derivative powerline" panose="020B0509030602030204" pitchFamily="49" charset="0"/>
+              </a:rPr>
+            </a:br>
+            <a:r>
+              <a:rPr lang="en-US" altLang="ko-KR" sz="1600" b="0" dirty="0">
+                <a:effectLst/>
+                <a:latin typeface="ubuntu mono derivative powerline" panose="020B0509030602030204" pitchFamily="49" charset="0"/>
+              </a:rPr>
+              <a:t>    if event == </a:t>
+            </a:r>
+            <a:r>
+              <a:rPr lang="en-US" altLang="ko-KR" sz="1600" b="0" dirty="0">
+                <a:solidFill>
+                  <a:srgbClr val="7030A0"/>
+                </a:solidFill>
+                <a:effectLst/>
+                <a:latin typeface="ubuntu mono derivative powerline" panose="020B0509030602030204" pitchFamily="49" charset="0"/>
+              </a:rPr>
+              <a:t>cv2</a:t>
+            </a:r>
+            <a:r>
+              <a:rPr lang="en-US" altLang="ko-KR" sz="1600" b="0" dirty="0">
+                <a:effectLst/>
+                <a:latin typeface="ubuntu mono derivative powerline" panose="020B0509030602030204" pitchFamily="49" charset="0"/>
+              </a:rPr>
+              <a:t>.</a:t>
+            </a:r>
+            <a:r>
+              <a:rPr lang="en-US" altLang="ko-KR" sz="1600" b="0" dirty="0">
+                <a:solidFill>
+                  <a:srgbClr val="0000FF"/>
+                </a:solidFill>
+                <a:effectLst/>
+                <a:latin typeface="ubuntu mono derivative powerline" panose="020B0509030602030204" pitchFamily="49" charset="0"/>
+              </a:rPr>
+              <a:t>EVENT_LBUTTONDOWN</a:t>
+            </a:r>
+            <a:r>
+              <a:rPr lang="en-US" altLang="ko-KR" sz="1600" b="0" dirty="0">
+                <a:effectLst/>
+                <a:latin typeface="ubuntu mono derivative powerline" panose="020B0509030602030204" pitchFamily="49" charset="0"/>
+              </a:rPr>
+              <a:t>:</a:t>
+            </a:r>
+          </a:p>
+          <a:p>
+            <a:r>
+              <a:rPr lang="en-US" altLang="ko-KR" sz="1600" b="0" dirty="0">
+                <a:effectLst/>
+                <a:latin typeface="ubuntu mono derivative powerline" panose="020B0509030602030204" pitchFamily="49" charset="0"/>
+              </a:rPr>
+              <a:t>        if </a:t>
+            </a:r>
+            <a:r>
+              <a:rPr lang="en-US" altLang="ko-KR" sz="1600" b="0" dirty="0" err="1">
+                <a:effectLst/>
+                <a:latin typeface="ubuntu mono derivative powerline" panose="020B0509030602030204" pitchFamily="49" charset="0"/>
+              </a:rPr>
+              <a:t>pt</a:t>
+            </a:r>
+            <a:r>
+              <a:rPr lang="en-US" altLang="ko-KR" sz="1600" b="0" dirty="0">
+                <a:effectLst/>
+                <a:latin typeface="ubuntu mono derivative powerline" panose="020B0509030602030204" pitchFamily="49" charset="0"/>
+              </a:rPr>
+              <a:t>[0] &lt; 0:</a:t>
+            </a:r>
+          </a:p>
+          <a:p>
+            <a:r>
+              <a:rPr lang="en-US" altLang="ko-KR" sz="1600" b="0" dirty="0">
+                <a:effectLst/>
+                <a:latin typeface="ubuntu mono derivative powerline" panose="020B0509030602030204" pitchFamily="49" charset="0"/>
+              </a:rPr>
+              <a:t>            </a:t>
+            </a:r>
+            <a:r>
+              <a:rPr lang="en-US" altLang="ko-KR" sz="1600" b="0" dirty="0" err="1">
+                <a:effectLst/>
+                <a:latin typeface="ubuntu mono derivative powerline" panose="020B0509030602030204" pitchFamily="49" charset="0"/>
+              </a:rPr>
+              <a:t>pt</a:t>
+            </a:r>
+            <a:r>
+              <a:rPr lang="en-US" altLang="ko-KR" sz="1600" b="0" dirty="0">
+                <a:effectLst/>
+                <a:latin typeface="ubuntu mono derivative powerline" panose="020B0509030602030204" pitchFamily="49" charset="0"/>
+              </a:rPr>
+              <a:t> = (x, y)</a:t>
+            </a:r>
+          </a:p>
+          <a:p>
+            <a:r>
+              <a:rPr lang="en-US" altLang="ko-KR" sz="1600" b="0" dirty="0">
+                <a:effectLst/>
+                <a:latin typeface="ubuntu mono derivative powerline" panose="020B0509030602030204" pitchFamily="49" charset="0"/>
+              </a:rPr>
+              <a:t>        else:</a:t>
+            </a:r>
+          </a:p>
+          <a:p>
+            <a:r>
+              <a:rPr lang="en-US" altLang="ko-KR" sz="1600" b="0" dirty="0">
+                <a:effectLst/>
+                <a:latin typeface="ubuntu mono derivative powerline" panose="020B0509030602030204" pitchFamily="49" charset="0"/>
+              </a:rPr>
+              <a:t>            </a:t>
+            </a:r>
+            <a:r>
+              <a:rPr lang="en-US" altLang="ko-KR" sz="1600" b="0" dirty="0">
+                <a:solidFill>
+                  <a:srgbClr val="7030A0"/>
+                </a:solidFill>
+                <a:effectLst/>
+                <a:latin typeface="ubuntu mono derivative powerline" panose="020B0509030602030204" pitchFamily="49" charset="0"/>
+              </a:rPr>
+              <a:t>cv2</a:t>
+            </a:r>
+            <a:r>
+              <a:rPr lang="en-US" altLang="ko-KR" sz="1600" b="0" dirty="0">
+                <a:effectLst/>
+                <a:latin typeface="ubuntu mono derivative powerline" panose="020B0509030602030204" pitchFamily="49" charset="0"/>
+              </a:rPr>
+              <a:t>.</a:t>
+            </a:r>
+            <a:r>
+              <a:rPr lang="en-US" altLang="ko-KR" sz="1600" b="0" dirty="0">
+                <a:solidFill>
+                  <a:srgbClr val="0000FF"/>
+                </a:solidFill>
+                <a:effectLst/>
+                <a:latin typeface="ubuntu mono derivative powerline" panose="020B0509030602030204" pitchFamily="49" charset="0"/>
+              </a:rPr>
+              <a:t>rectangle</a:t>
+            </a:r>
+            <a:r>
+              <a:rPr lang="en-US" altLang="ko-KR" sz="1600" b="0" dirty="0">
+                <a:effectLst/>
+                <a:latin typeface="ubuntu mono derivative powerline" panose="020B0509030602030204" pitchFamily="49" charset="0"/>
+              </a:rPr>
+              <a:t>(image, </a:t>
+            </a:r>
+            <a:r>
+              <a:rPr lang="en-US" altLang="ko-KR" sz="1600" b="0" dirty="0" err="1">
+                <a:effectLst/>
+                <a:latin typeface="ubuntu mono derivative powerline" panose="020B0509030602030204" pitchFamily="49" charset="0"/>
+              </a:rPr>
+              <a:t>pt</a:t>
+            </a:r>
+            <a:r>
+              <a:rPr lang="en-US" altLang="ko-KR" sz="1600" b="0" dirty="0">
+                <a:effectLst/>
+                <a:latin typeface="ubuntu mono derivative powerline" panose="020B0509030602030204" pitchFamily="49" charset="0"/>
+              </a:rPr>
+              <a:t>, (x, y), (255, 0, 0), 2)</a:t>
+            </a:r>
+          </a:p>
+          <a:p>
+            <a:r>
+              <a:rPr lang="en-US" altLang="ko-KR" sz="1600" b="0" dirty="0">
+                <a:effectLst/>
+                <a:latin typeface="ubuntu mono derivative powerline" panose="020B0509030602030204" pitchFamily="49" charset="0"/>
+              </a:rPr>
+              <a:t>            </a:t>
+            </a:r>
+            <a:r>
+              <a:rPr lang="en-US" altLang="ko-KR" sz="1600" b="0" dirty="0">
+                <a:solidFill>
+                  <a:srgbClr val="7030A0"/>
+                </a:solidFill>
+                <a:effectLst/>
+                <a:latin typeface="ubuntu mono derivative powerline" panose="020B0509030602030204" pitchFamily="49" charset="0"/>
+              </a:rPr>
+              <a:t>cv2</a:t>
+            </a:r>
+            <a:r>
+              <a:rPr lang="en-US" altLang="ko-KR" sz="1600" b="0" dirty="0">
+                <a:effectLst/>
+                <a:latin typeface="ubuntu mono derivative powerline" panose="020B0509030602030204" pitchFamily="49" charset="0"/>
+              </a:rPr>
+              <a:t>.</a:t>
+            </a:r>
+            <a:r>
+              <a:rPr lang="en-US" altLang="ko-KR" sz="1600" b="0" dirty="0">
+                <a:solidFill>
+                  <a:srgbClr val="0000FF"/>
+                </a:solidFill>
+                <a:effectLst/>
+                <a:latin typeface="ubuntu mono derivative powerline" panose="020B0509030602030204" pitchFamily="49" charset="0"/>
+              </a:rPr>
+              <a:t>imshow</a:t>
+            </a:r>
+            <a:r>
+              <a:rPr lang="en-US" altLang="ko-KR" sz="1600" b="0" dirty="0">
+                <a:effectLst/>
+                <a:latin typeface="ubuntu mono derivative powerline" panose="020B0509030602030204" pitchFamily="49" charset="0"/>
+              </a:rPr>
+              <a:t>(title, image)</a:t>
+            </a:r>
+          </a:p>
+          <a:p>
+            <a:r>
+              <a:rPr lang="en-US" altLang="ko-KR" sz="1600" b="0" dirty="0">
+                <a:effectLst/>
+                <a:latin typeface="ubuntu mono derivative powerline" panose="020B0509030602030204" pitchFamily="49" charset="0"/>
+              </a:rPr>
+              <a:t>            </a:t>
+            </a:r>
+            <a:r>
+              <a:rPr lang="en-US" altLang="ko-KR" sz="1600" b="0" dirty="0" err="1">
+                <a:effectLst/>
+                <a:latin typeface="ubuntu mono derivative powerline" panose="020B0509030602030204" pitchFamily="49" charset="0"/>
+              </a:rPr>
+              <a:t>pt</a:t>
+            </a:r>
+            <a:r>
+              <a:rPr lang="en-US" altLang="ko-KR" sz="1600" b="0" dirty="0">
+                <a:effectLst/>
+                <a:latin typeface="ubuntu mono derivative powerline" panose="020B0509030602030204" pitchFamily="49" charset="0"/>
+              </a:rPr>
+              <a:t> = (-1, -1)</a:t>
+            </a:r>
+          </a:p>
+        </p:txBody>
+      </p:sp>
+    </p:spTree>
+    <p:extLst>
+      <p:ext uri="{BB962C8B-B14F-4D97-AF65-F5344CB8AC3E}">
+        <p14:creationId xmlns:p14="http://schemas.microsoft.com/office/powerpoint/2010/main" val="1649812531"/>
+      </p:ext>
+    </p:extLst>
+  </p:cSld>
+  <p:clrMapOvr>
+    <a:masterClrMapping/>
+  </p:clrMapOvr>
+</p:sld>
+</file>
+
+<file path=ppt/slides/slide24.xml><?xml version="1.0" encoding="utf-8"?>
+<p:sld xmlns:a="http://schemas.openxmlformats.org/drawingml/2006/main" xmlns:r="http://schemas.openxmlformats.org/officeDocument/2006/relationships" xmlns:p="http://schemas.openxmlformats.org/presentationml/2006/main">
+  <p:cSld>
+    <p:spTree>
+      <p:nvGrpSpPr>
+        <p:cNvPr id="1" name=""/>
+        <p:cNvGrpSpPr/>
+        <p:nvPr/>
+      </p:nvGrpSpPr>
+      <p:grpSpPr>
+        <a:xfrm>
+          <a:off x="0" y="0"/>
+          <a:ext cx="0" cy="0"/>
+          <a:chOff x="0" y="0"/>
+          <a:chExt cx="0" cy="0"/>
+        </a:xfrm>
+      </p:grpSpPr>
+      <p:sp>
+        <p:nvSpPr>
+          <p:cNvPr id="2" name="제목 1"/>
+          <p:cNvSpPr>
+            <a:spLocks noGrp="1"/>
+          </p:cNvSpPr>
+          <p:nvPr>
+            <p:ph type="title"/>
+          </p:nvPr>
+        </p:nvSpPr>
+        <p:spPr/>
+        <p:txBody>
+          <a:bodyPr/>
+          <a:lstStyle/>
+          <a:p>
+            <a:r>
+              <a:rPr lang="en-US" altLang="ko-KR" dirty="0"/>
+              <a:t>4. </a:t>
+            </a:r>
+            <a:r>
+              <a:rPr lang="ko-KR" altLang="en-US" dirty="0"/>
+              <a:t>인터페이스 기초</a:t>
+            </a:r>
+          </a:p>
+        </p:txBody>
+      </p:sp>
+      <p:sp>
+        <p:nvSpPr>
+          <p:cNvPr id="3" name="내용 개체 틀 2"/>
+          <p:cNvSpPr>
+            <a:spLocks noGrp="1"/>
+          </p:cNvSpPr>
+          <p:nvPr>
+            <p:ph idx="1"/>
+          </p:nvPr>
+        </p:nvSpPr>
+        <p:spPr/>
+        <p:txBody>
+          <a:bodyPr>
+            <a:normAutofit/>
+          </a:bodyPr>
+          <a:lstStyle/>
+          <a:p>
+            <a:r>
+              <a:rPr lang="en-US" altLang="ko-KR" dirty="0"/>
+              <a:t>4.3 </a:t>
+            </a:r>
+            <a:r>
+              <a:rPr lang="ko-KR" altLang="en-US" dirty="0"/>
+              <a:t>그리기 함수</a:t>
+            </a:r>
+            <a:endParaRPr lang="en-US" altLang="ko-KR" dirty="0"/>
+          </a:p>
+          <a:p>
+            <a:pPr lvl="1"/>
+            <a:r>
+              <a:rPr lang="en-US" altLang="ko-KR" dirty="0"/>
+              <a:t>4.3.5 </a:t>
+            </a:r>
+            <a:r>
+              <a:rPr lang="ko-KR" altLang="en-US" dirty="0"/>
+              <a:t>마우스로 얼굴 그리기</a:t>
+            </a:r>
+            <a:r>
+              <a:rPr lang="en-US" altLang="ko-KR" dirty="0"/>
+              <a:t>(</a:t>
+            </a:r>
+            <a:r>
+              <a:rPr lang="ko-KR" altLang="en-US" dirty="0"/>
+              <a:t>오른쪽 클릭</a:t>
+            </a:r>
+            <a:r>
+              <a:rPr lang="en-US" altLang="ko-KR" dirty="0"/>
+              <a:t>)</a:t>
+            </a:r>
+          </a:p>
+        </p:txBody>
+      </p:sp>
+      <p:sp>
+        <p:nvSpPr>
+          <p:cNvPr id="4" name="직사각형 3">
+            <a:extLst>
+              <a:ext uri="{FF2B5EF4-FFF2-40B4-BE49-F238E27FC236}">
+                <a16:creationId xmlns:a16="http://schemas.microsoft.com/office/drawing/2014/main" id="{64FCAE03-D95D-374F-6DE9-F428C178B308}"/>
+              </a:ext>
+            </a:extLst>
+          </p:cNvPr>
+          <p:cNvSpPr/>
+          <p:nvPr/>
+        </p:nvSpPr>
+        <p:spPr>
+          <a:xfrm>
+            <a:off x="827584" y="2065412"/>
+            <a:ext cx="7992888" cy="3293209"/>
+          </a:xfrm>
+          <a:prstGeom prst="rect">
+            <a:avLst/>
+          </a:prstGeom>
+        </p:spPr>
+        <p:txBody>
+          <a:bodyPr wrap="square">
+            <a:spAutoFit/>
+          </a:bodyPr>
+          <a:lstStyle/>
+          <a:p>
+            <a:r>
+              <a:rPr lang="en-US" altLang="ko-KR" sz="1600" b="0" dirty="0">
+                <a:effectLst/>
+                <a:latin typeface="ubuntu mono derivative powerline" panose="020B0509030602030204" pitchFamily="49" charset="0"/>
+              </a:rPr>
+              <a:t>def </a:t>
+            </a:r>
+            <a:r>
+              <a:rPr lang="en-US" altLang="ko-KR" sz="1600" b="0" dirty="0" err="1">
+                <a:effectLst/>
+                <a:latin typeface="ubuntu mono derivative powerline" panose="020B0509030602030204" pitchFamily="49" charset="0"/>
+              </a:rPr>
+              <a:t>onMouse</a:t>
+            </a:r>
+            <a:r>
+              <a:rPr lang="en-US" altLang="ko-KR" sz="1600" b="0" dirty="0">
+                <a:effectLst/>
+                <a:latin typeface="ubuntu mono derivative powerline" panose="020B0509030602030204" pitchFamily="49" charset="0"/>
+              </a:rPr>
+              <a:t>(event, x, y, flags, param):</a:t>
+            </a:r>
+          </a:p>
+          <a:p>
+            <a:r>
+              <a:rPr lang="en-US" altLang="ko-KR" sz="1600" b="0" dirty="0">
+                <a:effectLst/>
+                <a:latin typeface="ubuntu mono derivative powerline" panose="020B0509030602030204" pitchFamily="49" charset="0"/>
+              </a:rPr>
+              <a:t>    </a:t>
+            </a:r>
+          </a:p>
+          <a:p>
+            <a:r>
+              <a:rPr lang="en-US" altLang="ko-KR" sz="1600" dirty="0">
+                <a:solidFill>
+                  <a:srgbClr val="0000FF"/>
+                </a:solidFill>
+                <a:latin typeface="ubuntu mono derivative powerline" panose="020B0509030602030204" pitchFamily="49" charset="0"/>
+              </a:rPr>
+              <a:t>    </a:t>
+            </a:r>
+            <a:r>
+              <a:rPr lang="en-US" altLang="ko-KR" sz="1600" b="0" dirty="0">
+                <a:solidFill>
+                  <a:srgbClr val="0000FF"/>
+                </a:solidFill>
+                <a:effectLst/>
+                <a:latin typeface="ubuntu mono derivative powerline" panose="020B0509030602030204" pitchFamily="49" charset="0"/>
+              </a:rPr>
+              <a:t>...</a:t>
+            </a:r>
+          </a:p>
+          <a:p>
+            <a:br>
+              <a:rPr lang="en-US" altLang="ko-KR" sz="1600" b="0" dirty="0">
+                <a:effectLst/>
+                <a:latin typeface="ubuntu mono derivative powerline" panose="020B0509030602030204" pitchFamily="49" charset="0"/>
+              </a:rPr>
+            </a:br>
+            <a:r>
+              <a:rPr lang="en-US" altLang="ko-KR" sz="1600" b="0" dirty="0">
+                <a:effectLst/>
+                <a:latin typeface="ubuntu mono derivative powerline" panose="020B0509030602030204" pitchFamily="49" charset="0"/>
+              </a:rPr>
+              <a:t>    </a:t>
+            </a:r>
+            <a:r>
+              <a:rPr lang="en-US" altLang="ko-KR" sz="1600" b="0" dirty="0" err="1">
+                <a:effectLst/>
+                <a:latin typeface="ubuntu mono derivative powerline" panose="020B0509030602030204" pitchFamily="49" charset="0"/>
+              </a:rPr>
+              <a:t>elif</a:t>
+            </a:r>
+            <a:r>
+              <a:rPr lang="en-US" altLang="ko-KR" sz="1600" b="0" dirty="0">
+                <a:effectLst/>
+                <a:latin typeface="ubuntu mono derivative powerline" panose="020B0509030602030204" pitchFamily="49" charset="0"/>
+              </a:rPr>
+              <a:t> event == cv2.</a:t>
+            </a:r>
+            <a:r>
+              <a:rPr lang="en-US" altLang="ko-KR" sz="1600" b="0" dirty="0">
+                <a:solidFill>
+                  <a:srgbClr val="0000FF"/>
+                </a:solidFill>
+                <a:effectLst/>
+                <a:latin typeface="ubuntu mono derivative powerline" panose="020B0509030602030204" pitchFamily="49" charset="0"/>
+              </a:rPr>
+              <a:t>EVENT_RBUTTONDOWN</a:t>
+            </a:r>
+            <a:r>
+              <a:rPr lang="en-US" altLang="ko-KR" sz="1600" b="0" dirty="0">
+                <a:effectLst/>
+                <a:latin typeface="ubuntu mono derivative powerline" panose="020B0509030602030204" pitchFamily="49" charset="0"/>
+              </a:rPr>
+              <a:t>:</a:t>
+            </a:r>
+          </a:p>
+          <a:p>
+            <a:r>
+              <a:rPr lang="en-US" altLang="ko-KR" sz="1600" b="0" dirty="0">
+                <a:effectLst/>
+                <a:latin typeface="ubuntu mono derivative powerline" panose="020B0509030602030204" pitchFamily="49" charset="0"/>
+              </a:rPr>
+              <a:t>        if </a:t>
+            </a:r>
+            <a:r>
+              <a:rPr lang="en-US" altLang="ko-KR" sz="1600" b="0" dirty="0" err="1">
+                <a:effectLst/>
+                <a:latin typeface="ubuntu mono derivative powerline" panose="020B0509030602030204" pitchFamily="49" charset="0"/>
+              </a:rPr>
+              <a:t>pt</a:t>
+            </a:r>
+            <a:r>
+              <a:rPr lang="en-US" altLang="ko-KR" sz="1600" b="0" dirty="0">
+                <a:effectLst/>
+                <a:latin typeface="ubuntu mono derivative powerline" panose="020B0509030602030204" pitchFamily="49" charset="0"/>
+              </a:rPr>
+              <a:t>[0] &lt; 0:</a:t>
+            </a:r>
+          </a:p>
+          <a:p>
+            <a:r>
+              <a:rPr lang="en-US" altLang="ko-KR" sz="1600" b="0" dirty="0">
+                <a:effectLst/>
+                <a:latin typeface="ubuntu mono derivative powerline" panose="020B0509030602030204" pitchFamily="49" charset="0"/>
+              </a:rPr>
+              <a:t>            </a:t>
+            </a:r>
+            <a:r>
+              <a:rPr lang="en-US" altLang="ko-KR" sz="1600" b="0" dirty="0" err="1">
+                <a:effectLst/>
+                <a:latin typeface="ubuntu mono derivative powerline" panose="020B0509030602030204" pitchFamily="49" charset="0"/>
+              </a:rPr>
+              <a:t>pt</a:t>
+            </a:r>
+            <a:r>
+              <a:rPr lang="en-US" altLang="ko-KR" sz="1600" b="0" dirty="0">
+                <a:effectLst/>
+                <a:latin typeface="ubuntu mono derivative powerline" panose="020B0509030602030204" pitchFamily="49" charset="0"/>
+              </a:rPr>
+              <a:t> = (x, y)</a:t>
+            </a:r>
+          </a:p>
+          <a:p>
+            <a:r>
+              <a:rPr lang="en-US" altLang="ko-KR" sz="1600" b="0" dirty="0">
+                <a:effectLst/>
+                <a:latin typeface="ubuntu mono derivative powerline" panose="020B0509030602030204" pitchFamily="49" charset="0"/>
+              </a:rPr>
+              <a:t>        else:</a:t>
+            </a:r>
+          </a:p>
+          <a:p>
+            <a:r>
+              <a:rPr lang="en-US" altLang="ko-KR" sz="1600" b="0" dirty="0">
+                <a:effectLst/>
+                <a:latin typeface="ubuntu mono derivative powerline" panose="020B0509030602030204" pitchFamily="49" charset="0"/>
+              </a:rPr>
+              <a:t>            dx, </a:t>
+            </a:r>
+            <a:r>
+              <a:rPr lang="en-US" altLang="ko-KR" sz="1600" b="0" dirty="0" err="1">
+                <a:effectLst/>
+                <a:latin typeface="ubuntu mono derivative powerline" panose="020B0509030602030204" pitchFamily="49" charset="0"/>
+              </a:rPr>
+              <a:t>dy</a:t>
+            </a:r>
+            <a:r>
+              <a:rPr lang="en-US" altLang="ko-KR" sz="1600" b="0" dirty="0">
+                <a:effectLst/>
+                <a:latin typeface="ubuntu mono derivative powerline" panose="020B0509030602030204" pitchFamily="49" charset="0"/>
+              </a:rPr>
+              <a:t> = </a:t>
+            </a:r>
+            <a:r>
+              <a:rPr lang="en-US" altLang="ko-KR" sz="1600" b="0" dirty="0" err="1">
+                <a:effectLst/>
+                <a:latin typeface="ubuntu mono derivative powerline" panose="020B0509030602030204" pitchFamily="49" charset="0"/>
+              </a:rPr>
+              <a:t>pt</a:t>
+            </a:r>
+            <a:r>
+              <a:rPr lang="en-US" altLang="ko-KR" sz="1600" b="0" dirty="0">
+                <a:effectLst/>
+                <a:latin typeface="ubuntu mono derivative powerline" panose="020B0509030602030204" pitchFamily="49" charset="0"/>
+              </a:rPr>
+              <a:t>[0] - x, </a:t>
+            </a:r>
+            <a:r>
+              <a:rPr lang="en-US" altLang="ko-KR" sz="1600" b="0" dirty="0" err="1">
+                <a:effectLst/>
+                <a:latin typeface="ubuntu mono derivative powerline" panose="020B0509030602030204" pitchFamily="49" charset="0"/>
+              </a:rPr>
+              <a:t>pt</a:t>
+            </a:r>
+            <a:r>
+              <a:rPr lang="en-US" altLang="ko-KR" sz="1600" b="0" dirty="0">
+                <a:effectLst/>
+                <a:latin typeface="ubuntu mono derivative powerline" panose="020B0509030602030204" pitchFamily="49" charset="0"/>
+              </a:rPr>
+              <a:t>[1] - y</a:t>
+            </a:r>
+          </a:p>
+          <a:p>
+            <a:r>
+              <a:rPr lang="en-US" altLang="ko-KR" sz="1600" b="0" dirty="0">
+                <a:effectLst/>
+                <a:latin typeface="ubuntu mono derivative powerline" panose="020B0509030602030204" pitchFamily="49" charset="0"/>
+              </a:rPr>
+              <a:t>            radius = </a:t>
+            </a:r>
+            <a:r>
+              <a:rPr lang="en-US" altLang="ko-KR" sz="1600" b="0" dirty="0">
+                <a:solidFill>
+                  <a:srgbClr val="0000FF"/>
+                </a:solidFill>
+                <a:effectLst/>
+                <a:latin typeface="ubuntu mono derivative powerline" panose="020B0509030602030204" pitchFamily="49" charset="0"/>
+              </a:rPr>
+              <a:t>int</a:t>
+            </a:r>
+            <a:r>
+              <a:rPr lang="en-US" altLang="ko-KR" sz="1600" b="0" dirty="0">
+                <a:effectLst/>
+                <a:latin typeface="ubuntu mono derivative powerline" panose="020B0509030602030204" pitchFamily="49" charset="0"/>
+              </a:rPr>
+              <a:t>(</a:t>
+            </a:r>
+            <a:r>
+              <a:rPr lang="en-US" altLang="ko-KR" sz="1600" b="0" dirty="0" err="1">
+                <a:solidFill>
+                  <a:srgbClr val="7030A0"/>
+                </a:solidFill>
+                <a:effectLst/>
+                <a:latin typeface="ubuntu mono derivative powerline" panose="020B0509030602030204" pitchFamily="49" charset="0"/>
+              </a:rPr>
+              <a:t>np</a:t>
+            </a:r>
+            <a:r>
+              <a:rPr lang="en-US" altLang="ko-KR" sz="1600" b="0" dirty="0" err="1">
+                <a:effectLst/>
+                <a:latin typeface="ubuntu mono derivative powerline" panose="020B0509030602030204" pitchFamily="49" charset="0"/>
+              </a:rPr>
+              <a:t>.</a:t>
+            </a:r>
+            <a:r>
+              <a:rPr lang="en-US" altLang="ko-KR" sz="1600" b="0" dirty="0" err="1">
+                <a:solidFill>
+                  <a:srgbClr val="0000FF"/>
+                </a:solidFill>
+                <a:effectLst/>
+                <a:latin typeface="ubuntu mono derivative powerline" panose="020B0509030602030204" pitchFamily="49" charset="0"/>
+              </a:rPr>
+              <a:t>sqrt</a:t>
+            </a:r>
+            <a:r>
+              <a:rPr lang="en-US" altLang="ko-KR" sz="1600" b="0" dirty="0">
+                <a:effectLst/>
+                <a:latin typeface="ubuntu mono derivative powerline" panose="020B0509030602030204" pitchFamily="49" charset="0"/>
+              </a:rPr>
+              <a:t>(dx*dx + </a:t>
+            </a:r>
+            <a:r>
+              <a:rPr lang="en-US" altLang="ko-KR" sz="1600" b="0" dirty="0" err="1">
+                <a:effectLst/>
+                <a:latin typeface="ubuntu mono derivative powerline" panose="020B0509030602030204" pitchFamily="49" charset="0"/>
+              </a:rPr>
+              <a:t>dy</a:t>
+            </a:r>
+            <a:r>
+              <a:rPr lang="en-US" altLang="ko-KR" sz="1600" b="0" dirty="0">
+                <a:effectLst/>
+                <a:latin typeface="ubuntu mono derivative powerline" panose="020B0509030602030204" pitchFamily="49" charset="0"/>
+              </a:rPr>
+              <a:t>*</a:t>
+            </a:r>
+            <a:r>
+              <a:rPr lang="en-US" altLang="ko-KR" sz="1600" b="0" dirty="0" err="1">
+                <a:effectLst/>
+                <a:latin typeface="ubuntu mono derivative powerline" panose="020B0509030602030204" pitchFamily="49" charset="0"/>
+              </a:rPr>
+              <a:t>dy</a:t>
+            </a:r>
+            <a:r>
+              <a:rPr lang="en-US" altLang="ko-KR" sz="1600" b="0" dirty="0">
+                <a:effectLst/>
+                <a:latin typeface="ubuntu mono derivative powerline" panose="020B0509030602030204" pitchFamily="49" charset="0"/>
+              </a:rPr>
+              <a:t>))</a:t>
+            </a:r>
+          </a:p>
+          <a:p>
+            <a:r>
+              <a:rPr lang="en-US" altLang="ko-KR" sz="1600" b="0" dirty="0">
+                <a:effectLst/>
+                <a:latin typeface="ubuntu mono derivative powerline" panose="020B0509030602030204" pitchFamily="49" charset="0"/>
+              </a:rPr>
+              <a:t>            </a:t>
+            </a:r>
+            <a:r>
+              <a:rPr lang="en-US" altLang="ko-KR" sz="1600" b="0" dirty="0">
+                <a:solidFill>
+                  <a:srgbClr val="7030A0"/>
+                </a:solidFill>
+                <a:effectLst/>
+                <a:latin typeface="ubuntu mono derivative powerline" panose="020B0509030602030204" pitchFamily="49" charset="0"/>
+              </a:rPr>
+              <a:t>cv2</a:t>
+            </a:r>
+            <a:r>
+              <a:rPr lang="en-US" altLang="ko-KR" sz="1600" b="0" dirty="0">
+                <a:effectLst/>
+                <a:latin typeface="ubuntu mono derivative powerline" panose="020B0509030602030204" pitchFamily="49" charset="0"/>
+              </a:rPr>
+              <a:t>.</a:t>
+            </a:r>
+            <a:r>
+              <a:rPr lang="en-US" altLang="ko-KR" sz="1600" b="0" dirty="0">
+                <a:solidFill>
+                  <a:srgbClr val="0000FF"/>
+                </a:solidFill>
+                <a:effectLst/>
+                <a:latin typeface="ubuntu mono derivative powerline" panose="020B0509030602030204" pitchFamily="49" charset="0"/>
+              </a:rPr>
+              <a:t>circle</a:t>
+            </a:r>
+            <a:r>
+              <a:rPr lang="en-US" altLang="ko-KR" sz="1600" b="0" dirty="0">
+                <a:effectLst/>
+                <a:latin typeface="ubuntu mono derivative powerline" panose="020B0509030602030204" pitchFamily="49" charset="0"/>
+              </a:rPr>
+              <a:t>(image, </a:t>
+            </a:r>
+            <a:r>
+              <a:rPr lang="en-US" altLang="ko-KR" sz="1600" b="0" dirty="0" err="1">
+                <a:effectLst/>
+                <a:latin typeface="ubuntu mono derivative powerline" panose="020B0509030602030204" pitchFamily="49" charset="0"/>
+              </a:rPr>
+              <a:t>pt</a:t>
+            </a:r>
+            <a:r>
+              <a:rPr lang="en-US" altLang="ko-KR" sz="1600" b="0" dirty="0">
+                <a:effectLst/>
+                <a:latin typeface="ubuntu mono derivative powerline" panose="020B0509030602030204" pitchFamily="49" charset="0"/>
+              </a:rPr>
+              <a:t>, radius, (0, 0, 255), 2)</a:t>
+            </a:r>
+          </a:p>
+          <a:p>
+            <a:r>
+              <a:rPr lang="en-US" altLang="ko-KR" sz="1600" b="0" dirty="0">
+                <a:effectLst/>
+                <a:latin typeface="ubuntu mono derivative powerline" panose="020B0509030602030204" pitchFamily="49" charset="0"/>
+              </a:rPr>
+              <a:t>            </a:t>
+            </a:r>
+            <a:r>
+              <a:rPr lang="en-US" altLang="ko-KR" sz="1600" b="0" dirty="0">
+                <a:solidFill>
+                  <a:srgbClr val="7030A0"/>
+                </a:solidFill>
+                <a:effectLst/>
+                <a:latin typeface="ubuntu mono derivative powerline" panose="020B0509030602030204" pitchFamily="49" charset="0"/>
+              </a:rPr>
+              <a:t>cv2</a:t>
+            </a:r>
+            <a:r>
+              <a:rPr lang="en-US" altLang="ko-KR" sz="1600" b="0" dirty="0">
+                <a:effectLst/>
+                <a:latin typeface="ubuntu mono derivative powerline" panose="020B0509030602030204" pitchFamily="49" charset="0"/>
+              </a:rPr>
+              <a:t>.</a:t>
+            </a:r>
+            <a:r>
+              <a:rPr lang="en-US" altLang="ko-KR" sz="1600" b="0" dirty="0">
+                <a:solidFill>
+                  <a:srgbClr val="0000FF"/>
+                </a:solidFill>
+                <a:effectLst/>
+                <a:latin typeface="ubuntu mono derivative powerline" panose="020B0509030602030204" pitchFamily="49" charset="0"/>
+              </a:rPr>
+              <a:t>imshow</a:t>
+            </a:r>
+            <a:r>
+              <a:rPr lang="en-US" altLang="ko-KR" sz="1600" b="0" dirty="0">
+                <a:effectLst/>
+                <a:latin typeface="ubuntu mono derivative powerline" panose="020B0509030602030204" pitchFamily="49" charset="0"/>
+              </a:rPr>
+              <a:t>(title, image)</a:t>
+            </a:r>
+          </a:p>
+          <a:p>
+            <a:r>
+              <a:rPr lang="en-US" altLang="ko-KR" sz="1600" b="0" dirty="0">
+                <a:effectLst/>
+                <a:latin typeface="ubuntu mono derivative powerline" panose="020B0509030602030204" pitchFamily="49" charset="0"/>
+              </a:rPr>
+              <a:t>            </a:t>
+            </a:r>
+            <a:r>
+              <a:rPr lang="en-US" altLang="ko-KR" sz="1600" b="0" dirty="0" err="1">
+                <a:effectLst/>
+                <a:latin typeface="ubuntu mono derivative powerline" panose="020B0509030602030204" pitchFamily="49" charset="0"/>
+              </a:rPr>
+              <a:t>pt</a:t>
+            </a:r>
+            <a:r>
+              <a:rPr lang="en-US" altLang="ko-KR" sz="1600" b="0" dirty="0">
+                <a:effectLst/>
+                <a:latin typeface="ubuntu mono derivative powerline" panose="020B0509030602030204" pitchFamily="49" charset="0"/>
+              </a:rPr>
+              <a:t> = (-1, -1)</a:t>
+            </a:r>
+          </a:p>
+        </p:txBody>
+      </p:sp>
+      <p:pic>
+        <p:nvPicPr>
+          <p:cNvPr id="6" name="그림 5">
+            <a:extLst>
+              <a:ext uri="{FF2B5EF4-FFF2-40B4-BE49-F238E27FC236}">
+                <a16:creationId xmlns:a16="http://schemas.microsoft.com/office/drawing/2014/main" id="{F6840FD0-4604-6DCA-0E98-57DAD9DB6BDA}"/>
+              </a:ext>
+            </a:extLst>
+          </p:cNvPr>
+          <p:cNvPicPr>
+            <a:picLocks noChangeAspect="1"/>
+          </p:cNvPicPr>
+          <p:nvPr/>
+        </p:nvPicPr>
+        <p:blipFill>
+          <a:blip r:embed="rId2"/>
+          <a:stretch>
+            <a:fillRect/>
+          </a:stretch>
+        </p:blipFill>
+        <p:spPr>
+          <a:xfrm>
+            <a:off x="6426644" y="1561356"/>
+            <a:ext cx="2441292" cy="2683805"/>
+          </a:xfrm>
+          <a:prstGeom prst="rect">
+            <a:avLst/>
+          </a:prstGeom>
+        </p:spPr>
+      </p:pic>
+    </p:spTree>
+    <p:extLst>
+      <p:ext uri="{BB962C8B-B14F-4D97-AF65-F5344CB8AC3E}">
+        <p14:creationId xmlns:p14="http://schemas.microsoft.com/office/powerpoint/2010/main" val="3749608269"/>
+      </p:ext>
+    </p:extLst>
+  </p:cSld>
+  <p:clrMapOvr>
+    <a:masterClrMapping/>
+  </p:clrMapOvr>
+</p:sld>
+</file>
+
+<file path=ppt/slides/slide25.xml><?xml version="1.0" encoding="utf-8"?>
+<p:sld xmlns:a="http://schemas.openxmlformats.org/drawingml/2006/main" xmlns:r="http://schemas.openxmlformats.org/officeDocument/2006/relationships" xmlns:p="http://schemas.openxmlformats.org/presentationml/2006/main">
+  <p:cSld>
+    <p:spTree>
+      <p:nvGrpSpPr>
+        <p:cNvPr id="1" name=""/>
+        <p:cNvGrpSpPr/>
+        <p:nvPr/>
+      </p:nvGrpSpPr>
+      <p:grpSpPr>
+        <a:xfrm>
+          <a:off x="0" y="0"/>
+          <a:ext cx="0" cy="0"/>
+          <a:chOff x="0" y="0"/>
+          <a:chExt cx="0" cy="0"/>
+        </a:xfrm>
+      </p:grpSpPr>
+      <p:sp>
+        <p:nvSpPr>
+          <p:cNvPr id="2" name="제목 1"/>
+          <p:cNvSpPr>
+            <a:spLocks noGrp="1"/>
+          </p:cNvSpPr>
+          <p:nvPr>
+            <p:ph type="title"/>
+          </p:nvPr>
+        </p:nvSpPr>
+        <p:spPr/>
+        <p:txBody>
+          <a:bodyPr/>
+          <a:lstStyle/>
+          <a:p>
+            <a:r>
+              <a:rPr lang="en-US" altLang="ko-KR" dirty="0"/>
+              <a:t>4. </a:t>
+            </a:r>
+            <a:r>
+              <a:rPr lang="ko-KR" altLang="en-US" dirty="0"/>
+              <a:t>인터페이스 기초</a:t>
+            </a:r>
+          </a:p>
+        </p:txBody>
+      </p:sp>
+      <p:sp>
+        <p:nvSpPr>
+          <p:cNvPr id="3" name="내용 개체 틀 2"/>
+          <p:cNvSpPr>
+            <a:spLocks noGrp="1"/>
+          </p:cNvSpPr>
+          <p:nvPr>
+            <p:ph idx="1"/>
+          </p:nvPr>
+        </p:nvSpPr>
+        <p:spPr/>
+        <p:txBody>
+          <a:bodyPr>
+            <a:normAutofit/>
+          </a:bodyPr>
+          <a:lstStyle/>
+          <a:p>
+            <a:r>
+              <a:rPr lang="en-US" altLang="ko-KR" dirty="0"/>
+              <a:t>4.3 </a:t>
+            </a:r>
+            <a:r>
+              <a:rPr lang="ko-KR" altLang="en-US" dirty="0"/>
+              <a:t>그리기 함수</a:t>
+            </a:r>
+            <a:endParaRPr lang="en-US" altLang="ko-KR" dirty="0"/>
+          </a:p>
+          <a:p>
+            <a:pPr lvl="1"/>
+            <a:r>
+              <a:rPr lang="en-US" altLang="ko-KR" dirty="0"/>
+              <a:t>4.3.5 </a:t>
+            </a:r>
+            <a:r>
+              <a:rPr lang="ko-KR" altLang="en-US" dirty="0"/>
+              <a:t>마우스로 얼굴 그리기</a:t>
+            </a:r>
+            <a:endParaRPr lang="en-US" altLang="ko-KR" dirty="0"/>
+          </a:p>
+          <a:p>
+            <a:pPr lvl="1"/>
+            <a:r>
+              <a:rPr lang="ko-KR" altLang="en-US" dirty="0">
+                <a:solidFill>
+                  <a:srgbClr val="0000FF"/>
+                </a:solidFill>
+              </a:rPr>
+              <a:t>추가 조건 </a:t>
+            </a:r>
+            <a:r>
+              <a:rPr lang="en-US" altLang="ko-KR" dirty="0">
+                <a:solidFill>
+                  <a:srgbClr val="0000FF"/>
+                </a:solidFill>
+              </a:rPr>
+              <a:t>(</a:t>
+            </a:r>
+            <a:r>
+              <a:rPr lang="ko-KR" altLang="en-US" dirty="0">
+                <a:solidFill>
+                  <a:srgbClr val="0000FF"/>
+                </a:solidFill>
+              </a:rPr>
+              <a:t>제한시간 </a:t>
+            </a:r>
+            <a:r>
+              <a:rPr lang="en-US" altLang="ko-KR" dirty="0">
+                <a:solidFill>
+                  <a:srgbClr val="0000FF"/>
+                </a:solidFill>
+              </a:rPr>
+              <a:t>5</a:t>
+            </a:r>
+            <a:r>
+              <a:rPr lang="ko-KR" altLang="en-US" dirty="0">
+                <a:solidFill>
+                  <a:srgbClr val="0000FF"/>
+                </a:solidFill>
+              </a:rPr>
+              <a:t>분</a:t>
+            </a:r>
+            <a:r>
+              <a:rPr lang="en-US" altLang="ko-KR" dirty="0">
+                <a:solidFill>
+                  <a:srgbClr val="0000FF"/>
+                </a:solidFill>
+              </a:rPr>
+              <a:t>)</a:t>
+            </a:r>
+          </a:p>
+          <a:p>
+            <a:pPr lvl="2"/>
+            <a:r>
+              <a:rPr lang="ko-KR" altLang="en-US" dirty="0"/>
+              <a:t>마우스 휠 을 조작 했을 때</a:t>
+            </a:r>
+            <a:r>
+              <a:rPr lang="en-US" altLang="ko-KR" dirty="0"/>
+              <a:t>, </a:t>
+            </a:r>
+            <a:r>
+              <a:rPr lang="ko-KR" altLang="en-US" dirty="0"/>
+              <a:t>초기화 </a:t>
+            </a:r>
+            <a:r>
+              <a:rPr lang="en-US" altLang="ko-KR" dirty="0"/>
+              <a:t>(</a:t>
+            </a:r>
+            <a:r>
+              <a:rPr lang="ko-KR" altLang="en-US" dirty="0"/>
+              <a:t>지우개 역할</a:t>
+            </a:r>
+            <a:r>
+              <a:rPr lang="en-US" altLang="ko-KR" dirty="0"/>
+              <a:t>)</a:t>
+            </a:r>
+          </a:p>
+        </p:txBody>
+      </p:sp>
+      <p:pic>
+        <p:nvPicPr>
+          <p:cNvPr id="6" name="그림 5">
+            <a:extLst>
+              <a:ext uri="{FF2B5EF4-FFF2-40B4-BE49-F238E27FC236}">
+                <a16:creationId xmlns:a16="http://schemas.microsoft.com/office/drawing/2014/main" id="{AECE991B-CA78-278B-24AE-4594E921945A}"/>
+              </a:ext>
+            </a:extLst>
+          </p:cNvPr>
+          <p:cNvPicPr>
+            <a:picLocks noChangeAspect="1"/>
+          </p:cNvPicPr>
+          <p:nvPr/>
+        </p:nvPicPr>
+        <p:blipFill>
+          <a:blip r:embed="rId2"/>
+          <a:stretch>
+            <a:fillRect/>
+          </a:stretch>
+        </p:blipFill>
+        <p:spPr>
+          <a:xfrm>
+            <a:off x="1691680" y="3102497"/>
+            <a:ext cx="2016224" cy="2216511"/>
+          </a:xfrm>
+          <a:prstGeom prst="rect">
+            <a:avLst/>
+          </a:prstGeom>
+        </p:spPr>
+      </p:pic>
+      <p:pic>
+        <p:nvPicPr>
+          <p:cNvPr id="8" name="그림 7">
+            <a:extLst>
+              <a:ext uri="{FF2B5EF4-FFF2-40B4-BE49-F238E27FC236}">
+                <a16:creationId xmlns:a16="http://schemas.microsoft.com/office/drawing/2014/main" id="{ECA3BF2B-84EE-3650-587E-37419ABD76B3}"/>
+              </a:ext>
+            </a:extLst>
+          </p:cNvPr>
+          <p:cNvPicPr>
+            <a:picLocks noChangeAspect="1"/>
+          </p:cNvPicPr>
+          <p:nvPr/>
+        </p:nvPicPr>
+        <p:blipFill>
+          <a:blip r:embed="rId3"/>
+          <a:stretch>
+            <a:fillRect/>
+          </a:stretch>
+        </p:blipFill>
+        <p:spPr>
+          <a:xfrm>
+            <a:off x="5436098" y="3102497"/>
+            <a:ext cx="2016224" cy="2216511"/>
+          </a:xfrm>
+          <a:prstGeom prst="rect">
+            <a:avLst/>
+          </a:prstGeom>
+        </p:spPr>
+      </p:pic>
+      <p:sp>
+        <p:nvSpPr>
+          <p:cNvPr id="9" name="화살표: 오른쪽 8">
+            <a:extLst>
+              <a:ext uri="{FF2B5EF4-FFF2-40B4-BE49-F238E27FC236}">
+                <a16:creationId xmlns:a16="http://schemas.microsoft.com/office/drawing/2014/main" id="{36D5C9E9-F2CB-6AA1-7BF2-B4AD590DDCFE}"/>
+              </a:ext>
+            </a:extLst>
+          </p:cNvPr>
+          <p:cNvSpPr/>
+          <p:nvPr/>
+        </p:nvSpPr>
+        <p:spPr>
+          <a:xfrm>
+            <a:off x="4139952" y="4081636"/>
+            <a:ext cx="864096" cy="288032"/>
+          </a:xfrm>
+          <a:prstGeom prst="rightArrow">
+            <a:avLst/>
+          </a:prstGeom>
+          <a:noFill/>
+          <a:ln>
+            <a:solidFill>
+              <a:srgbClr val="FF0000"/>
+            </a:solidFill>
+          </a:ln>
+        </p:spPr>
+        <p:style>
+          <a:lnRef idx="2">
+            <a:schemeClr val="accent1">
+              <a:shade val="50000"/>
+            </a:schemeClr>
+          </a:lnRef>
+          <a:fillRef idx="1">
+            <a:schemeClr val="accent1"/>
+          </a:fillRef>
+          <a:effectRef idx="0">
+            <a:schemeClr val="accent1"/>
+          </a:effectRef>
+          <a:fontRef idx="minor">
+            <a:schemeClr val="lt1"/>
+          </a:fontRef>
+        </p:style>
+        <p:txBody>
+          <a:bodyPr rtlCol="0" anchor="ctr"/>
+          <a:lstStyle/>
+          <a:p>
+            <a:pPr algn="ctr"/>
+            <a:endParaRPr lang="ko-KR" altLang="en-US"/>
+          </a:p>
+        </p:txBody>
+      </p:sp>
+    </p:spTree>
+    <p:extLst>
+      <p:ext uri="{BB962C8B-B14F-4D97-AF65-F5344CB8AC3E}">
+        <p14:creationId xmlns:p14="http://schemas.microsoft.com/office/powerpoint/2010/main" val="237362147"/>
+      </p:ext>
+    </p:extLst>
+  </p:cSld>
+  <p:clrMapOvr>
+    <a:masterClrMapping/>
+  </p:clrMapOvr>
+</p:sld>
+</file>
+
+<file path=ppt/slides/slide26.xml><?xml version="1.0" encoding="utf-8"?>
+<p:sld xmlns:a="http://schemas.openxmlformats.org/drawingml/2006/main" xmlns:r="http://schemas.openxmlformats.org/officeDocument/2006/relationships" xmlns:p="http://schemas.openxmlformats.org/presentationml/2006/main">
+  <p:cSld>
+    <p:spTree>
+      <p:nvGrpSpPr>
+        <p:cNvPr id="1" name=""/>
+        <p:cNvGrpSpPr/>
+        <p:nvPr/>
+      </p:nvGrpSpPr>
+      <p:grpSpPr>
+        <a:xfrm>
+          <a:off x="0" y="0"/>
+          <a:ext cx="0" cy="0"/>
+          <a:chOff x="0" y="0"/>
+          <a:chExt cx="0" cy="0"/>
+        </a:xfrm>
+      </p:grpSpPr>
+      <p:sp>
+        <p:nvSpPr>
+          <p:cNvPr id="2" name="제목 1"/>
+          <p:cNvSpPr>
+            <a:spLocks noGrp="1"/>
+          </p:cNvSpPr>
+          <p:nvPr>
+            <p:ph type="title"/>
+          </p:nvPr>
+        </p:nvSpPr>
+        <p:spPr/>
+        <p:txBody>
+          <a:bodyPr/>
+          <a:lstStyle/>
+          <a:p>
+            <a:r>
+              <a:rPr lang="en-US" altLang="ko-KR" dirty="0"/>
+              <a:t>4. </a:t>
+            </a:r>
+            <a:r>
+              <a:rPr lang="ko-KR" altLang="en-US" dirty="0"/>
+              <a:t>인터페이스 기초</a:t>
+            </a:r>
+          </a:p>
+        </p:txBody>
+      </p:sp>
+      <p:sp>
+        <p:nvSpPr>
+          <p:cNvPr id="3" name="내용 개체 틀 2"/>
+          <p:cNvSpPr>
+            <a:spLocks noGrp="1"/>
+          </p:cNvSpPr>
+          <p:nvPr>
+            <p:ph idx="1"/>
+          </p:nvPr>
+        </p:nvSpPr>
+        <p:spPr/>
+        <p:txBody>
+          <a:bodyPr>
+            <a:normAutofit/>
+          </a:bodyPr>
+          <a:lstStyle/>
+          <a:p>
+            <a:r>
+              <a:rPr lang="en-US" altLang="ko-KR" dirty="0"/>
+              <a:t>4.3 </a:t>
+            </a:r>
+            <a:r>
+              <a:rPr lang="ko-KR" altLang="en-US" dirty="0"/>
+              <a:t>그리기 함수</a:t>
+            </a:r>
+            <a:endParaRPr lang="en-US" altLang="ko-KR" dirty="0"/>
+          </a:p>
+          <a:p>
+            <a:pPr lvl="1"/>
+            <a:r>
+              <a:rPr lang="en-US" altLang="ko-KR" dirty="0"/>
+              <a:t>4.3.5 </a:t>
+            </a:r>
+            <a:r>
+              <a:rPr lang="ko-KR" altLang="en-US" dirty="0"/>
+              <a:t>마우스로 얼굴 그리기</a:t>
+            </a:r>
+            <a:endParaRPr lang="en-US" altLang="ko-KR" dirty="0"/>
+          </a:p>
+        </p:txBody>
+      </p:sp>
+      <p:sp>
+        <p:nvSpPr>
+          <p:cNvPr id="4" name="직사각형 3">
+            <a:extLst>
+              <a:ext uri="{FF2B5EF4-FFF2-40B4-BE49-F238E27FC236}">
+                <a16:creationId xmlns:a16="http://schemas.microsoft.com/office/drawing/2014/main" id="{64FCAE03-D95D-374F-6DE9-F428C178B308}"/>
+              </a:ext>
+            </a:extLst>
+          </p:cNvPr>
+          <p:cNvSpPr/>
+          <p:nvPr/>
+        </p:nvSpPr>
+        <p:spPr>
+          <a:xfrm>
+            <a:off x="827584" y="2065412"/>
+            <a:ext cx="7992888" cy="2062103"/>
+          </a:xfrm>
+          <a:prstGeom prst="rect">
+            <a:avLst/>
+          </a:prstGeom>
+        </p:spPr>
+        <p:txBody>
+          <a:bodyPr wrap="square">
+            <a:spAutoFit/>
+          </a:bodyPr>
+          <a:lstStyle/>
+          <a:p>
+            <a:r>
+              <a:rPr lang="en-US" altLang="ko-KR" sz="1600" b="0" dirty="0">
+                <a:effectLst/>
+                <a:latin typeface="ubuntu mono derivative powerline" panose="020B0509030602030204" pitchFamily="49" charset="0"/>
+              </a:rPr>
+              <a:t>def </a:t>
+            </a:r>
+            <a:r>
+              <a:rPr lang="en-US" altLang="ko-KR" sz="1600" b="0" dirty="0" err="1">
+                <a:effectLst/>
+                <a:latin typeface="ubuntu mono derivative powerline" panose="020B0509030602030204" pitchFamily="49" charset="0"/>
+              </a:rPr>
+              <a:t>onMouse</a:t>
+            </a:r>
+            <a:r>
+              <a:rPr lang="en-US" altLang="ko-KR" sz="1600" b="0" dirty="0">
+                <a:effectLst/>
+                <a:latin typeface="ubuntu mono derivative powerline" panose="020B0509030602030204" pitchFamily="49" charset="0"/>
+              </a:rPr>
+              <a:t>(event, x, y, flags, param):</a:t>
+            </a:r>
+          </a:p>
+          <a:p>
+            <a:r>
+              <a:rPr lang="en-US" altLang="ko-KR" sz="1600" b="0" dirty="0">
+                <a:effectLst/>
+                <a:latin typeface="ubuntu mono derivative powerline" panose="020B0509030602030204" pitchFamily="49" charset="0"/>
+              </a:rPr>
+              <a:t>    </a:t>
+            </a:r>
+          </a:p>
+          <a:p>
+            <a:r>
+              <a:rPr lang="en-US" altLang="ko-KR" sz="1600" dirty="0">
+                <a:solidFill>
+                  <a:srgbClr val="0000FF"/>
+                </a:solidFill>
+                <a:latin typeface="ubuntu mono derivative powerline" panose="020B0509030602030204" pitchFamily="49" charset="0"/>
+              </a:rPr>
+              <a:t>    </a:t>
+            </a:r>
+            <a:r>
+              <a:rPr lang="en-US" altLang="ko-KR" sz="1600" b="0" dirty="0">
+                <a:solidFill>
+                  <a:srgbClr val="0000FF"/>
+                </a:solidFill>
+                <a:effectLst/>
+                <a:latin typeface="ubuntu mono derivative powerline" panose="020B0509030602030204" pitchFamily="49" charset="0"/>
+              </a:rPr>
+              <a:t>...</a:t>
+            </a:r>
+          </a:p>
+          <a:p>
+            <a:br>
+              <a:rPr lang="en-US" altLang="ko-KR" sz="1600" b="0" dirty="0">
+                <a:effectLst/>
+                <a:latin typeface="ubuntu mono derivative powerline" panose="020B0509030602030204" pitchFamily="49" charset="0"/>
+              </a:rPr>
+            </a:br>
+            <a:r>
+              <a:rPr lang="en-US" altLang="ko-KR" sz="1600" b="0" dirty="0">
+                <a:effectLst/>
+                <a:latin typeface="ubuntu mono derivative powerline" panose="020B0509030602030204" pitchFamily="49" charset="0"/>
+              </a:rPr>
+              <a:t>    </a:t>
+            </a:r>
+            <a:r>
+              <a:rPr lang="en-US" altLang="ko-KR" sz="1600" b="0" dirty="0" err="1">
+                <a:effectLst/>
+                <a:latin typeface="ubuntu mono derivative powerline" panose="020B0509030602030204" pitchFamily="49" charset="0"/>
+              </a:rPr>
+              <a:t>elif</a:t>
+            </a:r>
+            <a:r>
+              <a:rPr lang="en-US" altLang="ko-KR" sz="1600" b="0" dirty="0">
+                <a:effectLst/>
+                <a:latin typeface="ubuntu mono derivative powerline" panose="020B0509030602030204" pitchFamily="49" charset="0"/>
+              </a:rPr>
+              <a:t> event == </a:t>
+            </a:r>
+            <a:r>
+              <a:rPr lang="en-US" altLang="ko-KR" sz="1600" b="0" dirty="0">
+                <a:solidFill>
+                  <a:srgbClr val="7030A0"/>
+                </a:solidFill>
+                <a:effectLst/>
+                <a:latin typeface="ubuntu mono derivative powerline" panose="020B0509030602030204" pitchFamily="49" charset="0"/>
+              </a:rPr>
+              <a:t>cv2</a:t>
+            </a:r>
+            <a:r>
+              <a:rPr lang="en-US" altLang="ko-KR" sz="1600" b="0" dirty="0">
+                <a:effectLst/>
+                <a:latin typeface="ubuntu mono derivative powerline" panose="020B0509030602030204" pitchFamily="49" charset="0"/>
+              </a:rPr>
+              <a:t>.</a:t>
+            </a:r>
+            <a:r>
+              <a:rPr lang="en-US" altLang="ko-KR" sz="1600" b="0" dirty="0">
+                <a:solidFill>
+                  <a:srgbClr val="0000FF"/>
+                </a:solidFill>
+                <a:effectLst/>
+                <a:latin typeface="ubuntu mono derivative powerline" panose="020B0509030602030204" pitchFamily="49" charset="0"/>
+              </a:rPr>
+              <a:t>EVENT_MOUSEWHEEL</a:t>
+            </a:r>
+            <a:r>
+              <a:rPr lang="en-US" altLang="ko-KR" sz="1600" b="0" dirty="0">
+                <a:effectLst/>
+                <a:latin typeface="ubuntu mono derivative powerline" panose="020B0509030602030204" pitchFamily="49" charset="0"/>
+              </a:rPr>
+              <a:t>:</a:t>
+            </a:r>
+          </a:p>
+          <a:p>
+            <a:r>
+              <a:rPr lang="en-US" altLang="ko-KR" sz="1600" b="0" dirty="0">
+                <a:effectLst/>
+                <a:latin typeface="ubuntu mono derivative powerline" panose="020B0509030602030204" pitchFamily="49" charset="0"/>
+              </a:rPr>
+              <a:t>        </a:t>
+            </a:r>
+            <a:r>
+              <a:rPr lang="en-US" altLang="ko-KR" sz="1600" b="0" dirty="0">
+                <a:solidFill>
+                  <a:srgbClr val="7030A0"/>
+                </a:solidFill>
+                <a:effectLst/>
+                <a:latin typeface="ubuntu mono derivative powerline" panose="020B0509030602030204" pitchFamily="49" charset="0"/>
+              </a:rPr>
+              <a:t>cv2</a:t>
+            </a:r>
+            <a:r>
+              <a:rPr lang="en-US" altLang="ko-KR" sz="1600" b="0" dirty="0">
+                <a:effectLst/>
+                <a:latin typeface="ubuntu mono derivative powerline" panose="020B0509030602030204" pitchFamily="49" charset="0"/>
+              </a:rPr>
+              <a:t>.</a:t>
+            </a:r>
+            <a:r>
+              <a:rPr lang="en-US" altLang="ko-KR" sz="1600" b="0" dirty="0">
+                <a:solidFill>
+                  <a:srgbClr val="0000FF"/>
+                </a:solidFill>
+                <a:effectLst/>
+                <a:latin typeface="ubuntu mono derivative powerline" panose="020B0509030602030204" pitchFamily="49" charset="0"/>
+              </a:rPr>
+              <a:t>rectangle</a:t>
+            </a:r>
+            <a:r>
+              <a:rPr lang="en-US" altLang="ko-KR" sz="1600" b="0" dirty="0">
+                <a:effectLst/>
+                <a:latin typeface="ubuntu mono derivative powerline" panose="020B0509030602030204" pitchFamily="49" charset="0"/>
+              </a:rPr>
+              <a:t>(image, (0, 0), (300, 300), (255, 255, 255), cv2.FILLED)</a:t>
+            </a:r>
+          </a:p>
+          <a:p>
+            <a:r>
+              <a:rPr lang="en-US" altLang="ko-KR" sz="1600" b="0" dirty="0">
+                <a:effectLst/>
+                <a:latin typeface="ubuntu mono derivative powerline" panose="020B0509030602030204" pitchFamily="49" charset="0"/>
+              </a:rPr>
+              <a:t>        </a:t>
+            </a:r>
+            <a:r>
+              <a:rPr lang="en-US" altLang="ko-KR" sz="1600" b="0" dirty="0">
+                <a:solidFill>
+                  <a:srgbClr val="7030A0"/>
+                </a:solidFill>
+                <a:effectLst/>
+                <a:latin typeface="ubuntu mono derivative powerline" panose="020B0509030602030204" pitchFamily="49" charset="0"/>
+              </a:rPr>
+              <a:t>cv2</a:t>
+            </a:r>
+            <a:r>
+              <a:rPr lang="en-US" altLang="ko-KR" sz="1600" b="0" dirty="0">
+                <a:effectLst/>
+                <a:latin typeface="ubuntu mono derivative powerline" panose="020B0509030602030204" pitchFamily="49" charset="0"/>
+              </a:rPr>
+              <a:t>.</a:t>
+            </a:r>
+            <a:r>
+              <a:rPr lang="en-US" altLang="ko-KR" sz="1600" b="0" dirty="0">
+                <a:solidFill>
+                  <a:srgbClr val="0000FF"/>
+                </a:solidFill>
+                <a:effectLst/>
+                <a:latin typeface="ubuntu mono derivative powerline" panose="020B0509030602030204" pitchFamily="49" charset="0"/>
+              </a:rPr>
+              <a:t>imshow</a:t>
+            </a:r>
+            <a:r>
+              <a:rPr lang="en-US" altLang="ko-KR" sz="1600" b="0" dirty="0">
+                <a:effectLst/>
+                <a:latin typeface="ubuntu mono derivative powerline" panose="020B0509030602030204" pitchFamily="49" charset="0"/>
+              </a:rPr>
+              <a:t>(title, image)</a:t>
+            </a:r>
+          </a:p>
+          <a:p>
+            <a:r>
+              <a:rPr lang="en-US" altLang="ko-KR" sz="1600" b="0" dirty="0">
+                <a:effectLst/>
+                <a:latin typeface="ubuntu mono derivative powerline" panose="020B0509030602030204" pitchFamily="49" charset="0"/>
+              </a:rPr>
+              <a:t>        </a:t>
+            </a:r>
+            <a:r>
+              <a:rPr lang="en-US" altLang="ko-KR" sz="1600" b="0" dirty="0" err="1">
+                <a:effectLst/>
+                <a:latin typeface="ubuntu mono derivative powerline" panose="020B0509030602030204" pitchFamily="49" charset="0"/>
+              </a:rPr>
+              <a:t>pt</a:t>
+            </a:r>
+            <a:r>
+              <a:rPr lang="en-US" altLang="ko-KR" sz="1600" b="0" dirty="0">
+                <a:effectLst/>
+                <a:latin typeface="ubuntu mono derivative powerline" panose="020B0509030602030204" pitchFamily="49" charset="0"/>
+              </a:rPr>
+              <a:t> = (-1, -1)</a:t>
+            </a:r>
+          </a:p>
+        </p:txBody>
+      </p:sp>
+      <p:sp>
+        <p:nvSpPr>
+          <p:cNvPr id="5" name="직사각형 4">
+            <a:extLst>
+              <a:ext uri="{FF2B5EF4-FFF2-40B4-BE49-F238E27FC236}">
+                <a16:creationId xmlns:a16="http://schemas.microsoft.com/office/drawing/2014/main" id="{FBF20737-38CE-B33D-1291-84D6BF679B5A}"/>
+              </a:ext>
+            </a:extLst>
+          </p:cNvPr>
+          <p:cNvSpPr/>
+          <p:nvPr/>
+        </p:nvSpPr>
+        <p:spPr>
+          <a:xfrm>
+            <a:off x="1259632" y="3350473"/>
+            <a:ext cx="7560840" cy="777042"/>
+          </a:xfrm>
+          <a:prstGeom prst="rect">
+            <a:avLst/>
+          </a:prstGeom>
+          <a:solidFill>
+            <a:srgbClr val="FFFFFF"/>
+          </a:solidFill>
+          <a:ln>
+            <a:solidFill>
+              <a:srgbClr val="0000FF"/>
+            </a:solidFill>
+          </a:ln>
+        </p:spPr>
+        <p:style>
+          <a:lnRef idx="2">
+            <a:schemeClr val="accent1">
+              <a:shade val="50000"/>
+            </a:schemeClr>
+          </a:lnRef>
+          <a:fillRef idx="1">
+            <a:schemeClr val="accent1"/>
+          </a:fillRef>
+          <a:effectRef idx="0">
+            <a:schemeClr val="accent1"/>
+          </a:effectRef>
+          <a:fontRef idx="minor">
+            <a:schemeClr val="lt1"/>
+          </a:fontRef>
+        </p:style>
+        <p:txBody>
+          <a:bodyPr rtlCol="0" anchor="ctr"/>
+          <a:lstStyle/>
+          <a:p>
+            <a:pPr algn="ctr"/>
+            <a:endParaRPr lang="ko-KR" altLang="en-US"/>
+          </a:p>
+        </p:txBody>
+      </p:sp>
+    </p:spTree>
+    <p:extLst>
+      <p:ext uri="{BB962C8B-B14F-4D97-AF65-F5344CB8AC3E}">
+        <p14:creationId xmlns:p14="http://schemas.microsoft.com/office/powerpoint/2010/main" val="43711376"/>
+      </p:ext>
+    </p:extLst>
+  </p:cSld>
+  <p:clrMapOvr>
+    <a:masterClrMapping/>
+  </p:clrMapOvr>
+  <p:timing>
+    <p:tnLst>
+      <p:par>
+        <p:cTn id="1" dur="indefinite" restart="never" nodeType="tmRoot">
+          <p:childTnLst>
+            <p:seq concurrent="1" nextAc="seek">
+              <p:cTn id="2" dur="indefinite" nodeType="mainSeq">
+                <p:childTnLst>
+                  <p:par>
+                    <p:cTn id="3" fill="hold">
+                      <p:stCondLst>
+                        <p:cond delay="indefinite"/>
+                      </p:stCondLst>
+                      <p:childTnLst>
+                        <p:par>
+                          <p:cTn id="4" fill="hold">
+                            <p:stCondLst>
+                              <p:cond delay="0"/>
+                            </p:stCondLst>
+                            <p:childTnLst>
+                              <p:par>
+                                <p:cTn id="5" presetID="1" presetClass="exit" presetSubtype="0" fill="hold" grpId="0" nodeType="clickEffect">
+                                  <p:stCondLst>
+                                    <p:cond delay="0"/>
+                                  </p:stCondLst>
+                                  <p:childTnLst>
+                                    <p:set>
+                                      <p:cBhvr>
+                                        <p:cTn id="6" dur="1" fill="hold">
+                                          <p:stCondLst>
+                                            <p:cond delay="0"/>
+                                          </p:stCondLst>
+                                        </p:cTn>
+                                        <p:tgtEl>
+                                          <p:spTgt spid="5"/>
+                                        </p:tgtEl>
+                                        <p:attrNameLst>
+                                          <p:attrName>style.visibility</p:attrName>
+                                        </p:attrNameLst>
+                                      </p:cBhvr>
+                                      <p:to>
+                                        <p:strVal val="hidden"/>
+                                      </p:to>
+                                    </p:set>
+                                  </p:childTnLst>
+                                </p:cTn>
+                              </p:par>
+                            </p:childTnLst>
+                          </p:cTn>
+                        </p:par>
+                      </p:childTnLst>
+                    </p:cTn>
+                  </p:par>
+                </p:childTnLst>
+              </p:cTn>
+              <p:prevCondLst>
+                <p:cond evt="onPrev" delay="0">
+                  <p:tgtEl>
+                    <p:sldTgt/>
+                  </p:tgtEl>
+                </p:cond>
+              </p:prevCondLst>
+              <p:nextCondLst>
+                <p:cond evt="onNext" delay="0">
+                  <p:tgtEl>
+                    <p:sldTgt/>
+                  </p:tgtEl>
+                </p:cond>
+              </p:nextCondLst>
+            </p:seq>
+          </p:childTnLst>
+        </p:cTn>
+      </p:par>
+    </p:tnLst>
+    <p:bldLst>
+      <p:bldP spid="5" grpId="0" animBg="1"/>
+    </p:bldLst>
+  </p:timing>
 </p:sld>
 </file>
 

--- a/2022-10-04/documents/CH_04 인터페이스 기초.pptx
+++ b/2022-10-04/documents/CH_04 인터페이스 기초.pptx
@@ -5,10 +5,10 @@
     <p:sldMasterId id="2147483970" r:id="rId1"/>
   </p:sldMasterIdLst>
   <p:notesMasterIdLst>
-    <p:notesMasterId r:id="rId28"/>
+    <p:notesMasterId r:id="rId38"/>
   </p:notesMasterIdLst>
   <p:handoutMasterIdLst>
-    <p:handoutMasterId r:id="rId29"/>
+    <p:handoutMasterId r:id="rId39"/>
   </p:handoutMasterIdLst>
   <p:sldIdLst>
     <p:sldId id="391" r:id="rId2"/>
@@ -37,6 +37,16 @@
     <p:sldId id="415" r:id="rId25"/>
     <p:sldId id="416" r:id="rId26"/>
     <p:sldId id="417" r:id="rId27"/>
+    <p:sldId id="418" r:id="rId28"/>
+    <p:sldId id="419" r:id="rId29"/>
+    <p:sldId id="420" r:id="rId30"/>
+    <p:sldId id="421" r:id="rId31"/>
+    <p:sldId id="422" r:id="rId32"/>
+    <p:sldId id="423" r:id="rId33"/>
+    <p:sldId id="424" r:id="rId34"/>
+    <p:sldId id="425" r:id="rId35"/>
+    <p:sldId id="426" r:id="rId36"/>
+    <p:sldId id="427" r:id="rId37"/>
   </p:sldIdLst>
   <p:sldSz cx="9144000" cy="5715000" type="screen16x10"/>
   <p:notesSz cx="7104063" cy="10234613"/>
@@ -16979,6 +16989,1633 @@
 </p:sld>
 </file>
 
+<file path=ppt/slides/slide27.xml><?xml version="1.0" encoding="utf-8"?>
+<p:sld xmlns:a="http://schemas.openxmlformats.org/drawingml/2006/main" xmlns:r="http://schemas.openxmlformats.org/officeDocument/2006/relationships" xmlns:p="http://schemas.openxmlformats.org/presentationml/2006/main">
+  <p:cSld>
+    <p:spTree>
+      <p:nvGrpSpPr>
+        <p:cNvPr id="1" name=""/>
+        <p:cNvGrpSpPr/>
+        <p:nvPr/>
+      </p:nvGrpSpPr>
+      <p:grpSpPr>
+        <a:xfrm>
+          <a:off x="0" y="0"/>
+          <a:ext cx="0" cy="0"/>
+          <a:chOff x="0" y="0"/>
+          <a:chExt cx="0" cy="0"/>
+        </a:xfrm>
+      </p:grpSpPr>
+      <p:sp>
+        <p:nvSpPr>
+          <p:cNvPr id="2" name="제목 1"/>
+          <p:cNvSpPr>
+            <a:spLocks noGrp="1"/>
+          </p:cNvSpPr>
+          <p:nvPr>
+            <p:ph type="title"/>
+          </p:nvPr>
+        </p:nvSpPr>
+        <p:spPr/>
+        <p:txBody>
+          <a:bodyPr/>
+          <a:lstStyle/>
+          <a:p>
+            <a:r>
+              <a:rPr lang="en-US" altLang="ko-KR" dirty="0"/>
+              <a:t>4. </a:t>
+            </a:r>
+            <a:r>
+              <a:rPr lang="ko-KR" altLang="en-US" dirty="0"/>
+              <a:t>인터페이스 기초</a:t>
+            </a:r>
+          </a:p>
+        </p:txBody>
+      </p:sp>
+      <p:sp>
+        <p:nvSpPr>
+          <p:cNvPr id="3" name="내용 개체 틀 2"/>
+          <p:cNvSpPr>
+            <a:spLocks noGrp="1"/>
+          </p:cNvSpPr>
+          <p:nvPr>
+            <p:ph idx="1"/>
+          </p:nvPr>
+        </p:nvSpPr>
+        <p:spPr/>
+        <p:txBody>
+          <a:bodyPr>
+            <a:normAutofit/>
+          </a:bodyPr>
+          <a:lstStyle/>
+          <a:p>
+            <a:r>
+              <a:rPr lang="en-US" altLang="ko-KR" dirty="0"/>
+              <a:t>4.4 </a:t>
+            </a:r>
+            <a:r>
+              <a:rPr lang="ko-KR" altLang="en-US" dirty="0"/>
+              <a:t>영상파일 처리</a:t>
+            </a:r>
+            <a:endParaRPr lang="en-US" altLang="ko-KR" dirty="0"/>
+          </a:p>
+          <a:p>
+            <a:pPr lvl="1"/>
+            <a:r>
+              <a:rPr lang="en-US" altLang="ko-KR" dirty="0"/>
+              <a:t>4.4.1 </a:t>
+            </a:r>
+            <a:r>
+              <a:rPr lang="ko-KR" altLang="en-US" dirty="0"/>
+              <a:t>영상파일 읽기</a:t>
+            </a:r>
+            <a:endParaRPr lang="en-US" altLang="ko-KR" dirty="0"/>
+          </a:p>
+        </p:txBody>
+      </p:sp>
+      <p:sp>
+        <p:nvSpPr>
+          <p:cNvPr id="4" name="직사각형 3">
+            <a:extLst>
+              <a:ext uri="{FF2B5EF4-FFF2-40B4-BE49-F238E27FC236}">
+                <a16:creationId xmlns:a16="http://schemas.microsoft.com/office/drawing/2014/main" id="{64FCAE03-D95D-374F-6DE9-F428C178B308}"/>
+              </a:ext>
+            </a:extLst>
+          </p:cNvPr>
+          <p:cNvSpPr/>
+          <p:nvPr/>
+        </p:nvSpPr>
+        <p:spPr>
+          <a:xfrm>
+            <a:off x="827584" y="2065412"/>
+            <a:ext cx="7992888" cy="2554545"/>
+          </a:xfrm>
+          <a:prstGeom prst="rect">
+            <a:avLst/>
+          </a:prstGeom>
+        </p:spPr>
+        <p:txBody>
+          <a:bodyPr wrap="square">
+            <a:spAutoFit/>
+          </a:bodyPr>
+          <a:lstStyle/>
+          <a:p>
+            <a:r>
+              <a:rPr lang="en-US" altLang="ko-KR" sz="1600" b="0" dirty="0">
+                <a:solidFill>
+                  <a:srgbClr val="CC9B00"/>
+                </a:solidFill>
+                <a:effectLst/>
+                <a:latin typeface="ubuntu mono derivative powerline" panose="020B0509030602030204" pitchFamily="49" charset="0"/>
+              </a:rPr>
+              <a:t>import</a:t>
+            </a:r>
+            <a:r>
+              <a:rPr lang="en-US" altLang="ko-KR" sz="1600" b="0" dirty="0">
+                <a:effectLst/>
+                <a:latin typeface="ubuntu mono derivative powerline" panose="020B0509030602030204" pitchFamily="49" charset="0"/>
+              </a:rPr>
+              <a:t> </a:t>
+            </a:r>
+            <a:r>
+              <a:rPr lang="en-US" altLang="ko-KR" sz="1600" b="0" dirty="0">
+                <a:solidFill>
+                  <a:srgbClr val="7030A0"/>
+                </a:solidFill>
+                <a:effectLst/>
+                <a:latin typeface="ubuntu mono derivative powerline" panose="020B0509030602030204" pitchFamily="49" charset="0"/>
+              </a:rPr>
+              <a:t>cv2</a:t>
+            </a:r>
+          </a:p>
+          <a:p>
+            <a:br>
+              <a:rPr lang="en-US" altLang="ko-KR" sz="1600" b="0" dirty="0">
+                <a:effectLst/>
+                <a:latin typeface="ubuntu mono derivative powerline" panose="020B0509030602030204" pitchFamily="49" charset="0"/>
+              </a:rPr>
+            </a:br>
+            <a:r>
+              <a:rPr lang="en-US" altLang="ko-KR" sz="1600" b="0" dirty="0">
+                <a:effectLst/>
+                <a:latin typeface="ubuntu mono derivative powerline" panose="020B0509030602030204" pitchFamily="49" charset="0"/>
+              </a:rPr>
+              <a:t>title1, title2 = 'cv2gray', 'cv2color'</a:t>
+            </a:r>
+          </a:p>
+          <a:p>
+            <a:r>
+              <a:rPr lang="en-US" altLang="ko-KR" sz="1600" b="0" dirty="0">
+                <a:effectLst/>
+                <a:latin typeface="ubuntu mono derivative powerline" panose="020B0509030602030204" pitchFamily="49" charset="0"/>
+              </a:rPr>
+              <a:t>cv2gray = </a:t>
+            </a:r>
+            <a:r>
+              <a:rPr lang="en-US" altLang="ko-KR" sz="1600" b="0" dirty="0">
+                <a:solidFill>
+                  <a:srgbClr val="7030A0"/>
+                </a:solidFill>
+                <a:effectLst/>
+                <a:latin typeface="ubuntu mono derivative powerline" panose="020B0509030602030204" pitchFamily="49" charset="0"/>
+              </a:rPr>
+              <a:t>cv2</a:t>
+            </a:r>
+            <a:r>
+              <a:rPr lang="en-US" altLang="ko-KR" sz="1600" b="0" dirty="0">
+                <a:effectLst/>
+                <a:latin typeface="ubuntu mono derivative powerline" panose="020B0509030602030204" pitchFamily="49" charset="0"/>
+              </a:rPr>
+              <a:t>.</a:t>
+            </a:r>
+            <a:r>
+              <a:rPr lang="en-US" altLang="ko-KR" sz="1600" b="0" dirty="0">
+                <a:solidFill>
+                  <a:srgbClr val="0000FF"/>
+                </a:solidFill>
+                <a:effectLst/>
+                <a:latin typeface="ubuntu mono derivative powerline" panose="020B0509030602030204" pitchFamily="49" charset="0"/>
+              </a:rPr>
+              <a:t>imread</a:t>
+            </a:r>
+            <a:r>
+              <a:rPr lang="en-US" altLang="ko-KR" sz="1600" b="0" dirty="0">
+                <a:effectLst/>
+                <a:latin typeface="ubuntu mono derivative powerline" panose="020B0509030602030204" pitchFamily="49" charset="0"/>
+              </a:rPr>
+              <a:t>('/images/test_image.jpg', </a:t>
+            </a:r>
+            <a:r>
+              <a:rPr lang="en-US" altLang="ko-KR" sz="1600" b="0" dirty="0">
+                <a:solidFill>
+                  <a:srgbClr val="7030A0"/>
+                </a:solidFill>
+                <a:effectLst/>
+                <a:latin typeface="ubuntu mono derivative powerline" panose="020B0509030602030204" pitchFamily="49" charset="0"/>
+              </a:rPr>
+              <a:t>cv2</a:t>
+            </a:r>
+            <a:r>
+              <a:rPr lang="en-US" altLang="ko-KR" sz="1600" b="0" dirty="0">
+                <a:effectLst/>
+                <a:latin typeface="ubuntu mono derivative powerline" panose="020B0509030602030204" pitchFamily="49" charset="0"/>
+              </a:rPr>
+              <a:t>.</a:t>
+            </a:r>
+            <a:r>
+              <a:rPr lang="en-US" altLang="ko-KR" sz="1600" b="0" dirty="0">
+                <a:solidFill>
+                  <a:srgbClr val="0000FF"/>
+                </a:solidFill>
+                <a:effectLst/>
+                <a:latin typeface="ubuntu mono derivative powerline" panose="020B0509030602030204" pitchFamily="49" charset="0"/>
+              </a:rPr>
+              <a:t>IMREAD_GRAYSCALE</a:t>
+            </a:r>
+            <a:r>
+              <a:rPr lang="en-US" altLang="ko-KR" sz="1600" b="0" dirty="0">
+                <a:effectLst/>
+                <a:latin typeface="ubuntu mono derivative powerline" panose="020B0509030602030204" pitchFamily="49" charset="0"/>
+              </a:rPr>
+              <a:t>)</a:t>
+            </a:r>
+          </a:p>
+          <a:p>
+            <a:r>
+              <a:rPr lang="en-US" altLang="ko-KR" sz="1600" b="0" dirty="0">
+                <a:effectLst/>
+                <a:latin typeface="ubuntu mono derivative powerline" panose="020B0509030602030204" pitchFamily="49" charset="0"/>
+              </a:rPr>
+              <a:t>cv2color = </a:t>
+            </a:r>
+            <a:r>
+              <a:rPr lang="en-US" altLang="ko-KR" sz="1600" b="0" dirty="0">
+                <a:solidFill>
+                  <a:srgbClr val="7030A0"/>
+                </a:solidFill>
+                <a:effectLst/>
+                <a:latin typeface="ubuntu mono derivative powerline" panose="020B0509030602030204" pitchFamily="49" charset="0"/>
+              </a:rPr>
+              <a:t>cv2</a:t>
+            </a:r>
+            <a:r>
+              <a:rPr lang="en-US" altLang="ko-KR" sz="1600" b="0" dirty="0">
+                <a:effectLst/>
+                <a:latin typeface="ubuntu mono derivative powerline" panose="020B0509030602030204" pitchFamily="49" charset="0"/>
+              </a:rPr>
+              <a:t>.</a:t>
+            </a:r>
+            <a:r>
+              <a:rPr lang="en-US" altLang="ko-KR" sz="1600" b="0" dirty="0">
+                <a:solidFill>
+                  <a:srgbClr val="0000FF"/>
+                </a:solidFill>
+                <a:effectLst/>
+                <a:latin typeface="ubuntu mono derivative powerline" panose="020B0509030602030204" pitchFamily="49" charset="0"/>
+              </a:rPr>
+              <a:t>imread</a:t>
+            </a:r>
+            <a:r>
+              <a:rPr lang="en-US" altLang="ko-KR" sz="1600" b="0" dirty="0">
+                <a:effectLst/>
+                <a:latin typeface="ubuntu mono derivative powerline" panose="020B0509030602030204" pitchFamily="49" charset="0"/>
+              </a:rPr>
+              <a:t>('/images/test_image.jpg', </a:t>
+            </a:r>
+            <a:r>
+              <a:rPr lang="en-US" altLang="ko-KR" sz="1600" b="0" dirty="0">
+                <a:solidFill>
+                  <a:srgbClr val="7030A0"/>
+                </a:solidFill>
+                <a:effectLst/>
+                <a:latin typeface="ubuntu mono derivative powerline" panose="020B0509030602030204" pitchFamily="49" charset="0"/>
+              </a:rPr>
+              <a:t>cv2</a:t>
+            </a:r>
+            <a:r>
+              <a:rPr lang="en-US" altLang="ko-KR" sz="1600" b="0" dirty="0">
+                <a:effectLst/>
+                <a:latin typeface="ubuntu mono derivative powerline" panose="020B0509030602030204" pitchFamily="49" charset="0"/>
+              </a:rPr>
+              <a:t>.</a:t>
+            </a:r>
+            <a:r>
+              <a:rPr lang="en-US" altLang="ko-KR" sz="1600" b="0" dirty="0">
+                <a:solidFill>
+                  <a:srgbClr val="0000FF"/>
+                </a:solidFill>
+                <a:effectLst/>
+                <a:latin typeface="ubuntu mono derivative powerline" panose="020B0509030602030204" pitchFamily="49" charset="0"/>
+              </a:rPr>
+              <a:t>IMREAD_COLOR</a:t>
+            </a:r>
+            <a:r>
+              <a:rPr lang="en-US" altLang="ko-KR" sz="1600" b="0" dirty="0">
+                <a:effectLst/>
+                <a:latin typeface="ubuntu mono derivative powerline" panose="020B0509030602030204" pitchFamily="49" charset="0"/>
+              </a:rPr>
+              <a:t>)</a:t>
+            </a:r>
+          </a:p>
+          <a:p>
+            <a:br>
+              <a:rPr lang="en-US" altLang="ko-KR" sz="1600" b="0" dirty="0">
+                <a:effectLst/>
+                <a:latin typeface="ubuntu mono derivative powerline" panose="020B0509030602030204" pitchFamily="49" charset="0"/>
+              </a:rPr>
+            </a:br>
+            <a:r>
+              <a:rPr lang="en-US" altLang="ko-KR" sz="1600" b="0" dirty="0">
+                <a:solidFill>
+                  <a:srgbClr val="7030A0"/>
+                </a:solidFill>
+                <a:effectLst/>
+                <a:latin typeface="ubuntu mono derivative powerline" panose="020B0509030602030204" pitchFamily="49" charset="0"/>
+              </a:rPr>
+              <a:t>cv2</a:t>
+            </a:r>
+            <a:r>
+              <a:rPr lang="en-US" altLang="ko-KR" sz="1600" b="0" dirty="0">
+                <a:effectLst/>
+                <a:latin typeface="ubuntu mono derivative powerline" panose="020B0509030602030204" pitchFamily="49" charset="0"/>
+              </a:rPr>
+              <a:t>.</a:t>
+            </a:r>
+            <a:r>
+              <a:rPr lang="en-US" altLang="ko-KR" sz="1600" b="0" dirty="0">
+                <a:solidFill>
+                  <a:srgbClr val="0000FF"/>
+                </a:solidFill>
+                <a:effectLst/>
+                <a:latin typeface="ubuntu mono derivative powerline" panose="020B0509030602030204" pitchFamily="49" charset="0"/>
+              </a:rPr>
+              <a:t>imshow</a:t>
+            </a:r>
+            <a:r>
+              <a:rPr lang="en-US" altLang="ko-KR" sz="1600" b="0" dirty="0">
+                <a:effectLst/>
+                <a:latin typeface="ubuntu mono derivative powerline" panose="020B0509030602030204" pitchFamily="49" charset="0"/>
+              </a:rPr>
+              <a:t>(title1, cv2gray)</a:t>
+            </a:r>
+          </a:p>
+          <a:p>
+            <a:r>
+              <a:rPr lang="en-US" altLang="ko-KR" sz="1600" b="0" dirty="0">
+                <a:solidFill>
+                  <a:srgbClr val="7030A0"/>
+                </a:solidFill>
+                <a:effectLst/>
+                <a:latin typeface="ubuntu mono derivative powerline" panose="020B0509030602030204" pitchFamily="49" charset="0"/>
+              </a:rPr>
+              <a:t>cv2</a:t>
+            </a:r>
+            <a:r>
+              <a:rPr lang="en-US" altLang="ko-KR" sz="1600" b="0" dirty="0">
+                <a:effectLst/>
+                <a:latin typeface="ubuntu mono derivative powerline" panose="020B0509030602030204" pitchFamily="49" charset="0"/>
+              </a:rPr>
+              <a:t>.</a:t>
+            </a:r>
+            <a:r>
+              <a:rPr lang="en-US" altLang="ko-KR" sz="1600" b="0" dirty="0">
+                <a:solidFill>
+                  <a:srgbClr val="0000FF"/>
+                </a:solidFill>
+                <a:effectLst/>
+                <a:latin typeface="ubuntu mono derivative powerline" panose="020B0509030602030204" pitchFamily="49" charset="0"/>
+              </a:rPr>
+              <a:t>imshow</a:t>
+            </a:r>
+            <a:r>
+              <a:rPr lang="en-US" altLang="ko-KR" sz="1600" b="0" dirty="0">
+                <a:effectLst/>
+                <a:latin typeface="ubuntu mono derivative powerline" panose="020B0509030602030204" pitchFamily="49" charset="0"/>
+              </a:rPr>
+              <a:t>(title2, cv2color)</a:t>
+            </a:r>
+          </a:p>
+          <a:p>
+            <a:r>
+              <a:rPr lang="en-US" altLang="ko-KR" sz="1600" b="0" dirty="0">
+                <a:solidFill>
+                  <a:srgbClr val="7030A0"/>
+                </a:solidFill>
+                <a:effectLst/>
+                <a:latin typeface="ubuntu mono derivative powerline" panose="020B0509030602030204" pitchFamily="49" charset="0"/>
+              </a:rPr>
+              <a:t>cv2</a:t>
+            </a:r>
+            <a:r>
+              <a:rPr lang="en-US" altLang="ko-KR" sz="1600" b="0" dirty="0">
+                <a:effectLst/>
+                <a:latin typeface="ubuntu mono derivative powerline" panose="020B0509030602030204" pitchFamily="49" charset="0"/>
+              </a:rPr>
+              <a:t>.</a:t>
+            </a:r>
+            <a:r>
+              <a:rPr lang="en-US" altLang="ko-KR" sz="1600" b="0" dirty="0">
+                <a:solidFill>
+                  <a:srgbClr val="0000FF"/>
+                </a:solidFill>
+                <a:effectLst/>
+                <a:latin typeface="ubuntu mono derivative powerline" panose="020B0509030602030204" pitchFamily="49" charset="0"/>
+              </a:rPr>
+              <a:t>waitKey</a:t>
+            </a:r>
+            <a:r>
+              <a:rPr lang="en-US" altLang="ko-KR" sz="1600" b="0" dirty="0">
+                <a:effectLst/>
+                <a:latin typeface="ubuntu mono derivative powerline" panose="020B0509030602030204" pitchFamily="49" charset="0"/>
+              </a:rPr>
+              <a:t>(0)</a:t>
+            </a:r>
+          </a:p>
+          <a:p>
+            <a:r>
+              <a:rPr lang="en-US" altLang="ko-KR" sz="1600" b="0" dirty="0">
+                <a:solidFill>
+                  <a:srgbClr val="7030A0"/>
+                </a:solidFill>
+                <a:effectLst/>
+                <a:latin typeface="ubuntu mono derivative powerline" panose="020B0509030602030204" pitchFamily="49" charset="0"/>
+              </a:rPr>
+              <a:t>cv2</a:t>
+            </a:r>
+            <a:r>
+              <a:rPr lang="en-US" altLang="ko-KR" sz="1600" b="0" dirty="0">
+                <a:effectLst/>
+                <a:latin typeface="ubuntu mono derivative powerline" panose="020B0509030602030204" pitchFamily="49" charset="0"/>
+              </a:rPr>
+              <a:t>.</a:t>
+            </a:r>
+            <a:r>
+              <a:rPr lang="en-US" altLang="ko-KR" sz="1600" b="0" dirty="0">
+                <a:solidFill>
+                  <a:srgbClr val="0000FF"/>
+                </a:solidFill>
+                <a:effectLst/>
+                <a:latin typeface="ubuntu mono derivative powerline" panose="020B0509030602030204" pitchFamily="49" charset="0"/>
+              </a:rPr>
+              <a:t>destroyAllWindows</a:t>
+            </a:r>
+            <a:r>
+              <a:rPr lang="en-US" altLang="ko-KR" sz="1600" b="0" dirty="0">
+                <a:effectLst/>
+                <a:latin typeface="ubuntu mono derivative powerline" panose="020B0509030602030204" pitchFamily="49" charset="0"/>
+              </a:rPr>
+              <a:t>()</a:t>
+            </a:r>
+          </a:p>
+        </p:txBody>
+      </p:sp>
+    </p:spTree>
+    <p:extLst>
+      <p:ext uri="{BB962C8B-B14F-4D97-AF65-F5344CB8AC3E}">
+        <p14:creationId xmlns:p14="http://schemas.microsoft.com/office/powerpoint/2010/main" val="1381265075"/>
+      </p:ext>
+    </p:extLst>
+  </p:cSld>
+  <p:clrMapOvr>
+    <a:masterClrMapping/>
+  </p:clrMapOvr>
+</p:sld>
+</file>
+
+<file path=ppt/slides/slide28.xml><?xml version="1.0" encoding="utf-8"?>
+<p:sld xmlns:a="http://schemas.openxmlformats.org/drawingml/2006/main" xmlns:r="http://schemas.openxmlformats.org/officeDocument/2006/relationships" xmlns:p="http://schemas.openxmlformats.org/presentationml/2006/main">
+  <p:cSld>
+    <p:spTree>
+      <p:nvGrpSpPr>
+        <p:cNvPr id="1" name=""/>
+        <p:cNvGrpSpPr/>
+        <p:nvPr/>
+      </p:nvGrpSpPr>
+      <p:grpSpPr>
+        <a:xfrm>
+          <a:off x="0" y="0"/>
+          <a:ext cx="0" cy="0"/>
+          <a:chOff x="0" y="0"/>
+          <a:chExt cx="0" cy="0"/>
+        </a:xfrm>
+      </p:grpSpPr>
+      <p:sp>
+        <p:nvSpPr>
+          <p:cNvPr id="2" name="제목 1"/>
+          <p:cNvSpPr>
+            <a:spLocks noGrp="1"/>
+          </p:cNvSpPr>
+          <p:nvPr>
+            <p:ph type="title"/>
+          </p:nvPr>
+        </p:nvSpPr>
+        <p:spPr/>
+        <p:txBody>
+          <a:bodyPr/>
+          <a:lstStyle/>
+          <a:p>
+            <a:r>
+              <a:rPr lang="en-US" altLang="ko-KR" dirty="0"/>
+              <a:t>4. </a:t>
+            </a:r>
+            <a:r>
+              <a:rPr lang="ko-KR" altLang="en-US" dirty="0"/>
+              <a:t>인터페이스 기초</a:t>
+            </a:r>
+          </a:p>
+        </p:txBody>
+      </p:sp>
+      <p:sp>
+        <p:nvSpPr>
+          <p:cNvPr id="3" name="내용 개체 틀 2"/>
+          <p:cNvSpPr>
+            <a:spLocks noGrp="1"/>
+          </p:cNvSpPr>
+          <p:nvPr>
+            <p:ph idx="1"/>
+          </p:nvPr>
+        </p:nvSpPr>
+        <p:spPr/>
+        <p:txBody>
+          <a:bodyPr>
+            <a:normAutofit/>
+          </a:bodyPr>
+          <a:lstStyle/>
+          <a:p>
+            <a:r>
+              <a:rPr lang="en-US" altLang="ko-KR" dirty="0"/>
+              <a:t>4.4 </a:t>
+            </a:r>
+            <a:r>
+              <a:rPr lang="ko-KR" altLang="en-US" dirty="0"/>
+              <a:t>영상파일 처리</a:t>
+            </a:r>
+            <a:endParaRPr lang="en-US" altLang="ko-KR" dirty="0"/>
+          </a:p>
+          <a:p>
+            <a:pPr lvl="1"/>
+            <a:r>
+              <a:rPr lang="en-US" altLang="ko-KR" dirty="0"/>
+              <a:t>4.4.1 </a:t>
+            </a:r>
+            <a:r>
+              <a:rPr lang="ko-KR" altLang="en-US" dirty="0"/>
+              <a:t>영상파일 읽기</a:t>
+            </a:r>
+            <a:endParaRPr lang="en-US" altLang="ko-KR" dirty="0"/>
+          </a:p>
+        </p:txBody>
+      </p:sp>
+      <p:sp>
+        <p:nvSpPr>
+          <p:cNvPr id="4" name="직사각형 3">
+            <a:extLst>
+              <a:ext uri="{FF2B5EF4-FFF2-40B4-BE49-F238E27FC236}">
+                <a16:creationId xmlns:a16="http://schemas.microsoft.com/office/drawing/2014/main" id="{64FCAE03-D95D-374F-6DE9-F428C178B308}"/>
+              </a:ext>
+            </a:extLst>
+          </p:cNvPr>
+          <p:cNvSpPr/>
+          <p:nvPr/>
+        </p:nvSpPr>
+        <p:spPr>
+          <a:xfrm>
+            <a:off x="827584" y="2065412"/>
+            <a:ext cx="7992888" cy="3046988"/>
+          </a:xfrm>
+          <a:prstGeom prst="rect">
+            <a:avLst/>
+          </a:prstGeom>
+        </p:spPr>
+        <p:txBody>
+          <a:bodyPr wrap="square">
+            <a:spAutoFit/>
+          </a:bodyPr>
+          <a:lstStyle/>
+          <a:p>
+            <a:r>
+              <a:rPr lang="en-US" altLang="ko-KR" sz="1600" b="0" dirty="0">
+                <a:solidFill>
+                  <a:srgbClr val="CC9B00"/>
+                </a:solidFill>
+                <a:effectLst/>
+                <a:latin typeface="ubuntu mono derivative powerline" panose="020B0509030602030204" pitchFamily="49" charset="0"/>
+              </a:rPr>
+              <a:t>import</a:t>
+            </a:r>
+            <a:r>
+              <a:rPr lang="en-US" altLang="ko-KR" sz="1600" b="0" dirty="0">
+                <a:effectLst/>
+                <a:latin typeface="ubuntu mono derivative powerline" panose="020B0509030602030204" pitchFamily="49" charset="0"/>
+              </a:rPr>
+              <a:t> </a:t>
+            </a:r>
+            <a:r>
+              <a:rPr lang="en-US" altLang="ko-KR" sz="1600" b="0" dirty="0">
+                <a:solidFill>
+                  <a:srgbClr val="7030A0"/>
+                </a:solidFill>
+                <a:effectLst/>
+                <a:latin typeface="ubuntu mono derivative powerline" panose="020B0509030602030204" pitchFamily="49" charset="0"/>
+              </a:rPr>
+              <a:t>cv2</a:t>
+            </a:r>
+          </a:p>
+          <a:p>
+            <a:endParaRPr lang="en-US" altLang="ko-KR" sz="1600" b="0" dirty="0">
+              <a:effectLst/>
+              <a:latin typeface="ubuntu mono derivative powerline" panose="020B0509030602030204" pitchFamily="49" charset="0"/>
+            </a:endParaRPr>
+          </a:p>
+          <a:p>
+            <a:r>
+              <a:rPr lang="en-US" altLang="ko-KR" sz="1600" dirty="0" err="1">
+                <a:latin typeface="ubuntu mono derivative powerline" panose="020B0509030602030204" pitchFamily="49" charset="0"/>
+              </a:rPr>
+              <a:t>image_file_path</a:t>
+            </a:r>
+            <a:r>
+              <a:rPr lang="en-US" altLang="ko-KR" sz="1600" dirty="0">
+                <a:latin typeface="ubuntu mono derivative powerline" panose="020B0509030602030204" pitchFamily="49" charset="0"/>
+              </a:rPr>
+              <a:t> = </a:t>
+            </a:r>
+            <a:r>
+              <a:rPr lang="en-US" altLang="ko-KR" sz="1600" b="0" dirty="0">
+                <a:effectLst/>
+                <a:latin typeface="ubuntu mono derivative powerline" panose="020B0509030602030204" pitchFamily="49" charset="0"/>
+              </a:rPr>
+              <a:t>'D:/</a:t>
+            </a:r>
+            <a:r>
+              <a:rPr lang="en-US" altLang="ko-KR" sz="1600" b="0" dirty="0" err="1">
+                <a:effectLst/>
+                <a:latin typeface="ubuntu mono derivative powerline" panose="020B0509030602030204" pitchFamily="49" charset="0"/>
+              </a:rPr>
+              <a:t>github</a:t>
+            </a:r>
+            <a:r>
+              <a:rPr lang="en-US" altLang="ko-KR" sz="1600" b="0" dirty="0">
+                <a:effectLst/>
+                <a:latin typeface="ubuntu mono derivative powerline" panose="020B0509030602030204" pitchFamily="49" charset="0"/>
+              </a:rPr>
+              <a:t>/OpenCV-Python/2022-10-04/images/test_image.jpg'</a:t>
+            </a:r>
+          </a:p>
+          <a:p>
+            <a:br>
+              <a:rPr lang="en-US" altLang="ko-KR" sz="1600" b="0" dirty="0">
+                <a:effectLst/>
+                <a:latin typeface="ubuntu mono derivative powerline" panose="020B0509030602030204" pitchFamily="49" charset="0"/>
+              </a:rPr>
+            </a:br>
+            <a:r>
+              <a:rPr lang="en-US" altLang="ko-KR" sz="1600" b="0" dirty="0">
+                <a:effectLst/>
+                <a:latin typeface="ubuntu mono derivative powerline" panose="020B0509030602030204" pitchFamily="49" charset="0"/>
+              </a:rPr>
+              <a:t>title1, title2 = 'cv2gray', 'cv2color'</a:t>
+            </a:r>
+          </a:p>
+          <a:p>
+            <a:r>
+              <a:rPr lang="en-US" altLang="ko-KR" sz="1600" b="0" dirty="0">
+                <a:effectLst/>
+                <a:latin typeface="ubuntu mono derivative powerline" panose="020B0509030602030204" pitchFamily="49" charset="0"/>
+              </a:rPr>
+              <a:t>cv2gray = </a:t>
+            </a:r>
+            <a:r>
+              <a:rPr lang="en-US" altLang="ko-KR" sz="1600" b="0" dirty="0">
+                <a:solidFill>
+                  <a:srgbClr val="7030A0"/>
+                </a:solidFill>
+                <a:effectLst/>
+                <a:latin typeface="ubuntu mono derivative powerline" panose="020B0509030602030204" pitchFamily="49" charset="0"/>
+              </a:rPr>
+              <a:t>cv2</a:t>
+            </a:r>
+            <a:r>
+              <a:rPr lang="en-US" altLang="ko-KR" sz="1600" b="0" dirty="0">
+                <a:effectLst/>
+                <a:latin typeface="ubuntu mono derivative powerline" panose="020B0509030602030204" pitchFamily="49" charset="0"/>
+              </a:rPr>
+              <a:t>.</a:t>
+            </a:r>
+            <a:r>
+              <a:rPr lang="en-US" altLang="ko-KR" sz="1600" b="0" dirty="0">
+                <a:solidFill>
+                  <a:srgbClr val="0000FF"/>
+                </a:solidFill>
+                <a:effectLst/>
+                <a:latin typeface="ubuntu mono derivative powerline" panose="020B0509030602030204" pitchFamily="49" charset="0"/>
+              </a:rPr>
+              <a:t>imread</a:t>
+            </a:r>
+            <a:r>
+              <a:rPr lang="en-US" altLang="ko-KR" sz="1600" b="0" dirty="0">
+                <a:effectLst/>
+                <a:latin typeface="ubuntu mono derivative powerline" panose="020B0509030602030204" pitchFamily="49" charset="0"/>
+              </a:rPr>
+              <a:t>(</a:t>
+            </a:r>
+            <a:r>
+              <a:rPr lang="en-US" altLang="ko-KR" sz="1600" b="0" dirty="0" err="1">
+                <a:effectLst/>
+                <a:latin typeface="ubuntu mono derivative powerline" panose="020B0509030602030204" pitchFamily="49" charset="0"/>
+              </a:rPr>
+              <a:t>image_file_path</a:t>
+            </a:r>
+            <a:r>
+              <a:rPr lang="en-US" altLang="ko-KR" sz="1600" b="0" dirty="0">
+                <a:effectLst/>
+                <a:latin typeface="ubuntu mono derivative powerline" panose="020B0509030602030204" pitchFamily="49" charset="0"/>
+              </a:rPr>
+              <a:t>, </a:t>
+            </a:r>
+            <a:r>
+              <a:rPr lang="en-US" altLang="ko-KR" sz="1600" b="0" dirty="0">
+                <a:solidFill>
+                  <a:srgbClr val="7030A0"/>
+                </a:solidFill>
+                <a:effectLst/>
+                <a:latin typeface="ubuntu mono derivative powerline" panose="020B0509030602030204" pitchFamily="49" charset="0"/>
+              </a:rPr>
+              <a:t>cv2</a:t>
+            </a:r>
+            <a:r>
+              <a:rPr lang="en-US" altLang="ko-KR" sz="1600" b="0" dirty="0">
+                <a:effectLst/>
+                <a:latin typeface="ubuntu mono derivative powerline" panose="020B0509030602030204" pitchFamily="49" charset="0"/>
+              </a:rPr>
+              <a:t>.</a:t>
+            </a:r>
+            <a:r>
+              <a:rPr lang="en-US" altLang="ko-KR" sz="1600" b="0" dirty="0">
+                <a:solidFill>
+                  <a:srgbClr val="0000FF"/>
+                </a:solidFill>
+                <a:effectLst/>
+                <a:latin typeface="ubuntu mono derivative powerline" panose="020B0509030602030204" pitchFamily="49" charset="0"/>
+              </a:rPr>
+              <a:t>IMREAD_GRAYSCALE</a:t>
+            </a:r>
+            <a:r>
+              <a:rPr lang="en-US" altLang="ko-KR" sz="1600" b="0" dirty="0">
+                <a:effectLst/>
+                <a:latin typeface="ubuntu mono derivative powerline" panose="020B0509030602030204" pitchFamily="49" charset="0"/>
+              </a:rPr>
+              <a:t>)</a:t>
+            </a:r>
+          </a:p>
+          <a:p>
+            <a:r>
+              <a:rPr lang="en-US" altLang="ko-KR" sz="1600" b="0" dirty="0">
+                <a:effectLst/>
+                <a:latin typeface="ubuntu mono derivative powerline" panose="020B0509030602030204" pitchFamily="49" charset="0"/>
+              </a:rPr>
+              <a:t>cv2color = </a:t>
+            </a:r>
+            <a:r>
+              <a:rPr lang="en-US" altLang="ko-KR" sz="1600" b="0" dirty="0">
+                <a:solidFill>
+                  <a:srgbClr val="7030A0"/>
+                </a:solidFill>
+                <a:effectLst/>
+                <a:latin typeface="ubuntu mono derivative powerline" panose="020B0509030602030204" pitchFamily="49" charset="0"/>
+              </a:rPr>
+              <a:t>cv2</a:t>
+            </a:r>
+            <a:r>
+              <a:rPr lang="en-US" altLang="ko-KR" sz="1600" b="0" dirty="0">
+                <a:effectLst/>
+                <a:latin typeface="ubuntu mono derivative powerline" panose="020B0509030602030204" pitchFamily="49" charset="0"/>
+              </a:rPr>
+              <a:t>.</a:t>
+            </a:r>
+            <a:r>
+              <a:rPr lang="en-US" altLang="ko-KR" sz="1600" b="0" dirty="0">
+                <a:solidFill>
+                  <a:srgbClr val="0000FF"/>
+                </a:solidFill>
+                <a:effectLst/>
+                <a:latin typeface="ubuntu mono derivative powerline" panose="020B0509030602030204" pitchFamily="49" charset="0"/>
+              </a:rPr>
+              <a:t>imread</a:t>
+            </a:r>
+            <a:r>
+              <a:rPr lang="en-US" altLang="ko-KR" sz="1600" b="0" dirty="0">
+                <a:effectLst/>
+                <a:latin typeface="ubuntu mono derivative powerline" panose="020B0509030602030204" pitchFamily="49" charset="0"/>
+              </a:rPr>
+              <a:t>(</a:t>
+            </a:r>
+            <a:r>
+              <a:rPr lang="en-US" altLang="ko-KR" sz="1600" b="0" dirty="0" err="1">
+                <a:effectLst/>
+                <a:latin typeface="ubuntu mono derivative powerline" panose="020B0509030602030204" pitchFamily="49" charset="0"/>
+              </a:rPr>
+              <a:t>image_file_path</a:t>
+            </a:r>
+            <a:r>
+              <a:rPr lang="en-US" altLang="ko-KR" sz="1600" b="0" dirty="0">
+                <a:effectLst/>
+                <a:latin typeface="ubuntu mono derivative powerline" panose="020B0509030602030204" pitchFamily="49" charset="0"/>
+              </a:rPr>
+              <a:t>, </a:t>
+            </a:r>
+            <a:r>
+              <a:rPr lang="en-US" altLang="ko-KR" sz="1600" b="0" dirty="0">
+                <a:solidFill>
+                  <a:srgbClr val="7030A0"/>
+                </a:solidFill>
+                <a:effectLst/>
+                <a:latin typeface="ubuntu mono derivative powerline" panose="020B0509030602030204" pitchFamily="49" charset="0"/>
+              </a:rPr>
+              <a:t>cv2</a:t>
+            </a:r>
+            <a:r>
+              <a:rPr lang="en-US" altLang="ko-KR" sz="1600" b="0" dirty="0">
+                <a:effectLst/>
+                <a:latin typeface="ubuntu mono derivative powerline" panose="020B0509030602030204" pitchFamily="49" charset="0"/>
+              </a:rPr>
+              <a:t>.</a:t>
+            </a:r>
+            <a:r>
+              <a:rPr lang="en-US" altLang="ko-KR" sz="1600" b="0" dirty="0">
+                <a:solidFill>
+                  <a:srgbClr val="0000FF"/>
+                </a:solidFill>
+                <a:effectLst/>
+                <a:latin typeface="ubuntu mono derivative powerline" panose="020B0509030602030204" pitchFamily="49" charset="0"/>
+              </a:rPr>
+              <a:t>IMREAD_COLOR</a:t>
+            </a:r>
+            <a:r>
+              <a:rPr lang="en-US" altLang="ko-KR" sz="1600" b="0" dirty="0">
+                <a:effectLst/>
+                <a:latin typeface="ubuntu mono derivative powerline" panose="020B0509030602030204" pitchFamily="49" charset="0"/>
+              </a:rPr>
+              <a:t>)</a:t>
+            </a:r>
+          </a:p>
+          <a:p>
+            <a:br>
+              <a:rPr lang="en-US" altLang="ko-KR" sz="1600" b="0" dirty="0">
+                <a:effectLst/>
+                <a:latin typeface="ubuntu mono derivative powerline" panose="020B0509030602030204" pitchFamily="49" charset="0"/>
+              </a:rPr>
+            </a:br>
+            <a:r>
+              <a:rPr lang="en-US" altLang="ko-KR" sz="1600" b="0" dirty="0">
+                <a:solidFill>
+                  <a:srgbClr val="7030A0"/>
+                </a:solidFill>
+                <a:effectLst/>
+                <a:latin typeface="ubuntu mono derivative powerline" panose="020B0509030602030204" pitchFamily="49" charset="0"/>
+              </a:rPr>
+              <a:t>cv2</a:t>
+            </a:r>
+            <a:r>
+              <a:rPr lang="en-US" altLang="ko-KR" sz="1600" b="0" dirty="0">
+                <a:effectLst/>
+                <a:latin typeface="ubuntu mono derivative powerline" panose="020B0509030602030204" pitchFamily="49" charset="0"/>
+              </a:rPr>
+              <a:t>.</a:t>
+            </a:r>
+            <a:r>
+              <a:rPr lang="en-US" altLang="ko-KR" sz="1600" b="0" dirty="0">
+                <a:solidFill>
+                  <a:srgbClr val="0000FF"/>
+                </a:solidFill>
+                <a:effectLst/>
+                <a:latin typeface="ubuntu mono derivative powerline" panose="020B0509030602030204" pitchFamily="49" charset="0"/>
+              </a:rPr>
+              <a:t>imshow</a:t>
+            </a:r>
+            <a:r>
+              <a:rPr lang="en-US" altLang="ko-KR" sz="1600" b="0" dirty="0">
+                <a:effectLst/>
+                <a:latin typeface="ubuntu mono derivative powerline" panose="020B0509030602030204" pitchFamily="49" charset="0"/>
+              </a:rPr>
+              <a:t>(title1, cv2gray)</a:t>
+            </a:r>
+          </a:p>
+          <a:p>
+            <a:r>
+              <a:rPr lang="en-US" altLang="ko-KR" sz="1600" b="0" dirty="0">
+                <a:solidFill>
+                  <a:srgbClr val="7030A0"/>
+                </a:solidFill>
+                <a:effectLst/>
+                <a:latin typeface="ubuntu mono derivative powerline" panose="020B0509030602030204" pitchFamily="49" charset="0"/>
+              </a:rPr>
+              <a:t>cv2</a:t>
+            </a:r>
+            <a:r>
+              <a:rPr lang="en-US" altLang="ko-KR" sz="1600" b="0" dirty="0">
+                <a:effectLst/>
+                <a:latin typeface="ubuntu mono derivative powerline" panose="020B0509030602030204" pitchFamily="49" charset="0"/>
+              </a:rPr>
+              <a:t>.</a:t>
+            </a:r>
+            <a:r>
+              <a:rPr lang="en-US" altLang="ko-KR" sz="1600" b="0" dirty="0">
+                <a:solidFill>
+                  <a:srgbClr val="0000FF"/>
+                </a:solidFill>
+                <a:effectLst/>
+                <a:latin typeface="ubuntu mono derivative powerline" panose="020B0509030602030204" pitchFamily="49" charset="0"/>
+              </a:rPr>
+              <a:t>imshow</a:t>
+            </a:r>
+            <a:r>
+              <a:rPr lang="en-US" altLang="ko-KR" sz="1600" b="0" dirty="0">
+                <a:effectLst/>
+                <a:latin typeface="ubuntu mono derivative powerline" panose="020B0509030602030204" pitchFamily="49" charset="0"/>
+              </a:rPr>
+              <a:t>(title2, cv2color)</a:t>
+            </a:r>
+          </a:p>
+          <a:p>
+            <a:r>
+              <a:rPr lang="en-US" altLang="ko-KR" sz="1600" b="0" dirty="0">
+                <a:solidFill>
+                  <a:srgbClr val="7030A0"/>
+                </a:solidFill>
+                <a:effectLst/>
+                <a:latin typeface="ubuntu mono derivative powerline" panose="020B0509030602030204" pitchFamily="49" charset="0"/>
+              </a:rPr>
+              <a:t>cv2</a:t>
+            </a:r>
+            <a:r>
+              <a:rPr lang="en-US" altLang="ko-KR" sz="1600" b="0" dirty="0">
+                <a:effectLst/>
+                <a:latin typeface="ubuntu mono derivative powerline" panose="020B0509030602030204" pitchFamily="49" charset="0"/>
+              </a:rPr>
+              <a:t>.</a:t>
+            </a:r>
+            <a:r>
+              <a:rPr lang="en-US" altLang="ko-KR" sz="1600" b="0" dirty="0">
+                <a:solidFill>
+                  <a:srgbClr val="0000FF"/>
+                </a:solidFill>
+                <a:effectLst/>
+                <a:latin typeface="ubuntu mono derivative powerline" panose="020B0509030602030204" pitchFamily="49" charset="0"/>
+              </a:rPr>
+              <a:t>waitKey</a:t>
+            </a:r>
+            <a:r>
+              <a:rPr lang="en-US" altLang="ko-KR" sz="1600" b="0" dirty="0">
+                <a:effectLst/>
+                <a:latin typeface="ubuntu mono derivative powerline" panose="020B0509030602030204" pitchFamily="49" charset="0"/>
+              </a:rPr>
+              <a:t>(0)</a:t>
+            </a:r>
+          </a:p>
+          <a:p>
+            <a:r>
+              <a:rPr lang="en-US" altLang="ko-KR" sz="1600" b="0" dirty="0">
+                <a:solidFill>
+                  <a:srgbClr val="7030A0"/>
+                </a:solidFill>
+                <a:effectLst/>
+                <a:latin typeface="ubuntu mono derivative powerline" panose="020B0509030602030204" pitchFamily="49" charset="0"/>
+              </a:rPr>
+              <a:t>cv2</a:t>
+            </a:r>
+            <a:r>
+              <a:rPr lang="en-US" altLang="ko-KR" sz="1600" b="0" dirty="0">
+                <a:effectLst/>
+                <a:latin typeface="ubuntu mono derivative powerline" panose="020B0509030602030204" pitchFamily="49" charset="0"/>
+              </a:rPr>
+              <a:t>.</a:t>
+            </a:r>
+            <a:r>
+              <a:rPr lang="en-US" altLang="ko-KR" sz="1600" b="0" dirty="0">
+                <a:solidFill>
+                  <a:srgbClr val="0000FF"/>
+                </a:solidFill>
+                <a:effectLst/>
+                <a:latin typeface="ubuntu mono derivative powerline" panose="020B0509030602030204" pitchFamily="49" charset="0"/>
+              </a:rPr>
+              <a:t>destroyAllWindows</a:t>
+            </a:r>
+            <a:r>
+              <a:rPr lang="en-US" altLang="ko-KR" sz="1600" b="0" dirty="0">
+                <a:effectLst/>
+                <a:latin typeface="ubuntu mono derivative powerline" panose="020B0509030602030204" pitchFamily="49" charset="0"/>
+              </a:rPr>
+              <a:t>()</a:t>
+            </a:r>
+          </a:p>
+        </p:txBody>
+      </p:sp>
+      <p:pic>
+        <p:nvPicPr>
+          <p:cNvPr id="6" name="그림 5">
+            <a:extLst>
+              <a:ext uri="{FF2B5EF4-FFF2-40B4-BE49-F238E27FC236}">
+                <a16:creationId xmlns:a16="http://schemas.microsoft.com/office/drawing/2014/main" id="{97B5FE72-3CAD-4A9C-55A1-B93037D7C5EE}"/>
+              </a:ext>
+            </a:extLst>
+          </p:cNvPr>
+          <p:cNvPicPr>
+            <a:picLocks noChangeAspect="1"/>
+          </p:cNvPicPr>
+          <p:nvPr/>
+        </p:nvPicPr>
+        <p:blipFill>
+          <a:blip r:embed="rId2"/>
+          <a:stretch>
+            <a:fillRect/>
+          </a:stretch>
+        </p:blipFill>
+        <p:spPr>
+          <a:xfrm>
+            <a:off x="5409025" y="644078"/>
+            <a:ext cx="3020801" cy="1642732"/>
+          </a:xfrm>
+          <a:prstGeom prst="rect">
+            <a:avLst/>
+          </a:prstGeom>
+        </p:spPr>
+      </p:pic>
+      <p:sp>
+        <p:nvSpPr>
+          <p:cNvPr id="7" name="TextBox 6">
+            <a:extLst>
+              <a:ext uri="{FF2B5EF4-FFF2-40B4-BE49-F238E27FC236}">
+                <a16:creationId xmlns:a16="http://schemas.microsoft.com/office/drawing/2014/main" id="{8B3077B1-61A6-82CE-9D03-5EC25C3DE438}"/>
+              </a:ext>
+            </a:extLst>
+          </p:cNvPr>
+          <p:cNvSpPr txBox="1"/>
+          <p:nvPr/>
+        </p:nvSpPr>
+        <p:spPr>
+          <a:xfrm>
+            <a:off x="3811336" y="3858879"/>
+            <a:ext cx="4166525" cy="369332"/>
+          </a:xfrm>
+          <a:prstGeom prst="rect">
+            <a:avLst/>
+          </a:prstGeom>
+          <a:noFill/>
+        </p:spPr>
+        <p:txBody>
+          <a:bodyPr wrap="none" rtlCol="0">
+            <a:spAutoFit/>
+          </a:bodyPr>
+          <a:lstStyle/>
+          <a:p>
+            <a:r>
+              <a:rPr lang="ko-KR" altLang="en-US" b="1" dirty="0">
+                <a:solidFill>
+                  <a:srgbClr val="FF0000"/>
+                </a:solidFill>
+              </a:rPr>
+              <a:t>상대경로가 아닌</a:t>
+            </a:r>
+            <a:r>
+              <a:rPr lang="en-US" altLang="ko-KR" b="1" dirty="0">
+                <a:solidFill>
+                  <a:srgbClr val="FF0000"/>
+                </a:solidFill>
+              </a:rPr>
+              <a:t>, </a:t>
+            </a:r>
+            <a:r>
+              <a:rPr lang="ko-KR" altLang="en-US" b="1" dirty="0">
+                <a:solidFill>
+                  <a:srgbClr val="FF0000"/>
+                </a:solidFill>
+              </a:rPr>
+              <a:t>절대경로를 넣어야 함</a:t>
+            </a:r>
+          </a:p>
+        </p:txBody>
+      </p:sp>
+      <p:sp>
+        <p:nvSpPr>
+          <p:cNvPr id="5" name="직사각형 4">
+            <a:extLst>
+              <a:ext uri="{FF2B5EF4-FFF2-40B4-BE49-F238E27FC236}">
+                <a16:creationId xmlns:a16="http://schemas.microsoft.com/office/drawing/2014/main" id="{BF6B496F-FAE3-F7EB-55EB-89AB2FCDE25E}"/>
+              </a:ext>
+            </a:extLst>
+          </p:cNvPr>
+          <p:cNvSpPr/>
+          <p:nvPr/>
+        </p:nvSpPr>
+        <p:spPr>
+          <a:xfrm>
+            <a:off x="3062038" y="3337843"/>
+            <a:ext cx="1649565" cy="515202"/>
+          </a:xfrm>
+          <a:prstGeom prst="rect">
+            <a:avLst/>
+          </a:prstGeom>
+          <a:noFill/>
+          <a:ln>
+            <a:solidFill>
+              <a:srgbClr val="FF0000"/>
+            </a:solidFill>
+          </a:ln>
+        </p:spPr>
+        <p:style>
+          <a:lnRef idx="2">
+            <a:schemeClr val="accent1">
+              <a:shade val="50000"/>
+            </a:schemeClr>
+          </a:lnRef>
+          <a:fillRef idx="1">
+            <a:schemeClr val="accent1"/>
+          </a:fillRef>
+          <a:effectRef idx="0">
+            <a:schemeClr val="accent1"/>
+          </a:effectRef>
+          <a:fontRef idx="minor">
+            <a:schemeClr val="lt1"/>
+          </a:fontRef>
+        </p:style>
+        <p:txBody>
+          <a:bodyPr rtlCol="0" anchor="ctr"/>
+          <a:lstStyle/>
+          <a:p>
+            <a:pPr algn="ctr"/>
+            <a:endParaRPr lang="ko-KR" altLang="en-US"/>
+          </a:p>
+        </p:txBody>
+      </p:sp>
+    </p:spTree>
+    <p:extLst>
+      <p:ext uri="{BB962C8B-B14F-4D97-AF65-F5344CB8AC3E}">
+        <p14:creationId xmlns:p14="http://schemas.microsoft.com/office/powerpoint/2010/main" val="3512359736"/>
+      </p:ext>
+    </p:extLst>
+  </p:cSld>
+  <p:clrMapOvr>
+    <a:masterClrMapping/>
+  </p:clrMapOvr>
+</p:sld>
+</file>
+
+<file path=ppt/slides/slide29.xml><?xml version="1.0" encoding="utf-8"?>
+<p:sld xmlns:a="http://schemas.openxmlformats.org/drawingml/2006/main" xmlns:r="http://schemas.openxmlformats.org/officeDocument/2006/relationships" xmlns:p="http://schemas.openxmlformats.org/presentationml/2006/main">
+  <p:cSld>
+    <p:spTree>
+      <p:nvGrpSpPr>
+        <p:cNvPr id="1" name=""/>
+        <p:cNvGrpSpPr/>
+        <p:nvPr/>
+      </p:nvGrpSpPr>
+      <p:grpSpPr>
+        <a:xfrm>
+          <a:off x="0" y="0"/>
+          <a:ext cx="0" cy="0"/>
+          <a:chOff x="0" y="0"/>
+          <a:chExt cx="0" cy="0"/>
+        </a:xfrm>
+      </p:grpSpPr>
+      <p:sp>
+        <p:nvSpPr>
+          <p:cNvPr id="2" name="제목 1"/>
+          <p:cNvSpPr>
+            <a:spLocks noGrp="1"/>
+          </p:cNvSpPr>
+          <p:nvPr>
+            <p:ph type="title"/>
+          </p:nvPr>
+        </p:nvSpPr>
+        <p:spPr/>
+        <p:txBody>
+          <a:bodyPr/>
+          <a:lstStyle/>
+          <a:p>
+            <a:r>
+              <a:rPr lang="en-US" altLang="ko-KR" dirty="0"/>
+              <a:t>4. </a:t>
+            </a:r>
+            <a:r>
+              <a:rPr lang="ko-KR" altLang="en-US" dirty="0"/>
+              <a:t>인터페이스 기초</a:t>
+            </a:r>
+          </a:p>
+        </p:txBody>
+      </p:sp>
+      <p:sp>
+        <p:nvSpPr>
+          <p:cNvPr id="3" name="내용 개체 틀 2"/>
+          <p:cNvSpPr>
+            <a:spLocks noGrp="1"/>
+          </p:cNvSpPr>
+          <p:nvPr>
+            <p:ph idx="1"/>
+          </p:nvPr>
+        </p:nvSpPr>
+        <p:spPr/>
+        <p:txBody>
+          <a:bodyPr>
+            <a:normAutofit/>
+          </a:bodyPr>
+          <a:lstStyle/>
+          <a:p>
+            <a:r>
+              <a:rPr lang="en-US" altLang="ko-KR" dirty="0"/>
+              <a:t>4.4 </a:t>
+            </a:r>
+            <a:r>
+              <a:rPr lang="ko-KR" altLang="en-US" dirty="0"/>
+              <a:t>영상파일 처리</a:t>
+            </a:r>
+            <a:endParaRPr lang="en-US" altLang="ko-KR" dirty="0"/>
+          </a:p>
+          <a:p>
+            <a:pPr lvl="1"/>
+            <a:r>
+              <a:rPr lang="en-US" altLang="ko-KR" dirty="0"/>
+              <a:t>4.4.2 </a:t>
+            </a:r>
+            <a:r>
+              <a:rPr lang="ko-KR" altLang="en-US" dirty="0"/>
+              <a:t>영상파일 저장</a:t>
+            </a:r>
+            <a:endParaRPr lang="en-US" altLang="ko-KR" dirty="0"/>
+          </a:p>
+        </p:txBody>
+      </p:sp>
+      <p:sp>
+        <p:nvSpPr>
+          <p:cNvPr id="4" name="직사각형 3">
+            <a:extLst>
+              <a:ext uri="{FF2B5EF4-FFF2-40B4-BE49-F238E27FC236}">
+                <a16:creationId xmlns:a16="http://schemas.microsoft.com/office/drawing/2014/main" id="{64FCAE03-D95D-374F-6DE9-F428C178B308}"/>
+              </a:ext>
+            </a:extLst>
+          </p:cNvPr>
+          <p:cNvSpPr/>
+          <p:nvPr/>
+        </p:nvSpPr>
+        <p:spPr>
+          <a:xfrm>
+            <a:off x="827584" y="2065412"/>
+            <a:ext cx="7992888" cy="2308324"/>
+          </a:xfrm>
+          <a:prstGeom prst="rect">
+            <a:avLst/>
+          </a:prstGeom>
+        </p:spPr>
+        <p:txBody>
+          <a:bodyPr wrap="square">
+            <a:spAutoFit/>
+          </a:bodyPr>
+          <a:lstStyle/>
+          <a:p>
+            <a:r>
+              <a:rPr lang="en-US" altLang="ko-KR" sz="1600" b="0" dirty="0">
+                <a:solidFill>
+                  <a:srgbClr val="CC9B00"/>
+                </a:solidFill>
+                <a:effectLst/>
+                <a:latin typeface="ubuntu mono derivative powerline" panose="020B0509030602030204" pitchFamily="49" charset="0"/>
+              </a:rPr>
+              <a:t>import</a:t>
+            </a:r>
+            <a:r>
+              <a:rPr lang="en-US" altLang="ko-KR" sz="1600" b="0" dirty="0">
+                <a:effectLst/>
+                <a:latin typeface="ubuntu mono derivative powerline" panose="020B0509030602030204" pitchFamily="49" charset="0"/>
+              </a:rPr>
+              <a:t> </a:t>
+            </a:r>
+            <a:r>
+              <a:rPr lang="en-US" altLang="ko-KR" sz="1600" b="0" dirty="0">
+                <a:solidFill>
+                  <a:srgbClr val="7030A0"/>
+                </a:solidFill>
+                <a:effectLst/>
+                <a:latin typeface="ubuntu mono derivative powerline" panose="020B0509030602030204" pitchFamily="49" charset="0"/>
+              </a:rPr>
+              <a:t>cv2</a:t>
+            </a:r>
+          </a:p>
+          <a:p>
+            <a:br>
+              <a:rPr lang="en-US" altLang="ko-KR" sz="1600" b="0" dirty="0">
+                <a:effectLst/>
+                <a:latin typeface="ubuntu mono derivative powerline" panose="020B0509030602030204" pitchFamily="49" charset="0"/>
+              </a:rPr>
+            </a:br>
+            <a:r>
+              <a:rPr lang="en-US" altLang="ko-KR" sz="1600" b="0" dirty="0" err="1">
+                <a:effectLst/>
+                <a:latin typeface="ubuntu mono derivative powerline" panose="020B0509030602030204" pitchFamily="49" charset="0"/>
+              </a:rPr>
+              <a:t>image_file_path</a:t>
+            </a:r>
+            <a:r>
+              <a:rPr lang="en-US" altLang="ko-KR" sz="1600" b="0" dirty="0">
+                <a:effectLst/>
+                <a:latin typeface="ubuntu mono derivative powerline" panose="020B0509030602030204" pitchFamily="49" charset="0"/>
+              </a:rPr>
+              <a:t> = 'D:/</a:t>
+            </a:r>
+            <a:r>
+              <a:rPr lang="en-US" altLang="ko-KR" sz="1600" b="0" dirty="0" err="1">
+                <a:effectLst/>
+                <a:latin typeface="ubuntu mono derivative powerline" panose="020B0509030602030204" pitchFamily="49" charset="0"/>
+              </a:rPr>
+              <a:t>github</a:t>
+            </a:r>
+            <a:r>
+              <a:rPr lang="en-US" altLang="ko-KR" sz="1600" b="0" dirty="0">
+                <a:effectLst/>
+                <a:latin typeface="ubuntu mono derivative powerline" panose="020B0509030602030204" pitchFamily="49" charset="0"/>
+              </a:rPr>
+              <a:t>/OpenCV-Python/2022-10-04/images/test_image.jpg'</a:t>
+            </a:r>
+          </a:p>
+          <a:p>
+            <a:r>
+              <a:rPr lang="en-US" altLang="ko-KR" sz="1600" b="0" dirty="0" err="1">
+                <a:effectLst/>
+                <a:latin typeface="ubuntu mono derivative powerline" panose="020B0509030602030204" pitchFamily="49" charset="0"/>
+              </a:rPr>
+              <a:t>save_file_path</a:t>
+            </a:r>
+            <a:r>
+              <a:rPr lang="en-US" altLang="ko-KR" sz="1600" b="0" dirty="0">
+                <a:effectLst/>
+                <a:latin typeface="ubuntu mono derivative powerline" panose="020B0509030602030204" pitchFamily="49" charset="0"/>
+              </a:rPr>
+              <a:t> = 'D:/</a:t>
+            </a:r>
+            <a:r>
+              <a:rPr lang="en-US" altLang="ko-KR" sz="1600" b="0" dirty="0" err="1">
+                <a:effectLst/>
+                <a:latin typeface="ubuntu mono derivative powerline" panose="020B0509030602030204" pitchFamily="49" charset="0"/>
+              </a:rPr>
+              <a:t>github</a:t>
+            </a:r>
+            <a:r>
+              <a:rPr lang="en-US" altLang="ko-KR" sz="1600" b="0" dirty="0">
+                <a:effectLst/>
+                <a:latin typeface="ubuntu mono derivative powerline" panose="020B0509030602030204" pitchFamily="49" charset="0"/>
+              </a:rPr>
+              <a:t>/OpenCV-Python/2022-10-04/</a:t>
+            </a:r>
+            <a:r>
+              <a:rPr lang="en-US" altLang="ko-KR" sz="1600" b="0" dirty="0" err="1">
+                <a:effectLst/>
+                <a:latin typeface="ubuntu mono derivative powerline" panose="020B0509030602030204" pitchFamily="49" charset="0"/>
+              </a:rPr>
+              <a:t>save_images</a:t>
+            </a:r>
+            <a:r>
+              <a:rPr lang="en-US" altLang="ko-KR" sz="1600" b="0" dirty="0">
+                <a:effectLst/>
+                <a:latin typeface="ubuntu mono derivative powerline" panose="020B0509030602030204" pitchFamily="49" charset="0"/>
+              </a:rPr>
+              <a:t>/'</a:t>
+            </a:r>
+          </a:p>
+          <a:p>
+            <a:br>
+              <a:rPr lang="en-US" altLang="ko-KR" sz="1600" b="0" dirty="0">
+                <a:effectLst/>
+                <a:latin typeface="ubuntu mono derivative powerline" panose="020B0509030602030204" pitchFamily="49" charset="0"/>
+              </a:rPr>
+            </a:br>
+            <a:r>
+              <a:rPr lang="en-US" altLang="ko-KR" sz="1600" b="0" dirty="0">
+                <a:effectLst/>
+                <a:latin typeface="ubuntu mono derivative powerline" panose="020B0509030602030204" pitchFamily="49" charset="0"/>
+              </a:rPr>
+              <a:t>image = </a:t>
+            </a:r>
+            <a:r>
+              <a:rPr lang="en-US" altLang="ko-KR" sz="1600" b="0" dirty="0">
+                <a:solidFill>
+                  <a:srgbClr val="7030A0"/>
+                </a:solidFill>
+                <a:effectLst/>
+                <a:latin typeface="ubuntu mono derivative powerline" panose="020B0509030602030204" pitchFamily="49" charset="0"/>
+              </a:rPr>
+              <a:t>cv2</a:t>
+            </a:r>
+            <a:r>
+              <a:rPr lang="en-US" altLang="ko-KR" sz="1600" b="0" dirty="0">
+                <a:effectLst/>
+                <a:latin typeface="ubuntu mono derivative powerline" panose="020B0509030602030204" pitchFamily="49" charset="0"/>
+              </a:rPr>
+              <a:t>.</a:t>
+            </a:r>
+            <a:r>
+              <a:rPr lang="en-US" altLang="ko-KR" sz="1600" b="0" dirty="0">
+                <a:solidFill>
+                  <a:srgbClr val="0000FF"/>
+                </a:solidFill>
+                <a:effectLst/>
+                <a:latin typeface="ubuntu mono derivative powerline" panose="020B0509030602030204" pitchFamily="49" charset="0"/>
+              </a:rPr>
+              <a:t>imread</a:t>
+            </a:r>
+            <a:r>
+              <a:rPr lang="en-US" altLang="ko-KR" sz="1600" b="0" dirty="0">
+                <a:effectLst/>
+                <a:latin typeface="ubuntu mono derivative powerline" panose="020B0509030602030204" pitchFamily="49" charset="0"/>
+              </a:rPr>
+              <a:t>(</a:t>
+            </a:r>
+            <a:r>
+              <a:rPr lang="en-US" altLang="ko-KR" sz="1600" b="0" dirty="0" err="1">
+                <a:effectLst/>
+                <a:latin typeface="ubuntu mono derivative powerline" panose="020B0509030602030204" pitchFamily="49" charset="0"/>
+              </a:rPr>
+              <a:t>image_file_path</a:t>
+            </a:r>
+            <a:r>
+              <a:rPr lang="en-US" altLang="ko-KR" sz="1600" b="0" dirty="0">
+                <a:effectLst/>
+                <a:latin typeface="ubuntu mono derivative powerline" panose="020B0509030602030204" pitchFamily="49" charset="0"/>
+              </a:rPr>
+              <a:t>, </a:t>
+            </a:r>
+            <a:r>
+              <a:rPr lang="en-US" altLang="ko-KR" sz="1600" b="0" dirty="0">
+                <a:solidFill>
+                  <a:srgbClr val="7030A0"/>
+                </a:solidFill>
+                <a:effectLst/>
+                <a:latin typeface="ubuntu mono derivative powerline" panose="020B0509030602030204" pitchFamily="49" charset="0"/>
+              </a:rPr>
+              <a:t>cv2</a:t>
+            </a:r>
+            <a:r>
+              <a:rPr lang="en-US" altLang="ko-KR" sz="1600" b="0" dirty="0">
+                <a:effectLst/>
+                <a:latin typeface="ubuntu mono derivative powerline" panose="020B0509030602030204" pitchFamily="49" charset="0"/>
+              </a:rPr>
+              <a:t>.</a:t>
+            </a:r>
+            <a:r>
+              <a:rPr lang="en-US" altLang="ko-KR" sz="1600" b="0" dirty="0">
+                <a:solidFill>
+                  <a:srgbClr val="0000FF"/>
+                </a:solidFill>
+                <a:effectLst/>
+                <a:latin typeface="ubuntu mono derivative powerline" panose="020B0509030602030204" pitchFamily="49" charset="0"/>
+              </a:rPr>
+              <a:t>IMREAD_COLOR</a:t>
+            </a:r>
+            <a:r>
+              <a:rPr lang="en-US" altLang="ko-KR" sz="1600" b="0" dirty="0">
+                <a:effectLst/>
+                <a:latin typeface="ubuntu mono derivative powerline" panose="020B0509030602030204" pitchFamily="49" charset="0"/>
+              </a:rPr>
+              <a:t>)</a:t>
+            </a:r>
+          </a:p>
+          <a:p>
+            <a:br>
+              <a:rPr lang="en-US" altLang="ko-KR" sz="1600" b="0" dirty="0">
+                <a:effectLst/>
+                <a:latin typeface="ubuntu mono derivative powerline" panose="020B0509030602030204" pitchFamily="49" charset="0"/>
+              </a:rPr>
+            </a:br>
+            <a:r>
+              <a:rPr lang="en-US" altLang="ko-KR" sz="1600" b="0" dirty="0" err="1">
+                <a:effectLst/>
+                <a:latin typeface="ubuntu mono derivative powerline" panose="020B0509030602030204" pitchFamily="49" charset="0"/>
+              </a:rPr>
+              <a:t>params_jpg</a:t>
+            </a:r>
+            <a:r>
+              <a:rPr lang="en-US" altLang="ko-KR" sz="1600" b="0" dirty="0">
+                <a:effectLst/>
+                <a:latin typeface="ubuntu mono derivative powerline" panose="020B0509030602030204" pitchFamily="49" charset="0"/>
+              </a:rPr>
+              <a:t> = (</a:t>
+            </a:r>
+            <a:r>
+              <a:rPr lang="en-US" altLang="ko-KR" sz="1600" b="0" dirty="0">
+                <a:solidFill>
+                  <a:srgbClr val="7030A0"/>
+                </a:solidFill>
+                <a:effectLst/>
+                <a:latin typeface="ubuntu mono derivative powerline" panose="020B0509030602030204" pitchFamily="49" charset="0"/>
+              </a:rPr>
+              <a:t>cv2</a:t>
+            </a:r>
+            <a:r>
+              <a:rPr lang="en-US" altLang="ko-KR" sz="1600" b="0" dirty="0">
+                <a:effectLst/>
+                <a:latin typeface="ubuntu mono derivative powerline" panose="020B0509030602030204" pitchFamily="49" charset="0"/>
+              </a:rPr>
+              <a:t>.</a:t>
+            </a:r>
+            <a:r>
+              <a:rPr lang="en-US" altLang="ko-KR" sz="1600" b="0" dirty="0">
+                <a:solidFill>
+                  <a:srgbClr val="0000FF"/>
+                </a:solidFill>
+                <a:effectLst/>
+                <a:latin typeface="ubuntu mono derivative powerline" panose="020B0509030602030204" pitchFamily="49" charset="0"/>
+              </a:rPr>
+              <a:t>IMWRITE_JPEG_QUALITY</a:t>
+            </a:r>
+            <a:r>
+              <a:rPr lang="en-US" altLang="ko-KR" sz="1600" b="0" dirty="0">
+                <a:effectLst/>
+                <a:latin typeface="ubuntu mono derivative powerline" panose="020B0509030602030204" pitchFamily="49" charset="0"/>
+              </a:rPr>
+              <a:t>, 10)     # JPEG </a:t>
+            </a:r>
+            <a:r>
+              <a:rPr lang="ko-KR" altLang="en-US" sz="1600" b="0" dirty="0">
+                <a:effectLst/>
+                <a:latin typeface="ubuntu mono derivative powerline" panose="020B0509030602030204" pitchFamily="49" charset="0"/>
+              </a:rPr>
+              <a:t>화질 설정</a:t>
+            </a:r>
+          </a:p>
+          <a:p>
+            <a:r>
+              <a:rPr lang="en-US" altLang="ko-KR" sz="1600" b="0" dirty="0" err="1">
+                <a:effectLst/>
+                <a:latin typeface="ubuntu mono derivative powerline" panose="020B0509030602030204" pitchFamily="49" charset="0"/>
+              </a:rPr>
+              <a:t>params_png</a:t>
+            </a:r>
+            <a:r>
+              <a:rPr lang="en-US" altLang="ko-KR" sz="1600" b="0" dirty="0">
+                <a:effectLst/>
+                <a:latin typeface="ubuntu mono derivative powerline" panose="020B0509030602030204" pitchFamily="49" charset="0"/>
+              </a:rPr>
+              <a:t> = (</a:t>
+            </a:r>
+            <a:r>
+              <a:rPr lang="en-US" altLang="ko-KR" sz="1600" b="0" dirty="0">
+                <a:solidFill>
+                  <a:srgbClr val="7030A0"/>
+                </a:solidFill>
+                <a:effectLst/>
+                <a:latin typeface="ubuntu mono derivative powerline" panose="020B0509030602030204" pitchFamily="49" charset="0"/>
+              </a:rPr>
+              <a:t>cv2</a:t>
+            </a:r>
+            <a:r>
+              <a:rPr lang="en-US" altLang="ko-KR" sz="1600" b="0" dirty="0">
+                <a:effectLst/>
+                <a:latin typeface="ubuntu mono derivative powerline" panose="020B0509030602030204" pitchFamily="49" charset="0"/>
+              </a:rPr>
+              <a:t>.</a:t>
+            </a:r>
+            <a:r>
+              <a:rPr lang="en-US" altLang="ko-KR" sz="1600" b="0" dirty="0">
+                <a:solidFill>
+                  <a:srgbClr val="0000FF"/>
+                </a:solidFill>
+                <a:effectLst/>
+                <a:latin typeface="ubuntu mono derivative powerline" panose="020B0509030602030204" pitchFamily="49" charset="0"/>
+              </a:rPr>
+              <a:t>IMWRITE_PNG_COMPRESSION</a:t>
+            </a:r>
+            <a:r>
+              <a:rPr lang="en-US" altLang="ko-KR" sz="1600" b="0" dirty="0">
+                <a:effectLst/>
+                <a:latin typeface="ubuntu mono derivative powerline" panose="020B0509030602030204" pitchFamily="49" charset="0"/>
+              </a:rPr>
+              <a:t>, 9</a:t>
+            </a:r>
+            <a:r>
+              <a:rPr lang="en-US" altLang="ko-KR" sz="1600" dirty="0">
+                <a:latin typeface="ubuntu mono derivative powerline" panose="020B0509030602030204" pitchFamily="49" charset="0"/>
+              </a:rPr>
+              <a:t>)</a:t>
+            </a:r>
+            <a:r>
+              <a:rPr lang="en-US" altLang="ko-KR" sz="1600" b="0" dirty="0">
+                <a:effectLst/>
+                <a:latin typeface="ubuntu mono derivative powerline" panose="020B0509030602030204" pitchFamily="49" charset="0"/>
+              </a:rPr>
+              <a:t>   # PNG </a:t>
+            </a:r>
+            <a:r>
+              <a:rPr lang="ko-KR" altLang="en-US" sz="1600" b="0" dirty="0" err="1">
+                <a:effectLst/>
+                <a:latin typeface="ubuntu mono derivative powerline" panose="020B0509030602030204" pitchFamily="49" charset="0"/>
+              </a:rPr>
+              <a:t>압축율</a:t>
+            </a:r>
+            <a:r>
+              <a:rPr lang="ko-KR" altLang="en-US" sz="1600" b="0" dirty="0">
+                <a:effectLst/>
+                <a:latin typeface="ubuntu mono derivative powerline" panose="020B0509030602030204" pitchFamily="49" charset="0"/>
+              </a:rPr>
+              <a:t> 설정</a:t>
+            </a:r>
+            <a:endParaRPr lang="en-US" altLang="ko-KR" sz="1600" b="0" dirty="0">
+              <a:effectLst/>
+              <a:latin typeface="ubuntu mono derivative powerline" panose="020B0509030602030204" pitchFamily="49" charset="0"/>
+            </a:endParaRPr>
+          </a:p>
+        </p:txBody>
+      </p:sp>
+    </p:spTree>
+    <p:extLst>
+      <p:ext uri="{BB962C8B-B14F-4D97-AF65-F5344CB8AC3E}">
+        <p14:creationId xmlns:p14="http://schemas.microsoft.com/office/powerpoint/2010/main" val="4132786499"/>
+      </p:ext>
+    </p:extLst>
+  </p:cSld>
+  <p:clrMapOvr>
+    <a:masterClrMapping/>
+  </p:clrMapOvr>
+</p:sld>
+</file>
+
 <file path=ppt/slides/slide3.xml><?xml version="1.0" encoding="utf-8"?>
 <p:sld xmlns:a="http://schemas.openxmlformats.org/drawingml/2006/main" xmlns:r="http://schemas.openxmlformats.org/officeDocument/2006/relationships" xmlns:p="http://schemas.openxmlformats.org/presentationml/2006/main">
   <p:cSld>
@@ -18021,6 +19658,3366 @@
     <p:extLst>
       <p:ext uri="{BB962C8B-B14F-4D97-AF65-F5344CB8AC3E}">
         <p14:creationId xmlns:p14="http://schemas.microsoft.com/office/powerpoint/2010/main" val="2878629368"/>
+      </p:ext>
+    </p:extLst>
+  </p:cSld>
+  <p:clrMapOvr>
+    <a:masterClrMapping/>
+  </p:clrMapOvr>
+</p:sld>
+</file>
+
+<file path=ppt/slides/slide30.xml><?xml version="1.0" encoding="utf-8"?>
+<p:sld xmlns:a="http://schemas.openxmlformats.org/drawingml/2006/main" xmlns:r="http://schemas.openxmlformats.org/officeDocument/2006/relationships" xmlns:p="http://schemas.openxmlformats.org/presentationml/2006/main">
+  <p:cSld>
+    <p:spTree>
+      <p:nvGrpSpPr>
+        <p:cNvPr id="1" name=""/>
+        <p:cNvGrpSpPr/>
+        <p:nvPr/>
+      </p:nvGrpSpPr>
+      <p:grpSpPr>
+        <a:xfrm>
+          <a:off x="0" y="0"/>
+          <a:ext cx="0" cy="0"/>
+          <a:chOff x="0" y="0"/>
+          <a:chExt cx="0" cy="0"/>
+        </a:xfrm>
+      </p:grpSpPr>
+      <p:sp>
+        <p:nvSpPr>
+          <p:cNvPr id="2" name="제목 1"/>
+          <p:cNvSpPr>
+            <a:spLocks noGrp="1"/>
+          </p:cNvSpPr>
+          <p:nvPr>
+            <p:ph type="title"/>
+          </p:nvPr>
+        </p:nvSpPr>
+        <p:spPr/>
+        <p:txBody>
+          <a:bodyPr/>
+          <a:lstStyle/>
+          <a:p>
+            <a:r>
+              <a:rPr lang="en-US" altLang="ko-KR" dirty="0"/>
+              <a:t>4. </a:t>
+            </a:r>
+            <a:r>
+              <a:rPr lang="ko-KR" altLang="en-US" dirty="0"/>
+              <a:t>인터페이스 기초</a:t>
+            </a:r>
+          </a:p>
+        </p:txBody>
+      </p:sp>
+      <p:sp>
+        <p:nvSpPr>
+          <p:cNvPr id="3" name="내용 개체 틀 2"/>
+          <p:cNvSpPr>
+            <a:spLocks noGrp="1"/>
+          </p:cNvSpPr>
+          <p:nvPr>
+            <p:ph idx="1"/>
+          </p:nvPr>
+        </p:nvSpPr>
+        <p:spPr/>
+        <p:txBody>
+          <a:bodyPr>
+            <a:normAutofit/>
+          </a:bodyPr>
+          <a:lstStyle/>
+          <a:p>
+            <a:r>
+              <a:rPr lang="en-US" altLang="ko-KR" dirty="0"/>
+              <a:t>4.4 </a:t>
+            </a:r>
+            <a:r>
+              <a:rPr lang="ko-KR" altLang="en-US" dirty="0"/>
+              <a:t>영상파일 처리</a:t>
+            </a:r>
+            <a:endParaRPr lang="en-US" altLang="ko-KR" dirty="0"/>
+          </a:p>
+          <a:p>
+            <a:pPr lvl="1"/>
+            <a:r>
+              <a:rPr lang="en-US" altLang="ko-KR" dirty="0"/>
+              <a:t>4.4.2 </a:t>
+            </a:r>
+            <a:r>
+              <a:rPr lang="ko-KR" altLang="en-US" dirty="0"/>
+              <a:t>영상파일 저장</a:t>
+            </a:r>
+            <a:endParaRPr lang="en-US" altLang="ko-KR" dirty="0"/>
+          </a:p>
+        </p:txBody>
+      </p:sp>
+      <p:sp>
+        <p:nvSpPr>
+          <p:cNvPr id="4" name="직사각형 3">
+            <a:extLst>
+              <a:ext uri="{FF2B5EF4-FFF2-40B4-BE49-F238E27FC236}">
+                <a16:creationId xmlns:a16="http://schemas.microsoft.com/office/drawing/2014/main" id="{64FCAE03-D95D-374F-6DE9-F428C178B308}"/>
+              </a:ext>
+            </a:extLst>
+          </p:cNvPr>
+          <p:cNvSpPr/>
+          <p:nvPr/>
+        </p:nvSpPr>
+        <p:spPr>
+          <a:xfrm>
+            <a:off x="827584" y="2065412"/>
+            <a:ext cx="7992888" cy="1569660"/>
+          </a:xfrm>
+          <a:prstGeom prst="rect">
+            <a:avLst/>
+          </a:prstGeom>
+        </p:spPr>
+        <p:txBody>
+          <a:bodyPr wrap="square">
+            <a:spAutoFit/>
+          </a:bodyPr>
+          <a:lstStyle/>
+          <a:p>
+            <a:r>
+              <a:rPr lang="en-US" altLang="ko-KR" sz="1600" b="0" dirty="0">
+                <a:solidFill>
+                  <a:srgbClr val="7030A0"/>
+                </a:solidFill>
+                <a:effectLst/>
+                <a:latin typeface="ubuntu mono derivative powerline" panose="020B0509030602030204" pitchFamily="49" charset="0"/>
+              </a:rPr>
+              <a:t>cv2</a:t>
+            </a:r>
+            <a:r>
+              <a:rPr lang="en-US" altLang="ko-KR" sz="1600" b="0" dirty="0">
+                <a:effectLst/>
+                <a:latin typeface="ubuntu mono derivative powerline" panose="020B0509030602030204" pitchFamily="49" charset="0"/>
+              </a:rPr>
+              <a:t>.</a:t>
+            </a:r>
+            <a:r>
+              <a:rPr lang="en-US" altLang="ko-KR" sz="1600" b="0" dirty="0">
+                <a:solidFill>
+                  <a:srgbClr val="0000FF"/>
+                </a:solidFill>
+                <a:effectLst/>
+                <a:latin typeface="ubuntu mono derivative powerline" panose="020B0509030602030204" pitchFamily="49" charset="0"/>
+              </a:rPr>
+              <a:t>imwrite</a:t>
+            </a:r>
+            <a:r>
+              <a:rPr lang="en-US" altLang="ko-KR" sz="1600" b="0" dirty="0">
+                <a:effectLst/>
+                <a:latin typeface="ubuntu mono derivative powerline" panose="020B0509030602030204" pitchFamily="49" charset="0"/>
+              </a:rPr>
+              <a:t>(f'{</a:t>
+            </a:r>
+            <a:r>
+              <a:rPr lang="en-US" altLang="ko-KR" sz="1600" b="0" dirty="0" err="1">
+                <a:effectLst/>
+                <a:latin typeface="ubuntu mono derivative powerline" panose="020B0509030602030204" pitchFamily="49" charset="0"/>
+              </a:rPr>
+              <a:t>save_file_path</a:t>
+            </a:r>
+            <a:r>
+              <a:rPr lang="en-US" altLang="ko-KR" sz="1600" b="0" dirty="0">
+                <a:effectLst/>
+                <a:latin typeface="ubuntu mono derivative powerline" panose="020B0509030602030204" pitchFamily="49" charset="0"/>
+              </a:rPr>
+              <a:t>}write_test1.jpg', image)</a:t>
+            </a:r>
+          </a:p>
+          <a:p>
+            <a:r>
+              <a:rPr lang="en-US" altLang="ko-KR" sz="1600" b="0" dirty="0">
+                <a:solidFill>
+                  <a:srgbClr val="7030A0"/>
+                </a:solidFill>
+                <a:effectLst/>
+                <a:latin typeface="ubuntu mono derivative powerline" panose="020B0509030602030204" pitchFamily="49" charset="0"/>
+              </a:rPr>
+              <a:t>cv2</a:t>
+            </a:r>
+            <a:r>
+              <a:rPr lang="en-US" altLang="ko-KR" sz="1600" b="0" dirty="0">
+                <a:effectLst/>
+                <a:latin typeface="ubuntu mono derivative powerline" panose="020B0509030602030204" pitchFamily="49" charset="0"/>
+              </a:rPr>
+              <a:t>.</a:t>
+            </a:r>
+            <a:r>
+              <a:rPr lang="en-US" altLang="ko-KR" sz="1600" b="0" dirty="0">
+                <a:solidFill>
+                  <a:srgbClr val="0000FF"/>
+                </a:solidFill>
+                <a:effectLst/>
+                <a:latin typeface="ubuntu mono derivative powerline" panose="020B0509030602030204" pitchFamily="49" charset="0"/>
+              </a:rPr>
+              <a:t>imwrite</a:t>
+            </a:r>
+            <a:r>
+              <a:rPr lang="en-US" altLang="ko-KR" sz="1600" b="0" dirty="0">
+                <a:effectLst/>
+                <a:latin typeface="ubuntu mono derivative powerline" panose="020B0509030602030204" pitchFamily="49" charset="0"/>
+              </a:rPr>
+              <a:t>(f'{</a:t>
+            </a:r>
+            <a:r>
+              <a:rPr lang="en-US" altLang="ko-KR" sz="1600" b="0" dirty="0" err="1">
+                <a:effectLst/>
+                <a:latin typeface="ubuntu mono derivative powerline" panose="020B0509030602030204" pitchFamily="49" charset="0"/>
+              </a:rPr>
+              <a:t>save_file_path</a:t>
+            </a:r>
+            <a:r>
+              <a:rPr lang="en-US" altLang="ko-KR" sz="1600" b="0" dirty="0">
+                <a:effectLst/>
+                <a:latin typeface="ubuntu mono derivative powerline" panose="020B0509030602030204" pitchFamily="49" charset="0"/>
+              </a:rPr>
+              <a:t>}write_test2.jpg', image, </a:t>
+            </a:r>
+            <a:r>
+              <a:rPr lang="en-US" altLang="ko-KR" sz="1600" b="0" dirty="0" err="1">
+                <a:effectLst/>
+                <a:latin typeface="ubuntu mono derivative powerline" panose="020B0509030602030204" pitchFamily="49" charset="0"/>
+              </a:rPr>
+              <a:t>params_jpg</a:t>
+            </a:r>
+            <a:r>
+              <a:rPr lang="en-US" altLang="ko-KR" sz="1600" b="0" dirty="0">
+                <a:effectLst/>
+                <a:latin typeface="ubuntu mono derivative powerline" panose="020B0509030602030204" pitchFamily="49" charset="0"/>
+              </a:rPr>
+              <a:t>)</a:t>
+            </a:r>
+          </a:p>
+          <a:p>
+            <a:r>
+              <a:rPr lang="en-US" altLang="ko-KR" sz="1600" b="0" dirty="0">
+                <a:solidFill>
+                  <a:srgbClr val="7030A0"/>
+                </a:solidFill>
+                <a:effectLst/>
+                <a:latin typeface="ubuntu mono derivative powerline" panose="020B0509030602030204" pitchFamily="49" charset="0"/>
+              </a:rPr>
+              <a:t>cv2</a:t>
+            </a:r>
+            <a:r>
+              <a:rPr lang="en-US" altLang="ko-KR" sz="1600" b="0" dirty="0">
+                <a:effectLst/>
+                <a:latin typeface="ubuntu mono derivative powerline" panose="020B0509030602030204" pitchFamily="49" charset="0"/>
+              </a:rPr>
+              <a:t>.</a:t>
+            </a:r>
+            <a:r>
+              <a:rPr lang="en-US" altLang="ko-KR" sz="1600" b="0" dirty="0">
+                <a:solidFill>
+                  <a:srgbClr val="0000FF"/>
+                </a:solidFill>
+                <a:effectLst/>
+                <a:latin typeface="ubuntu mono derivative powerline" panose="020B0509030602030204" pitchFamily="49" charset="0"/>
+              </a:rPr>
+              <a:t>imwrite</a:t>
+            </a:r>
+            <a:r>
+              <a:rPr lang="en-US" altLang="ko-KR" sz="1600" b="0" dirty="0">
+                <a:effectLst/>
+                <a:latin typeface="ubuntu mono derivative powerline" panose="020B0509030602030204" pitchFamily="49" charset="0"/>
+              </a:rPr>
+              <a:t>(f'{</a:t>
+            </a:r>
+            <a:r>
+              <a:rPr lang="en-US" altLang="ko-KR" sz="1600" b="0" dirty="0" err="1">
+                <a:effectLst/>
+                <a:latin typeface="ubuntu mono derivative powerline" panose="020B0509030602030204" pitchFamily="49" charset="0"/>
+              </a:rPr>
+              <a:t>save_file_path</a:t>
+            </a:r>
+            <a:r>
+              <a:rPr lang="en-US" altLang="ko-KR" sz="1600" b="0" dirty="0">
+                <a:effectLst/>
+                <a:latin typeface="ubuntu mono derivative powerline" panose="020B0509030602030204" pitchFamily="49" charset="0"/>
+              </a:rPr>
+              <a:t>}write_test3.png', image)</a:t>
+            </a:r>
+          </a:p>
+          <a:p>
+            <a:r>
+              <a:rPr lang="en-US" altLang="ko-KR" sz="1600" b="0" dirty="0">
+                <a:solidFill>
+                  <a:srgbClr val="7030A0"/>
+                </a:solidFill>
+                <a:effectLst/>
+                <a:latin typeface="ubuntu mono derivative powerline" panose="020B0509030602030204" pitchFamily="49" charset="0"/>
+              </a:rPr>
+              <a:t>cv2</a:t>
+            </a:r>
+            <a:r>
+              <a:rPr lang="en-US" altLang="ko-KR" sz="1600" b="0" dirty="0">
+                <a:effectLst/>
+                <a:latin typeface="ubuntu mono derivative powerline" panose="020B0509030602030204" pitchFamily="49" charset="0"/>
+              </a:rPr>
+              <a:t>.</a:t>
+            </a:r>
+            <a:r>
+              <a:rPr lang="en-US" altLang="ko-KR" sz="1600" b="0" dirty="0">
+                <a:solidFill>
+                  <a:srgbClr val="0000FF"/>
+                </a:solidFill>
+                <a:effectLst/>
+                <a:latin typeface="ubuntu mono derivative powerline" panose="020B0509030602030204" pitchFamily="49" charset="0"/>
+              </a:rPr>
+              <a:t>imwrite</a:t>
+            </a:r>
+            <a:r>
+              <a:rPr lang="en-US" altLang="ko-KR" sz="1600" b="0" dirty="0">
+                <a:effectLst/>
+                <a:latin typeface="ubuntu mono derivative powerline" panose="020B0509030602030204" pitchFamily="49" charset="0"/>
+              </a:rPr>
+              <a:t>(f'{</a:t>
+            </a:r>
+            <a:r>
+              <a:rPr lang="en-US" altLang="ko-KR" sz="1600" b="0" dirty="0" err="1">
+                <a:effectLst/>
+                <a:latin typeface="ubuntu mono derivative powerline" panose="020B0509030602030204" pitchFamily="49" charset="0"/>
+              </a:rPr>
+              <a:t>save_file_path</a:t>
+            </a:r>
+            <a:r>
+              <a:rPr lang="en-US" altLang="ko-KR" sz="1600" b="0" dirty="0">
+                <a:effectLst/>
+                <a:latin typeface="ubuntu mono derivative powerline" panose="020B0509030602030204" pitchFamily="49" charset="0"/>
+              </a:rPr>
+              <a:t>}write_test4.png', image, </a:t>
+            </a:r>
+            <a:r>
+              <a:rPr lang="en-US" altLang="ko-KR" sz="1600" b="0" dirty="0" err="1">
+                <a:effectLst/>
+                <a:latin typeface="ubuntu mono derivative powerline" panose="020B0509030602030204" pitchFamily="49" charset="0"/>
+              </a:rPr>
+              <a:t>params_png</a:t>
+            </a:r>
+            <a:r>
+              <a:rPr lang="en-US" altLang="ko-KR" sz="1600" b="0" dirty="0">
+                <a:effectLst/>
+                <a:latin typeface="ubuntu mono derivative powerline" panose="020B0509030602030204" pitchFamily="49" charset="0"/>
+              </a:rPr>
+              <a:t>)</a:t>
+            </a:r>
+          </a:p>
+          <a:p>
+            <a:endParaRPr lang="en-US" altLang="ko-KR" sz="1600" dirty="0">
+              <a:latin typeface="ubuntu mono derivative powerline" panose="020B0509030602030204" pitchFamily="49" charset="0"/>
+            </a:endParaRPr>
+          </a:p>
+          <a:p>
+            <a:r>
+              <a:rPr lang="en-US" altLang="ko-KR" sz="1600" dirty="0">
+                <a:latin typeface="ubuntu mono derivative powerline" panose="020B0509030602030204" pitchFamily="49" charset="0"/>
+              </a:rPr>
+              <a:t>p</a:t>
+            </a:r>
+            <a:r>
+              <a:rPr lang="en-US" altLang="ko-KR" sz="1600" b="0" dirty="0">
+                <a:effectLst/>
+                <a:latin typeface="ubuntu mono derivative powerline" panose="020B0509030602030204" pitchFamily="49" charset="0"/>
+              </a:rPr>
+              <a:t>rint(‘</a:t>
+            </a:r>
+            <a:r>
+              <a:rPr lang="ko-KR" altLang="en-US" sz="1600" b="0" dirty="0">
+                <a:effectLst/>
+                <a:latin typeface="ubuntu mono derivative powerline" panose="020B0509030602030204" pitchFamily="49" charset="0"/>
+              </a:rPr>
+              <a:t>저장완료</a:t>
+            </a:r>
+            <a:r>
+              <a:rPr lang="en-US" altLang="ko-KR" sz="1600" b="0" dirty="0">
+                <a:effectLst/>
+                <a:latin typeface="ubuntu mono derivative powerline" panose="020B0509030602030204" pitchFamily="49" charset="0"/>
+              </a:rPr>
+              <a:t>’)</a:t>
+            </a:r>
+          </a:p>
+        </p:txBody>
+      </p:sp>
+      <p:pic>
+        <p:nvPicPr>
+          <p:cNvPr id="9" name="그림 8">
+            <a:extLst>
+              <a:ext uri="{FF2B5EF4-FFF2-40B4-BE49-F238E27FC236}">
+                <a16:creationId xmlns:a16="http://schemas.microsoft.com/office/drawing/2014/main" id="{B3DAA40D-4BDF-33BF-28E0-B7D9AF5E1D2C}"/>
+              </a:ext>
+            </a:extLst>
+          </p:cNvPr>
+          <p:cNvPicPr>
+            <a:picLocks noChangeAspect="1"/>
+          </p:cNvPicPr>
+          <p:nvPr/>
+        </p:nvPicPr>
+        <p:blipFill>
+          <a:blip r:embed="rId2"/>
+          <a:stretch>
+            <a:fillRect/>
+          </a:stretch>
+        </p:blipFill>
+        <p:spPr>
+          <a:xfrm>
+            <a:off x="6714986" y="1206500"/>
+            <a:ext cx="2152950" cy="1057423"/>
+          </a:xfrm>
+          <a:prstGeom prst="rect">
+            <a:avLst/>
+          </a:prstGeom>
+        </p:spPr>
+      </p:pic>
+      <p:pic>
+        <p:nvPicPr>
+          <p:cNvPr id="6" name="그림 5">
+            <a:extLst>
+              <a:ext uri="{FF2B5EF4-FFF2-40B4-BE49-F238E27FC236}">
+                <a16:creationId xmlns:a16="http://schemas.microsoft.com/office/drawing/2014/main" id="{03CC0623-1D3A-E1E0-53E5-E1E1D8476E71}"/>
+              </a:ext>
+            </a:extLst>
+          </p:cNvPr>
+          <p:cNvPicPr>
+            <a:picLocks noChangeAspect="1"/>
+          </p:cNvPicPr>
+          <p:nvPr/>
+        </p:nvPicPr>
+        <p:blipFill>
+          <a:blip r:embed="rId3"/>
+          <a:stretch>
+            <a:fillRect/>
+          </a:stretch>
+        </p:blipFill>
+        <p:spPr>
+          <a:xfrm>
+            <a:off x="1619672" y="3776186"/>
+            <a:ext cx="1584176" cy="1589036"/>
+          </a:xfrm>
+          <a:prstGeom prst="rect">
+            <a:avLst/>
+          </a:prstGeom>
+        </p:spPr>
+      </p:pic>
+      <p:pic>
+        <p:nvPicPr>
+          <p:cNvPr id="8" name="그림 7">
+            <a:extLst>
+              <a:ext uri="{FF2B5EF4-FFF2-40B4-BE49-F238E27FC236}">
+                <a16:creationId xmlns:a16="http://schemas.microsoft.com/office/drawing/2014/main" id="{6668D589-433C-714F-1360-DB75636DA4DE}"/>
+              </a:ext>
+            </a:extLst>
+          </p:cNvPr>
+          <p:cNvPicPr>
+            <a:picLocks noChangeAspect="1"/>
+          </p:cNvPicPr>
+          <p:nvPr/>
+        </p:nvPicPr>
+        <p:blipFill>
+          <a:blip r:embed="rId4"/>
+          <a:stretch>
+            <a:fillRect/>
+          </a:stretch>
+        </p:blipFill>
+        <p:spPr>
+          <a:xfrm>
+            <a:off x="3357345" y="3780001"/>
+            <a:ext cx="1584176" cy="1584176"/>
+          </a:xfrm>
+          <a:prstGeom prst="rect">
+            <a:avLst/>
+          </a:prstGeom>
+        </p:spPr>
+      </p:pic>
+      <p:pic>
+        <p:nvPicPr>
+          <p:cNvPr id="11" name="그림 10">
+            <a:extLst>
+              <a:ext uri="{FF2B5EF4-FFF2-40B4-BE49-F238E27FC236}">
+                <a16:creationId xmlns:a16="http://schemas.microsoft.com/office/drawing/2014/main" id="{F219EC79-7C9A-11CC-B397-E81EEDEF1827}"/>
+              </a:ext>
+            </a:extLst>
+          </p:cNvPr>
+          <p:cNvPicPr>
+            <a:picLocks noChangeAspect="1"/>
+          </p:cNvPicPr>
+          <p:nvPr/>
+        </p:nvPicPr>
+        <p:blipFill>
+          <a:blip r:embed="rId5"/>
+          <a:stretch>
+            <a:fillRect/>
+          </a:stretch>
+        </p:blipFill>
+        <p:spPr>
+          <a:xfrm>
+            <a:off x="5313593" y="3217540"/>
+            <a:ext cx="3492239" cy="2397532"/>
+          </a:xfrm>
+          <a:prstGeom prst="rect">
+            <a:avLst/>
+          </a:prstGeom>
+        </p:spPr>
+      </p:pic>
+      <p:cxnSp>
+        <p:nvCxnSpPr>
+          <p:cNvPr id="13" name="직선 연결선 12">
+            <a:extLst>
+              <a:ext uri="{FF2B5EF4-FFF2-40B4-BE49-F238E27FC236}">
+                <a16:creationId xmlns:a16="http://schemas.microsoft.com/office/drawing/2014/main" id="{9D3DDD97-B3E4-5F72-2768-D487AB6E496F}"/>
+              </a:ext>
+            </a:extLst>
+          </p:cNvPr>
+          <p:cNvCxnSpPr/>
+          <p:nvPr/>
+        </p:nvCxnSpPr>
+        <p:spPr>
+          <a:xfrm>
+            <a:off x="5940154" y="4297660"/>
+            <a:ext cx="216022" cy="0"/>
+          </a:xfrm>
+          <a:prstGeom prst="line">
+            <a:avLst/>
+          </a:prstGeom>
+          <a:ln w="28575">
+            <a:solidFill>
+              <a:srgbClr val="FF0000"/>
+            </a:solidFill>
+          </a:ln>
+        </p:spPr>
+        <p:style>
+          <a:lnRef idx="1">
+            <a:schemeClr val="accent1"/>
+          </a:lnRef>
+          <a:fillRef idx="0">
+            <a:schemeClr val="accent1"/>
+          </a:fillRef>
+          <a:effectRef idx="0">
+            <a:schemeClr val="accent1"/>
+          </a:effectRef>
+          <a:fontRef idx="minor">
+            <a:schemeClr val="tx1"/>
+          </a:fontRef>
+        </p:style>
+      </p:cxnSp>
+      <p:cxnSp>
+        <p:nvCxnSpPr>
+          <p:cNvPr id="14" name="직선 연결선 13">
+            <a:extLst>
+              <a:ext uri="{FF2B5EF4-FFF2-40B4-BE49-F238E27FC236}">
+                <a16:creationId xmlns:a16="http://schemas.microsoft.com/office/drawing/2014/main" id="{1BA292D0-9AD0-5627-A84B-1550231893F4}"/>
+              </a:ext>
+            </a:extLst>
+          </p:cNvPr>
+          <p:cNvCxnSpPr/>
+          <p:nvPr/>
+        </p:nvCxnSpPr>
+        <p:spPr>
+          <a:xfrm>
+            <a:off x="7683450" y="4297660"/>
+            <a:ext cx="216022" cy="0"/>
+          </a:xfrm>
+          <a:prstGeom prst="line">
+            <a:avLst/>
+          </a:prstGeom>
+          <a:ln w="28575">
+            <a:solidFill>
+              <a:srgbClr val="FF0000"/>
+            </a:solidFill>
+          </a:ln>
+        </p:spPr>
+        <p:style>
+          <a:lnRef idx="1">
+            <a:schemeClr val="accent1"/>
+          </a:lnRef>
+          <a:fillRef idx="0">
+            <a:schemeClr val="accent1"/>
+          </a:fillRef>
+          <a:effectRef idx="0">
+            <a:schemeClr val="accent1"/>
+          </a:effectRef>
+          <a:fontRef idx="minor">
+            <a:schemeClr val="tx1"/>
+          </a:fontRef>
+        </p:style>
+      </p:cxnSp>
+    </p:spTree>
+    <p:extLst>
+      <p:ext uri="{BB962C8B-B14F-4D97-AF65-F5344CB8AC3E}">
+        <p14:creationId xmlns:p14="http://schemas.microsoft.com/office/powerpoint/2010/main" val="1884906866"/>
+      </p:ext>
+    </p:extLst>
+  </p:cSld>
+  <p:clrMapOvr>
+    <a:masterClrMapping/>
+  </p:clrMapOvr>
+</p:sld>
+</file>
+
+<file path=ppt/slides/slide31.xml><?xml version="1.0" encoding="utf-8"?>
+<p:sld xmlns:a="http://schemas.openxmlformats.org/drawingml/2006/main" xmlns:r="http://schemas.openxmlformats.org/officeDocument/2006/relationships" xmlns:p="http://schemas.openxmlformats.org/presentationml/2006/main">
+  <p:cSld>
+    <p:spTree>
+      <p:nvGrpSpPr>
+        <p:cNvPr id="1" name=""/>
+        <p:cNvGrpSpPr/>
+        <p:nvPr/>
+      </p:nvGrpSpPr>
+      <p:grpSpPr>
+        <a:xfrm>
+          <a:off x="0" y="0"/>
+          <a:ext cx="0" cy="0"/>
+          <a:chOff x="0" y="0"/>
+          <a:chExt cx="0" cy="0"/>
+        </a:xfrm>
+      </p:grpSpPr>
+      <p:sp>
+        <p:nvSpPr>
+          <p:cNvPr id="2" name="제목 1"/>
+          <p:cNvSpPr>
+            <a:spLocks noGrp="1"/>
+          </p:cNvSpPr>
+          <p:nvPr>
+            <p:ph type="title"/>
+          </p:nvPr>
+        </p:nvSpPr>
+        <p:spPr/>
+        <p:txBody>
+          <a:bodyPr/>
+          <a:lstStyle/>
+          <a:p>
+            <a:r>
+              <a:rPr lang="en-US" altLang="ko-KR" dirty="0"/>
+              <a:t>4. </a:t>
+            </a:r>
+            <a:r>
+              <a:rPr lang="ko-KR" altLang="en-US" dirty="0"/>
+              <a:t>인터페이스 기초</a:t>
+            </a:r>
+          </a:p>
+        </p:txBody>
+      </p:sp>
+      <p:sp>
+        <p:nvSpPr>
+          <p:cNvPr id="3" name="내용 개체 틀 2"/>
+          <p:cNvSpPr>
+            <a:spLocks noGrp="1"/>
+          </p:cNvSpPr>
+          <p:nvPr>
+            <p:ph idx="1"/>
+          </p:nvPr>
+        </p:nvSpPr>
+        <p:spPr/>
+        <p:txBody>
+          <a:bodyPr>
+            <a:normAutofit/>
+          </a:bodyPr>
+          <a:lstStyle/>
+          <a:p>
+            <a:r>
+              <a:rPr lang="en-US" altLang="ko-KR" dirty="0"/>
+              <a:t>4.5 </a:t>
+            </a:r>
+            <a:r>
+              <a:rPr lang="ko-KR" altLang="en-US" dirty="0"/>
+              <a:t>비디오 처리</a:t>
+            </a:r>
+            <a:endParaRPr lang="en-US" altLang="ko-KR" dirty="0"/>
+          </a:p>
+          <a:p>
+            <a:pPr lvl="1"/>
+            <a:r>
+              <a:rPr lang="en-US" altLang="ko-KR" dirty="0"/>
+              <a:t>4.5.1 </a:t>
+            </a:r>
+            <a:r>
+              <a:rPr lang="ko-KR" altLang="en-US" dirty="0"/>
+              <a:t>카메라에서 프레임 읽기</a:t>
+            </a:r>
+            <a:endParaRPr lang="en-US" altLang="ko-KR" dirty="0"/>
+          </a:p>
+        </p:txBody>
+      </p:sp>
+      <p:sp>
+        <p:nvSpPr>
+          <p:cNvPr id="4" name="직사각형 3">
+            <a:extLst>
+              <a:ext uri="{FF2B5EF4-FFF2-40B4-BE49-F238E27FC236}">
+                <a16:creationId xmlns:a16="http://schemas.microsoft.com/office/drawing/2014/main" id="{64FCAE03-D95D-374F-6DE9-F428C178B308}"/>
+              </a:ext>
+            </a:extLst>
+          </p:cNvPr>
+          <p:cNvSpPr/>
+          <p:nvPr/>
+        </p:nvSpPr>
+        <p:spPr>
+          <a:xfrm>
+            <a:off x="827584" y="2065412"/>
+            <a:ext cx="7992888" cy="3046988"/>
+          </a:xfrm>
+          <a:prstGeom prst="rect">
+            <a:avLst/>
+          </a:prstGeom>
+        </p:spPr>
+        <p:txBody>
+          <a:bodyPr wrap="square">
+            <a:spAutoFit/>
+          </a:bodyPr>
+          <a:lstStyle/>
+          <a:p>
+            <a:r>
+              <a:rPr lang="en-US" altLang="ko-KR" sz="1600" b="0" dirty="0">
+                <a:solidFill>
+                  <a:srgbClr val="CC9B00"/>
+                </a:solidFill>
+                <a:effectLst/>
+                <a:latin typeface="ubuntu mono derivative powerline" panose="020B0509030602030204" pitchFamily="49" charset="0"/>
+              </a:rPr>
+              <a:t>import</a:t>
+            </a:r>
+            <a:r>
+              <a:rPr lang="en-US" altLang="ko-KR" sz="1600" b="0" dirty="0">
+                <a:effectLst/>
+                <a:latin typeface="ubuntu mono derivative powerline" panose="020B0509030602030204" pitchFamily="49" charset="0"/>
+              </a:rPr>
+              <a:t> </a:t>
+            </a:r>
+            <a:r>
+              <a:rPr lang="en-US" altLang="ko-KR" sz="1600" b="0" dirty="0">
+                <a:solidFill>
+                  <a:srgbClr val="7030A0"/>
+                </a:solidFill>
+                <a:effectLst/>
+                <a:latin typeface="ubuntu mono derivative powerline" panose="020B0509030602030204" pitchFamily="49" charset="0"/>
+              </a:rPr>
+              <a:t>cv2</a:t>
+            </a:r>
+          </a:p>
+          <a:p>
+            <a:br>
+              <a:rPr lang="en-US" altLang="ko-KR" sz="1600" b="0" dirty="0">
+                <a:effectLst/>
+                <a:latin typeface="ubuntu mono derivative powerline" panose="020B0509030602030204" pitchFamily="49" charset="0"/>
+              </a:rPr>
+            </a:br>
+            <a:r>
+              <a:rPr lang="en-US" altLang="ko-KR" sz="1600" b="0" dirty="0">
+                <a:effectLst/>
+                <a:latin typeface="ubuntu mono derivative powerline" panose="020B0509030602030204" pitchFamily="49" charset="0"/>
+              </a:rPr>
+              <a:t>capture = </a:t>
+            </a:r>
+            <a:r>
+              <a:rPr lang="en-US" altLang="ko-KR" sz="1600" b="0" dirty="0">
+                <a:solidFill>
+                  <a:srgbClr val="7030A0"/>
+                </a:solidFill>
+                <a:effectLst/>
+                <a:latin typeface="ubuntu mono derivative powerline" panose="020B0509030602030204" pitchFamily="49" charset="0"/>
+              </a:rPr>
+              <a:t>cv2</a:t>
+            </a:r>
+            <a:r>
+              <a:rPr lang="en-US" altLang="ko-KR" sz="1600" b="0" dirty="0">
+                <a:effectLst/>
+                <a:latin typeface="ubuntu mono derivative powerline" panose="020B0509030602030204" pitchFamily="49" charset="0"/>
+              </a:rPr>
+              <a:t>.</a:t>
+            </a:r>
+            <a:r>
+              <a:rPr lang="en-US" altLang="ko-KR" sz="1600" b="0" dirty="0">
+                <a:solidFill>
+                  <a:srgbClr val="0000FF"/>
+                </a:solidFill>
+                <a:effectLst/>
+                <a:latin typeface="ubuntu mono derivative powerline" panose="020B0509030602030204" pitchFamily="49" charset="0"/>
+              </a:rPr>
+              <a:t>VideoCapture</a:t>
+            </a:r>
+            <a:r>
+              <a:rPr lang="en-US" altLang="ko-KR" sz="1600" b="0" dirty="0">
+                <a:effectLst/>
+                <a:latin typeface="ubuntu mono derivative powerline" panose="020B0509030602030204" pitchFamily="49" charset="0"/>
+              </a:rPr>
+              <a:t>(0)</a:t>
+            </a:r>
+          </a:p>
+          <a:p>
+            <a:r>
+              <a:rPr lang="en-US" altLang="ko-KR" sz="1600" b="0" dirty="0">
+                <a:effectLst/>
+                <a:latin typeface="ubuntu mono derivative powerline" panose="020B0509030602030204" pitchFamily="49" charset="0"/>
+              </a:rPr>
+              <a:t>while True:</a:t>
+            </a:r>
+          </a:p>
+          <a:p>
+            <a:r>
+              <a:rPr lang="en-US" altLang="ko-KR" sz="1600" b="0" dirty="0">
+                <a:effectLst/>
+                <a:latin typeface="ubuntu mono derivative powerline" panose="020B0509030602030204" pitchFamily="49" charset="0"/>
+              </a:rPr>
+              <a:t>    ret, frame = </a:t>
+            </a:r>
+            <a:r>
+              <a:rPr lang="en-US" altLang="ko-KR" sz="1600" b="0" dirty="0" err="1">
+                <a:effectLst/>
+                <a:latin typeface="ubuntu mono derivative powerline" panose="020B0509030602030204" pitchFamily="49" charset="0"/>
+              </a:rPr>
+              <a:t>capture.</a:t>
+            </a:r>
+            <a:r>
+              <a:rPr lang="en-US" altLang="ko-KR" sz="1600" b="0" dirty="0" err="1">
+                <a:solidFill>
+                  <a:srgbClr val="0000FF"/>
+                </a:solidFill>
+                <a:effectLst/>
+                <a:latin typeface="ubuntu mono derivative powerline" panose="020B0509030602030204" pitchFamily="49" charset="0"/>
+              </a:rPr>
+              <a:t>read</a:t>
+            </a:r>
+            <a:r>
+              <a:rPr lang="en-US" altLang="ko-KR" sz="1600" b="0" dirty="0">
+                <a:effectLst/>
+                <a:latin typeface="ubuntu mono derivative powerline" panose="020B0509030602030204" pitchFamily="49" charset="0"/>
+              </a:rPr>
+              <a:t>()</a:t>
+            </a:r>
+          </a:p>
+          <a:p>
+            <a:r>
+              <a:rPr lang="en-US" altLang="ko-KR" sz="1600" b="0" dirty="0">
+                <a:effectLst/>
+                <a:latin typeface="ubuntu mono derivative powerline" panose="020B0509030602030204" pitchFamily="49" charset="0"/>
+              </a:rPr>
+              <a:t>    if </a:t>
+            </a:r>
+            <a:r>
+              <a:rPr lang="en-US" altLang="ko-KR" sz="1600" b="0" dirty="0">
+                <a:solidFill>
+                  <a:srgbClr val="7030A0"/>
+                </a:solidFill>
+                <a:effectLst/>
+                <a:latin typeface="ubuntu mono derivative powerline" panose="020B0509030602030204" pitchFamily="49" charset="0"/>
+              </a:rPr>
+              <a:t>cv2</a:t>
+            </a:r>
+            <a:r>
+              <a:rPr lang="en-US" altLang="ko-KR" sz="1600" b="0" dirty="0">
+                <a:effectLst/>
+                <a:latin typeface="ubuntu mono derivative powerline" panose="020B0509030602030204" pitchFamily="49" charset="0"/>
+              </a:rPr>
+              <a:t>.</a:t>
+            </a:r>
+            <a:r>
+              <a:rPr lang="en-US" altLang="ko-KR" sz="1600" b="0" dirty="0">
+                <a:solidFill>
+                  <a:srgbClr val="0000FF"/>
+                </a:solidFill>
+                <a:effectLst/>
+                <a:latin typeface="ubuntu mono derivative powerline" panose="020B0509030602030204" pitchFamily="49" charset="0"/>
+              </a:rPr>
+              <a:t>waitKey</a:t>
+            </a:r>
+            <a:r>
+              <a:rPr lang="en-US" altLang="ko-KR" sz="1600" b="0" dirty="0">
+                <a:effectLst/>
+                <a:latin typeface="ubuntu mono derivative powerline" panose="020B0509030602030204" pitchFamily="49" charset="0"/>
+              </a:rPr>
+              <a:t>(30) &gt;= 0:</a:t>
+            </a:r>
+          </a:p>
+          <a:p>
+            <a:r>
+              <a:rPr lang="en-US" altLang="ko-KR" sz="1600" b="0" dirty="0">
+                <a:effectLst/>
+                <a:latin typeface="ubuntu mono derivative powerline" panose="020B0509030602030204" pitchFamily="49" charset="0"/>
+              </a:rPr>
+              <a:t>        </a:t>
+            </a:r>
+            <a:r>
+              <a:rPr lang="en-US" altLang="ko-KR" sz="1600" b="0" dirty="0">
+                <a:solidFill>
+                  <a:srgbClr val="0000FF"/>
+                </a:solidFill>
+                <a:effectLst/>
+                <a:latin typeface="ubuntu mono derivative powerline" panose="020B0509030602030204" pitchFamily="49" charset="0"/>
+              </a:rPr>
+              <a:t>break</a:t>
+            </a:r>
+            <a:r>
+              <a:rPr lang="en-US" altLang="ko-KR" sz="1600" b="0" dirty="0">
+                <a:effectLst/>
+                <a:latin typeface="ubuntu mono derivative powerline" panose="020B0509030602030204" pitchFamily="49" charset="0"/>
+              </a:rPr>
+              <a:t> </a:t>
+            </a:r>
+            <a:r>
+              <a:rPr lang="en-US" altLang="ko-KR" sz="1600" b="0" dirty="0">
+                <a:solidFill>
+                  <a:srgbClr val="00B050"/>
+                </a:solidFill>
+                <a:effectLst/>
+                <a:latin typeface="ubuntu mono derivative powerline" panose="020B0509030602030204" pitchFamily="49" charset="0"/>
+              </a:rPr>
+              <a:t># </a:t>
+            </a:r>
+            <a:r>
+              <a:rPr lang="ko-KR" altLang="en-US" sz="1600" b="0" dirty="0">
+                <a:solidFill>
+                  <a:srgbClr val="00B050"/>
+                </a:solidFill>
+                <a:effectLst/>
+                <a:latin typeface="ubuntu mono derivative powerline" panose="020B0509030602030204" pitchFamily="49" charset="0"/>
+              </a:rPr>
+              <a:t>스페이스바로 종료</a:t>
+            </a:r>
+          </a:p>
+          <a:p>
+            <a:br>
+              <a:rPr lang="ko-KR" altLang="en-US" sz="1600" b="0" dirty="0">
+                <a:effectLst/>
+                <a:latin typeface="ubuntu mono derivative powerline" panose="020B0509030602030204" pitchFamily="49" charset="0"/>
+              </a:rPr>
+            </a:br>
+            <a:r>
+              <a:rPr lang="ko-KR" altLang="en-US" sz="1600" b="0" dirty="0">
+                <a:effectLst/>
+                <a:latin typeface="ubuntu mono derivative powerline" panose="020B0509030602030204" pitchFamily="49" charset="0"/>
+              </a:rPr>
+              <a:t>    </a:t>
+            </a:r>
+            <a:r>
+              <a:rPr lang="en-US" altLang="ko-KR" sz="1600" b="0" dirty="0">
+                <a:effectLst/>
+                <a:latin typeface="ubuntu mono derivative powerline" panose="020B0509030602030204" pitchFamily="49" charset="0"/>
+              </a:rPr>
+              <a:t>exposure = </a:t>
+            </a:r>
+            <a:r>
+              <a:rPr lang="en-US" altLang="ko-KR" sz="1600" b="0" dirty="0" err="1">
+                <a:effectLst/>
+                <a:latin typeface="ubuntu mono derivative powerline" panose="020B0509030602030204" pitchFamily="49" charset="0"/>
+              </a:rPr>
+              <a:t>capture.</a:t>
+            </a:r>
+            <a:r>
+              <a:rPr lang="en-US" altLang="ko-KR" sz="1600" b="0" dirty="0" err="1">
+                <a:solidFill>
+                  <a:srgbClr val="0000FF"/>
+                </a:solidFill>
+                <a:effectLst/>
+                <a:latin typeface="ubuntu mono derivative powerline" panose="020B0509030602030204" pitchFamily="49" charset="0"/>
+              </a:rPr>
+              <a:t>get</a:t>
+            </a:r>
+            <a:r>
+              <a:rPr lang="en-US" altLang="ko-KR" sz="1600" b="0" dirty="0">
+                <a:effectLst/>
+                <a:latin typeface="ubuntu mono derivative powerline" panose="020B0509030602030204" pitchFamily="49" charset="0"/>
+              </a:rPr>
+              <a:t>(</a:t>
+            </a:r>
+            <a:r>
+              <a:rPr lang="en-US" altLang="ko-KR" sz="1600" b="0" dirty="0">
+                <a:solidFill>
+                  <a:srgbClr val="7030A0"/>
+                </a:solidFill>
+                <a:effectLst/>
+                <a:latin typeface="ubuntu mono derivative powerline" panose="020B0509030602030204" pitchFamily="49" charset="0"/>
+              </a:rPr>
+              <a:t>cv2</a:t>
+            </a:r>
+            <a:r>
+              <a:rPr lang="en-US" altLang="ko-KR" sz="1600" b="0" dirty="0">
+                <a:effectLst/>
+                <a:latin typeface="ubuntu mono derivative powerline" panose="020B0509030602030204" pitchFamily="49" charset="0"/>
+              </a:rPr>
+              <a:t>.</a:t>
+            </a:r>
+            <a:r>
+              <a:rPr lang="en-US" altLang="ko-KR" sz="1600" b="0" dirty="0">
+                <a:solidFill>
+                  <a:srgbClr val="0000FF"/>
+                </a:solidFill>
+                <a:effectLst/>
+                <a:latin typeface="ubuntu mono derivative powerline" panose="020B0509030602030204" pitchFamily="49" charset="0"/>
+              </a:rPr>
+              <a:t>CAP_PROP_EXPOSURE</a:t>
+            </a:r>
+            <a:r>
+              <a:rPr lang="en-US" altLang="ko-KR" sz="1600" b="0" dirty="0">
+                <a:effectLst/>
+                <a:latin typeface="ubuntu mono derivative powerline" panose="020B0509030602030204" pitchFamily="49" charset="0"/>
+              </a:rPr>
+              <a:t>) </a:t>
+            </a:r>
+            <a:r>
+              <a:rPr lang="en-US" altLang="ko-KR" sz="1600" b="0" dirty="0">
+                <a:solidFill>
+                  <a:srgbClr val="00B050"/>
+                </a:solidFill>
+                <a:effectLst/>
+                <a:latin typeface="ubuntu mono derivative powerline" panose="020B0509030602030204" pitchFamily="49" charset="0"/>
+              </a:rPr>
+              <a:t># </a:t>
+            </a:r>
+            <a:r>
+              <a:rPr lang="ko-KR" altLang="en-US" sz="1600" b="0" dirty="0">
+                <a:solidFill>
+                  <a:srgbClr val="00B050"/>
+                </a:solidFill>
+                <a:effectLst/>
+                <a:latin typeface="ubuntu mono derivative powerline" panose="020B0509030602030204" pitchFamily="49" charset="0"/>
+              </a:rPr>
+              <a:t>노출 속성</a:t>
+            </a:r>
+          </a:p>
+          <a:p>
+            <a:r>
+              <a:rPr lang="ko-KR" altLang="en-US" sz="1600" b="0" dirty="0">
+                <a:effectLst/>
+                <a:latin typeface="ubuntu mono derivative powerline" panose="020B0509030602030204" pitchFamily="49" charset="0"/>
+              </a:rPr>
+              <a:t>    </a:t>
+            </a:r>
+            <a:r>
+              <a:rPr lang="en-US" altLang="ko-KR" sz="1600" b="0" dirty="0">
+                <a:effectLst/>
+                <a:latin typeface="ubuntu mono derivative powerline" panose="020B0509030602030204" pitchFamily="49" charset="0"/>
+              </a:rPr>
+              <a:t>title = 'Camera'</a:t>
+            </a:r>
+          </a:p>
+          <a:p>
+            <a:r>
+              <a:rPr lang="en-US" altLang="ko-KR" sz="1600" b="0" dirty="0">
+                <a:effectLst/>
+                <a:latin typeface="ubuntu mono derivative powerline" panose="020B0509030602030204" pitchFamily="49" charset="0"/>
+              </a:rPr>
+              <a:t>    </a:t>
+            </a:r>
+            <a:r>
+              <a:rPr lang="en-US" altLang="ko-KR" sz="1600" b="0" dirty="0">
+                <a:solidFill>
+                  <a:srgbClr val="7030A0"/>
+                </a:solidFill>
+                <a:effectLst/>
+                <a:latin typeface="ubuntu mono derivative powerline" panose="020B0509030602030204" pitchFamily="49" charset="0"/>
+              </a:rPr>
+              <a:t>cv2</a:t>
+            </a:r>
+            <a:r>
+              <a:rPr lang="en-US" altLang="ko-KR" sz="1600" b="0" dirty="0">
+                <a:effectLst/>
+                <a:latin typeface="ubuntu mono derivative powerline" panose="020B0509030602030204" pitchFamily="49" charset="0"/>
+              </a:rPr>
+              <a:t>.</a:t>
+            </a:r>
+            <a:r>
+              <a:rPr lang="en-US" altLang="ko-KR" sz="1600" b="0" dirty="0">
+                <a:solidFill>
+                  <a:srgbClr val="0000FF"/>
+                </a:solidFill>
+                <a:effectLst/>
+                <a:latin typeface="ubuntu mono derivative powerline" panose="020B0509030602030204" pitchFamily="49" charset="0"/>
+              </a:rPr>
+              <a:t>imshow</a:t>
+            </a:r>
+            <a:r>
+              <a:rPr lang="en-US" altLang="ko-KR" sz="1600" b="0" dirty="0">
+                <a:effectLst/>
+                <a:latin typeface="ubuntu mono derivative powerline" panose="020B0509030602030204" pitchFamily="49" charset="0"/>
+              </a:rPr>
+              <a:t>(title, frame)</a:t>
+            </a:r>
+          </a:p>
+          <a:p>
+            <a:r>
+              <a:rPr lang="en-US" altLang="ko-KR" sz="1600" b="0" dirty="0" err="1">
+                <a:effectLst/>
+                <a:latin typeface="ubuntu mono derivative powerline" panose="020B0509030602030204" pitchFamily="49" charset="0"/>
+              </a:rPr>
+              <a:t>capture.</a:t>
+            </a:r>
+            <a:r>
+              <a:rPr lang="en-US" altLang="ko-KR" sz="1600" b="0" dirty="0" err="1">
+                <a:solidFill>
+                  <a:srgbClr val="0000FF"/>
+                </a:solidFill>
+                <a:effectLst/>
+                <a:latin typeface="ubuntu mono derivative powerline" panose="020B0509030602030204" pitchFamily="49" charset="0"/>
+              </a:rPr>
+              <a:t>release</a:t>
+            </a:r>
+            <a:r>
+              <a:rPr lang="en-US" altLang="ko-KR" sz="1600" b="0" dirty="0">
+                <a:effectLst/>
+                <a:latin typeface="ubuntu mono derivative powerline" panose="020B0509030602030204" pitchFamily="49" charset="0"/>
+              </a:rPr>
+              <a:t>()</a:t>
+            </a:r>
+          </a:p>
+        </p:txBody>
+      </p:sp>
+      <p:pic>
+        <p:nvPicPr>
+          <p:cNvPr id="6" name="그림 5">
+            <a:extLst>
+              <a:ext uri="{FF2B5EF4-FFF2-40B4-BE49-F238E27FC236}">
+                <a16:creationId xmlns:a16="http://schemas.microsoft.com/office/drawing/2014/main" id="{FD974E57-790F-28F5-F6E6-24BE1F570596}"/>
+              </a:ext>
+            </a:extLst>
+          </p:cNvPr>
+          <p:cNvPicPr>
+            <a:picLocks noChangeAspect="1"/>
+          </p:cNvPicPr>
+          <p:nvPr/>
+        </p:nvPicPr>
+        <p:blipFill>
+          <a:blip r:embed="rId2"/>
+          <a:stretch>
+            <a:fillRect/>
+          </a:stretch>
+        </p:blipFill>
+        <p:spPr>
+          <a:xfrm>
+            <a:off x="5454746" y="1196911"/>
+            <a:ext cx="3365726" cy="2684193"/>
+          </a:xfrm>
+          <a:prstGeom prst="rect">
+            <a:avLst/>
+          </a:prstGeom>
+        </p:spPr>
+      </p:pic>
+    </p:spTree>
+    <p:extLst>
+      <p:ext uri="{BB962C8B-B14F-4D97-AF65-F5344CB8AC3E}">
+        <p14:creationId xmlns:p14="http://schemas.microsoft.com/office/powerpoint/2010/main" val="3132257175"/>
+      </p:ext>
+    </p:extLst>
+  </p:cSld>
+  <p:clrMapOvr>
+    <a:masterClrMapping/>
+  </p:clrMapOvr>
+</p:sld>
+</file>
+
+<file path=ppt/slides/slide32.xml><?xml version="1.0" encoding="utf-8"?>
+<p:sld xmlns:a="http://schemas.openxmlformats.org/drawingml/2006/main" xmlns:r="http://schemas.openxmlformats.org/officeDocument/2006/relationships" xmlns:p="http://schemas.openxmlformats.org/presentationml/2006/main">
+  <p:cSld>
+    <p:spTree>
+      <p:nvGrpSpPr>
+        <p:cNvPr id="1" name=""/>
+        <p:cNvGrpSpPr/>
+        <p:nvPr/>
+      </p:nvGrpSpPr>
+      <p:grpSpPr>
+        <a:xfrm>
+          <a:off x="0" y="0"/>
+          <a:ext cx="0" cy="0"/>
+          <a:chOff x="0" y="0"/>
+          <a:chExt cx="0" cy="0"/>
+        </a:xfrm>
+      </p:grpSpPr>
+      <p:sp>
+        <p:nvSpPr>
+          <p:cNvPr id="2" name="제목 1"/>
+          <p:cNvSpPr>
+            <a:spLocks noGrp="1"/>
+          </p:cNvSpPr>
+          <p:nvPr>
+            <p:ph type="title"/>
+          </p:nvPr>
+        </p:nvSpPr>
+        <p:spPr/>
+        <p:txBody>
+          <a:bodyPr/>
+          <a:lstStyle/>
+          <a:p>
+            <a:r>
+              <a:rPr lang="en-US" altLang="ko-KR" dirty="0"/>
+              <a:t>4. </a:t>
+            </a:r>
+            <a:r>
+              <a:rPr lang="ko-KR" altLang="en-US" dirty="0"/>
+              <a:t>인터페이스 기초</a:t>
+            </a:r>
+          </a:p>
+        </p:txBody>
+      </p:sp>
+      <p:sp>
+        <p:nvSpPr>
+          <p:cNvPr id="3" name="내용 개체 틀 2"/>
+          <p:cNvSpPr>
+            <a:spLocks noGrp="1"/>
+          </p:cNvSpPr>
+          <p:nvPr>
+            <p:ph idx="1"/>
+          </p:nvPr>
+        </p:nvSpPr>
+        <p:spPr/>
+        <p:txBody>
+          <a:bodyPr>
+            <a:normAutofit/>
+          </a:bodyPr>
+          <a:lstStyle/>
+          <a:p>
+            <a:r>
+              <a:rPr lang="en-US" altLang="ko-KR" dirty="0"/>
+              <a:t>4.5 </a:t>
+            </a:r>
+            <a:r>
+              <a:rPr lang="ko-KR" altLang="en-US" dirty="0"/>
+              <a:t>비디오 처리</a:t>
+            </a:r>
+            <a:endParaRPr lang="en-US" altLang="ko-KR" dirty="0"/>
+          </a:p>
+          <a:p>
+            <a:pPr lvl="1"/>
+            <a:r>
+              <a:rPr lang="en-US" altLang="ko-KR" dirty="0"/>
+              <a:t>4.5.2 </a:t>
+            </a:r>
+            <a:r>
+              <a:rPr lang="ko-KR" altLang="en-US" dirty="0"/>
+              <a:t>카메라 프레임을 동영상 파일로 저장</a:t>
+            </a:r>
+            <a:endParaRPr lang="en-US" altLang="ko-KR" dirty="0"/>
+          </a:p>
+        </p:txBody>
+      </p:sp>
+      <p:sp>
+        <p:nvSpPr>
+          <p:cNvPr id="4" name="직사각형 3">
+            <a:extLst>
+              <a:ext uri="{FF2B5EF4-FFF2-40B4-BE49-F238E27FC236}">
+                <a16:creationId xmlns:a16="http://schemas.microsoft.com/office/drawing/2014/main" id="{64FCAE03-D95D-374F-6DE9-F428C178B308}"/>
+              </a:ext>
+            </a:extLst>
+          </p:cNvPr>
+          <p:cNvSpPr/>
+          <p:nvPr/>
+        </p:nvSpPr>
+        <p:spPr>
+          <a:xfrm>
+            <a:off x="827584" y="2065412"/>
+            <a:ext cx="7992888" cy="3539430"/>
+          </a:xfrm>
+          <a:prstGeom prst="rect">
+            <a:avLst/>
+          </a:prstGeom>
+        </p:spPr>
+        <p:txBody>
+          <a:bodyPr wrap="square">
+            <a:spAutoFit/>
+          </a:bodyPr>
+          <a:lstStyle/>
+          <a:p>
+            <a:r>
+              <a:rPr lang="en-US" altLang="ko-KR" sz="1600" b="0" dirty="0">
+                <a:solidFill>
+                  <a:srgbClr val="CC9B00"/>
+                </a:solidFill>
+                <a:effectLst/>
+                <a:latin typeface="ubuntu mono derivative powerline" panose="020B0509030602030204" pitchFamily="49" charset="0"/>
+              </a:rPr>
+              <a:t>import</a:t>
+            </a:r>
+            <a:r>
+              <a:rPr lang="en-US" altLang="ko-KR" sz="1600" b="0" dirty="0">
+                <a:effectLst/>
+                <a:latin typeface="ubuntu mono derivative powerline" panose="020B0509030602030204" pitchFamily="49" charset="0"/>
+              </a:rPr>
+              <a:t> </a:t>
+            </a:r>
+            <a:r>
+              <a:rPr lang="en-US" altLang="ko-KR" sz="1600" b="0" dirty="0">
+                <a:solidFill>
+                  <a:srgbClr val="7030A0"/>
+                </a:solidFill>
+                <a:effectLst/>
+                <a:latin typeface="ubuntu mono derivative powerline" panose="020B0509030602030204" pitchFamily="49" charset="0"/>
+              </a:rPr>
+              <a:t>cv2</a:t>
+            </a:r>
+          </a:p>
+          <a:p>
+            <a:br>
+              <a:rPr lang="en-US" altLang="ko-KR" sz="1600" b="0" dirty="0">
+                <a:effectLst/>
+                <a:latin typeface="ubuntu mono derivative powerline" panose="020B0509030602030204" pitchFamily="49" charset="0"/>
+              </a:rPr>
+            </a:br>
+            <a:r>
+              <a:rPr lang="en-US" altLang="ko-KR" sz="1600" b="0" dirty="0">
+                <a:effectLst/>
+                <a:latin typeface="ubuntu mono derivative powerline" panose="020B0509030602030204" pitchFamily="49" charset="0"/>
+              </a:rPr>
+              <a:t>capture = </a:t>
+            </a:r>
+            <a:r>
+              <a:rPr lang="en-US" altLang="ko-KR" sz="1600" b="0" dirty="0">
+                <a:solidFill>
+                  <a:srgbClr val="7030A0"/>
+                </a:solidFill>
+                <a:effectLst/>
+                <a:latin typeface="ubuntu mono derivative powerline" panose="020B0509030602030204" pitchFamily="49" charset="0"/>
+              </a:rPr>
+              <a:t>cv2</a:t>
+            </a:r>
+            <a:r>
+              <a:rPr lang="en-US" altLang="ko-KR" sz="1600" b="0" dirty="0">
+                <a:effectLst/>
+                <a:latin typeface="ubuntu mono derivative powerline" panose="020B0509030602030204" pitchFamily="49" charset="0"/>
+              </a:rPr>
+              <a:t>.</a:t>
+            </a:r>
+            <a:r>
+              <a:rPr lang="en-US" altLang="ko-KR" sz="1600" b="0" dirty="0">
+                <a:solidFill>
+                  <a:srgbClr val="0000FF"/>
+                </a:solidFill>
+                <a:effectLst/>
+                <a:latin typeface="ubuntu mono derivative powerline" panose="020B0509030602030204" pitchFamily="49" charset="0"/>
+              </a:rPr>
+              <a:t>VideoCapture</a:t>
+            </a:r>
+            <a:r>
+              <a:rPr lang="en-US" altLang="ko-KR" sz="1600" b="0" dirty="0">
+                <a:effectLst/>
+                <a:latin typeface="ubuntu mono derivative powerline" panose="020B0509030602030204" pitchFamily="49" charset="0"/>
+              </a:rPr>
+              <a:t>(0)</a:t>
+            </a:r>
+          </a:p>
+          <a:p>
+            <a:br>
+              <a:rPr lang="en-US" altLang="ko-KR" sz="1600" b="0" dirty="0">
+                <a:effectLst/>
+                <a:latin typeface="ubuntu mono derivative powerline" panose="020B0509030602030204" pitchFamily="49" charset="0"/>
+              </a:rPr>
+            </a:br>
+            <a:r>
+              <a:rPr lang="en-US" altLang="ko-KR" sz="1600" b="0" dirty="0">
+                <a:effectLst/>
+                <a:latin typeface="ubuntu mono derivative powerline" panose="020B0509030602030204" pitchFamily="49" charset="0"/>
+              </a:rPr>
+              <a:t>fps = 29.97</a:t>
+            </a:r>
+          </a:p>
+          <a:p>
+            <a:r>
+              <a:rPr lang="en-US" altLang="ko-KR" sz="1600" b="0" dirty="0">
+                <a:effectLst/>
+                <a:latin typeface="ubuntu mono derivative powerline" panose="020B0509030602030204" pitchFamily="49" charset="0"/>
+              </a:rPr>
+              <a:t>delay = </a:t>
+            </a:r>
+            <a:r>
+              <a:rPr lang="en-US" altLang="ko-KR" sz="1600" b="0" dirty="0">
+                <a:solidFill>
+                  <a:srgbClr val="0000FF"/>
+                </a:solidFill>
+                <a:effectLst/>
+                <a:latin typeface="ubuntu mono derivative powerline" panose="020B0509030602030204" pitchFamily="49" charset="0"/>
+              </a:rPr>
+              <a:t>round</a:t>
+            </a:r>
+            <a:r>
+              <a:rPr lang="en-US" altLang="ko-KR" sz="1600" b="0" dirty="0">
+                <a:effectLst/>
+                <a:latin typeface="ubuntu mono derivative powerline" panose="020B0509030602030204" pitchFamily="49" charset="0"/>
+              </a:rPr>
+              <a:t>(1000/fps)</a:t>
+            </a:r>
+          </a:p>
+          <a:p>
+            <a:r>
+              <a:rPr lang="en-US" altLang="ko-KR" sz="1600" b="0" dirty="0">
+                <a:effectLst/>
+                <a:latin typeface="ubuntu mono derivative powerline" panose="020B0509030602030204" pitchFamily="49" charset="0"/>
+              </a:rPr>
+              <a:t>size = (640, 360)</a:t>
+            </a:r>
+          </a:p>
+          <a:p>
+            <a:r>
+              <a:rPr lang="en-US" altLang="ko-KR" sz="1600" b="0" dirty="0" err="1">
+                <a:effectLst/>
+                <a:latin typeface="ubuntu mono derivative powerline" panose="020B0509030602030204" pitchFamily="49" charset="0"/>
+              </a:rPr>
+              <a:t>fourcc</a:t>
+            </a:r>
+            <a:r>
+              <a:rPr lang="en-US" altLang="ko-KR" sz="1600" b="0" dirty="0">
+                <a:effectLst/>
+                <a:latin typeface="ubuntu mono derivative powerline" panose="020B0509030602030204" pitchFamily="49" charset="0"/>
+              </a:rPr>
+              <a:t> = </a:t>
+            </a:r>
+            <a:r>
+              <a:rPr lang="en-US" altLang="ko-KR" sz="1600" b="0" dirty="0">
+                <a:solidFill>
+                  <a:srgbClr val="7030A0"/>
+                </a:solidFill>
+                <a:effectLst/>
+                <a:latin typeface="ubuntu mono derivative powerline" panose="020B0509030602030204" pitchFamily="49" charset="0"/>
+              </a:rPr>
+              <a:t>cv2</a:t>
+            </a:r>
+            <a:r>
+              <a:rPr lang="en-US" altLang="ko-KR" sz="1600" b="0" dirty="0">
+                <a:effectLst/>
+                <a:latin typeface="ubuntu mono derivative powerline" panose="020B0509030602030204" pitchFamily="49" charset="0"/>
+              </a:rPr>
+              <a:t>.</a:t>
+            </a:r>
+            <a:r>
+              <a:rPr lang="en-US" altLang="ko-KR" sz="1600" b="0" dirty="0">
+                <a:solidFill>
+                  <a:srgbClr val="0000FF"/>
+                </a:solidFill>
+                <a:effectLst/>
+                <a:latin typeface="ubuntu mono derivative powerline" panose="020B0509030602030204" pitchFamily="49" charset="0"/>
+              </a:rPr>
+              <a:t>VideoWriter_fourcc</a:t>
+            </a:r>
+            <a:r>
+              <a:rPr lang="en-US" altLang="ko-KR" sz="1600" b="0" dirty="0">
+                <a:effectLst/>
+                <a:latin typeface="ubuntu mono derivative powerline" panose="020B0509030602030204" pitchFamily="49" charset="0"/>
+              </a:rPr>
+              <a:t>(*'DX50’)</a:t>
+            </a:r>
+          </a:p>
+          <a:p>
+            <a:endParaRPr lang="en-US" altLang="ko-KR" sz="1600" b="0" dirty="0">
+              <a:effectLst/>
+              <a:latin typeface="ubuntu mono derivative powerline" panose="020B0509030602030204" pitchFamily="49" charset="0"/>
+            </a:endParaRPr>
+          </a:p>
+          <a:p>
+            <a:r>
+              <a:rPr lang="en-US" altLang="ko-KR" sz="1600" b="0" dirty="0">
+                <a:solidFill>
+                  <a:srgbClr val="00B050"/>
+                </a:solidFill>
+                <a:effectLst/>
+                <a:latin typeface="ubuntu mono derivative powerline" panose="020B0509030602030204" pitchFamily="49" charset="0"/>
+              </a:rPr>
+              <a:t>## </a:t>
+            </a:r>
+            <a:r>
+              <a:rPr lang="ko-KR" altLang="en-US" sz="1600" b="0" dirty="0">
+                <a:solidFill>
+                  <a:srgbClr val="00B050"/>
+                </a:solidFill>
+                <a:effectLst/>
+                <a:latin typeface="ubuntu mono derivative powerline" panose="020B0509030602030204" pitchFamily="49" charset="0"/>
+              </a:rPr>
+              <a:t>카메라 속성을 실행창에 출력</a:t>
+            </a:r>
+          </a:p>
+          <a:p>
+            <a:r>
+              <a:rPr lang="en-US" altLang="ko-KR" sz="1600" b="0" dirty="0">
+                <a:effectLst/>
+                <a:latin typeface="ubuntu mono derivative powerline" panose="020B0509030602030204" pitchFamily="49" charset="0"/>
+              </a:rPr>
+              <a:t>print('width x height: ',size)</a:t>
+            </a:r>
+          </a:p>
+          <a:p>
+            <a:r>
+              <a:rPr lang="en-US" altLang="ko-KR" sz="1600" b="0" dirty="0">
+                <a:effectLst/>
+                <a:latin typeface="ubuntu mono derivative powerline" panose="020B0509030602030204" pitchFamily="49" charset="0"/>
+              </a:rPr>
+              <a:t>print('</a:t>
+            </a:r>
+            <a:r>
+              <a:rPr lang="en-US" altLang="ko-KR" sz="1600" b="0" dirty="0" err="1">
+                <a:effectLst/>
+                <a:latin typeface="ubuntu mono derivative powerline" panose="020B0509030602030204" pitchFamily="49" charset="0"/>
+              </a:rPr>
+              <a:t>VideoWriterfourcc</a:t>
+            </a:r>
+            <a:r>
+              <a:rPr lang="en-US" altLang="ko-KR" sz="1600" b="0" dirty="0">
+                <a:effectLst/>
+                <a:latin typeface="ubuntu mono derivative powerline" panose="020B0509030602030204" pitchFamily="49" charset="0"/>
+              </a:rPr>
+              <a:t>: ', </a:t>
+            </a:r>
+            <a:r>
+              <a:rPr lang="en-US" altLang="ko-KR" sz="1600" b="0" dirty="0" err="1">
+                <a:effectLst/>
+                <a:latin typeface="ubuntu mono derivative powerline" panose="020B0509030602030204" pitchFamily="49" charset="0"/>
+              </a:rPr>
+              <a:t>fourcc</a:t>
+            </a:r>
+            <a:r>
+              <a:rPr lang="en-US" altLang="ko-KR" sz="1600" b="0" dirty="0">
+                <a:effectLst/>
+                <a:latin typeface="ubuntu mono derivative powerline" panose="020B0509030602030204" pitchFamily="49" charset="0"/>
+              </a:rPr>
+              <a:t>)</a:t>
+            </a:r>
+          </a:p>
+          <a:p>
+            <a:r>
+              <a:rPr lang="en-US" altLang="ko-KR" sz="1600" b="0" dirty="0">
+                <a:effectLst/>
+                <a:latin typeface="ubuntu mono derivative powerline" panose="020B0509030602030204" pitchFamily="49" charset="0"/>
+              </a:rPr>
+              <a:t>print(</a:t>
+            </a:r>
+            <a:r>
+              <a:rPr lang="en-US" altLang="ko-KR" sz="1600" b="0" dirty="0" err="1">
+                <a:effectLst/>
+                <a:latin typeface="ubuntu mono derivative powerline" panose="020B0509030602030204" pitchFamily="49" charset="0"/>
+              </a:rPr>
+              <a:t>f'delay</a:t>
+            </a:r>
+            <a:r>
+              <a:rPr lang="en-US" altLang="ko-KR" sz="1600" b="0" dirty="0">
+                <a:effectLst/>
+                <a:latin typeface="ubuntu mono derivative powerline" panose="020B0509030602030204" pitchFamily="49" charset="0"/>
+              </a:rPr>
+              <a:t>: {delay}')</a:t>
+            </a:r>
+          </a:p>
+          <a:p>
+            <a:r>
+              <a:rPr lang="en-US" altLang="ko-KR" sz="1600" b="0" dirty="0">
+                <a:effectLst/>
+                <a:latin typeface="ubuntu mono derivative powerline" panose="020B0509030602030204" pitchFamily="49" charset="0"/>
+              </a:rPr>
+              <a:t>print('fps: ',fps)</a:t>
+            </a:r>
+          </a:p>
+        </p:txBody>
+      </p:sp>
+    </p:spTree>
+    <p:extLst>
+      <p:ext uri="{BB962C8B-B14F-4D97-AF65-F5344CB8AC3E}">
+        <p14:creationId xmlns:p14="http://schemas.microsoft.com/office/powerpoint/2010/main" val="2054147070"/>
+      </p:ext>
+    </p:extLst>
+  </p:cSld>
+  <p:clrMapOvr>
+    <a:masterClrMapping/>
+  </p:clrMapOvr>
+</p:sld>
+</file>
+
+<file path=ppt/slides/slide33.xml><?xml version="1.0" encoding="utf-8"?>
+<p:sld xmlns:a="http://schemas.openxmlformats.org/drawingml/2006/main" xmlns:r="http://schemas.openxmlformats.org/officeDocument/2006/relationships" xmlns:p="http://schemas.openxmlformats.org/presentationml/2006/main">
+  <p:cSld>
+    <p:spTree>
+      <p:nvGrpSpPr>
+        <p:cNvPr id="1" name=""/>
+        <p:cNvGrpSpPr/>
+        <p:nvPr/>
+      </p:nvGrpSpPr>
+      <p:grpSpPr>
+        <a:xfrm>
+          <a:off x="0" y="0"/>
+          <a:ext cx="0" cy="0"/>
+          <a:chOff x="0" y="0"/>
+          <a:chExt cx="0" cy="0"/>
+        </a:xfrm>
+      </p:grpSpPr>
+      <p:sp>
+        <p:nvSpPr>
+          <p:cNvPr id="2" name="제목 1"/>
+          <p:cNvSpPr>
+            <a:spLocks noGrp="1"/>
+          </p:cNvSpPr>
+          <p:nvPr>
+            <p:ph type="title"/>
+          </p:nvPr>
+        </p:nvSpPr>
+        <p:spPr/>
+        <p:txBody>
+          <a:bodyPr/>
+          <a:lstStyle/>
+          <a:p>
+            <a:r>
+              <a:rPr lang="en-US" altLang="ko-KR" dirty="0"/>
+              <a:t>4. </a:t>
+            </a:r>
+            <a:r>
+              <a:rPr lang="ko-KR" altLang="en-US" dirty="0"/>
+              <a:t>인터페이스 기초</a:t>
+            </a:r>
+          </a:p>
+        </p:txBody>
+      </p:sp>
+      <p:sp>
+        <p:nvSpPr>
+          <p:cNvPr id="3" name="내용 개체 틀 2"/>
+          <p:cNvSpPr>
+            <a:spLocks noGrp="1"/>
+          </p:cNvSpPr>
+          <p:nvPr>
+            <p:ph idx="1"/>
+          </p:nvPr>
+        </p:nvSpPr>
+        <p:spPr/>
+        <p:txBody>
+          <a:bodyPr>
+            <a:normAutofit/>
+          </a:bodyPr>
+          <a:lstStyle/>
+          <a:p>
+            <a:r>
+              <a:rPr lang="en-US" altLang="ko-KR" dirty="0"/>
+              <a:t>4.5 </a:t>
+            </a:r>
+            <a:r>
+              <a:rPr lang="ko-KR" altLang="en-US" dirty="0"/>
+              <a:t>비디오 처리</a:t>
+            </a:r>
+            <a:endParaRPr lang="en-US" altLang="ko-KR" dirty="0"/>
+          </a:p>
+          <a:p>
+            <a:pPr lvl="1"/>
+            <a:r>
+              <a:rPr lang="en-US" altLang="ko-KR" dirty="0"/>
+              <a:t>4.5.2 </a:t>
+            </a:r>
+            <a:r>
+              <a:rPr lang="ko-KR" altLang="en-US" dirty="0"/>
+              <a:t>카메라 프레임을 동영상 파일로 저장</a:t>
+            </a:r>
+            <a:endParaRPr lang="en-US" altLang="ko-KR" dirty="0"/>
+          </a:p>
+        </p:txBody>
+      </p:sp>
+      <p:sp>
+        <p:nvSpPr>
+          <p:cNvPr id="4" name="직사각형 3">
+            <a:extLst>
+              <a:ext uri="{FF2B5EF4-FFF2-40B4-BE49-F238E27FC236}">
+                <a16:creationId xmlns:a16="http://schemas.microsoft.com/office/drawing/2014/main" id="{64FCAE03-D95D-374F-6DE9-F428C178B308}"/>
+              </a:ext>
+            </a:extLst>
+          </p:cNvPr>
+          <p:cNvSpPr/>
+          <p:nvPr/>
+        </p:nvSpPr>
+        <p:spPr>
+          <a:xfrm>
+            <a:off x="827584" y="2065412"/>
+            <a:ext cx="7992888" cy="2554545"/>
+          </a:xfrm>
+          <a:prstGeom prst="rect">
+            <a:avLst/>
+          </a:prstGeom>
+        </p:spPr>
+        <p:txBody>
+          <a:bodyPr wrap="square">
+            <a:spAutoFit/>
+          </a:bodyPr>
+          <a:lstStyle/>
+          <a:p>
+            <a:r>
+              <a:rPr lang="en-US" altLang="ko-KR" sz="1600" b="0" dirty="0">
+                <a:solidFill>
+                  <a:srgbClr val="00B050"/>
+                </a:solidFill>
+                <a:effectLst/>
+                <a:latin typeface="ubuntu mono derivative powerline" panose="020B0509030602030204" pitchFamily="49" charset="0"/>
+              </a:rPr>
+              <a:t>## </a:t>
+            </a:r>
+            <a:r>
+              <a:rPr lang="ko-KR" altLang="en-US" sz="1600" b="0" dirty="0">
+                <a:solidFill>
+                  <a:srgbClr val="00B050"/>
+                </a:solidFill>
+                <a:effectLst/>
+                <a:latin typeface="ubuntu mono derivative powerline" panose="020B0509030602030204" pitchFamily="49" charset="0"/>
+              </a:rPr>
+              <a:t>카메라 속성 지정</a:t>
+            </a:r>
+          </a:p>
+          <a:p>
+            <a:r>
+              <a:rPr lang="en-US" altLang="ko-KR" sz="1600" b="0" dirty="0" err="1">
+                <a:effectLst/>
+                <a:latin typeface="ubuntu mono derivative powerline" panose="020B0509030602030204" pitchFamily="49" charset="0"/>
+              </a:rPr>
+              <a:t>capture.</a:t>
+            </a:r>
+            <a:r>
+              <a:rPr lang="en-US" altLang="ko-KR" sz="1600" b="0" dirty="0" err="1">
+                <a:solidFill>
+                  <a:srgbClr val="0000FF"/>
+                </a:solidFill>
+                <a:effectLst/>
+                <a:latin typeface="ubuntu mono derivative powerline" panose="020B0509030602030204" pitchFamily="49" charset="0"/>
+              </a:rPr>
+              <a:t>set</a:t>
+            </a:r>
+            <a:r>
+              <a:rPr lang="en-US" altLang="ko-KR" sz="1600" b="0" dirty="0">
+                <a:effectLst/>
+                <a:latin typeface="ubuntu mono derivative powerline" panose="020B0509030602030204" pitchFamily="49" charset="0"/>
+              </a:rPr>
+              <a:t>(</a:t>
+            </a:r>
+            <a:r>
+              <a:rPr lang="en-US" altLang="ko-KR" sz="1600" b="0" dirty="0">
+                <a:solidFill>
+                  <a:srgbClr val="7030A0"/>
+                </a:solidFill>
+                <a:effectLst/>
+                <a:latin typeface="ubuntu mono derivative powerline" panose="020B0509030602030204" pitchFamily="49" charset="0"/>
+              </a:rPr>
+              <a:t>cv2</a:t>
+            </a:r>
+            <a:r>
+              <a:rPr lang="en-US" altLang="ko-KR" sz="1600" b="0" dirty="0">
+                <a:effectLst/>
+                <a:latin typeface="ubuntu mono derivative powerline" panose="020B0509030602030204" pitchFamily="49" charset="0"/>
+              </a:rPr>
+              <a:t>.</a:t>
+            </a:r>
+            <a:r>
+              <a:rPr lang="en-US" altLang="ko-KR" sz="1600" b="0" dirty="0">
+                <a:solidFill>
+                  <a:srgbClr val="0000FF"/>
+                </a:solidFill>
+                <a:effectLst/>
+                <a:latin typeface="ubuntu mono derivative powerline" panose="020B0509030602030204" pitchFamily="49" charset="0"/>
+              </a:rPr>
+              <a:t>CAP_PROP_ZOOM</a:t>
+            </a:r>
+            <a:r>
+              <a:rPr lang="en-US" altLang="ko-KR" sz="1600" b="0" dirty="0">
+                <a:effectLst/>
+                <a:latin typeface="ubuntu mono derivative powerline" panose="020B0509030602030204" pitchFamily="49" charset="0"/>
+              </a:rPr>
+              <a:t>, 1)</a:t>
+            </a:r>
+          </a:p>
+          <a:p>
+            <a:r>
+              <a:rPr lang="en-US" altLang="ko-KR" sz="1600" b="0" dirty="0" err="1">
+                <a:effectLst/>
+                <a:latin typeface="ubuntu mono derivative powerline" panose="020B0509030602030204" pitchFamily="49" charset="0"/>
+              </a:rPr>
+              <a:t>capture.</a:t>
+            </a:r>
+            <a:r>
+              <a:rPr lang="en-US" altLang="ko-KR" sz="1600" b="0" dirty="0" err="1">
+                <a:solidFill>
+                  <a:srgbClr val="0000FF"/>
+                </a:solidFill>
+                <a:effectLst/>
+                <a:latin typeface="ubuntu mono derivative powerline" panose="020B0509030602030204" pitchFamily="49" charset="0"/>
+              </a:rPr>
+              <a:t>set</a:t>
+            </a:r>
+            <a:r>
+              <a:rPr lang="en-US" altLang="ko-KR" sz="1600" b="0" dirty="0">
+                <a:effectLst/>
+                <a:latin typeface="ubuntu mono derivative powerline" panose="020B0509030602030204" pitchFamily="49" charset="0"/>
+              </a:rPr>
+              <a:t>(</a:t>
+            </a:r>
+            <a:r>
+              <a:rPr lang="en-US" altLang="ko-KR" sz="1600" b="0" dirty="0">
+                <a:solidFill>
+                  <a:srgbClr val="7030A0"/>
+                </a:solidFill>
+                <a:effectLst/>
+                <a:latin typeface="ubuntu mono derivative powerline" panose="020B0509030602030204" pitchFamily="49" charset="0"/>
+              </a:rPr>
+              <a:t>cv2</a:t>
+            </a:r>
+            <a:r>
+              <a:rPr lang="en-US" altLang="ko-KR" sz="1600" b="0" dirty="0">
+                <a:effectLst/>
+                <a:latin typeface="ubuntu mono derivative powerline" panose="020B0509030602030204" pitchFamily="49" charset="0"/>
+              </a:rPr>
+              <a:t>.</a:t>
+            </a:r>
+            <a:r>
+              <a:rPr lang="en-US" altLang="ko-KR" sz="1600" b="0" dirty="0">
+                <a:solidFill>
+                  <a:srgbClr val="0000FF"/>
+                </a:solidFill>
+                <a:effectLst/>
+                <a:latin typeface="ubuntu mono derivative powerline" panose="020B0509030602030204" pitchFamily="49" charset="0"/>
+              </a:rPr>
+              <a:t>CAP_PROP_FOCUS</a:t>
+            </a:r>
+            <a:r>
+              <a:rPr lang="en-US" altLang="ko-KR" sz="1600" b="0" dirty="0">
+                <a:effectLst/>
+                <a:latin typeface="ubuntu mono derivative powerline" panose="020B0509030602030204" pitchFamily="49" charset="0"/>
+              </a:rPr>
+              <a:t>, 0)</a:t>
+            </a:r>
+          </a:p>
+          <a:p>
+            <a:r>
+              <a:rPr lang="en-US" altLang="ko-KR" sz="1600" b="0" dirty="0" err="1">
+                <a:effectLst/>
+                <a:latin typeface="ubuntu mono derivative powerline" panose="020B0509030602030204" pitchFamily="49" charset="0"/>
+              </a:rPr>
+              <a:t>capture.</a:t>
+            </a:r>
+            <a:r>
+              <a:rPr lang="en-US" altLang="ko-KR" sz="1600" b="0" dirty="0" err="1">
+                <a:solidFill>
+                  <a:srgbClr val="0000FF"/>
+                </a:solidFill>
+                <a:effectLst/>
+                <a:latin typeface="ubuntu mono derivative powerline" panose="020B0509030602030204" pitchFamily="49" charset="0"/>
+              </a:rPr>
+              <a:t>set</a:t>
+            </a:r>
+            <a:r>
+              <a:rPr lang="en-US" altLang="ko-KR" sz="1600" b="0" dirty="0">
+                <a:effectLst/>
+                <a:latin typeface="ubuntu mono derivative powerline" panose="020B0509030602030204" pitchFamily="49" charset="0"/>
+              </a:rPr>
+              <a:t>(</a:t>
+            </a:r>
+            <a:r>
+              <a:rPr lang="en-US" altLang="ko-KR" sz="1600" b="0" dirty="0">
+                <a:solidFill>
+                  <a:srgbClr val="7030A0"/>
+                </a:solidFill>
+                <a:effectLst/>
+                <a:latin typeface="ubuntu mono derivative powerline" panose="020B0509030602030204" pitchFamily="49" charset="0"/>
+              </a:rPr>
+              <a:t>cv2</a:t>
+            </a:r>
+            <a:r>
+              <a:rPr lang="en-US" altLang="ko-KR" sz="1600" b="0" dirty="0">
+                <a:effectLst/>
+                <a:latin typeface="ubuntu mono derivative powerline" panose="020B0509030602030204" pitchFamily="49" charset="0"/>
+              </a:rPr>
+              <a:t>.</a:t>
+            </a:r>
+            <a:r>
+              <a:rPr lang="en-US" altLang="ko-KR" sz="1600" b="0" dirty="0">
+                <a:solidFill>
+                  <a:srgbClr val="0000FF"/>
+                </a:solidFill>
+                <a:effectLst/>
+                <a:latin typeface="ubuntu mono derivative powerline" panose="020B0509030602030204" pitchFamily="49" charset="0"/>
+              </a:rPr>
+              <a:t>CAP_PROP_FRAME_WIDTH</a:t>
+            </a:r>
+            <a:r>
+              <a:rPr lang="en-US" altLang="ko-KR" sz="1600" b="0" dirty="0">
+                <a:effectLst/>
+                <a:latin typeface="ubuntu mono derivative powerline" panose="020B0509030602030204" pitchFamily="49" charset="0"/>
+              </a:rPr>
+              <a:t>, size[0])</a:t>
+            </a:r>
+          </a:p>
+          <a:p>
+            <a:r>
+              <a:rPr lang="en-US" altLang="ko-KR" sz="1600" b="0" dirty="0" err="1">
+                <a:effectLst/>
+                <a:latin typeface="ubuntu mono derivative powerline" panose="020B0509030602030204" pitchFamily="49" charset="0"/>
+              </a:rPr>
+              <a:t>capture.</a:t>
+            </a:r>
+            <a:r>
+              <a:rPr lang="en-US" altLang="ko-KR" sz="1600" b="0" dirty="0" err="1">
+                <a:solidFill>
+                  <a:srgbClr val="0000FF"/>
+                </a:solidFill>
+                <a:effectLst/>
+                <a:latin typeface="ubuntu mono derivative powerline" panose="020B0509030602030204" pitchFamily="49" charset="0"/>
+              </a:rPr>
+              <a:t>set</a:t>
+            </a:r>
+            <a:r>
+              <a:rPr lang="en-US" altLang="ko-KR" sz="1600" b="0" dirty="0">
+                <a:effectLst/>
+                <a:latin typeface="ubuntu mono derivative powerline" panose="020B0509030602030204" pitchFamily="49" charset="0"/>
+              </a:rPr>
+              <a:t>(</a:t>
+            </a:r>
+            <a:r>
+              <a:rPr lang="en-US" altLang="ko-KR" sz="1600" b="0" dirty="0">
+                <a:solidFill>
+                  <a:srgbClr val="7030A0"/>
+                </a:solidFill>
+                <a:effectLst/>
+                <a:latin typeface="ubuntu mono derivative powerline" panose="020B0509030602030204" pitchFamily="49" charset="0"/>
+              </a:rPr>
+              <a:t>cv2</a:t>
+            </a:r>
+            <a:r>
+              <a:rPr lang="en-US" altLang="ko-KR" sz="1600" b="0" dirty="0">
+                <a:effectLst/>
+                <a:latin typeface="ubuntu mono derivative powerline" panose="020B0509030602030204" pitchFamily="49" charset="0"/>
+              </a:rPr>
+              <a:t>.</a:t>
+            </a:r>
+            <a:r>
+              <a:rPr lang="en-US" altLang="ko-KR" sz="1600" b="0" dirty="0">
+                <a:solidFill>
+                  <a:srgbClr val="0000FF"/>
+                </a:solidFill>
+                <a:effectLst/>
+                <a:latin typeface="ubuntu mono derivative powerline" panose="020B0509030602030204" pitchFamily="49" charset="0"/>
+              </a:rPr>
+              <a:t>CAP_PROP_FRAME_HEIGHT</a:t>
+            </a:r>
+            <a:r>
+              <a:rPr lang="en-US" altLang="ko-KR" sz="1600" b="0" dirty="0">
+                <a:effectLst/>
+                <a:latin typeface="ubuntu mono derivative powerline" panose="020B0509030602030204" pitchFamily="49" charset="0"/>
+              </a:rPr>
+              <a:t>, size[1])</a:t>
+            </a:r>
+          </a:p>
+          <a:p>
+            <a:br>
+              <a:rPr lang="en-US" altLang="ko-KR" sz="1600" b="0" dirty="0">
+                <a:effectLst/>
+                <a:latin typeface="ubuntu mono derivative powerline" panose="020B0509030602030204" pitchFamily="49" charset="0"/>
+              </a:rPr>
+            </a:br>
+            <a:br>
+              <a:rPr lang="en-US" altLang="ko-KR" sz="1600" b="0" dirty="0">
+                <a:effectLst/>
+                <a:latin typeface="ubuntu mono derivative powerline" panose="020B0509030602030204" pitchFamily="49" charset="0"/>
+              </a:rPr>
+            </a:br>
+            <a:r>
+              <a:rPr lang="en-US" altLang="ko-KR" sz="1600" b="0" dirty="0">
+                <a:solidFill>
+                  <a:srgbClr val="00B050"/>
+                </a:solidFill>
+                <a:effectLst/>
+                <a:latin typeface="ubuntu mono derivative powerline" panose="020B0509030602030204" pitchFamily="49" charset="0"/>
+              </a:rPr>
+              <a:t>## </a:t>
+            </a:r>
+            <a:r>
+              <a:rPr lang="ko-KR" altLang="en-US" sz="1600" b="0" dirty="0">
+                <a:solidFill>
+                  <a:srgbClr val="00B050"/>
+                </a:solidFill>
+                <a:effectLst/>
+                <a:latin typeface="ubuntu mono derivative powerline" panose="020B0509030602030204" pitchFamily="49" charset="0"/>
+              </a:rPr>
+              <a:t>동영상파일 개방 및 코덱</a:t>
+            </a:r>
+            <a:r>
+              <a:rPr lang="en-US" altLang="ko-KR" sz="1600" b="0" dirty="0">
+                <a:solidFill>
+                  <a:srgbClr val="00B050"/>
+                </a:solidFill>
+                <a:effectLst/>
+                <a:latin typeface="ubuntu mono derivative powerline" panose="020B0509030602030204" pitchFamily="49" charset="0"/>
+              </a:rPr>
+              <a:t>, </a:t>
+            </a:r>
+            <a:r>
+              <a:rPr lang="ko-KR" altLang="en-US" sz="1600" b="0" dirty="0">
+                <a:solidFill>
+                  <a:srgbClr val="00B050"/>
+                </a:solidFill>
+                <a:effectLst/>
+                <a:latin typeface="ubuntu mono derivative powerline" panose="020B0509030602030204" pitchFamily="49" charset="0"/>
+              </a:rPr>
+              <a:t>해상도 설정</a:t>
+            </a:r>
+          </a:p>
+          <a:p>
+            <a:r>
+              <a:rPr lang="en-US" altLang="ko-KR" sz="1600" b="0" dirty="0">
+                <a:effectLst/>
+                <a:latin typeface="ubuntu mono derivative powerline" panose="020B0509030602030204" pitchFamily="49" charset="0"/>
+              </a:rPr>
+              <a:t>writer = </a:t>
+            </a:r>
+            <a:r>
+              <a:rPr lang="en-US" altLang="ko-KR" sz="1600" b="0" dirty="0">
+                <a:solidFill>
+                  <a:srgbClr val="7030A0"/>
+                </a:solidFill>
+                <a:effectLst/>
+                <a:latin typeface="ubuntu mono derivative powerline" panose="020B0509030602030204" pitchFamily="49" charset="0"/>
+              </a:rPr>
+              <a:t>cv2</a:t>
+            </a:r>
+            <a:r>
+              <a:rPr lang="en-US" altLang="ko-KR" sz="1600" b="0" dirty="0">
+                <a:effectLst/>
+                <a:latin typeface="ubuntu mono derivative powerline" panose="020B0509030602030204" pitchFamily="49" charset="0"/>
+              </a:rPr>
+              <a:t>.</a:t>
+            </a:r>
+            <a:r>
+              <a:rPr lang="en-US" altLang="ko-KR" sz="1600" b="0" dirty="0">
+                <a:solidFill>
+                  <a:srgbClr val="0000FF"/>
+                </a:solidFill>
+                <a:effectLst/>
+                <a:latin typeface="ubuntu mono derivative powerline" panose="020B0509030602030204" pitchFamily="49" charset="0"/>
+              </a:rPr>
+              <a:t>VideoWriter</a:t>
+            </a:r>
+            <a:r>
+              <a:rPr lang="en-US" altLang="ko-KR" sz="1600" b="0" dirty="0">
+                <a:effectLst/>
+                <a:latin typeface="ubuntu mono derivative powerline" panose="020B0509030602030204" pitchFamily="49" charset="0"/>
+              </a:rPr>
+              <a:t>('D:/</a:t>
+            </a:r>
+            <a:r>
+              <a:rPr lang="en-US" altLang="ko-KR" sz="1600" b="0" dirty="0" err="1">
+                <a:effectLst/>
+                <a:latin typeface="ubuntu mono derivative powerline" panose="020B0509030602030204" pitchFamily="49" charset="0"/>
+              </a:rPr>
+              <a:t>github</a:t>
+            </a:r>
+            <a:r>
+              <a:rPr lang="en-US" altLang="ko-KR" sz="1600" b="0" dirty="0">
+                <a:effectLst/>
+                <a:latin typeface="ubuntu mono derivative powerline" panose="020B0509030602030204" pitchFamily="49" charset="0"/>
+              </a:rPr>
+              <a:t>/OpenCV-Python/2022-10-04/</a:t>
+            </a:r>
+            <a:r>
+              <a:rPr lang="en-US" altLang="ko-KR" sz="1600" b="0" dirty="0" err="1">
+                <a:effectLst/>
+                <a:latin typeface="ubuntu mono derivative powerline" panose="020B0509030602030204" pitchFamily="49" charset="0"/>
+              </a:rPr>
+              <a:t>save_videos</a:t>
+            </a:r>
+            <a:r>
+              <a:rPr lang="en-US" altLang="ko-KR" sz="1600" b="0" dirty="0">
+                <a:effectLst/>
+                <a:latin typeface="ubuntu mono derivative powerline" panose="020B0509030602030204" pitchFamily="49" charset="0"/>
+              </a:rPr>
+              <a:t>/test_video1.avi', </a:t>
+            </a:r>
+            <a:r>
+              <a:rPr lang="en-US" altLang="ko-KR" sz="1600" b="0" dirty="0" err="1">
+                <a:effectLst/>
+                <a:latin typeface="ubuntu mono derivative powerline" panose="020B0509030602030204" pitchFamily="49" charset="0"/>
+              </a:rPr>
+              <a:t>fourcc</a:t>
+            </a:r>
+            <a:r>
+              <a:rPr lang="en-US" altLang="ko-KR" sz="1600" b="0" dirty="0">
+                <a:effectLst/>
+                <a:latin typeface="ubuntu mono derivative powerline" panose="020B0509030602030204" pitchFamily="49" charset="0"/>
+              </a:rPr>
+              <a:t>, fps, size)</a:t>
+            </a:r>
+          </a:p>
+        </p:txBody>
+      </p:sp>
+    </p:spTree>
+    <p:extLst>
+      <p:ext uri="{BB962C8B-B14F-4D97-AF65-F5344CB8AC3E}">
+        <p14:creationId xmlns:p14="http://schemas.microsoft.com/office/powerpoint/2010/main" val="4011230078"/>
+      </p:ext>
+    </p:extLst>
+  </p:cSld>
+  <p:clrMapOvr>
+    <a:masterClrMapping/>
+  </p:clrMapOvr>
+</p:sld>
+</file>
+
+<file path=ppt/slides/slide34.xml><?xml version="1.0" encoding="utf-8"?>
+<p:sld xmlns:a="http://schemas.openxmlformats.org/drawingml/2006/main" xmlns:r="http://schemas.openxmlformats.org/officeDocument/2006/relationships" xmlns:p="http://schemas.openxmlformats.org/presentationml/2006/main">
+  <p:cSld>
+    <p:spTree>
+      <p:nvGrpSpPr>
+        <p:cNvPr id="1" name=""/>
+        <p:cNvGrpSpPr/>
+        <p:nvPr/>
+      </p:nvGrpSpPr>
+      <p:grpSpPr>
+        <a:xfrm>
+          <a:off x="0" y="0"/>
+          <a:ext cx="0" cy="0"/>
+          <a:chOff x="0" y="0"/>
+          <a:chExt cx="0" cy="0"/>
+        </a:xfrm>
+      </p:grpSpPr>
+      <p:sp>
+        <p:nvSpPr>
+          <p:cNvPr id="2" name="제목 1"/>
+          <p:cNvSpPr>
+            <a:spLocks noGrp="1"/>
+          </p:cNvSpPr>
+          <p:nvPr>
+            <p:ph type="title"/>
+          </p:nvPr>
+        </p:nvSpPr>
+        <p:spPr/>
+        <p:txBody>
+          <a:bodyPr/>
+          <a:lstStyle/>
+          <a:p>
+            <a:r>
+              <a:rPr lang="en-US" altLang="ko-KR" dirty="0"/>
+              <a:t>4. </a:t>
+            </a:r>
+            <a:r>
+              <a:rPr lang="ko-KR" altLang="en-US" dirty="0"/>
+              <a:t>인터페이스 기초</a:t>
+            </a:r>
+          </a:p>
+        </p:txBody>
+      </p:sp>
+      <p:sp>
+        <p:nvSpPr>
+          <p:cNvPr id="3" name="내용 개체 틀 2"/>
+          <p:cNvSpPr>
+            <a:spLocks noGrp="1"/>
+          </p:cNvSpPr>
+          <p:nvPr>
+            <p:ph idx="1"/>
+          </p:nvPr>
+        </p:nvSpPr>
+        <p:spPr/>
+        <p:txBody>
+          <a:bodyPr>
+            <a:normAutofit/>
+          </a:bodyPr>
+          <a:lstStyle/>
+          <a:p>
+            <a:r>
+              <a:rPr lang="en-US" altLang="ko-KR" dirty="0"/>
+              <a:t>4.5 </a:t>
+            </a:r>
+            <a:r>
+              <a:rPr lang="ko-KR" altLang="en-US" dirty="0"/>
+              <a:t>비디오 처리</a:t>
+            </a:r>
+            <a:endParaRPr lang="en-US" altLang="ko-KR" dirty="0"/>
+          </a:p>
+          <a:p>
+            <a:pPr lvl="1"/>
+            <a:r>
+              <a:rPr lang="en-US" altLang="ko-KR" dirty="0"/>
+              <a:t>4.5.2 </a:t>
+            </a:r>
+            <a:r>
+              <a:rPr lang="ko-KR" altLang="en-US" dirty="0"/>
+              <a:t>카메라 프레임을 동영상 파일로 저장</a:t>
+            </a:r>
+            <a:endParaRPr lang="en-US" altLang="ko-KR" dirty="0"/>
+          </a:p>
+        </p:txBody>
+      </p:sp>
+      <p:sp>
+        <p:nvSpPr>
+          <p:cNvPr id="4" name="직사각형 3">
+            <a:extLst>
+              <a:ext uri="{FF2B5EF4-FFF2-40B4-BE49-F238E27FC236}">
+                <a16:creationId xmlns:a16="http://schemas.microsoft.com/office/drawing/2014/main" id="{64FCAE03-D95D-374F-6DE9-F428C178B308}"/>
+              </a:ext>
+            </a:extLst>
+          </p:cNvPr>
+          <p:cNvSpPr/>
+          <p:nvPr/>
+        </p:nvSpPr>
+        <p:spPr>
+          <a:xfrm>
+            <a:off x="827584" y="2065412"/>
+            <a:ext cx="7992888" cy="3046988"/>
+          </a:xfrm>
+          <a:prstGeom prst="rect">
+            <a:avLst/>
+          </a:prstGeom>
+        </p:spPr>
+        <p:txBody>
+          <a:bodyPr wrap="square">
+            <a:spAutoFit/>
+          </a:bodyPr>
+          <a:lstStyle/>
+          <a:p>
+            <a:r>
+              <a:rPr lang="en-US" altLang="ko-KR" sz="1600" b="0" dirty="0">
+                <a:effectLst/>
+                <a:latin typeface="ubuntu mono derivative powerline" panose="020B0509030602030204" pitchFamily="49" charset="0"/>
+              </a:rPr>
+              <a:t>while True:</a:t>
+            </a:r>
+          </a:p>
+          <a:p>
+            <a:r>
+              <a:rPr lang="en-US" altLang="ko-KR" sz="1600" b="0" dirty="0">
+                <a:effectLst/>
+                <a:latin typeface="ubuntu mono derivative powerline" panose="020B0509030602030204" pitchFamily="49" charset="0"/>
+              </a:rPr>
+              <a:t>    ret, frame = </a:t>
+            </a:r>
+            <a:r>
+              <a:rPr lang="en-US" altLang="ko-KR" sz="1600" b="0" dirty="0" err="1">
+                <a:effectLst/>
+                <a:latin typeface="ubuntu mono derivative powerline" panose="020B0509030602030204" pitchFamily="49" charset="0"/>
+              </a:rPr>
+              <a:t>capture.</a:t>
+            </a:r>
+            <a:r>
+              <a:rPr lang="en-US" altLang="ko-KR" sz="1600" b="0" dirty="0" err="1">
+                <a:solidFill>
+                  <a:srgbClr val="0000FF"/>
+                </a:solidFill>
+                <a:effectLst/>
+                <a:latin typeface="ubuntu mono derivative powerline" panose="020B0509030602030204" pitchFamily="49" charset="0"/>
+              </a:rPr>
+              <a:t>read</a:t>
+            </a:r>
+            <a:r>
+              <a:rPr lang="en-US" altLang="ko-KR" sz="1600" b="0" dirty="0">
+                <a:effectLst/>
+                <a:latin typeface="ubuntu mono derivative powerline" panose="020B0509030602030204" pitchFamily="49" charset="0"/>
+              </a:rPr>
+              <a:t>()</a:t>
+            </a:r>
+          </a:p>
+          <a:p>
+            <a:r>
+              <a:rPr lang="en-US" altLang="ko-KR" sz="1600" b="0" dirty="0">
+                <a:effectLst/>
+                <a:latin typeface="ubuntu mono derivative powerline" panose="020B0509030602030204" pitchFamily="49" charset="0"/>
+              </a:rPr>
+              <a:t>    if </a:t>
+            </a:r>
+            <a:r>
+              <a:rPr lang="en-US" altLang="ko-KR" sz="1600" b="0" dirty="0">
+                <a:solidFill>
+                  <a:srgbClr val="7030A0"/>
+                </a:solidFill>
+                <a:effectLst/>
+                <a:latin typeface="ubuntu mono derivative powerline" panose="020B0509030602030204" pitchFamily="49" charset="0"/>
+              </a:rPr>
+              <a:t>cv2</a:t>
+            </a:r>
+            <a:r>
+              <a:rPr lang="en-US" altLang="ko-KR" sz="1600" b="0" dirty="0">
+                <a:effectLst/>
+                <a:latin typeface="ubuntu mono derivative powerline" panose="020B0509030602030204" pitchFamily="49" charset="0"/>
+              </a:rPr>
+              <a:t>.</a:t>
+            </a:r>
+            <a:r>
+              <a:rPr lang="en-US" altLang="ko-KR" sz="1600" b="0" dirty="0">
+                <a:solidFill>
+                  <a:srgbClr val="0000FF"/>
+                </a:solidFill>
+                <a:effectLst/>
+                <a:latin typeface="ubuntu mono derivative powerline" panose="020B0509030602030204" pitchFamily="49" charset="0"/>
+              </a:rPr>
+              <a:t>waitKey</a:t>
+            </a:r>
+            <a:r>
+              <a:rPr lang="en-US" altLang="ko-KR" sz="1600" b="0" dirty="0">
+                <a:effectLst/>
+                <a:latin typeface="ubuntu mono derivative powerline" panose="020B0509030602030204" pitchFamily="49" charset="0"/>
+              </a:rPr>
+              <a:t>(30) &gt;= 0:</a:t>
+            </a:r>
+          </a:p>
+          <a:p>
+            <a:r>
+              <a:rPr lang="en-US" altLang="ko-KR" sz="1600" b="0" dirty="0">
+                <a:effectLst/>
+                <a:latin typeface="ubuntu mono derivative powerline" panose="020B0509030602030204" pitchFamily="49" charset="0"/>
+              </a:rPr>
+              <a:t>        </a:t>
+            </a:r>
+            <a:r>
+              <a:rPr lang="en-US" altLang="ko-KR" sz="1600" b="0" dirty="0">
+                <a:solidFill>
+                  <a:srgbClr val="0000FF"/>
+                </a:solidFill>
+                <a:effectLst/>
+                <a:latin typeface="ubuntu mono derivative powerline" panose="020B0509030602030204" pitchFamily="49" charset="0"/>
+              </a:rPr>
+              <a:t>break</a:t>
+            </a:r>
+            <a:r>
+              <a:rPr lang="en-US" altLang="ko-KR" sz="1600" b="0" dirty="0">
+                <a:effectLst/>
+                <a:latin typeface="ubuntu mono derivative powerline" panose="020B0509030602030204" pitchFamily="49" charset="0"/>
+              </a:rPr>
+              <a:t> </a:t>
+            </a:r>
+            <a:r>
+              <a:rPr lang="en-US" altLang="ko-KR" sz="1600" b="0" dirty="0">
+                <a:solidFill>
+                  <a:srgbClr val="00B050"/>
+                </a:solidFill>
+                <a:effectLst/>
+                <a:latin typeface="ubuntu mono derivative powerline" panose="020B0509030602030204" pitchFamily="49" charset="0"/>
+              </a:rPr>
+              <a:t># </a:t>
+            </a:r>
+            <a:r>
+              <a:rPr lang="ko-KR" altLang="en-US" sz="1600" b="0" dirty="0">
+                <a:solidFill>
+                  <a:srgbClr val="00B050"/>
+                </a:solidFill>
+                <a:effectLst/>
+                <a:latin typeface="ubuntu mono derivative powerline" panose="020B0509030602030204" pitchFamily="49" charset="0"/>
+              </a:rPr>
+              <a:t>스페이스바로 종료</a:t>
+            </a:r>
+          </a:p>
+          <a:p>
+            <a:br>
+              <a:rPr lang="ko-KR" altLang="en-US" sz="1600" b="0" dirty="0">
+                <a:effectLst/>
+                <a:latin typeface="ubuntu mono derivative powerline" panose="020B0509030602030204" pitchFamily="49" charset="0"/>
+              </a:rPr>
+            </a:br>
+            <a:r>
+              <a:rPr lang="ko-KR" altLang="en-US" sz="1600" b="0" dirty="0">
+                <a:effectLst/>
+                <a:latin typeface="ubuntu mono derivative powerline" panose="020B0509030602030204" pitchFamily="49" charset="0"/>
+              </a:rPr>
+              <a:t>    </a:t>
+            </a:r>
+            <a:r>
+              <a:rPr lang="en-US" altLang="ko-KR" sz="1600" b="0" dirty="0" err="1">
+                <a:effectLst/>
+                <a:latin typeface="ubuntu mono derivative powerline" panose="020B0509030602030204" pitchFamily="49" charset="0"/>
+              </a:rPr>
+              <a:t>writer.</a:t>
+            </a:r>
+            <a:r>
+              <a:rPr lang="en-US" altLang="ko-KR" sz="1600" b="0" dirty="0" err="1">
+                <a:solidFill>
+                  <a:srgbClr val="0000FF"/>
+                </a:solidFill>
+                <a:effectLst/>
+                <a:latin typeface="ubuntu mono derivative powerline" panose="020B0509030602030204" pitchFamily="49" charset="0"/>
+              </a:rPr>
+              <a:t>write</a:t>
+            </a:r>
+            <a:r>
+              <a:rPr lang="en-US" altLang="ko-KR" sz="1600" b="0" dirty="0">
+                <a:effectLst/>
+                <a:latin typeface="ubuntu mono derivative powerline" panose="020B0509030602030204" pitchFamily="49" charset="0"/>
+              </a:rPr>
+              <a:t>(frame)</a:t>
+            </a:r>
+          </a:p>
+          <a:p>
+            <a:r>
+              <a:rPr lang="en-US" altLang="ko-KR" sz="1600" b="0" dirty="0">
+                <a:effectLst/>
+                <a:latin typeface="ubuntu mono derivative powerline" panose="020B0509030602030204" pitchFamily="49" charset="0"/>
+              </a:rPr>
+              <a:t>    </a:t>
+            </a:r>
+          </a:p>
+          <a:p>
+            <a:r>
+              <a:rPr lang="en-US" altLang="ko-KR" sz="1600" b="0" dirty="0">
+                <a:effectLst/>
+                <a:latin typeface="ubuntu mono derivative powerline" panose="020B0509030602030204" pitchFamily="49" charset="0"/>
+              </a:rPr>
+              <a:t>    title = 'Camera'</a:t>
+            </a:r>
+          </a:p>
+          <a:p>
+            <a:r>
+              <a:rPr lang="en-US" altLang="ko-KR" sz="1600" b="0" dirty="0">
+                <a:effectLst/>
+                <a:latin typeface="ubuntu mono derivative powerline" panose="020B0509030602030204" pitchFamily="49" charset="0"/>
+              </a:rPr>
+              <a:t>    </a:t>
+            </a:r>
+            <a:r>
+              <a:rPr lang="en-US" altLang="ko-KR" sz="1600" b="0" dirty="0">
+                <a:solidFill>
+                  <a:srgbClr val="7030A0"/>
+                </a:solidFill>
+                <a:effectLst/>
+                <a:latin typeface="ubuntu mono derivative powerline" panose="020B0509030602030204" pitchFamily="49" charset="0"/>
+              </a:rPr>
+              <a:t>cv2</a:t>
+            </a:r>
+            <a:r>
+              <a:rPr lang="en-US" altLang="ko-KR" sz="1600" b="0" dirty="0">
+                <a:effectLst/>
+                <a:latin typeface="ubuntu mono derivative powerline" panose="020B0509030602030204" pitchFamily="49" charset="0"/>
+              </a:rPr>
+              <a:t>.</a:t>
+            </a:r>
+            <a:r>
+              <a:rPr lang="en-US" altLang="ko-KR" sz="1600" b="0" dirty="0">
+                <a:solidFill>
+                  <a:srgbClr val="0000FF"/>
+                </a:solidFill>
+                <a:effectLst/>
+                <a:latin typeface="ubuntu mono derivative powerline" panose="020B0509030602030204" pitchFamily="49" charset="0"/>
+              </a:rPr>
+              <a:t>imshow</a:t>
+            </a:r>
+            <a:r>
+              <a:rPr lang="en-US" altLang="ko-KR" sz="1600" b="0" dirty="0">
+                <a:effectLst/>
+                <a:latin typeface="ubuntu mono derivative powerline" panose="020B0509030602030204" pitchFamily="49" charset="0"/>
+              </a:rPr>
+              <a:t>(title, frame)</a:t>
+            </a:r>
+          </a:p>
+          <a:p>
+            <a:br>
+              <a:rPr lang="en-US" altLang="ko-KR" sz="1600" b="0" dirty="0">
+                <a:effectLst/>
+                <a:latin typeface="ubuntu mono derivative powerline" panose="020B0509030602030204" pitchFamily="49" charset="0"/>
+              </a:rPr>
+            </a:br>
+            <a:r>
+              <a:rPr lang="en-US" altLang="ko-KR" sz="1600" b="0" dirty="0" err="1">
+                <a:effectLst/>
+                <a:latin typeface="ubuntu mono derivative powerline" panose="020B0509030602030204" pitchFamily="49" charset="0"/>
+              </a:rPr>
+              <a:t>writer.</a:t>
+            </a:r>
+            <a:r>
+              <a:rPr lang="en-US" altLang="ko-KR" sz="1600" b="0" dirty="0" err="1">
+                <a:solidFill>
+                  <a:srgbClr val="0000FF"/>
+                </a:solidFill>
+                <a:effectLst/>
+                <a:latin typeface="ubuntu mono derivative powerline" panose="020B0509030602030204" pitchFamily="49" charset="0"/>
+              </a:rPr>
+              <a:t>release</a:t>
+            </a:r>
+            <a:r>
+              <a:rPr lang="en-US" altLang="ko-KR" sz="1600" b="0" dirty="0">
+                <a:effectLst/>
+                <a:latin typeface="ubuntu mono derivative powerline" panose="020B0509030602030204" pitchFamily="49" charset="0"/>
+              </a:rPr>
+              <a:t>()	</a:t>
+            </a:r>
+            <a:r>
+              <a:rPr lang="en-US" altLang="ko-KR" sz="1600" b="0" dirty="0">
+                <a:solidFill>
+                  <a:srgbClr val="00B050"/>
+                </a:solidFill>
+                <a:effectLst/>
+                <a:latin typeface="ubuntu mono derivative powerline" panose="020B0509030602030204" pitchFamily="49" charset="0"/>
+              </a:rPr>
+              <a:t># </a:t>
+            </a:r>
+            <a:r>
+              <a:rPr lang="ko-KR" altLang="en-US" sz="1600" b="0" dirty="0">
+                <a:solidFill>
+                  <a:srgbClr val="00B050"/>
+                </a:solidFill>
+                <a:effectLst/>
+                <a:latin typeface="ubuntu mono derivative powerline" panose="020B0509030602030204" pitchFamily="49" charset="0"/>
+              </a:rPr>
+              <a:t>쓰기 종료</a:t>
+            </a:r>
+            <a:endParaRPr lang="en-US" altLang="ko-KR" sz="1600" b="0" dirty="0">
+              <a:solidFill>
+                <a:srgbClr val="00B050"/>
+              </a:solidFill>
+              <a:effectLst/>
+              <a:latin typeface="ubuntu mono derivative powerline" panose="020B0509030602030204" pitchFamily="49" charset="0"/>
+            </a:endParaRPr>
+          </a:p>
+          <a:p>
+            <a:r>
+              <a:rPr lang="en-US" altLang="ko-KR" sz="1600" b="0" dirty="0" err="1">
+                <a:effectLst/>
+                <a:latin typeface="ubuntu mono derivative powerline" panose="020B0509030602030204" pitchFamily="49" charset="0"/>
+              </a:rPr>
+              <a:t>capture.</a:t>
+            </a:r>
+            <a:r>
+              <a:rPr lang="en-US" altLang="ko-KR" sz="1600" b="0" dirty="0" err="1">
+                <a:solidFill>
+                  <a:srgbClr val="0000FF"/>
+                </a:solidFill>
+                <a:effectLst/>
+                <a:latin typeface="ubuntu mono derivative powerline" panose="020B0509030602030204" pitchFamily="49" charset="0"/>
+              </a:rPr>
+              <a:t>release</a:t>
+            </a:r>
+            <a:r>
+              <a:rPr lang="en-US" altLang="ko-KR" sz="1600" b="0" dirty="0">
+                <a:effectLst/>
+                <a:latin typeface="ubuntu mono derivative powerline" panose="020B0509030602030204" pitchFamily="49" charset="0"/>
+              </a:rPr>
+              <a:t>() </a:t>
+            </a:r>
+            <a:r>
+              <a:rPr lang="en-US" altLang="ko-KR" sz="1600" b="0" dirty="0">
+                <a:solidFill>
+                  <a:srgbClr val="00B050"/>
+                </a:solidFill>
+                <a:effectLst/>
+                <a:latin typeface="ubuntu mono derivative powerline" panose="020B0509030602030204" pitchFamily="49" charset="0"/>
+              </a:rPr>
+              <a:t># </a:t>
+            </a:r>
+            <a:r>
+              <a:rPr lang="ko-KR" altLang="en-US" sz="1600" b="0" dirty="0">
+                <a:solidFill>
+                  <a:srgbClr val="00B050"/>
+                </a:solidFill>
+                <a:effectLst/>
+                <a:latin typeface="ubuntu mono derivative powerline" panose="020B0509030602030204" pitchFamily="49" charset="0"/>
+              </a:rPr>
+              <a:t>카메라 종료</a:t>
+            </a:r>
+            <a:endParaRPr lang="en-US" altLang="ko-KR" sz="1600" b="0" dirty="0">
+              <a:solidFill>
+                <a:srgbClr val="00B050"/>
+              </a:solidFill>
+              <a:effectLst/>
+              <a:latin typeface="ubuntu mono derivative powerline" panose="020B0509030602030204" pitchFamily="49" charset="0"/>
+            </a:endParaRPr>
+          </a:p>
+        </p:txBody>
+      </p:sp>
+      <p:pic>
+        <p:nvPicPr>
+          <p:cNvPr id="6" name="그림 5">
+            <a:extLst>
+              <a:ext uri="{FF2B5EF4-FFF2-40B4-BE49-F238E27FC236}">
+                <a16:creationId xmlns:a16="http://schemas.microsoft.com/office/drawing/2014/main" id="{9279C79E-DAF2-2789-2CBF-495F0B2A5A22}"/>
+              </a:ext>
+            </a:extLst>
+          </p:cNvPr>
+          <p:cNvPicPr>
+            <a:picLocks noChangeAspect="1"/>
+          </p:cNvPicPr>
+          <p:nvPr/>
+        </p:nvPicPr>
+        <p:blipFill>
+          <a:blip r:embed="rId2"/>
+          <a:stretch>
+            <a:fillRect/>
+          </a:stretch>
+        </p:blipFill>
+        <p:spPr>
+          <a:xfrm>
+            <a:off x="4716016" y="2425452"/>
+            <a:ext cx="4020844" cy="2592288"/>
+          </a:xfrm>
+          <a:prstGeom prst="rect">
+            <a:avLst/>
+          </a:prstGeom>
+        </p:spPr>
+      </p:pic>
+    </p:spTree>
+    <p:extLst>
+      <p:ext uri="{BB962C8B-B14F-4D97-AF65-F5344CB8AC3E}">
+        <p14:creationId xmlns:p14="http://schemas.microsoft.com/office/powerpoint/2010/main" val="1323630509"/>
+      </p:ext>
+    </p:extLst>
+  </p:cSld>
+  <p:clrMapOvr>
+    <a:masterClrMapping/>
+  </p:clrMapOvr>
+</p:sld>
+</file>
+
+<file path=ppt/slides/slide35.xml><?xml version="1.0" encoding="utf-8"?>
+<p:sld xmlns:a="http://schemas.openxmlformats.org/drawingml/2006/main" xmlns:r="http://schemas.openxmlformats.org/officeDocument/2006/relationships" xmlns:p="http://schemas.openxmlformats.org/presentationml/2006/main">
+  <p:cSld>
+    <p:spTree>
+      <p:nvGrpSpPr>
+        <p:cNvPr id="1" name=""/>
+        <p:cNvGrpSpPr/>
+        <p:nvPr/>
+      </p:nvGrpSpPr>
+      <p:grpSpPr>
+        <a:xfrm>
+          <a:off x="0" y="0"/>
+          <a:ext cx="0" cy="0"/>
+          <a:chOff x="0" y="0"/>
+          <a:chExt cx="0" cy="0"/>
+        </a:xfrm>
+      </p:grpSpPr>
+      <p:sp>
+        <p:nvSpPr>
+          <p:cNvPr id="2" name="제목 1"/>
+          <p:cNvSpPr>
+            <a:spLocks noGrp="1"/>
+          </p:cNvSpPr>
+          <p:nvPr>
+            <p:ph type="title"/>
+          </p:nvPr>
+        </p:nvSpPr>
+        <p:spPr/>
+        <p:txBody>
+          <a:bodyPr/>
+          <a:lstStyle/>
+          <a:p>
+            <a:r>
+              <a:rPr lang="en-US" altLang="ko-KR" dirty="0"/>
+              <a:t>4. </a:t>
+            </a:r>
+            <a:r>
+              <a:rPr lang="ko-KR" altLang="en-US" dirty="0"/>
+              <a:t>인터페이스 기초</a:t>
+            </a:r>
+          </a:p>
+        </p:txBody>
+      </p:sp>
+      <p:sp>
+        <p:nvSpPr>
+          <p:cNvPr id="3" name="내용 개체 틀 2"/>
+          <p:cNvSpPr>
+            <a:spLocks noGrp="1"/>
+          </p:cNvSpPr>
+          <p:nvPr>
+            <p:ph idx="1"/>
+          </p:nvPr>
+        </p:nvSpPr>
+        <p:spPr/>
+        <p:txBody>
+          <a:bodyPr>
+            <a:normAutofit/>
+          </a:bodyPr>
+          <a:lstStyle/>
+          <a:p>
+            <a:r>
+              <a:rPr lang="en-US" altLang="ko-KR" dirty="0"/>
+              <a:t>4.5 </a:t>
+            </a:r>
+            <a:r>
+              <a:rPr lang="ko-KR" altLang="en-US" dirty="0"/>
+              <a:t>비디오 처리</a:t>
+            </a:r>
+            <a:endParaRPr lang="en-US" altLang="ko-KR" dirty="0"/>
+          </a:p>
+          <a:p>
+            <a:pPr lvl="1"/>
+            <a:r>
+              <a:rPr lang="en-US" altLang="ko-KR" dirty="0"/>
+              <a:t>4.5.3 </a:t>
+            </a:r>
+            <a:r>
+              <a:rPr lang="ko-KR" altLang="en-US" dirty="0"/>
+              <a:t>동영상 파일 읽기</a:t>
+            </a:r>
+            <a:endParaRPr lang="en-US" altLang="ko-KR" dirty="0"/>
+          </a:p>
+        </p:txBody>
+      </p:sp>
+      <p:sp>
+        <p:nvSpPr>
+          <p:cNvPr id="4" name="직사각형 3">
+            <a:extLst>
+              <a:ext uri="{FF2B5EF4-FFF2-40B4-BE49-F238E27FC236}">
+                <a16:creationId xmlns:a16="http://schemas.microsoft.com/office/drawing/2014/main" id="{64FCAE03-D95D-374F-6DE9-F428C178B308}"/>
+              </a:ext>
+            </a:extLst>
+          </p:cNvPr>
+          <p:cNvSpPr/>
+          <p:nvPr/>
+        </p:nvSpPr>
+        <p:spPr>
+          <a:xfrm>
+            <a:off x="827584" y="2065412"/>
+            <a:ext cx="7992888" cy="2554545"/>
+          </a:xfrm>
+          <a:prstGeom prst="rect">
+            <a:avLst/>
+          </a:prstGeom>
+        </p:spPr>
+        <p:txBody>
+          <a:bodyPr wrap="square">
+            <a:spAutoFit/>
+          </a:bodyPr>
+          <a:lstStyle/>
+          <a:p>
+            <a:r>
+              <a:rPr lang="en-US" altLang="ko-KR" sz="1600" b="0" dirty="0">
+                <a:solidFill>
+                  <a:srgbClr val="CC9B00"/>
+                </a:solidFill>
+                <a:effectLst/>
+                <a:latin typeface="ubuntu mono derivative powerline" panose="020B0509030602030204" pitchFamily="49" charset="0"/>
+              </a:rPr>
+              <a:t>import</a:t>
+            </a:r>
+            <a:r>
+              <a:rPr lang="en-US" altLang="ko-KR" sz="1600" b="0" dirty="0">
+                <a:effectLst/>
+                <a:latin typeface="ubuntu mono derivative powerline" panose="020B0509030602030204" pitchFamily="49" charset="0"/>
+              </a:rPr>
+              <a:t> </a:t>
+            </a:r>
+            <a:r>
+              <a:rPr lang="en-US" altLang="ko-KR" sz="1600" b="0" dirty="0">
+                <a:solidFill>
+                  <a:srgbClr val="7030A0"/>
+                </a:solidFill>
+                <a:effectLst/>
+                <a:latin typeface="ubuntu mono derivative powerline" panose="020B0509030602030204" pitchFamily="49" charset="0"/>
+              </a:rPr>
+              <a:t>cv2</a:t>
+            </a:r>
+          </a:p>
+          <a:p>
+            <a:br>
+              <a:rPr lang="en-US" altLang="ko-KR" sz="1600" b="0" dirty="0">
+                <a:effectLst/>
+                <a:latin typeface="ubuntu mono derivative powerline" panose="020B0509030602030204" pitchFamily="49" charset="0"/>
+              </a:rPr>
+            </a:br>
+            <a:r>
+              <a:rPr lang="en-US" altLang="ko-KR" sz="1600" b="0" dirty="0">
+                <a:effectLst/>
+                <a:latin typeface="ubuntu mono derivative powerline" panose="020B0509030602030204" pitchFamily="49" charset="0"/>
+              </a:rPr>
+              <a:t>capture = </a:t>
+            </a:r>
+            <a:r>
+              <a:rPr lang="en-US" altLang="ko-KR" sz="1600" b="0" dirty="0">
+                <a:solidFill>
+                  <a:srgbClr val="7030A0"/>
+                </a:solidFill>
+                <a:effectLst/>
+                <a:latin typeface="ubuntu mono derivative powerline" panose="020B0509030602030204" pitchFamily="49" charset="0"/>
+              </a:rPr>
+              <a:t>cv2</a:t>
+            </a:r>
+            <a:r>
+              <a:rPr lang="en-US" altLang="ko-KR" sz="1600" b="0" dirty="0">
+                <a:effectLst/>
+                <a:latin typeface="ubuntu mono derivative powerline" panose="020B0509030602030204" pitchFamily="49" charset="0"/>
+              </a:rPr>
+              <a:t>.</a:t>
+            </a:r>
+            <a:r>
+              <a:rPr lang="en-US" altLang="ko-KR" sz="1600" b="0" dirty="0">
+                <a:solidFill>
+                  <a:srgbClr val="0000FF"/>
+                </a:solidFill>
+                <a:effectLst/>
+                <a:latin typeface="ubuntu mono derivative powerline" panose="020B0509030602030204" pitchFamily="49" charset="0"/>
+              </a:rPr>
+              <a:t>VideoCapture</a:t>
+            </a:r>
+            <a:r>
+              <a:rPr lang="en-US" altLang="ko-KR" sz="1600" b="0" dirty="0">
+                <a:effectLst/>
+                <a:latin typeface="ubuntu mono derivative powerline" panose="020B0509030602030204" pitchFamily="49" charset="0"/>
+              </a:rPr>
+              <a:t>('D:/</a:t>
+            </a:r>
+            <a:r>
+              <a:rPr lang="en-US" altLang="ko-KR" sz="1600" b="0" dirty="0" err="1">
+                <a:effectLst/>
+                <a:latin typeface="ubuntu mono derivative powerline" panose="020B0509030602030204" pitchFamily="49" charset="0"/>
+              </a:rPr>
+              <a:t>github</a:t>
+            </a:r>
+            <a:r>
+              <a:rPr lang="en-US" altLang="ko-KR" sz="1600" b="0" dirty="0">
+                <a:effectLst/>
+                <a:latin typeface="ubuntu mono derivative powerline" panose="020B0509030602030204" pitchFamily="49" charset="0"/>
+              </a:rPr>
+              <a:t>/OpenCV-Python/2022-10-04/</a:t>
+            </a:r>
+            <a:r>
+              <a:rPr lang="en-US" altLang="ko-KR" sz="1600" b="0" dirty="0" err="1">
+                <a:effectLst/>
+                <a:latin typeface="ubuntu mono derivative powerline" panose="020B0509030602030204" pitchFamily="49" charset="0"/>
+              </a:rPr>
+              <a:t>save_videos</a:t>
+            </a:r>
+            <a:r>
+              <a:rPr lang="en-US" altLang="ko-KR" sz="1600" b="0" dirty="0">
+                <a:effectLst/>
+                <a:latin typeface="ubuntu mono derivative powerline" panose="020B0509030602030204" pitchFamily="49" charset="0"/>
+              </a:rPr>
+              <a:t>/test_video1.avi')</a:t>
+            </a:r>
+          </a:p>
+          <a:p>
+            <a:br>
+              <a:rPr lang="en-US" altLang="ko-KR" sz="1600" b="0" dirty="0">
+                <a:effectLst/>
+                <a:latin typeface="ubuntu mono derivative powerline" panose="020B0509030602030204" pitchFamily="49" charset="0"/>
+              </a:rPr>
+            </a:br>
+            <a:r>
+              <a:rPr lang="en-US" altLang="ko-KR" sz="1600" b="0" dirty="0">
+                <a:effectLst/>
+                <a:latin typeface="ubuntu mono derivative powerline" panose="020B0509030602030204" pitchFamily="49" charset="0"/>
+              </a:rPr>
+              <a:t>fps = </a:t>
+            </a:r>
+            <a:r>
+              <a:rPr lang="en-US" altLang="ko-KR" sz="1600" b="0" dirty="0" err="1">
+                <a:effectLst/>
+                <a:latin typeface="ubuntu mono derivative powerline" panose="020B0509030602030204" pitchFamily="49" charset="0"/>
+              </a:rPr>
+              <a:t>capture.</a:t>
+            </a:r>
+            <a:r>
+              <a:rPr lang="en-US" altLang="ko-KR" sz="1600" b="0" dirty="0" err="1">
+                <a:solidFill>
+                  <a:srgbClr val="0000FF"/>
+                </a:solidFill>
+                <a:effectLst/>
+                <a:latin typeface="ubuntu mono derivative powerline" panose="020B0509030602030204" pitchFamily="49" charset="0"/>
+              </a:rPr>
+              <a:t>get</a:t>
+            </a:r>
+            <a:r>
+              <a:rPr lang="en-US" altLang="ko-KR" sz="1600" b="0" dirty="0">
+                <a:effectLst/>
+                <a:latin typeface="ubuntu mono derivative powerline" panose="020B0509030602030204" pitchFamily="49" charset="0"/>
+              </a:rPr>
+              <a:t>(</a:t>
+            </a:r>
+            <a:r>
+              <a:rPr lang="en-US" altLang="ko-KR" sz="1600" b="0" dirty="0">
+                <a:solidFill>
+                  <a:srgbClr val="7030A0"/>
+                </a:solidFill>
+                <a:effectLst/>
+                <a:latin typeface="ubuntu mono derivative powerline" panose="020B0509030602030204" pitchFamily="49" charset="0"/>
+              </a:rPr>
+              <a:t>cv2</a:t>
+            </a:r>
+            <a:r>
+              <a:rPr lang="en-US" altLang="ko-KR" sz="1600" b="0" dirty="0">
+                <a:effectLst/>
+                <a:latin typeface="ubuntu mono derivative powerline" panose="020B0509030602030204" pitchFamily="49" charset="0"/>
+              </a:rPr>
+              <a:t>.</a:t>
+            </a:r>
+            <a:r>
+              <a:rPr lang="en-US" altLang="ko-KR" sz="1600" b="0" dirty="0">
+                <a:solidFill>
+                  <a:srgbClr val="0000FF"/>
+                </a:solidFill>
+                <a:effectLst/>
+                <a:latin typeface="ubuntu mono derivative powerline" panose="020B0509030602030204" pitchFamily="49" charset="0"/>
+              </a:rPr>
+              <a:t>CAP_PROP_FPS</a:t>
+            </a:r>
+            <a:r>
+              <a:rPr lang="en-US" altLang="ko-KR" sz="1600" b="0" dirty="0">
+                <a:effectLst/>
+                <a:latin typeface="ubuntu mono derivative powerline" panose="020B0509030602030204" pitchFamily="49" charset="0"/>
+              </a:rPr>
+              <a:t>)</a:t>
+            </a:r>
+          </a:p>
+          <a:p>
+            <a:r>
+              <a:rPr lang="en-US" altLang="ko-KR" sz="1600" b="0" dirty="0">
+                <a:effectLst/>
+                <a:latin typeface="ubuntu mono derivative powerline" panose="020B0509030602030204" pitchFamily="49" charset="0"/>
+              </a:rPr>
+              <a:t>delay = </a:t>
+            </a:r>
+            <a:r>
+              <a:rPr lang="en-US" altLang="ko-KR" sz="1600" b="0" dirty="0">
+                <a:solidFill>
+                  <a:srgbClr val="0000FF"/>
+                </a:solidFill>
+                <a:effectLst/>
+                <a:latin typeface="ubuntu mono derivative powerline" panose="020B0509030602030204" pitchFamily="49" charset="0"/>
+              </a:rPr>
+              <a:t>int</a:t>
+            </a:r>
+            <a:r>
+              <a:rPr lang="en-US" altLang="ko-KR" sz="1600" b="0" dirty="0">
+                <a:effectLst/>
+                <a:latin typeface="ubuntu mono derivative powerline" panose="020B0509030602030204" pitchFamily="49" charset="0"/>
+              </a:rPr>
+              <a:t>(1000/fps)</a:t>
+            </a:r>
+          </a:p>
+          <a:p>
+            <a:r>
+              <a:rPr lang="en-US" altLang="ko-KR" sz="1600" b="0" dirty="0" err="1">
+                <a:effectLst/>
+                <a:latin typeface="ubuntu mono derivative powerline" panose="020B0509030602030204" pitchFamily="49" charset="0"/>
+              </a:rPr>
+              <a:t>fps_cnt</a:t>
+            </a:r>
+            <a:r>
+              <a:rPr lang="en-US" altLang="ko-KR" sz="1600" b="0" dirty="0">
+                <a:effectLst/>
+                <a:latin typeface="ubuntu mono derivative powerline" panose="020B0509030602030204" pitchFamily="49" charset="0"/>
+              </a:rPr>
+              <a:t> = 0 </a:t>
+            </a:r>
+            <a:r>
+              <a:rPr lang="en-US" altLang="ko-KR" sz="1600" b="0" dirty="0">
+                <a:solidFill>
+                  <a:srgbClr val="00B050"/>
+                </a:solidFill>
+                <a:effectLst/>
+                <a:latin typeface="ubuntu mono derivative powerline" panose="020B0509030602030204" pitchFamily="49" charset="0"/>
+              </a:rPr>
+              <a:t># </a:t>
+            </a:r>
+            <a:r>
+              <a:rPr lang="ko-KR" altLang="en-US" sz="1600" b="0" dirty="0">
+                <a:solidFill>
+                  <a:srgbClr val="00B050"/>
+                </a:solidFill>
+                <a:effectLst/>
+                <a:latin typeface="ubuntu mono derivative powerline" panose="020B0509030602030204" pitchFamily="49" charset="0"/>
+              </a:rPr>
+              <a:t>현재 프레임 번호</a:t>
+            </a:r>
+          </a:p>
+          <a:p>
+            <a:br>
+              <a:rPr lang="ko-KR" altLang="en-US" sz="1600" b="0" dirty="0">
+                <a:effectLst/>
+                <a:latin typeface="ubuntu mono derivative powerline" panose="020B0509030602030204" pitchFamily="49" charset="0"/>
+              </a:rPr>
+            </a:br>
+            <a:endParaRPr lang="en-US" altLang="ko-KR" sz="1600" b="0" dirty="0">
+              <a:effectLst/>
+              <a:latin typeface="ubuntu mono derivative powerline" panose="020B0509030602030204" pitchFamily="49" charset="0"/>
+            </a:endParaRPr>
+          </a:p>
+        </p:txBody>
+      </p:sp>
+    </p:spTree>
+    <p:extLst>
+      <p:ext uri="{BB962C8B-B14F-4D97-AF65-F5344CB8AC3E}">
+        <p14:creationId xmlns:p14="http://schemas.microsoft.com/office/powerpoint/2010/main" val="3501074274"/>
+      </p:ext>
+    </p:extLst>
+  </p:cSld>
+  <p:clrMapOvr>
+    <a:masterClrMapping/>
+  </p:clrMapOvr>
+</p:sld>
+</file>
+
+<file path=ppt/slides/slide36.xml><?xml version="1.0" encoding="utf-8"?>
+<p:sld xmlns:a="http://schemas.openxmlformats.org/drawingml/2006/main" xmlns:r="http://schemas.openxmlformats.org/officeDocument/2006/relationships" xmlns:p="http://schemas.openxmlformats.org/presentationml/2006/main">
+  <p:cSld>
+    <p:spTree>
+      <p:nvGrpSpPr>
+        <p:cNvPr id="1" name=""/>
+        <p:cNvGrpSpPr/>
+        <p:nvPr/>
+      </p:nvGrpSpPr>
+      <p:grpSpPr>
+        <a:xfrm>
+          <a:off x="0" y="0"/>
+          <a:ext cx="0" cy="0"/>
+          <a:chOff x="0" y="0"/>
+          <a:chExt cx="0" cy="0"/>
+        </a:xfrm>
+      </p:grpSpPr>
+      <p:sp>
+        <p:nvSpPr>
+          <p:cNvPr id="2" name="제목 1"/>
+          <p:cNvSpPr>
+            <a:spLocks noGrp="1"/>
+          </p:cNvSpPr>
+          <p:nvPr>
+            <p:ph type="title"/>
+          </p:nvPr>
+        </p:nvSpPr>
+        <p:spPr/>
+        <p:txBody>
+          <a:bodyPr/>
+          <a:lstStyle/>
+          <a:p>
+            <a:r>
+              <a:rPr lang="en-US" altLang="ko-KR" dirty="0"/>
+              <a:t>4. </a:t>
+            </a:r>
+            <a:r>
+              <a:rPr lang="ko-KR" altLang="en-US" dirty="0"/>
+              <a:t>인터페이스 기초</a:t>
+            </a:r>
+          </a:p>
+        </p:txBody>
+      </p:sp>
+      <p:sp>
+        <p:nvSpPr>
+          <p:cNvPr id="3" name="내용 개체 틀 2"/>
+          <p:cNvSpPr>
+            <a:spLocks noGrp="1"/>
+          </p:cNvSpPr>
+          <p:nvPr>
+            <p:ph idx="1"/>
+          </p:nvPr>
+        </p:nvSpPr>
+        <p:spPr/>
+        <p:txBody>
+          <a:bodyPr>
+            <a:normAutofit/>
+          </a:bodyPr>
+          <a:lstStyle/>
+          <a:p>
+            <a:r>
+              <a:rPr lang="en-US" altLang="ko-KR" dirty="0"/>
+              <a:t>4.5 </a:t>
+            </a:r>
+            <a:r>
+              <a:rPr lang="ko-KR" altLang="en-US" dirty="0"/>
+              <a:t>비디오 처리</a:t>
+            </a:r>
+            <a:endParaRPr lang="en-US" altLang="ko-KR" dirty="0"/>
+          </a:p>
+          <a:p>
+            <a:pPr lvl="1"/>
+            <a:r>
+              <a:rPr lang="en-US" altLang="ko-KR" dirty="0"/>
+              <a:t>4.5.3 </a:t>
+            </a:r>
+            <a:r>
+              <a:rPr lang="ko-KR" altLang="en-US" dirty="0"/>
+              <a:t>동영상 파일 읽기</a:t>
+            </a:r>
+            <a:endParaRPr lang="en-US" altLang="ko-KR" dirty="0"/>
+          </a:p>
+        </p:txBody>
+      </p:sp>
+      <p:sp>
+        <p:nvSpPr>
+          <p:cNvPr id="4" name="직사각형 3">
+            <a:extLst>
+              <a:ext uri="{FF2B5EF4-FFF2-40B4-BE49-F238E27FC236}">
+                <a16:creationId xmlns:a16="http://schemas.microsoft.com/office/drawing/2014/main" id="{64FCAE03-D95D-374F-6DE9-F428C178B308}"/>
+              </a:ext>
+            </a:extLst>
+          </p:cNvPr>
+          <p:cNvSpPr/>
+          <p:nvPr/>
+        </p:nvSpPr>
+        <p:spPr>
+          <a:xfrm>
+            <a:off x="827584" y="2065412"/>
+            <a:ext cx="7992888" cy="3046988"/>
+          </a:xfrm>
+          <a:prstGeom prst="rect">
+            <a:avLst/>
+          </a:prstGeom>
+        </p:spPr>
+        <p:txBody>
+          <a:bodyPr wrap="square">
+            <a:spAutoFit/>
+          </a:bodyPr>
+          <a:lstStyle/>
+          <a:p>
+            <a:r>
+              <a:rPr lang="en-US" altLang="ko-KR" sz="1600" b="0" dirty="0">
+                <a:effectLst/>
+                <a:latin typeface="ubuntu mono derivative powerline" panose="020B0509030602030204" pitchFamily="49" charset="0"/>
+              </a:rPr>
+              <a:t>while True:</a:t>
+            </a:r>
+          </a:p>
+          <a:p>
+            <a:r>
+              <a:rPr lang="en-US" altLang="ko-KR" sz="1600" b="0" dirty="0">
+                <a:effectLst/>
+                <a:latin typeface="ubuntu mono derivative powerline" panose="020B0509030602030204" pitchFamily="49" charset="0"/>
+              </a:rPr>
+              <a:t>    ret, frame = </a:t>
+            </a:r>
+            <a:r>
+              <a:rPr lang="en-US" altLang="ko-KR" sz="1600" b="0" dirty="0" err="1">
+                <a:effectLst/>
+                <a:latin typeface="ubuntu mono derivative powerline" panose="020B0509030602030204" pitchFamily="49" charset="0"/>
+              </a:rPr>
+              <a:t>capture.</a:t>
+            </a:r>
+            <a:r>
+              <a:rPr lang="en-US" altLang="ko-KR" sz="1600" b="0" dirty="0" err="1">
+                <a:solidFill>
+                  <a:srgbClr val="0000FF"/>
+                </a:solidFill>
+                <a:effectLst/>
+                <a:latin typeface="ubuntu mono derivative powerline" panose="020B0509030602030204" pitchFamily="49" charset="0"/>
+              </a:rPr>
+              <a:t>read</a:t>
+            </a:r>
+            <a:r>
+              <a:rPr lang="en-US" altLang="ko-KR" sz="1600" b="0" dirty="0">
+                <a:effectLst/>
+                <a:latin typeface="ubuntu mono derivative powerline" panose="020B0509030602030204" pitchFamily="49" charset="0"/>
+              </a:rPr>
+              <a:t>()</a:t>
+            </a:r>
+          </a:p>
+          <a:p>
+            <a:r>
+              <a:rPr lang="en-US" altLang="ko-KR" sz="1600" b="0" dirty="0">
+                <a:effectLst/>
+                <a:latin typeface="ubuntu mono derivative powerline" panose="020B0509030602030204" pitchFamily="49" charset="0"/>
+              </a:rPr>
+              <a:t>    if </a:t>
+            </a:r>
+            <a:r>
+              <a:rPr lang="en-US" altLang="ko-KR" sz="1600" b="0" dirty="0">
+                <a:solidFill>
+                  <a:srgbClr val="7030A0"/>
+                </a:solidFill>
+                <a:effectLst/>
+                <a:latin typeface="ubuntu mono derivative powerline" panose="020B0509030602030204" pitchFamily="49" charset="0"/>
+              </a:rPr>
+              <a:t>cv2</a:t>
+            </a:r>
+            <a:r>
+              <a:rPr lang="en-US" altLang="ko-KR" sz="1600" b="0" dirty="0">
+                <a:effectLst/>
+                <a:latin typeface="ubuntu mono derivative powerline" panose="020B0509030602030204" pitchFamily="49" charset="0"/>
+              </a:rPr>
+              <a:t>.</a:t>
+            </a:r>
+            <a:r>
+              <a:rPr lang="en-US" altLang="ko-KR" sz="1600" b="0" dirty="0">
+                <a:solidFill>
+                  <a:srgbClr val="0000FF"/>
+                </a:solidFill>
+                <a:effectLst/>
+                <a:latin typeface="ubuntu mono derivative powerline" panose="020B0509030602030204" pitchFamily="49" charset="0"/>
+              </a:rPr>
+              <a:t>waitKey</a:t>
+            </a:r>
+            <a:r>
+              <a:rPr lang="en-US" altLang="ko-KR" sz="1600" b="0" dirty="0">
+                <a:effectLst/>
+                <a:latin typeface="ubuntu mono derivative powerline" panose="020B0509030602030204" pitchFamily="49" charset="0"/>
+              </a:rPr>
+              <a:t>(30) &gt;= 0:</a:t>
+            </a:r>
+          </a:p>
+          <a:p>
+            <a:r>
+              <a:rPr lang="en-US" altLang="ko-KR" sz="1600" b="0" dirty="0">
+                <a:effectLst/>
+                <a:latin typeface="ubuntu mono derivative powerline" panose="020B0509030602030204" pitchFamily="49" charset="0"/>
+              </a:rPr>
+              <a:t>        break </a:t>
+            </a:r>
+            <a:r>
+              <a:rPr lang="en-US" altLang="ko-KR" sz="1600" b="0" dirty="0">
+                <a:solidFill>
+                  <a:srgbClr val="00B050"/>
+                </a:solidFill>
+                <a:effectLst/>
+                <a:latin typeface="ubuntu mono derivative powerline" panose="020B0509030602030204" pitchFamily="49" charset="0"/>
+              </a:rPr>
+              <a:t># </a:t>
+            </a:r>
+            <a:r>
+              <a:rPr lang="ko-KR" altLang="en-US" sz="1600" b="0" dirty="0">
+                <a:solidFill>
+                  <a:srgbClr val="00B050"/>
+                </a:solidFill>
+                <a:effectLst/>
+                <a:latin typeface="ubuntu mono derivative powerline" panose="020B0509030602030204" pitchFamily="49" charset="0"/>
+              </a:rPr>
+              <a:t>스페이스바로 종료</a:t>
+            </a:r>
+          </a:p>
+          <a:p>
+            <a:br>
+              <a:rPr lang="ko-KR" altLang="en-US" sz="1600" b="0" dirty="0">
+                <a:effectLst/>
+                <a:latin typeface="ubuntu mono derivative powerline" panose="020B0509030602030204" pitchFamily="49" charset="0"/>
+              </a:rPr>
+            </a:br>
+            <a:r>
+              <a:rPr lang="ko-KR" altLang="en-US" sz="1600" b="0" dirty="0">
+                <a:effectLst/>
+                <a:latin typeface="ubuntu mono derivative powerline" panose="020B0509030602030204" pitchFamily="49" charset="0"/>
+              </a:rPr>
+              <a:t>    </a:t>
+            </a:r>
+            <a:r>
+              <a:rPr lang="en-US" altLang="ko-KR" sz="1600" b="0" dirty="0" err="1">
+                <a:effectLst/>
+                <a:latin typeface="ubuntu mono derivative powerline" panose="020B0509030602030204" pitchFamily="49" charset="0"/>
+              </a:rPr>
+              <a:t>fps_cnt</a:t>
+            </a:r>
+            <a:r>
+              <a:rPr lang="en-US" altLang="ko-KR" sz="1600" b="0" dirty="0">
+                <a:effectLst/>
+                <a:latin typeface="ubuntu mono derivative powerline" panose="020B0509030602030204" pitchFamily="49" charset="0"/>
+              </a:rPr>
+              <a:t> += 1</a:t>
+            </a:r>
+          </a:p>
+          <a:p>
+            <a:r>
+              <a:rPr lang="en-US" altLang="ko-KR" sz="1600" b="0" dirty="0">
+                <a:effectLst/>
+                <a:latin typeface="ubuntu mono derivative powerline" panose="020B0509030602030204" pitchFamily="49" charset="0"/>
+              </a:rPr>
+              <a:t>    print(</a:t>
+            </a:r>
+            <a:r>
+              <a:rPr lang="en-US" altLang="ko-KR" sz="1600" b="0" dirty="0" err="1">
+                <a:effectLst/>
+                <a:latin typeface="ubuntu mono derivative powerline" panose="020B0509030602030204" pitchFamily="49" charset="0"/>
+              </a:rPr>
+              <a:t>fps_cnt</a:t>
+            </a:r>
+            <a:r>
+              <a:rPr lang="en-US" altLang="ko-KR" sz="1600" b="0" dirty="0">
+                <a:effectLst/>
+                <a:latin typeface="ubuntu mono derivative powerline" panose="020B0509030602030204" pitchFamily="49" charset="0"/>
+              </a:rPr>
+              <a:t>)</a:t>
+            </a:r>
+          </a:p>
+          <a:p>
+            <a:br>
+              <a:rPr lang="en-US" altLang="ko-KR" sz="1600" b="0" dirty="0">
+                <a:effectLst/>
+                <a:latin typeface="ubuntu mono derivative powerline" panose="020B0509030602030204" pitchFamily="49" charset="0"/>
+              </a:rPr>
+            </a:br>
+            <a:r>
+              <a:rPr lang="en-US" altLang="ko-KR" sz="1600" b="0" dirty="0">
+                <a:effectLst/>
+                <a:latin typeface="ubuntu mono derivative powerline" panose="020B0509030602030204" pitchFamily="49" charset="0"/>
+              </a:rPr>
+              <a:t>    title = 'Camera'</a:t>
+            </a:r>
+          </a:p>
+          <a:p>
+            <a:r>
+              <a:rPr lang="en-US" altLang="ko-KR" sz="1600" b="0" dirty="0">
+                <a:effectLst/>
+                <a:latin typeface="ubuntu mono derivative powerline" panose="020B0509030602030204" pitchFamily="49" charset="0"/>
+              </a:rPr>
+              <a:t>    </a:t>
+            </a:r>
+            <a:r>
+              <a:rPr lang="en-US" altLang="ko-KR" sz="1600" b="0" dirty="0">
+                <a:solidFill>
+                  <a:srgbClr val="7030A0"/>
+                </a:solidFill>
+                <a:effectLst/>
+                <a:latin typeface="ubuntu mono derivative powerline" panose="020B0509030602030204" pitchFamily="49" charset="0"/>
+              </a:rPr>
+              <a:t>cv2</a:t>
+            </a:r>
+            <a:r>
+              <a:rPr lang="en-US" altLang="ko-KR" sz="1600" b="0" dirty="0">
+                <a:effectLst/>
+                <a:latin typeface="ubuntu mono derivative powerline" panose="020B0509030602030204" pitchFamily="49" charset="0"/>
+              </a:rPr>
+              <a:t>.</a:t>
+            </a:r>
+            <a:r>
+              <a:rPr lang="en-US" altLang="ko-KR" sz="1600" b="0" dirty="0">
+                <a:solidFill>
+                  <a:srgbClr val="0000FF"/>
+                </a:solidFill>
+                <a:effectLst/>
+                <a:latin typeface="ubuntu mono derivative powerline" panose="020B0509030602030204" pitchFamily="49" charset="0"/>
+              </a:rPr>
+              <a:t>imshow</a:t>
+            </a:r>
+            <a:r>
+              <a:rPr lang="en-US" altLang="ko-KR" sz="1600" b="0" dirty="0">
+                <a:effectLst/>
+                <a:latin typeface="ubuntu mono derivative powerline" panose="020B0509030602030204" pitchFamily="49" charset="0"/>
+              </a:rPr>
+              <a:t>(title, frame)</a:t>
+            </a:r>
+          </a:p>
+          <a:p>
+            <a:br>
+              <a:rPr lang="en-US" altLang="ko-KR" sz="1600" b="0" dirty="0">
+                <a:effectLst/>
+                <a:latin typeface="ubuntu mono derivative powerline" panose="020B0509030602030204" pitchFamily="49" charset="0"/>
+              </a:rPr>
+            </a:br>
+            <a:r>
+              <a:rPr lang="en-US" altLang="ko-KR" sz="1600" b="0" dirty="0" err="1">
+                <a:effectLst/>
+                <a:latin typeface="ubuntu mono derivative powerline" panose="020B0509030602030204" pitchFamily="49" charset="0"/>
+              </a:rPr>
+              <a:t>capture.</a:t>
+            </a:r>
+            <a:r>
+              <a:rPr lang="en-US" altLang="ko-KR" sz="1600" b="0" dirty="0" err="1">
+                <a:solidFill>
+                  <a:srgbClr val="0000FF"/>
+                </a:solidFill>
+                <a:effectLst/>
+                <a:latin typeface="ubuntu mono derivative powerline" panose="020B0509030602030204" pitchFamily="49" charset="0"/>
+              </a:rPr>
+              <a:t>release</a:t>
+            </a:r>
+            <a:r>
+              <a:rPr lang="en-US" altLang="ko-KR" sz="1600" b="0" dirty="0">
+                <a:effectLst/>
+                <a:latin typeface="ubuntu mono derivative powerline" panose="020B0509030602030204" pitchFamily="49" charset="0"/>
+              </a:rPr>
+              <a:t>()</a:t>
+            </a:r>
+          </a:p>
+        </p:txBody>
+      </p:sp>
+      <p:pic>
+        <p:nvPicPr>
+          <p:cNvPr id="6" name="그림 5">
+            <a:extLst>
+              <a:ext uri="{FF2B5EF4-FFF2-40B4-BE49-F238E27FC236}">
+                <a16:creationId xmlns:a16="http://schemas.microsoft.com/office/drawing/2014/main" id="{62ECECDA-DA8F-7AB1-F931-84DCABCC1684}"/>
+              </a:ext>
+            </a:extLst>
+          </p:cNvPr>
+          <p:cNvPicPr>
+            <a:picLocks noChangeAspect="1"/>
+          </p:cNvPicPr>
+          <p:nvPr/>
+        </p:nvPicPr>
+        <p:blipFill>
+          <a:blip r:embed="rId2"/>
+          <a:stretch>
+            <a:fillRect/>
+          </a:stretch>
+        </p:blipFill>
+        <p:spPr>
+          <a:xfrm>
+            <a:off x="4716016" y="2132236"/>
+            <a:ext cx="3891739" cy="2376264"/>
+          </a:xfrm>
+          <a:prstGeom prst="rect">
+            <a:avLst/>
+          </a:prstGeom>
+        </p:spPr>
+      </p:pic>
+    </p:spTree>
+    <p:extLst>
+      <p:ext uri="{BB962C8B-B14F-4D97-AF65-F5344CB8AC3E}">
+        <p14:creationId xmlns:p14="http://schemas.microsoft.com/office/powerpoint/2010/main" val="847768655"/>
       </p:ext>
     </p:extLst>
   </p:cSld>

--- a/2022-10-04/documents/CH_04 인터페이스 기초.pptx
+++ b/2022-10-04/documents/CH_04 인터페이스 기초.pptx
@@ -260,7 +260,7 @@
           <a:p>
             <a:fld id="{44C269C3-C25E-41E8-815A-55A10694EC72}" type="datetimeFigureOut">
               <a:rPr lang="ko-KR" altLang="en-US" smtClean="0"/>
-              <a:t>2022-10-03</a:t>
+              <a:t>2022-10-04</a:t>
             </a:fld>
             <a:endParaRPr lang="ko-KR" altLang="en-US"/>
           </a:p>
@@ -425,7 +425,7 @@
           <a:p>
             <a:fld id="{ADE0290A-1521-4E2C-B981-7952210E2E19}" type="datetimeFigureOut">
               <a:rPr lang="ko-KR" altLang="en-US" smtClean="0"/>
-              <a:t>2022-10-03</a:t>
+              <a:t>2022-10-04</a:t>
             </a:fld>
             <a:endParaRPr lang="ko-KR" altLang="en-US"/>
           </a:p>
@@ -1082,7 +1082,7 @@
             <a:fld id="{23A271A1-F6D6-438B-A432-4747EE7ECD40}" type="datetimeFigureOut">
               <a:rPr lang="en-US" smtClean="0"/>
               <a:pPr algn="ctr" eaLnBrk="1" latinLnBrk="0" hangingPunct="1"/>
-              <a:t>10/3/2022</a:t>
+              <a:t>10/4/2022</a:t>
             </a:fld>
             <a:endParaRPr lang="en-US" sz="1667" dirty="0">
               <a:solidFill>
@@ -1287,7 +1287,7 @@
             <a:fld id="{23A271A1-F6D6-438B-A432-4747EE7ECD40}" type="datetimeFigureOut">
               <a:rPr lang="en-US" smtClean="0"/>
               <a:pPr/>
-              <a:t>10/3/2022</a:t>
+              <a:t>10/4/2022</a:t>
             </a:fld>
             <a:endParaRPr lang="en-US" dirty="0"/>
           </a:p>
@@ -1489,7 +1489,7 @@
             <a:fld id="{23A271A1-F6D6-438B-A432-4747EE7ECD40}" type="datetimeFigureOut">
               <a:rPr lang="en-US" smtClean="0"/>
               <a:pPr/>
-              <a:t>10/3/2022</a:t>
+              <a:t>10/4/2022</a:t>
             </a:fld>
             <a:endParaRPr lang="en-US" dirty="0"/>
           </a:p>
@@ -1749,7 +1749,7 @@
             <a:fld id="{23A271A1-F6D6-438B-A432-4747EE7ECD40}" type="datetimeFigureOut">
               <a:rPr lang="en-US" smtClean="0"/>
               <a:pPr/>
-              <a:t>10/3/2022</a:t>
+              <a:t>10/4/2022</a:t>
             </a:fld>
             <a:endParaRPr lang="en-US" dirty="0"/>
           </a:p>
@@ -1938,7 +1938,7 @@
             <a:fld id="{23A271A1-F6D6-438B-A432-4747EE7ECD40}" type="datetimeFigureOut">
               <a:rPr lang="en-US" smtClean="0"/>
               <a:pPr/>
-              <a:t>10/3/2022</a:t>
+              <a:t>10/4/2022</a:t>
             </a:fld>
             <a:endParaRPr lang="en-US" dirty="0"/>
           </a:p>
@@ -2072,7 +2072,7 @@
             <a:fld id="{23A271A1-F6D6-438B-A432-4747EE7ECD40}" type="datetimeFigureOut">
               <a:rPr lang="en-US" smtClean="0"/>
               <a:pPr/>
-              <a:t>10/3/2022</a:t>
+              <a:t>10/4/2022</a:t>
             </a:fld>
             <a:endParaRPr lang="en-US" dirty="0"/>
           </a:p>
@@ -2263,7 +2263,7 @@
             <a:fld id="{23A271A1-F6D6-438B-A432-4747EE7ECD40}" type="datetimeFigureOut">
               <a:rPr lang="en-US" smtClean="0"/>
               <a:pPr/>
-              <a:t>10/3/2022</a:t>
+              <a:t>10/4/2022</a:t>
             </a:fld>
             <a:endParaRPr lang="en-US" dirty="0"/>
           </a:p>
@@ -2451,7 +2451,7 @@
             <a:fld id="{23A271A1-F6D6-438B-A432-4747EE7ECD40}" type="datetimeFigureOut">
               <a:rPr lang="en-US" smtClean="0"/>
               <a:pPr/>
-              <a:t>10/3/2022</a:t>
+              <a:t>10/4/2022</a:t>
             </a:fld>
             <a:endParaRPr lang="en-US" dirty="0"/>
           </a:p>
@@ -2648,7 +2648,7 @@
             <a:fld id="{23A271A1-F6D6-438B-A432-4747EE7ECD40}" type="datetimeFigureOut">
               <a:rPr lang="en-US" smtClean="0"/>
               <a:pPr/>
-              <a:t>10/3/2022</a:t>
+              <a:t>10/4/2022</a:t>
             </a:fld>
             <a:endParaRPr lang="en-US" dirty="0"/>
           </a:p>
@@ -2966,7 +2966,7 @@
             <a:fld id="{23A271A1-F6D6-438B-A432-4747EE7ECD40}" type="datetimeFigureOut">
               <a:rPr lang="en-US" smtClean="0"/>
               <a:pPr eaLnBrk="1" latinLnBrk="0" hangingPunct="1"/>
-              <a:t>10/3/2022</a:t>
+              <a:t>10/4/2022</a:t>
             </a:fld>
             <a:endParaRPr lang="en-US"/>
           </a:p>
@@ -3251,7 +3251,7 @@
             <a:fld id="{23A271A1-F6D6-438B-A432-4747EE7ECD40}" type="datetimeFigureOut">
               <a:rPr lang="en-US" smtClean="0"/>
               <a:pPr/>
-              <a:t>10/3/2022</a:t>
+              <a:t>10/4/2022</a:t>
             </a:fld>
             <a:endParaRPr lang="en-US" dirty="0"/>
           </a:p>
@@ -3375,7 +3375,7 @@
             <a:fld id="{23A271A1-F6D6-438B-A432-4747EE7ECD40}" type="datetimeFigureOut">
               <a:rPr lang="en-US" smtClean="0"/>
               <a:pPr eaLnBrk="1" latinLnBrk="0" hangingPunct="1"/>
-              <a:t>10/3/2022</a:t>
+              <a:t>10/4/2022</a:t>
             </a:fld>
             <a:endParaRPr lang="en-US"/>
           </a:p>
@@ -3762,7 +3762,7 @@
             <a:fld id="{23A271A1-F6D6-438B-A432-4747EE7ECD40}" type="datetimeFigureOut">
               <a:rPr lang="en-US" smtClean="0"/>
               <a:pPr eaLnBrk="1" latinLnBrk="0" hangingPunct="1"/>
-              <a:t>10/3/2022</a:t>
+              <a:t>10/4/2022</a:t>
             </a:fld>
             <a:endParaRPr lang="en-US"/>
           </a:p>
@@ -4112,7 +4112,7 @@
             <a:fld id="{23A271A1-F6D6-438B-A432-4747EE7ECD40}" type="datetimeFigureOut">
               <a:rPr lang="en-US" smtClean="0"/>
               <a:pPr eaLnBrk="1" latinLnBrk="0" hangingPunct="1"/>
-              <a:t>10/3/2022</a:t>
+              <a:t>10/4/2022</a:t>
             </a:fld>
             <a:endParaRPr lang="en-US"/>
           </a:p>
@@ -4422,7 +4422,7 @@
             <a:fld id="{23A271A1-F6D6-438B-A432-4747EE7ECD40}" type="datetimeFigureOut">
               <a:rPr lang="en-US" smtClean="0"/>
               <a:pPr/>
-              <a:t>10/3/2022</a:t>
+              <a:t>10/4/2022</a:t>
             </a:fld>
             <a:endParaRPr lang="en-US" dirty="0"/>
           </a:p>
@@ -4870,7 +4870,7 @@
             <a:fld id="{23A271A1-F6D6-438B-A432-4747EE7ECD40}" type="datetimeFigureOut">
               <a:rPr lang="en-US" smtClean="0"/>
               <a:pPr/>
-              <a:t>10/3/2022</a:t>
+              <a:t>10/4/2022</a:t>
             </a:fld>
             <a:endParaRPr lang="en-US" dirty="0"/>
           </a:p>
@@ -5016,7 +5016,7 @@
             <a:fld id="{23A271A1-F6D6-438B-A432-4747EE7ECD40}" type="datetimeFigureOut">
               <a:rPr lang="en-US" smtClean="0"/>
               <a:pPr/>
-              <a:t>10/3/2022</a:t>
+              <a:t>10/4/2022</a:t>
             </a:fld>
             <a:endParaRPr lang="en-US" dirty="0"/>
           </a:p>
@@ -5182,7 +5182,7 @@
             <a:fld id="{23A271A1-F6D6-438B-A432-4747EE7ECD40}" type="datetimeFigureOut">
               <a:rPr lang="en-US" smtClean="0"/>
               <a:pPr eaLnBrk="1" latinLnBrk="0" hangingPunct="1"/>
-              <a:t>10/3/2022</a:t>
+              <a:t>10/4/2022</a:t>
             </a:fld>
             <a:endParaRPr lang="en-US"/>
           </a:p>
@@ -5521,7 +5521,7 @@
             <a:fld id="{23A271A1-F6D6-438B-A432-4747EE7ECD40}" type="datetimeFigureOut">
               <a:rPr lang="en-US" smtClean="0"/>
               <a:pPr/>
-              <a:t>10/3/2022</a:t>
+              <a:t>10/4/2022</a:t>
             </a:fld>
             <a:endParaRPr lang="en-US" dirty="0"/>
           </a:p>
@@ -5800,7 +5800,7 @@
             <a:fld id="{23A271A1-F6D6-438B-A432-4747EE7ECD40}" type="datetimeFigureOut">
               <a:rPr lang="en-US" smtClean="0"/>
               <a:pPr/>
-              <a:t>10/3/2022</a:t>
+              <a:t>10/4/2022</a:t>
             </a:fld>
             <a:endParaRPr lang="en-US" dirty="0"/>
           </a:p>
@@ -6209,7 +6209,7 @@
             <a:fld id="{23A271A1-F6D6-438B-A432-4747EE7ECD40}" type="datetimeFigureOut">
               <a:rPr lang="en-US" smtClean="0"/>
               <a:pPr/>
-              <a:t>10/3/2022</a:t>
+              <a:t>10/4/2022</a:t>
             </a:fld>
             <a:endParaRPr lang="en-US" dirty="0"/>
           </a:p>
